--- a/Angular JS draft.pptx
+++ b/Angular JS draft.pptx
@@ -9,10 +9,14 @@
     <p:sldId id="257" r:id="rId3"/>
     <p:sldId id="258" r:id="rId4"/>
     <p:sldId id="259" r:id="rId5"/>
-    <p:sldId id="260" r:id="rId6"/>
-    <p:sldId id="261" r:id="rId7"/>
-    <p:sldId id="262" r:id="rId8"/>
-    <p:sldId id="263" r:id="rId9"/>
+    <p:sldId id="265" r:id="rId6"/>
+    <p:sldId id="260" r:id="rId7"/>
+    <p:sldId id="261" r:id="rId8"/>
+    <p:sldId id="262" r:id="rId9"/>
+    <p:sldId id="263" r:id="rId10"/>
+    <p:sldId id="264" r:id="rId11"/>
+    <p:sldId id="266" r:id="rId12"/>
+    <p:sldId id="267" r:id="rId13"/>
   </p:sldIdLst>
   <p:sldSz cx="12192000" cy="6858000"/>
   <p:notesSz cx="6858000" cy="9144000"/>
@@ -111,6 +115,11 @@
       </a:defRPr>
     </a:lvl9pPr>
   </p:defaultTextStyle>
+  <p:extLst>
+    <p:ext uri="{EFAFB233-063F-42B5-8137-9DF3F51BA10A}">
+      <p15:sldGuideLst xmlns:p15="http://schemas.microsoft.com/office/powerpoint/2012/main"/>
+    </p:ext>
+  </p:extLst>
 </p:presentation>
 </file>
 
@@ -245,7 +254,7 @@
           <a:p>
             <a:fld id="{744C1FFF-588F-42A6-A7C4-71A6BD7C8199}" type="datetimeFigureOut">
               <a:rPr lang="en-IN" smtClean="0"/>
-              <a:t>01-05-2017</a:t>
+              <a:t>02-05-2017</a:t>
             </a:fld>
             <a:endParaRPr lang="en-IN"/>
           </a:p>
@@ -415,7 +424,7 @@
           <a:p>
             <a:fld id="{744C1FFF-588F-42A6-A7C4-71A6BD7C8199}" type="datetimeFigureOut">
               <a:rPr lang="en-IN" smtClean="0"/>
-              <a:t>01-05-2017</a:t>
+              <a:t>02-05-2017</a:t>
             </a:fld>
             <a:endParaRPr lang="en-IN"/>
           </a:p>
@@ -595,7 +604,7 @@
           <a:p>
             <a:fld id="{744C1FFF-588F-42A6-A7C4-71A6BD7C8199}" type="datetimeFigureOut">
               <a:rPr lang="en-IN" smtClean="0"/>
-              <a:t>01-05-2017</a:t>
+              <a:t>02-05-2017</a:t>
             </a:fld>
             <a:endParaRPr lang="en-IN"/>
           </a:p>
@@ -765,7 +774,7 @@
           <a:p>
             <a:fld id="{744C1FFF-588F-42A6-A7C4-71A6BD7C8199}" type="datetimeFigureOut">
               <a:rPr lang="en-IN" smtClean="0"/>
-              <a:t>01-05-2017</a:t>
+              <a:t>02-05-2017</a:t>
             </a:fld>
             <a:endParaRPr lang="en-IN"/>
           </a:p>
@@ -1011,7 +1020,7 @@
           <a:p>
             <a:fld id="{744C1FFF-588F-42A6-A7C4-71A6BD7C8199}" type="datetimeFigureOut">
               <a:rPr lang="en-IN" smtClean="0"/>
-              <a:t>01-05-2017</a:t>
+              <a:t>02-05-2017</a:t>
             </a:fld>
             <a:endParaRPr lang="en-IN"/>
           </a:p>
@@ -1243,7 +1252,7 @@
           <a:p>
             <a:fld id="{744C1FFF-588F-42A6-A7C4-71A6BD7C8199}" type="datetimeFigureOut">
               <a:rPr lang="en-IN" smtClean="0"/>
-              <a:t>01-05-2017</a:t>
+              <a:t>02-05-2017</a:t>
             </a:fld>
             <a:endParaRPr lang="en-IN"/>
           </a:p>
@@ -1610,7 +1619,7 @@
           <a:p>
             <a:fld id="{744C1FFF-588F-42A6-A7C4-71A6BD7C8199}" type="datetimeFigureOut">
               <a:rPr lang="en-IN" smtClean="0"/>
-              <a:t>01-05-2017</a:t>
+              <a:t>02-05-2017</a:t>
             </a:fld>
             <a:endParaRPr lang="en-IN"/>
           </a:p>
@@ -1728,7 +1737,7 @@
           <a:p>
             <a:fld id="{744C1FFF-588F-42A6-A7C4-71A6BD7C8199}" type="datetimeFigureOut">
               <a:rPr lang="en-IN" smtClean="0"/>
-              <a:t>01-05-2017</a:t>
+              <a:t>02-05-2017</a:t>
             </a:fld>
             <a:endParaRPr lang="en-IN"/>
           </a:p>
@@ -1823,7 +1832,7 @@
           <a:p>
             <a:fld id="{744C1FFF-588F-42A6-A7C4-71A6BD7C8199}" type="datetimeFigureOut">
               <a:rPr lang="en-IN" smtClean="0"/>
-              <a:t>01-05-2017</a:t>
+              <a:t>02-05-2017</a:t>
             </a:fld>
             <a:endParaRPr lang="en-IN"/>
           </a:p>
@@ -2100,7 +2109,7 @@
           <a:p>
             <a:fld id="{744C1FFF-588F-42A6-A7C4-71A6BD7C8199}" type="datetimeFigureOut">
               <a:rPr lang="en-IN" smtClean="0"/>
-              <a:t>01-05-2017</a:t>
+              <a:t>02-05-2017</a:t>
             </a:fld>
             <a:endParaRPr lang="en-IN"/>
           </a:p>
@@ -2353,7 +2362,7 @@
           <a:p>
             <a:fld id="{744C1FFF-588F-42A6-A7C4-71A6BD7C8199}" type="datetimeFigureOut">
               <a:rPr lang="en-IN" smtClean="0"/>
-              <a:t>01-05-2017</a:t>
+              <a:t>02-05-2017</a:t>
             </a:fld>
             <a:endParaRPr lang="en-IN"/>
           </a:p>
@@ -2566,7 +2575,7 @@
           <a:p>
             <a:fld id="{744C1FFF-588F-42A6-A7C4-71A6BD7C8199}" type="datetimeFigureOut">
               <a:rPr lang="en-IN" smtClean="0"/>
-              <a:t>01-05-2017</a:t>
+              <a:t>02-05-2017</a:t>
             </a:fld>
             <a:endParaRPr lang="en-IN"/>
           </a:p>
@@ -2986,7 +2995,10 @@
           <a:bodyPr/>
           <a:lstStyle/>
           <a:p>
-            <a:endParaRPr lang="en-IN" dirty="0"/>
+            <a:r>
+              <a:rPr lang="en-IN" dirty="0"/>
+              <a:t>AngularJS</a:t>
+            </a:r>
           </a:p>
         </p:txBody>
       </p:sp>
@@ -3013,6 +3025,603 @@
     <p:extLst>
       <p:ext uri="{BB962C8B-B14F-4D97-AF65-F5344CB8AC3E}">
         <p14:creationId xmlns:p14="http://schemas.microsoft.com/office/powerpoint/2010/main" val="2966844295"/>
+      </p:ext>
+    </p:extLst>
+  </p:cSld>
+  <p:clrMapOvr>
+    <a:masterClrMapping/>
+  </p:clrMapOvr>
+</p:sld>
+</file>
+
+<file path=ppt/slides/slide10.xml><?xml version="1.0" encoding="utf-8"?>
+<p:sld xmlns:a="http://schemas.openxmlformats.org/drawingml/2006/main" xmlns:r="http://schemas.openxmlformats.org/officeDocument/2006/relationships" xmlns:p="http://schemas.openxmlformats.org/presentationml/2006/main">
+  <p:cSld>
+    <p:spTree>
+      <p:nvGrpSpPr>
+        <p:cNvPr id="1" name=""/>
+        <p:cNvGrpSpPr/>
+        <p:nvPr/>
+      </p:nvGrpSpPr>
+      <p:grpSpPr>
+        <a:xfrm>
+          <a:off x="0" y="0"/>
+          <a:ext cx="0" cy="0"/>
+          <a:chOff x="0" y="0"/>
+          <a:chExt cx="0" cy="0"/>
+        </a:xfrm>
+      </p:grpSpPr>
+      <p:sp>
+        <p:nvSpPr>
+          <p:cNvPr id="2" name="Title 1"/>
+          <p:cNvSpPr>
+            <a:spLocks noGrp="1"/>
+          </p:cNvSpPr>
+          <p:nvPr>
+            <p:ph type="title"/>
+          </p:nvPr>
+        </p:nvSpPr>
+        <p:spPr/>
+        <p:txBody>
+          <a:bodyPr/>
+          <a:lstStyle/>
+          <a:p>
+            <a:r>
+              <a:rPr lang="en-IN" sz="2000" b="1" dirty="0"/>
+              <a:t>AngularJS Directives</a:t>
+            </a:r>
+            <a:br>
+              <a:rPr lang="en-IN" sz="2000" dirty="0"/>
+            </a:br>
+            <a:r>
+              <a:rPr lang="en-IN" b="1" dirty="0">
+                <a:effectLst>
+                  <a:outerShdw blurRad="38100" dist="38100" dir="2700000" algn="tl">
+                    <a:srgbClr val="000000">
+                      <a:alpha val="43137"/>
+                    </a:srgbClr>
+                  </a:outerShdw>
+                </a:effectLst>
+              </a:rPr>
+              <a:t>Modules</a:t>
+            </a:r>
+            <a:endParaRPr lang="en-IN" dirty="0"/>
+          </a:p>
+        </p:txBody>
+      </p:sp>
+      <p:sp>
+        <p:nvSpPr>
+          <p:cNvPr id="3" name="Content Placeholder 2"/>
+          <p:cNvSpPr>
+            <a:spLocks noGrp="1"/>
+          </p:cNvSpPr>
+          <p:nvPr>
+            <p:ph idx="1"/>
+          </p:nvPr>
+        </p:nvSpPr>
+        <p:spPr/>
+        <p:txBody>
+          <a:bodyPr/>
+          <a:lstStyle/>
+          <a:p>
+            <a:r>
+              <a:rPr lang="en-IN" dirty="0">
+                <a:effectLst>
+                  <a:outerShdw blurRad="38100" dist="38100" dir="2700000" algn="tl">
+                    <a:srgbClr val="000000">
+                      <a:alpha val="43137"/>
+                    </a:srgbClr>
+                  </a:outerShdw>
+                </a:effectLst>
+              </a:rPr>
+              <a:t>Modules </a:t>
+            </a:r>
+            <a:r>
+              <a:rPr lang="en-IN" dirty="0"/>
+              <a:t>in AngularJS are similar to </a:t>
+            </a:r>
+            <a:r>
+              <a:rPr lang="en-IN" dirty="0">
+                <a:effectLst>
+                  <a:outerShdw blurRad="38100" dist="38100" dir="2700000" algn="tl">
+                    <a:srgbClr val="000000">
+                      <a:alpha val="43137"/>
+                    </a:srgbClr>
+                  </a:outerShdw>
+                </a:effectLst>
+              </a:rPr>
+              <a:t>packages </a:t>
+            </a:r>
+            <a:r>
+              <a:rPr lang="en-IN" dirty="0"/>
+              <a:t>in java</a:t>
+            </a:r>
+          </a:p>
+          <a:p>
+            <a:r>
+              <a:rPr lang="en-IN" dirty="0"/>
+              <a:t>Container for the different parts of your app – controllers, services, filters, directives, etc.</a:t>
+            </a:r>
+          </a:p>
+          <a:p>
+            <a:r>
+              <a:rPr lang="en-IN" dirty="0"/>
+              <a:t>Can define its own controllers, services, factories, and directives which are accessed throughout the module.</a:t>
+            </a:r>
+          </a:p>
+          <a:p>
+            <a:r>
+              <a:rPr lang="en-IN" dirty="0"/>
+              <a:t>Can depend on other modules as </a:t>
+            </a:r>
+            <a:r>
+              <a:rPr lang="en-IN" i="1" dirty="0"/>
+              <a:t>dependencies and </a:t>
+            </a:r>
+            <a:r>
+              <a:rPr lang="en-IN" dirty="0"/>
+              <a:t>made available to all the code defined in this module.</a:t>
+            </a:r>
+            <a:endParaRPr lang="en-IN" dirty="0">
+              <a:effectLst>
+                <a:outerShdw blurRad="38100" dist="38100" dir="2700000" algn="tl">
+                  <a:srgbClr val="000000">
+                    <a:alpha val="43137"/>
+                  </a:srgbClr>
+                </a:outerShdw>
+              </a:effectLst>
+            </a:endParaRPr>
+          </a:p>
+        </p:txBody>
+      </p:sp>
+    </p:spTree>
+    <p:extLst>
+      <p:ext uri="{BB962C8B-B14F-4D97-AF65-F5344CB8AC3E}">
+        <p14:creationId xmlns:p14="http://schemas.microsoft.com/office/powerpoint/2010/main" val="1235643908"/>
+      </p:ext>
+    </p:extLst>
+  </p:cSld>
+  <p:clrMapOvr>
+    <a:masterClrMapping/>
+  </p:clrMapOvr>
+</p:sld>
+</file>
+
+<file path=ppt/slides/slide11.xml><?xml version="1.0" encoding="utf-8"?>
+<p:sld xmlns:a="http://schemas.openxmlformats.org/drawingml/2006/main" xmlns:r="http://schemas.openxmlformats.org/officeDocument/2006/relationships" xmlns:p="http://schemas.openxmlformats.org/presentationml/2006/main">
+  <p:cSld>
+    <p:spTree>
+      <p:nvGrpSpPr>
+        <p:cNvPr id="1" name=""/>
+        <p:cNvGrpSpPr/>
+        <p:nvPr/>
+      </p:nvGrpSpPr>
+      <p:grpSpPr>
+        <a:xfrm>
+          <a:off x="0" y="0"/>
+          <a:ext cx="0" cy="0"/>
+          <a:chOff x="0" y="0"/>
+          <a:chExt cx="0" cy="0"/>
+        </a:xfrm>
+      </p:grpSpPr>
+      <p:sp>
+        <p:nvSpPr>
+          <p:cNvPr id="3" name="Content Placeholder 2"/>
+          <p:cNvSpPr>
+            <a:spLocks noGrp="1"/>
+          </p:cNvSpPr>
+          <p:nvPr>
+            <p:ph idx="1"/>
+          </p:nvPr>
+        </p:nvSpPr>
+        <p:spPr>
+          <a:xfrm>
+            <a:off x="838200" y="1980373"/>
+            <a:ext cx="10515600" cy="4351338"/>
+          </a:xfrm>
+        </p:spPr>
+        <p:txBody>
+          <a:bodyPr>
+            <a:normAutofit lnSpcReduction="10000"/>
+          </a:bodyPr>
+          <a:lstStyle/>
+          <a:p>
+            <a:endParaRPr lang="en-IN" dirty="0"/>
+          </a:p>
+          <a:p>
+            <a:r>
+              <a:rPr lang="en-IN" dirty="0" err="1"/>
+              <a:t>angular.module</a:t>
+            </a:r>
+            <a:r>
+              <a:rPr lang="en-IN" dirty="0"/>
+              <a:t>(‘</a:t>
+            </a:r>
+            <a:r>
+              <a:rPr lang="en-IN" dirty="0" err="1"/>
+              <a:t>myApp</a:t>
+            </a:r>
+            <a:r>
+              <a:rPr lang="en-IN" dirty="0"/>
+              <a:t>', []);</a:t>
+            </a:r>
+          </a:p>
+          <a:p>
+            <a:pPr marL="457200" lvl="1" indent="0">
+              <a:buNone/>
+            </a:pPr>
+            <a:r>
+              <a:rPr lang="en-IN" dirty="0">
+                <a:solidFill>
+                  <a:srgbClr val="0070C0"/>
+                </a:solidFill>
+              </a:rPr>
+              <a:t>Creating a module with no dependencies</a:t>
+            </a:r>
+          </a:p>
+          <a:p>
+            <a:endParaRPr lang="en-IN" dirty="0"/>
+          </a:p>
+          <a:p>
+            <a:r>
+              <a:rPr lang="en-IN" dirty="0" err="1"/>
+              <a:t>angular.module</a:t>
+            </a:r>
+            <a:r>
+              <a:rPr lang="en-IN" dirty="0"/>
+              <a:t>(‘</a:t>
+            </a:r>
+            <a:r>
+              <a:rPr lang="en-IN" dirty="0" err="1"/>
+              <a:t>myApp</a:t>
+            </a:r>
+            <a:r>
+              <a:rPr lang="en-IN" dirty="0"/>
+              <a:t>', ['</a:t>
+            </a:r>
+            <a:r>
+              <a:rPr lang="en-IN" dirty="0" err="1"/>
+              <a:t>myapp.ui</a:t>
+            </a:r>
+            <a:r>
+              <a:rPr lang="en-IN" dirty="0"/>
+              <a:t>', '</a:t>
+            </a:r>
+            <a:r>
+              <a:rPr lang="en-IN" dirty="0" err="1"/>
+              <a:t>yourapp.diagram</a:t>
+            </a:r>
+            <a:r>
+              <a:rPr lang="en-IN" dirty="0"/>
+              <a:t>']);</a:t>
+            </a:r>
+          </a:p>
+          <a:p>
+            <a:pPr marL="457200" lvl="1" indent="0">
+              <a:buNone/>
+            </a:pPr>
+            <a:r>
+              <a:rPr lang="en-IN" dirty="0">
+                <a:solidFill>
+                  <a:srgbClr val="0070C0"/>
+                </a:solidFill>
+              </a:rPr>
+              <a:t>Creating a module with 2 other dependent modules</a:t>
+            </a:r>
+            <a:endParaRPr lang="en-IN" dirty="0"/>
+          </a:p>
+          <a:p>
+            <a:endParaRPr lang="en-IN" dirty="0"/>
+          </a:p>
+          <a:p>
+            <a:r>
+              <a:rPr lang="en-IN" dirty="0" err="1"/>
+              <a:t>angular.module</a:t>
+            </a:r>
+            <a:r>
+              <a:rPr lang="en-IN" dirty="0"/>
+              <a:t>(‘</a:t>
+            </a:r>
+            <a:r>
+              <a:rPr lang="en-IN" dirty="0" err="1"/>
+              <a:t>myApp</a:t>
+            </a:r>
+            <a:r>
+              <a:rPr lang="en-IN" dirty="0"/>
+              <a:t>');</a:t>
+            </a:r>
+          </a:p>
+          <a:p>
+            <a:pPr lvl="1"/>
+            <a:r>
+              <a:rPr lang="en-IN" dirty="0">
+                <a:solidFill>
+                  <a:srgbClr val="0070C0"/>
+                </a:solidFill>
+              </a:rPr>
+              <a:t>looks an </a:t>
+            </a:r>
+            <a:r>
+              <a:rPr lang="en-IN" i="1" dirty="0">
+                <a:solidFill>
+                  <a:srgbClr val="0070C0"/>
+                </a:solidFill>
+              </a:rPr>
+              <a:t>existing </a:t>
+            </a:r>
+            <a:r>
+              <a:rPr lang="en-IN" dirty="0">
+                <a:solidFill>
+                  <a:srgbClr val="0070C0"/>
+                </a:solidFill>
+              </a:rPr>
+              <a:t>module to make it available to use, add, or modify in the current file.</a:t>
+            </a:r>
+            <a:endParaRPr lang="en-IN" dirty="0">
+              <a:solidFill>
+                <a:srgbClr val="0070C0"/>
+              </a:solidFill>
+            </a:endParaRPr>
+          </a:p>
+        </p:txBody>
+      </p:sp>
+      <p:sp>
+        <p:nvSpPr>
+          <p:cNvPr id="4" name="Callout: Bent Line 3"/>
+          <p:cNvSpPr/>
+          <p:nvPr/>
+        </p:nvSpPr>
+        <p:spPr>
+          <a:xfrm flipH="1">
+            <a:off x="1448972" y="1581107"/>
+            <a:ext cx="1997613" cy="663595"/>
+          </a:xfrm>
+          <a:prstGeom prst="borderCallout2">
+            <a:avLst>
+              <a:gd name="adj1" fmla="val 18750"/>
+              <a:gd name="adj2" fmla="val -8333"/>
+              <a:gd name="adj3" fmla="val 18750"/>
+              <a:gd name="adj4" fmla="val -16667"/>
+              <a:gd name="adj5" fmla="val 116022"/>
+              <a:gd name="adj6" fmla="val -17987"/>
+            </a:avLst>
+          </a:prstGeom>
+        </p:spPr>
+        <p:style>
+          <a:lnRef idx="2">
+            <a:schemeClr val="accent1">
+              <a:shade val="50000"/>
+            </a:schemeClr>
+          </a:lnRef>
+          <a:fillRef idx="1">
+            <a:schemeClr val="accent1"/>
+          </a:fillRef>
+          <a:effectRef idx="0">
+            <a:schemeClr val="accent1"/>
+          </a:effectRef>
+          <a:fontRef idx="minor">
+            <a:schemeClr val="lt1"/>
+          </a:fontRef>
+        </p:style>
+        <p:txBody>
+          <a:bodyPr rtlCol="0" anchor="ctr"/>
+          <a:lstStyle/>
+          <a:p>
+            <a:pPr algn="ctr"/>
+            <a:r>
+              <a:rPr lang="en-IN" dirty="0"/>
+              <a:t>Module name we define</a:t>
+            </a:r>
+          </a:p>
+        </p:txBody>
+      </p:sp>
+      <p:sp>
+        <p:nvSpPr>
+          <p:cNvPr id="5" name="Callout: Bent Line 4"/>
+          <p:cNvSpPr/>
+          <p:nvPr/>
+        </p:nvSpPr>
+        <p:spPr>
+          <a:xfrm>
+            <a:off x="5501053" y="1649630"/>
+            <a:ext cx="2236177" cy="661485"/>
+          </a:xfrm>
+          <a:prstGeom prst="borderCallout2">
+            <a:avLst>
+              <a:gd name="adj1" fmla="val 18750"/>
+              <a:gd name="adj2" fmla="val -8333"/>
+              <a:gd name="adj3" fmla="val 18750"/>
+              <a:gd name="adj4" fmla="val -16667"/>
+              <a:gd name="adj5" fmla="val 110374"/>
+              <a:gd name="adj6" fmla="val -17137"/>
+            </a:avLst>
+          </a:prstGeom>
+        </p:spPr>
+        <p:style>
+          <a:lnRef idx="2">
+            <a:schemeClr val="accent1">
+              <a:shade val="50000"/>
+            </a:schemeClr>
+          </a:lnRef>
+          <a:fillRef idx="1">
+            <a:schemeClr val="accent1"/>
+          </a:fillRef>
+          <a:effectRef idx="0">
+            <a:schemeClr val="accent1"/>
+          </a:effectRef>
+          <a:fontRef idx="minor">
+            <a:schemeClr val="lt1"/>
+          </a:fontRef>
+        </p:style>
+        <p:txBody>
+          <a:bodyPr rtlCol="0" anchor="ctr"/>
+          <a:lstStyle/>
+          <a:p>
+            <a:pPr algn="ctr"/>
+            <a:r>
+              <a:rPr lang="en-IN" dirty="0"/>
+              <a:t>Array of dependent modules</a:t>
+            </a:r>
+          </a:p>
+        </p:txBody>
+      </p:sp>
+      <p:sp>
+        <p:nvSpPr>
+          <p:cNvPr id="8" name="Title 1"/>
+          <p:cNvSpPr>
+            <a:spLocks noGrp="1"/>
+          </p:cNvSpPr>
+          <p:nvPr>
+            <p:ph type="title"/>
+          </p:nvPr>
+        </p:nvSpPr>
+        <p:spPr>
+          <a:xfrm>
+            <a:off x="838200" y="379193"/>
+            <a:ext cx="10515600" cy="1325563"/>
+          </a:xfrm>
+        </p:spPr>
+        <p:txBody>
+          <a:bodyPr/>
+          <a:lstStyle/>
+          <a:p>
+            <a:r>
+              <a:rPr lang="en-IN" sz="2000" b="1" dirty="0"/>
+              <a:t>AngularJS Directives</a:t>
+            </a:r>
+            <a:br>
+              <a:rPr lang="en-IN" sz="2000" dirty="0"/>
+            </a:br>
+            <a:r>
+              <a:rPr lang="en-IN" b="1" dirty="0">
+                <a:effectLst>
+                  <a:outerShdw blurRad="38100" dist="38100" dir="2700000" algn="tl">
+                    <a:srgbClr val="000000">
+                      <a:alpha val="43137"/>
+                    </a:srgbClr>
+                  </a:outerShdw>
+                </a:effectLst>
+              </a:rPr>
+              <a:t>Modules</a:t>
+            </a:r>
+            <a:endParaRPr lang="en-IN" dirty="0"/>
+          </a:p>
+        </p:txBody>
+      </p:sp>
+    </p:spTree>
+    <p:extLst>
+      <p:ext uri="{BB962C8B-B14F-4D97-AF65-F5344CB8AC3E}">
+        <p14:creationId xmlns:p14="http://schemas.microsoft.com/office/powerpoint/2010/main" val="1400434217"/>
+      </p:ext>
+    </p:extLst>
+  </p:cSld>
+  <p:clrMapOvr>
+    <a:masterClrMapping/>
+  </p:clrMapOvr>
+</p:sld>
+</file>
+
+<file path=ppt/slides/slide12.xml><?xml version="1.0" encoding="utf-8"?>
+<p:sld xmlns:a="http://schemas.openxmlformats.org/drawingml/2006/main" xmlns:r="http://schemas.openxmlformats.org/officeDocument/2006/relationships" xmlns:p="http://schemas.openxmlformats.org/presentationml/2006/main">
+  <p:cSld>
+    <p:spTree>
+      <p:nvGrpSpPr>
+        <p:cNvPr id="1" name=""/>
+        <p:cNvGrpSpPr/>
+        <p:nvPr/>
+      </p:nvGrpSpPr>
+      <p:grpSpPr>
+        <a:xfrm>
+          <a:off x="0" y="0"/>
+          <a:ext cx="0" cy="0"/>
+          <a:chOff x="0" y="0"/>
+          <a:chExt cx="0" cy="0"/>
+        </a:xfrm>
+      </p:grpSpPr>
+      <p:sp>
+        <p:nvSpPr>
+          <p:cNvPr id="2" name="Title 1"/>
+          <p:cNvSpPr>
+            <a:spLocks noGrp="1"/>
+          </p:cNvSpPr>
+          <p:nvPr>
+            <p:ph type="title"/>
+          </p:nvPr>
+        </p:nvSpPr>
+        <p:spPr/>
+        <p:txBody>
+          <a:bodyPr/>
+          <a:lstStyle/>
+          <a:p>
+            <a:r>
+              <a:rPr lang="en-IN" b="1" dirty="0">
+                <a:effectLst>
+                  <a:outerShdw blurRad="38100" dist="38100" dir="2700000" algn="tl">
+                    <a:srgbClr val="000000">
+                      <a:alpha val="43137"/>
+                    </a:srgbClr>
+                  </a:outerShdw>
+                </a:effectLst>
+              </a:rPr>
+              <a:t>AngularJS Controller</a:t>
+            </a:r>
+            <a:endParaRPr lang="en-IN" dirty="0"/>
+          </a:p>
+        </p:txBody>
+      </p:sp>
+      <p:sp>
+        <p:nvSpPr>
+          <p:cNvPr id="3" name="Content Placeholder 2"/>
+          <p:cNvSpPr>
+            <a:spLocks noGrp="1"/>
+          </p:cNvSpPr>
+          <p:nvPr>
+            <p:ph idx="1"/>
+          </p:nvPr>
+        </p:nvSpPr>
+        <p:spPr/>
+        <p:txBody>
+          <a:bodyPr/>
+          <a:lstStyle/>
+          <a:p>
+            <a:r>
+              <a:rPr lang="en-IN" dirty="0"/>
+              <a:t>Fetch data from the server for UI</a:t>
+            </a:r>
+          </a:p>
+          <a:p>
+            <a:r>
+              <a:rPr lang="en-IN" dirty="0"/>
+              <a:t>Are regular </a:t>
+            </a:r>
+            <a:r>
+              <a:rPr lang="en-IN" b="1" dirty="0"/>
+              <a:t>JavaScript Objects</a:t>
+            </a:r>
+            <a:r>
+              <a:rPr lang="en-IN" dirty="0"/>
+              <a:t>.</a:t>
+            </a:r>
+          </a:p>
+          <a:p>
+            <a:r>
+              <a:rPr lang="en-IN" b="1" dirty="0"/>
+              <a:t>ng-controller</a:t>
+            </a:r>
+            <a:r>
+              <a:rPr lang="en-IN" dirty="0"/>
+              <a:t> directive defines the application controller.</a:t>
+            </a:r>
+          </a:p>
+          <a:p>
+            <a:endParaRPr lang="en-IN" dirty="0"/>
+          </a:p>
+        </p:txBody>
+      </p:sp>
+    </p:spTree>
+    <p:extLst>
+      <p:ext uri="{BB962C8B-B14F-4D97-AF65-F5344CB8AC3E}">
+        <p14:creationId xmlns:p14="http://schemas.microsoft.com/office/powerpoint/2010/main" val="3342622290"/>
       </p:ext>
     </p:extLst>
   </p:cSld>
@@ -3055,8 +3664,16 @@
           <a:lstStyle/>
           <a:p>
             <a:r>
-              <a:rPr lang="en-IN" dirty="0"/>
-              <a:t>What is Angular JS</a:t>
+              <a:rPr lang="en-IN" b="1" dirty="0">
+                <a:effectLst>
+                  <a:outerShdw blurRad="38100" dist="38100" dir="2700000" algn="tl">
+                    <a:srgbClr val="000000">
+                      <a:alpha val="43137"/>
+                    </a:srgbClr>
+                  </a:outerShdw>
+                </a:effectLst>
+              </a:rPr>
+              <a:t>What is AngularJS</a:t>
             </a:r>
           </a:p>
         </p:txBody>
@@ -3180,7 +3797,15 @@
           <a:lstStyle/>
           <a:p>
             <a:r>
-              <a:rPr lang="en-IN" dirty="0"/>
+              <a:rPr lang="en-IN" b="1" dirty="0">
+                <a:effectLst>
+                  <a:outerShdw blurRad="38100" dist="38100" dir="2700000" algn="tl">
+                    <a:srgbClr val="000000">
+                      <a:alpha val="43137"/>
+                    </a:srgbClr>
+                  </a:outerShdw>
+                </a:effectLst>
+              </a:rPr>
               <a:t>MVC</a:t>
             </a:r>
           </a:p>
@@ -3201,32 +3826,28 @@
           <a:bodyPr/>
           <a:lstStyle/>
           <a:p>
+            <a:pPr algn="just"/>
             <a:r>
               <a:rPr lang="en-IN" dirty="0"/>
               <a:t>The model is the driving force of the application. This is generally the data behind the application, usually fetched from the server. Any UI with data that the user sees is derived from the model, or a subset of the model.</a:t>
             </a:r>
           </a:p>
           <a:p>
+            <a:pPr algn="just"/>
             <a:r>
               <a:rPr lang="en-IN" dirty="0"/>
               <a:t>The view is the UI that the user sees and interacts with. It is dynamic, and generated based on the current model of the application</a:t>
             </a:r>
           </a:p>
           <a:p>
-            <a:r>
-              <a:rPr lang="en-IN" dirty="0"/>
-              <a:t>The controller is the business logic and presentation layer, which </a:t>
-            </a:r>
-            <a:r>
-              <a:rPr lang="en-IN" dirty="0" err="1"/>
-              <a:t>peforms</a:t>
-            </a:r>
-            <a:r>
-              <a:rPr lang="en-IN" dirty="0"/>
-              <a:t> actions such as fetching data, and makes decisions such as how to present the model, which parts of it to display, etc.</a:t>
-            </a:r>
-          </a:p>
-          <a:p>
+            <a:pPr algn="just"/>
+            <a:r>
+              <a:rPr lang="en-IN" dirty="0"/>
+              <a:t>The controller is the business logic and presentation layer, which performs actions such as fetching data, and makes decisions such as how to present the model, which parts of it to display, etc.</a:t>
+            </a:r>
+          </a:p>
+          <a:p>
+            <a:pPr algn="just"/>
             <a:endParaRPr lang="en-IN" dirty="0"/>
           </a:p>
         </p:txBody>
@@ -3375,13 +3996,147 @@
                   </a:outerShdw>
                 </a:effectLst>
               </a:rPr>
+              <a:t>AngularJS</a:t>
+            </a:r>
+            <a:r>
+              <a:rPr lang="en-IN" dirty="0"/>
+              <a:t> </a:t>
+            </a:r>
+            <a:r>
+              <a:rPr lang="en-IN" b="1" dirty="0">
+                <a:effectLst>
+                  <a:outerShdw blurRad="38100" dist="38100" dir="2700000" algn="tl">
+                    <a:srgbClr val="000000">
+                      <a:alpha val="43137"/>
+                    </a:srgbClr>
+                  </a:outerShdw>
+                </a:effectLst>
+              </a:rPr>
+              <a:t>Directives</a:t>
+            </a:r>
+          </a:p>
+        </p:txBody>
+      </p:sp>
+      <p:sp>
+        <p:nvSpPr>
+          <p:cNvPr id="3" name="Content Placeholder 2"/>
+          <p:cNvSpPr>
+            <a:spLocks noGrp="1"/>
+          </p:cNvSpPr>
+          <p:nvPr>
+            <p:ph idx="1"/>
+          </p:nvPr>
+        </p:nvSpPr>
+        <p:spPr/>
+        <p:txBody>
+          <a:bodyPr/>
+          <a:lstStyle/>
+          <a:p>
+            <a:r>
+              <a:rPr lang="en-IN" dirty="0"/>
+              <a:t>Markers on DOM elements (such as elements, attributes, </a:t>
+            </a:r>
+            <a:r>
+              <a:rPr lang="en-IN" dirty="0" err="1"/>
+              <a:t>css</a:t>
+            </a:r>
+            <a:r>
+              <a:rPr lang="en-IN" dirty="0"/>
+              <a:t>, and more). </a:t>
+            </a:r>
+          </a:p>
+          <a:p>
+            <a:r>
+              <a:rPr lang="en-IN" dirty="0"/>
+              <a:t>Used to create custom HTML tags that serve as new, custom widgets.</a:t>
+            </a:r>
+          </a:p>
+          <a:p>
+            <a:r>
+              <a:rPr lang="en-IN" dirty="0"/>
+              <a:t>AngularJS has built-in directives (</a:t>
+            </a:r>
+            <a:r>
+              <a:rPr lang="en-IN" dirty="0" err="1"/>
+              <a:t>ngBind</a:t>
+            </a:r>
+            <a:r>
+              <a:rPr lang="en-IN" dirty="0"/>
+              <a:t>, </a:t>
+            </a:r>
+            <a:r>
+              <a:rPr lang="en-IN" dirty="0" err="1"/>
+              <a:t>ngModel</a:t>
+            </a:r>
+            <a:r>
+              <a:rPr lang="en-IN" dirty="0"/>
+              <a:t>...)</a:t>
+            </a:r>
+            <a:endParaRPr lang="en-IN" dirty="0"/>
+          </a:p>
+        </p:txBody>
+      </p:sp>
+    </p:spTree>
+    <p:extLst>
+      <p:ext uri="{BB962C8B-B14F-4D97-AF65-F5344CB8AC3E}">
+        <p14:creationId xmlns:p14="http://schemas.microsoft.com/office/powerpoint/2010/main" val="2429148548"/>
+      </p:ext>
+    </p:extLst>
+  </p:cSld>
+  <p:clrMapOvr>
+    <a:masterClrMapping/>
+  </p:clrMapOvr>
+</p:sld>
+</file>
+
+<file path=ppt/slides/slide6.xml><?xml version="1.0" encoding="utf-8"?>
+<p:sld xmlns:a="http://schemas.openxmlformats.org/drawingml/2006/main" xmlns:r="http://schemas.openxmlformats.org/officeDocument/2006/relationships" xmlns:p="http://schemas.openxmlformats.org/presentationml/2006/main">
+  <p:cSld>
+    <p:spTree>
+      <p:nvGrpSpPr>
+        <p:cNvPr id="1" name=""/>
+        <p:cNvGrpSpPr/>
+        <p:nvPr/>
+      </p:nvGrpSpPr>
+      <p:grpSpPr>
+        <a:xfrm>
+          <a:off x="0" y="0"/>
+          <a:ext cx="0" cy="0"/>
+          <a:chOff x="0" y="0"/>
+          <a:chExt cx="0" cy="0"/>
+        </a:xfrm>
+      </p:grpSpPr>
+      <p:sp>
+        <p:nvSpPr>
+          <p:cNvPr id="2" name="Title 1"/>
+          <p:cNvSpPr>
+            <a:spLocks noGrp="1"/>
+          </p:cNvSpPr>
+          <p:nvPr>
+            <p:ph type="title"/>
+          </p:nvPr>
+        </p:nvSpPr>
+        <p:spPr/>
+        <p:txBody>
+          <a:bodyPr/>
+          <a:lstStyle/>
+          <a:p>
+            <a:r>
+              <a:rPr lang="en-IN" b="1" dirty="0">
+                <a:effectLst>
+                  <a:outerShdw blurRad="38100" dist="38100" dir="2700000" algn="tl">
+                    <a:srgbClr val="000000">
+                      <a:alpha val="43137"/>
+                    </a:srgbClr>
+                  </a:outerShdw>
+                </a:effectLst>
+              </a:rPr>
               <a:t>ng-app</a:t>
             </a:r>
             <a:r>
               <a:rPr lang="en-IN" dirty="0"/>
               <a:t> directive</a:t>
             </a:r>
-            <a:endParaRPr lang="en-IN" dirty="0"/>
           </a:p>
         </p:txBody>
       </p:sp>
@@ -3422,7 +4177,6 @@
               <a:rPr lang="en-IN" dirty="0"/>
               <a:t>Anything outside of the tag would not be processed</a:t>
             </a:r>
-            <a:endParaRPr lang="en-IN" dirty="0"/>
           </a:p>
         </p:txBody>
       </p:sp>
@@ -3439,7 +4193,7 @@
 </p:sld>
 </file>
 
-<file path=ppt/slides/slide6.xml><?xml version="1.0" encoding="utf-8"?>
+<file path=ppt/slides/slide7.xml><?xml version="1.0" encoding="utf-8"?>
 <p:sld xmlns:a="http://schemas.openxmlformats.org/drawingml/2006/main" xmlns:r="http://schemas.openxmlformats.org/officeDocument/2006/relationships" xmlns:p="http://schemas.openxmlformats.org/presentationml/2006/main">
   <p:cSld>
     <p:spTree>
@@ -3530,115 +4284,6 @@
 </p:sld>
 </file>
 
-<file path=ppt/slides/slide7.xml><?xml version="1.0" encoding="utf-8"?>
-<p:sld xmlns:a="http://schemas.openxmlformats.org/drawingml/2006/main" xmlns:r="http://schemas.openxmlformats.org/officeDocument/2006/relationships" xmlns:p="http://schemas.openxmlformats.org/presentationml/2006/main">
-  <p:cSld>
-    <p:spTree>
-      <p:nvGrpSpPr>
-        <p:cNvPr id="1" name=""/>
-        <p:cNvGrpSpPr/>
-        <p:nvPr/>
-      </p:nvGrpSpPr>
-      <p:grpSpPr>
-        <a:xfrm>
-          <a:off x="0" y="0"/>
-          <a:ext cx="0" cy="0"/>
-          <a:chOff x="0" y="0"/>
-          <a:chExt cx="0" cy="0"/>
-        </a:xfrm>
-      </p:grpSpPr>
-      <p:sp>
-        <p:nvSpPr>
-          <p:cNvPr id="2" name="Title 1"/>
-          <p:cNvSpPr>
-            <a:spLocks noGrp="1"/>
-          </p:cNvSpPr>
-          <p:nvPr>
-            <p:ph type="title"/>
-          </p:nvPr>
-        </p:nvSpPr>
-        <p:spPr/>
-        <p:txBody>
-          <a:bodyPr/>
-          <a:lstStyle/>
-          <a:p>
-            <a:r>
-              <a:rPr lang="en-IN" b="1" dirty="0">
-                <a:effectLst>
-                  <a:outerShdw blurRad="38100" dist="38100" dir="2700000" algn="tl">
-                    <a:srgbClr val="000000">
-                      <a:alpha val="43137"/>
-                    </a:srgbClr>
-                  </a:outerShdw>
-                </a:effectLst>
-              </a:rPr>
-              <a:t>ng-model </a:t>
-            </a:r>
-            <a:r>
-              <a:rPr lang="en-IN" dirty="0"/>
-              <a:t>directive</a:t>
-            </a:r>
-            <a:endParaRPr lang="en-IN" dirty="0"/>
-          </a:p>
-        </p:txBody>
-      </p:sp>
-      <p:sp>
-        <p:nvSpPr>
-          <p:cNvPr id="3" name="Content Placeholder 2"/>
-          <p:cNvSpPr>
-            <a:spLocks noGrp="1"/>
-          </p:cNvSpPr>
-          <p:nvPr>
-            <p:ph idx="1"/>
-          </p:nvPr>
-        </p:nvSpPr>
-        <p:spPr/>
-        <p:txBody>
-          <a:bodyPr/>
-          <a:lstStyle/>
-          <a:p>
-            <a:r>
-              <a:rPr lang="en-IN" dirty="0"/>
-              <a:t>used with input fields, user to enter any data and get access to the value in JavaScript.</a:t>
-            </a:r>
-          </a:p>
-          <a:p>
-            <a:r>
-              <a:rPr lang="en-IN" dirty="0"/>
-              <a:t>In </a:t>
-            </a:r>
-            <a:r>
-              <a:rPr lang="en-IN" dirty="0">
-                <a:latin typeface="Arial Rounded MT Bold" panose="020F0704030504030204" pitchFamily="34" charset="0"/>
-              </a:rPr>
-              <a:t>ng-model="n1"</a:t>
-            </a:r>
-            <a:r>
-              <a:rPr lang="en-IN" dirty="0"/>
-              <a:t>, AngularJS stores the value that the user types into in a variable called "n1“</a:t>
-            </a:r>
-          </a:p>
-          <a:p>
-            <a:endParaRPr lang="en-IN" dirty="0"/>
-          </a:p>
-          <a:p>
-            <a:endParaRPr lang="en-IN" dirty="0"/>
-          </a:p>
-        </p:txBody>
-      </p:sp>
-    </p:spTree>
-    <p:extLst>
-      <p:ext uri="{BB962C8B-B14F-4D97-AF65-F5344CB8AC3E}">
-        <p14:creationId xmlns:p14="http://schemas.microsoft.com/office/powerpoint/2010/main" val="3079931994"/>
-      </p:ext>
-    </p:extLst>
-  </p:cSld>
-  <p:clrMapOvr>
-    <a:masterClrMapping/>
-  </p:clrMapOvr>
-</p:sld>
-</file>
-
 <file path=ppt/slides/slide8.xml><?xml version="1.0" encoding="utf-8"?>
 <p:sld xmlns:a="http://schemas.openxmlformats.org/drawingml/2006/main" xmlns:r="http://schemas.openxmlformats.org/officeDocument/2006/relationships" xmlns:p="http://schemas.openxmlformats.org/presentationml/2006/main">
   <p:cSld>
@@ -3681,13 +4326,120 @@
                   </a:outerShdw>
                 </a:effectLst>
               </a:rPr>
+              <a:t>ng-model </a:t>
+            </a:r>
+            <a:r>
+              <a:rPr lang="en-IN" dirty="0"/>
+              <a:t>directive</a:t>
+            </a:r>
+          </a:p>
+        </p:txBody>
+      </p:sp>
+      <p:sp>
+        <p:nvSpPr>
+          <p:cNvPr id="3" name="Content Placeholder 2"/>
+          <p:cNvSpPr>
+            <a:spLocks noGrp="1"/>
+          </p:cNvSpPr>
+          <p:nvPr>
+            <p:ph idx="1"/>
+          </p:nvPr>
+        </p:nvSpPr>
+        <p:spPr/>
+        <p:txBody>
+          <a:bodyPr/>
+          <a:lstStyle/>
+          <a:p>
+            <a:r>
+              <a:rPr lang="en-IN" dirty="0"/>
+              <a:t>used with input fields, user to enter any data and get access to the value in JavaScript.</a:t>
+            </a:r>
+          </a:p>
+          <a:p>
+            <a:r>
+              <a:rPr lang="en-IN" dirty="0"/>
+              <a:t>In </a:t>
+            </a:r>
+            <a:r>
+              <a:rPr lang="en-IN" dirty="0">
+                <a:latin typeface="Arial Rounded MT Bold" panose="020F0704030504030204" pitchFamily="34" charset="0"/>
+              </a:rPr>
+              <a:t>ng-model="n1"</a:t>
+            </a:r>
+            <a:r>
+              <a:rPr lang="en-IN" dirty="0"/>
+              <a:t>, AngularJS stores the value that the user types into in a variable called "n1“</a:t>
+            </a:r>
+          </a:p>
+          <a:p>
+            <a:endParaRPr lang="en-IN" dirty="0"/>
+          </a:p>
+          <a:p>
+            <a:endParaRPr lang="en-IN" dirty="0"/>
+          </a:p>
+        </p:txBody>
+      </p:sp>
+    </p:spTree>
+    <p:extLst>
+      <p:ext uri="{BB962C8B-B14F-4D97-AF65-F5344CB8AC3E}">
+        <p14:creationId xmlns:p14="http://schemas.microsoft.com/office/powerpoint/2010/main" val="3079931994"/>
+      </p:ext>
+    </p:extLst>
+  </p:cSld>
+  <p:clrMapOvr>
+    <a:masterClrMapping/>
+  </p:clrMapOvr>
+</p:sld>
+</file>
+
+<file path=ppt/slides/slide9.xml><?xml version="1.0" encoding="utf-8"?>
+<p:sld xmlns:a="http://schemas.openxmlformats.org/drawingml/2006/main" xmlns:r="http://schemas.openxmlformats.org/officeDocument/2006/relationships" xmlns:p="http://schemas.openxmlformats.org/presentationml/2006/main">
+  <p:cSld>
+    <p:spTree>
+      <p:nvGrpSpPr>
+        <p:cNvPr id="1" name=""/>
+        <p:cNvGrpSpPr/>
+        <p:nvPr/>
+      </p:nvGrpSpPr>
+      <p:grpSpPr>
+        <a:xfrm>
+          <a:off x="0" y="0"/>
+          <a:ext cx="0" cy="0"/>
+          <a:chOff x="0" y="0"/>
+          <a:chExt cx="0" cy="0"/>
+        </a:xfrm>
+      </p:grpSpPr>
+      <p:sp>
+        <p:nvSpPr>
+          <p:cNvPr id="2" name="Title 1"/>
+          <p:cNvSpPr>
+            <a:spLocks noGrp="1"/>
+          </p:cNvSpPr>
+          <p:nvPr>
+            <p:ph type="title"/>
+          </p:nvPr>
+        </p:nvSpPr>
+        <p:spPr/>
+        <p:txBody>
+          <a:bodyPr/>
+          <a:lstStyle/>
+          <a:p>
+            <a:r>
+              <a:rPr lang="en-IN" b="1" dirty="0">
+                <a:effectLst>
+                  <a:outerShdw blurRad="38100" dist="38100" dir="2700000" algn="tl">
+                    <a:srgbClr val="000000">
+                      <a:alpha val="43137"/>
+                    </a:srgbClr>
+                  </a:outerShdw>
+                </a:effectLst>
+              </a:rPr>
               <a:t>ng-bind </a:t>
             </a:r>
             <a:r>
               <a:rPr lang="en-IN" dirty="0"/>
               <a:t>directive</a:t>
             </a:r>
-            <a:endParaRPr lang="en-IN" dirty="0"/>
           </a:p>
         </p:txBody>
       </p:sp>

--- a/Angular JS draft.pptx
+++ b/Angular JS draft.pptx
@@ -17,6 +17,13 @@
     <p:sldId id="264" r:id="rId11"/>
     <p:sldId id="266" r:id="rId12"/>
     <p:sldId id="267" r:id="rId13"/>
+    <p:sldId id="269" r:id="rId14"/>
+    <p:sldId id="268" r:id="rId15"/>
+    <p:sldId id="270" r:id="rId16"/>
+    <p:sldId id="271" r:id="rId17"/>
+    <p:sldId id="272" r:id="rId18"/>
+    <p:sldId id="273" r:id="rId19"/>
+    <p:sldId id="274" r:id="rId20"/>
   </p:sldIdLst>
   <p:sldSz cx="12192000" cy="6858000"/>
   <p:notesSz cx="6858000" cy="9144000"/>
@@ -254,7 +261,7 @@
           <a:p>
             <a:fld id="{744C1FFF-588F-42A6-A7C4-71A6BD7C8199}" type="datetimeFigureOut">
               <a:rPr lang="en-IN" smtClean="0"/>
-              <a:t>02-05-2017</a:t>
+              <a:t>03-05-2017</a:t>
             </a:fld>
             <a:endParaRPr lang="en-IN"/>
           </a:p>
@@ -424,7 +431,7 @@
           <a:p>
             <a:fld id="{744C1FFF-588F-42A6-A7C4-71A6BD7C8199}" type="datetimeFigureOut">
               <a:rPr lang="en-IN" smtClean="0"/>
-              <a:t>02-05-2017</a:t>
+              <a:t>03-05-2017</a:t>
             </a:fld>
             <a:endParaRPr lang="en-IN"/>
           </a:p>
@@ -604,7 +611,7 @@
           <a:p>
             <a:fld id="{744C1FFF-588F-42A6-A7C4-71A6BD7C8199}" type="datetimeFigureOut">
               <a:rPr lang="en-IN" smtClean="0"/>
-              <a:t>02-05-2017</a:t>
+              <a:t>03-05-2017</a:t>
             </a:fld>
             <a:endParaRPr lang="en-IN"/>
           </a:p>
@@ -774,7 +781,7 @@
           <a:p>
             <a:fld id="{744C1FFF-588F-42A6-A7C4-71A6BD7C8199}" type="datetimeFigureOut">
               <a:rPr lang="en-IN" smtClean="0"/>
-              <a:t>02-05-2017</a:t>
+              <a:t>03-05-2017</a:t>
             </a:fld>
             <a:endParaRPr lang="en-IN"/>
           </a:p>
@@ -1020,7 +1027,7 @@
           <a:p>
             <a:fld id="{744C1FFF-588F-42A6-A7C4-71A6BD7C8199}" type="datetimeFigureOut">
               <a:rPr lang="en-IN" smtClean="0"/>
-              <a:t>02-05-2017</a:t>
+              <a:t>03-05-2017</a:t>
             </a:fld>
             <a:endParaRPr lang="en-IN"/>
           </a:p>
@@ -1252,7 +1259,7 @@
           <a:p>
             <a:fld id="{744C1FFF-588F-42A6-A7C4-71A6BD7C8199}" type="datetimeFigureOut">
               <a:rPr lang="en-IN" smtClean="0"/>
-              <a:t>02-05-2017</a:t>
+              <a:t>03-05-2017</a:t>
             </a:fld>
             <a:endParaRPr lang="en-IN"/>
           </a:p>
@@ -1619,7 +1626,7 @@
           <a:p>
             <a:fld id="{744C1FFF-588F-42A6-A7C4-71A6BD7C8199}" type="datetimeFigureOut">
               <a:rPr lang="en-IN" smtClean="0"/>
-              <a:t>02-05-2017</a:t>
+              <a:t>03-05-2017</a:t>
             </a:fld>
             <a:endParaRPr lang="en-IN"/>
           </a:p>
@@ -1737,7 +1744,7 @@
           <a:p>
             <a:fld id="{744C1FFF-588F-42A6-A7C4-71A6BD7C8199}" type="datetimeFigureOut">
               <a:rPr lang="en-IN" smtClean="0"/>
-              <a:t>02-05-2017</a:t>
+              <a:t>03-05-2017</a:t>
             </a:fld>
             <a:endParaRPr lang="en-IN"/>
           </a:p>
@@ -1832,7 +1839,7 @@
           <a:p>
             <a:fld id="{744C1FFF-588F-42A6-A7C4-71A6BD7C8199}" type="datetimeFigureOut">
               <a:rPr lang="en-IN" smtClean="0"/>
-              <a:t>02-05-2017</a:t>
+              <a:t>03-05-2017</a:t>
             </a:fld>
             <a:endParaRPr lang="en-IN"/>
           </a:p>
@@ -2109,7 +2116,7 @@
           <a:p>
             <a:fld id="{744C1FFF-588F-42A6-A7C4-71A6BD7C8199}" type="datetimeFigureOut">
               <a:rPr lang="en-IN" smtClean="0"/>
-              <a:t>02-05-2017</a:t>
+              <a:t>03-05-2017</a:t>
             </a:fld>
             <a:endParaRPr lang="en-IN"/>
           </a:p>
@@ -2362,7 +2369,7 @@
           <a:p>
             <a:fld id="{744C1FFF-588F-42A6-A7C4-71A6BD7C8199}" type="datetimeFigureOut">
               <a:rPr lang="en-IN" smtClean="0"/>
-              <a:t>02-05-2017</a:t>
+              <a:t>03-05-2017</a:t>
             </a:fld>
             <a:endParaRPr lang="en-IN"/>
           </a:p>
@@ -2575,7 +2582,7 @@
           <a:p>
             <a:fld id="{744C1FFF-588F-42A6-A7C4-71A6BD7C8199}" type="datetimeFigureOut">
               <a:rPr lang="en-IN" smtClean="0"/>
-              <a:t>02-05-2017</a:t>
+              <a:t>03-05-2017</a:t>
             </a:fld>
             <a:endParaRPr lang="en-IN"/>
           </a:p>
@@ -2992,13 +2999,57 @@
         </p:nvSpPr>
         <p:spPr/>
         <p:txBody>
-          <a:bodyPr/>
-          <a:lstStyle/>
-          <a:p>
-            <a:r>
-              <a:rPr lang="en-IN" dirty="0"/>
+          <a:bodyPr>
+            <a:normAutofit/>
+          </a:bodyPr>
+          <a:lstStyle/>
+          <a:p>
+            <a:r>
+              <a:rPr lang="en-IN" sz="11500" b="1" dirty="0">
+                <a:solidFill>
+                  <a:schemeClr val="accent6">
+                    <a:lumMod val="60000"/>
+                    <a:lumOff val="40000"/>
+                  </a:schemeClr>
+                </a:solidFill>
+                <a:effectLst>
+                  <a:outerShdw blurRad="38100" dist="38100" dir="2700000" algn="tl">
+                    <a:srgbClr val="000000">
+                      <a:alpha val="43137"/>
+                    </a:srgbClr>
+                  </a:outerShdw>
+                </a:effectLst>
+              </a:rPr>
               <a:t>AngularJS</a:t>
             </a:r>
+            <a:br>
+              <a:rPr lang="en-IN" sz="11500" b="1" dirty="0">
+                <a:effectLst>
+                  <a:outerShdw blurRad="38100" dist="38100" dir="2700000" algn="tl">
+                    <a:srgbClr val="000000">
+                      <a:alpha val="43137"/>
+                    </a:srgbClr>
+                  </a:outerShdw>
+                </a:effectLst>
+              </a:rPr>
+            </a:br>
+            <a:r>
+              <a:rPr lang="en-IN" sz="4000" b="1" dirty="0">
+                <a:solidFill>
+                  <a:schemeClr val="accent5">
+                    <a:lumMod val="75000"/>
+                  </a:schemeClr>
+                </a:solidFill>
+              </a:rPr>
+              <a:t>For beginners</a:t>
+            </a:r>
+            <a:endParaRPr lang="en-IN" b="1" dirty="0">
+              <a:solidFill>
+                <a:schemeClr val="accent5">
+                  <a:lumMod val="75000"/>
+                </a:schemeClr>
+              </a:solidFill>
+            </a:endParaRPr>
           </a:p>
         </p:txBody>
       </p:sp>
@@ -3012,12 +3063,53 @@
             <p:ph type="subTitle" idx="1"/>
           </p:nvPr>
         </p:nvSpPr>
-        <p:spPr/>
-        <p:txBody>
-          <a:bodyPr/>
-          <a:lstStyle/>
-          <a:p>
-            <a:endParaRPr lang="en-IN"/>
+        <p:spPr>
+          <a:xfrm>
+            <a:off x="1524000" y="4460166"/>
+            <a:ext cx="9144000" cy="1655762"/>
+          </a:xfrm>
+        </p:spPr>
+        <p:txBody>
+          <a:bodyPr>
+            <a:normAutofit/>
+          </a:bodyPr>
+          <a:lstStyle/>
+          <a:p>
+            <a:pPr algn="r"/>
+            <a:r>
+              <a:rPr lang="en-IN" sz="2800" b="1">
+                <a:solidFill>
+                  <a:schemeClr val="accent2">
+                    <a:lumMod val="75000"/>
+                  </a:schemeClr>
+                </a:solidFill>
+                <a:effectLst>
+                  <a:outerShdw blurRad="38100" dist="38100" dir="2700000" algn="tl">
+                    <a:srgbClr val="000000">
+                      <a:alpha val="43137"/>
+                    </a:srgbClr>
+                  </a:outerShdw>
+                </a:effectLst>
+              </a:rPr>
+              <a:t>Santosh </a:t>
+            </a:r>
+            <a:r>
+              <a:rPr lang="en-IN" sz="2800" b="1" dirty="0">
+                <a:solidFill>
+                  <a:schemeClr val="accent2">
+                    <a:lumMod val="75000"/>
+                  </a:schemeClr>
+                </a:solidFill>
+                <a:effectLst>
+                  <a:outerShdw blurRad="38100" dist="38100" dir="2700000" algn="tl">
+                    <a:srgbClr val="000000">
+                      <a:alpha val="43137"/>
+                    </a:srgbClr>
+                  </a:outerShdw>
+                </a:effectLst>
+              </a:rPr>
+              <a:t>Kumar Kar</a:t>
+            </a:r>
           </a:p>
         </p:txBody>
       </p:sp>
@@ -3067,13 +3159,6 @@
           <a:lstStyle/>
           <a:p>
             <a:r>
-              <a:rPr lang="en-IN" sz="2000" b="1" dirty="0"/>
-              <a:t>AngularJS Directives</a:t>
-            </a:r>
-            <a:br>
-              <a:rPr lang="en-IN" sz="2000" dirty="0"/>
-            </a:br>
-            <a:r>
               <a:rPr lang="en-IN" b="1" dirty="0">
                 <a:effectLst>
                   <a:outerShdw blurRad="38100" dist="38100" dir="2700000" algn="tl">
@@ -3357,11 +3442,6 @@
               </a:rPr>
               <a:t>module to make it available to use, add, or modify in the current file.</a:t>
             </a:r>
-            <a:endParaRPr lang="en-IN" dirty="0">
-              <a:solidFill>
-                <a:srgbClr val="0070C0"/>
-              </a:solidFill>
-            </a:endParaRPr>
           </a:p>
         </p:txBody>
       </p:sp>
@@ -3486,13 +3566,6 @@
           <a:lstStyle/>
           <a:p>
             <a:r>
-              <a:rPr lang="en-IN" sz="2000" b="1" dirty="0"/>
-              <a:t>AngularJS Directives</a:t>
-            </a:r>
-            <a:br>
-              <a:rPr lang="en-IN" sz="2000" dirty="0"/>
-            </a:br>
-            <a:r>
               <a:rPr lang="en-IN" b="1" dirty="0">
                 <a:effectLst>
                   <a:outerShdw blurRad="38100" dist="38100" dir="2700000" algn="tl">
@@ -3563,7 +3636,7 @@
                   </a:outerShdw>
                 </a:effectLst>
               </a:rPr>
-              <a:t>AngularJS Controller</a:t>
+              <a:t>Controller</a:t>
             </a:r>
             <a:endParaRPr lang="en-IN" dirty="0"/>
           </a:p>
@@ -3622,6 +3695,1233 @@
     <p:extLst>
       <p:ext uri="{BB962C8B-B14F-4D97-AF65-F5344CB8AC3E}">
         <p14:creationId xmlns:p14="http://schemas.microsoft.com/office/powerpoint/2010/main" val="3342622290"/>
+      </p:ext>
+    </p:extLst>
+  </p:cSld>
+  <p:clrMapOvr>
+    <a:masterClrMapping/>
+  </p:clrMapOvr>
+</p:sld>
+</file>
+
+<file path=ppt/slides/slide13.xml><?xml version="1.0" encoding="utf-8"?>
+<p:sld xmlns:a="http://schemas.openxmlformats.org/drawingml/2006/main" xmlns:r="http://schemas.openxmlformats.org/officeDocument/2006/relationships" xmlns:p="http://schemas.openxmlformats.org/presentationml/2006/main">
+  <p:cSld>
+    <p:spTree>
+      <p:nvGrpSpPr>
+        <p:cNvPr id="1" name=""/>
+        <p:cNvGrpSpPr/>
+        <p:nvPr/>
+      </p:nvGrpSpPr>
+      <p:grpSpPr>
+        <a:xfrm>
+          <a:off x="0" y="0"/>
+          <a:ext cx="0" cy="0"/>
+          <a:chOff x="0" y="0"/>
+          <a:chExt cx="0" cy="0"/>
+        </a:xfrm>
+      </p:grpSpPr>
+      <p:grpSp>
+        <p:nvGrpSpPr>
+          <p:cNvPr id="14" name="Group 13"/>
+          <p:cNvGrpSpPr/>
+          <p:nvPr/>
+        </p:nvGrpSpPr>
+        <p:grpSpPr>
+          <a:xfrm>
+            <a:off x="1969477" y="300234"/>
+            <a:ext cx="9505071" cy="6257532"/>
+            <a:chOff x="1969477" y="300234"/>
+            <a:chExt cx="9505071" cy="6257532"/>
+          </a:xfrm>
+        </p:grpSpPr>
+        <p:pic>
+          <p:nvPicPr>
+            <p:cNvPr id="4" name="Picture 3"/>
+            <p:cNvPicPr>
+              <a:picLocks noChangeAspect="1"/>
+            </p:cNvPicPr>
+            <p:nvPr/>
+          </p:nvPicPr>
+          <p:blipFill>
+            <a:blip r:embed="rId2"/>
+            <a:stretch>
+              <a:fillRect/>
+            </a:stretch>
+          </p:blipFill>
+          <p:spPr>
+            <a:xfrm>
+              <a:off x="1969477" y="300234"/>
+              <a:ext cx="8253046" cy="6257532"/>
+            </a:xfrm>
+            <a:prstGeom prst="rect">
+              <a:avLst/>
+            </a:prstGeom>
+          </p:spPr>
+        </p:pic>
+        <p:sp>
+          <p:nvSpPr>
+            <p:cNvPr id="5" name="Callout: Bent Line 4"/>
+            <p:cNvSpPr/>
+            <p:nvPr/>
+          </p:nvSpPr>
+          <p:spPr>
+            <a:xfrm>
+              <a:off x="7118251" y="905858"/>
+              <a:ext cx="2504051" cy="205490"/>
+            </a:xfrm>
+            <a:prstGeom prst="borderCallout2">
+              <a:avLst>
+                <a:gd name="adj1" fmla="val 18750"/>
+                <a:gd name="adj2" fmla="val 94"/>
+                <a:gd name="adj3" fmla="val 18750"/>
+                <a:gd name="adj4" fmla="val -16667"/>
+                <a:gd name="adj5" fmla="val 123130"/>
+                <a:gd name="adj6" fmla="val -74167"/>
+              </a:avLst>
+            </a:prstGeom>
+            <a:ln>
+              <a:headEnd type="none" w="med" len="med"/>
+              <a:tailEnd type="arrow" w="med" len="med"/>
+            </a:ln>
+          </p:spPr>
+          <p:style>
+            <a:lnRef idx="2">
+              <a:schemeClr val="accent1">
+                <a:shade val="50000"/>
+              </a:schemeClr>
+            </a:lnRef>
+            <a:fillRef idx="1">
+              <a:schemeClr val="accent1"/>
+            </a:fillRef>
+            <a:effectRef idx="0">
+              <a:schemeClr val="accent1"/>
+            </a:effectRef>
+            <a:fontRef idx="minor">
+              <a:schemeClr val="lt1"/>
+            </a:fontRef>
+          </p:style>
+          <p:txBody>
+            <a:bodyPr rtlCol="0" anchor="ctr"/>
+            <a:lstStyle/>
+            <a:p>
+              <a:pPr algn="ctr"/>
+              <a:r>
+                <a:rPr lang="en-IN" dirty="0"/>
+                <a:t>Parent module</a:t>
+              </a:r>
+            </a:p>
+          </p:txBody>
+        </p:sp>
+        <p:sp>
+          <p:nvSpPr>
+            <p:cNvPr id="6" name="Callout: Bent Line 5"/>
+            <p:cNvSpPr/>
+            <p:nvPr/>
+          </p:nvSpPr>
+          <p:spPr>
+            <a:xfrm>
+              <a:off x="7566073" y="1339612"/>
+              <a:ext cx="2504051" cy="205490"/>
+            </a:xfrm>
+            <a:prstGeom prst="borderCallout2">
+              <a:avLst>
+                <a:gd name="adj1" fmla="val 18750"/>
+                <a:gd name="adj2" fmla="val -468"/>
+                <a:gd name="adj3" fmla="val 18750"/>
+                <a:gd name="adj4" fmla="val -16667"/>
+                <a:gd name="adj5" fmla="val -20635"/>
+                <a:gd name="adj6" fmla="val -44392"/>
+              </a:avLst>
+            </a:prstGeom>
+            <a:ln>
+              <a:headEnd type="none" w="med" len="med"/>
+              <a:tailEnd type="arrow" w="med" len="med"/>
+            </a:ln>
+          </p:spPr>
+          <p:style>
+            <a:lnRef idx="2">
+              <a:schemeClr val="accent1">
+                <a:shade val="50000"/>
+              </a:schemeClr>
+            </a:lnRef>
+            <a:fillRef idx="1">
+              <a:schemeClr val="accent1"/>
+            </a:fillRef>
+            <a:effectRef idx="0">
+              <a:schemeClr val="accent1"/>
+            </a:effectRef>
+            <a:fontRef idx="minor">
+              <a:schemeClr val="lt1"/>
+            </a:fontRef>
+          </p:style>
+          <p:txBody>
+            <a:bodyPr rtlCol="0" anchor="ctr"/>
+            <a:lstStyle/>
+            <a:p>
+              <a:pPr algn="ctr"/>
+              <a:r>
+                <a:rPr lang="en-IN" dirty="0"/>
+                <a:t>Child modules</a:t>
+              </a:r>
+            </a:p>
+          </p:txBody>
+        </p:sp>
+        <p:sp>
+          <p:nvSpPr>
+            <p:cNvPr id="7" name="Callout: Bent Line 6"/>
+            <p:cNvSpPr/>
+            <p:nvPr/>
+          </p:nvSpPr>
+          <p:spPr>
+            <a:xfrm>
+              <a:off x="8970497" y="2176516"/>
+              <a:ext cx="2504051" cy="285329"/>
+            </a:xfrm>
+            <a:prstGeom prst="borderCallout2">
+              <a:avLst>
+                <a:gd name="adj1" fmla="val 53262"/>
+                <a:gd name="adj2" fmla="val -468"/>
+                <a:gd name="adj3" fmla="val 33541"/>
+                <a:gd name="adj4" fmla="val -32397"/>
+                <a:gd name="adj5" fmla="val -79799"/>
+                <a:gd name="adj6" fmla="val -156751"/>
+              </a:avLst>
+            </a:prstGeom>
+            <a:ln>
+              <a:headEnd type="none" w="med" len="med"/>
+              <a:tailEnd type="arrow" w="med" len="med"/>
+            </a:ln>
+          </p:spPr>
+          <p:style>
+            <a:lnRef idx="2">
+              <a:schemeClr val="accent1">
+                <a:shade val="50000"/>
+              </a:schemeClr>
+            </a:lnRef>
+            <a:fillRef idx="1">
+              <a:schemeClr val="accent1"/>
+            </a:fillRef>
+            <a:effectRef idx="0">
+              <a:schemeClr val="accent1"/>
+            </a:effectRef>
+            <a:fontRef idx="minor">
+              <a:schemeClr val="lt1"/>
+            </a:fontRef>
+          </p:style>
+          <p:txBody>
+            <a:bodyPr rtlCol="0" anchor="ctr"/>
+            <a:lstStyle/>
+            <a:p>
+              <a:pPr algn="ctr"/>
+              <a:r>
+                <a:rPr lang="en-IN" dirty="0"/>
+                <a:t>Defined 2 Controllers</a:t>
+              </a:r>
+            </a:p>
+          </p:txBody>
+        </p:sp>
+        <p:cxnSp>
+          <p:nvCxnSpPr>
+            <p:cNvPr id="9" name="Straight Connector 8"/>
+            <p:cNvCxnSpPr/>
+            <p:nvPr/>
+          </p:nvCxnSpPr>
+          <p:spPr>
+            <a:xfrm flipH="1">
+              <a:off x="5359792" y="2278966"/>
+              <a:ext cx="2757266" cy="436099"/>
+            </a:xfrm>
+            <a:prstGeom prst="line">
+              <a:avLst/>
+            </a:prstGeom>
+            <a:ln>
+              <a:solidFill>
+                <a:schemeClr val="accent1">
+                  <a:lumMod val="75000"/>
+                </a:schemeClr>
+              </a:solidFill>
+              <a:headEnd type="none" w="med" len="med"/>
+              <a:tailEnd type="arrow" w="med" len="med"/>
+            </a:ln>
+          </p:spPr>
+          <p:style>
+            <a:lnRef idx="1">
+              <a:schemeClr val="accent1"/>
+            </a:lnRef>
+            <a:fillRef idx="0">
+              <a:schemeClr val="accent1"/>
+            </a:fillRef>
+            <a:effectRef idx="0">
+              <a:schemeClr val="accent1"/>
+            </a:effectRef>
+            <a:fontRef idx="minor">
+              <a:schemeClr val="tx1"/>
+            </a:fontRef>
+          </p:style>
+        </p:cxnSp>
+        <p:sp>
+          <p:nvSpPr>
+            <p:cNvPr id="13" name="Callout: Bent Line 12"/>
+            <p:cNvSpPr/>
+            <p:nvPr/>
+          </p:nvSpPr>
+          <p:spPr>
+            <a:xfrm>
+              <a:off x="7718471" y="3976825"/>
+              <a:ext cx="2504051" cy="463752"/>
+            </a:xfrm>
+            <a:prstGeom prst="borderCallout2">
+              <a:avLst>
+                <a:gd name="adj1" fmla="val 18750"/>
+                <a:gd name="adj2" fmla="val -8333"/>
+                <a:gd name="adj3" fmla="val 18750"/>
+                <a:gd name="adj4" fmla="val -16667"/>
+                <a:gd name="adj5" fmla="val 73202"/>
+                <a:gd name="adj6" fmla="val -153942"/>
+              </a:avLst>
+            </a:prstGeom>
+            <a:ln>
+              <a:headEnd type="none" w="med" len="med"/>
+              <a:tailEnd type="arrow" w="med" len="med"/>
+            </a:ln>
+          </p:spPr>
+          <p:style>
+            <a:lnRef idx="2">
+              <a:schemeClr val="accent1">
+                <a:shade val="50000"/>
+              </a:schemeClr>
+            </a:lnRef>
+            <a:fillRef idx="1">
+              <a:schemeClr val="accent1"/>
+            </a:fillRef>
+            <a:effectRef idx="0">
+              <a:schemeClr val="accent1"/>
+            </a:effectRef>
+            <a:fontRef idx="minor">
+              <a:schemeClr val="lt1"/>
+            </a:fontRef>
+          </p:style>
+          <p:txBody>
+            <a:bodyPr rtlCol="0" anchor="ctr"/>
+            <a:lstStyle/>
+            <a:p>
+              <a:pPr algn="ctr"/>
+              <a:r>
+                <a:rPr lang="en-IN" dirty="0"/>
+                <a:t>Using parent module only</a:t>
+              </a:r>
+            </a:p>
+          </p:txBody>
+        </p:sp>
+      </p:grpSp>
+    </p:spTree>
+    <p:extLst>
+      <p:ext uri="{BB962C8B-B14F-4D97-AF65-F5344CB8AC3E}">
+        <p14:creationId xmlns:p14="http://schemas.microsoft.com/office/powerpoint/2010/main" val="2422500135"/>
+      </p:ext>
+    </p:extLst>
+  </p:cSld>
+  <p:clrMapOvr>
+    <a:masterClrMapping/>
+  </p:clrMapOvr>
+</p:sld>
+</file>
+
+<file path=ppt/slides/slide14.xml><?xml version="1.0" encoding="utf-8"?>
+<p:sld xmlns:a="http://schemas.openxmlformats.org/drawingml/2006/main" xmlns:r="http://schemas.openxmlformats.org/officeDocument/2006/relationships" xmlns:p="http://schemas.openxmlformats.org/presentationml/2006/main">
+  <p:cSld>
+    <p:spTree>
+      <p:nvGrpSpPr>
+        <p:cNvPr id="1" name=""/>
+        <p:cNvGrpSpPr/>
+        <p:nvPr/>
+      </p:nvGrpSpPr>
+      <p:grpSpPr>
+        <a:xfrm>
+          <a:off x="0" y="0"/>
+          <a:ext cx="0" cy="0"/>
+          <a:chOff x="0" y="0"/>
+          <a:chExt cx="0" cy="0"/>
+        </a:xfrm>
+      </p:grpSpPr>
+      <p:sp>
+        <p:nvSpPr>
+          <p:cNvPr id="2" name="Title 1"/>
+          <p:cNvSpPr>
+            <a:spLocks noGrp="1"/>
+          </p:cNvSpPr>
+          <p:nvPr>
+            <p:ph type="title"/>
+          </p:nvPr>
+        </p:nvSpPr>
+        <p:spPr/>
+        <p:txBody>
+          <a:bodyPr/>
+          <a:lstStyle/>
+          <a:p>
+            <a:r>
+              <a:rPr lang="en-IN" b="1" dirty="0" err="1">
+                <a:effectLst>
+                  <a:outerShdw blurRad="38100" dist="38100" dir="2700000" algn="tl">
+                    <a:srgbClr val="000000">
+                      <a:alpha val="43137"/>
+                    </a:srgbClr>
+                  </a:outerShdw>
+                </a:effectLst>
+              </a:rPr>
+              <a:t>controllerAs</a:t>
+            </a:r>
+            <a:endParaRPr lang="en-IN" b="1" dirty="0">
+              <a:effectLst>
+                <a:outerShdw blurRad="38100" dist="38100" dir="2700000" algn="tl">
+                  <a:srgbClr val="000000">
+                    <a:alpha val="43137"/>
+                  </a:srgbClr>
+                </a:outerShdw>
+              </a:effectLst>
+            </a:endParaRPr>
+          </a:p>
+        </p:txBody>
+      </p:sp>
+      <p:sp>
+        <p:nvSpPr>
+          <p:cNvPr id="3" name="Content Placeholder 2"/>
+          <p:cNvSpPr>
+            <a:spLocks noGrp="1"/>
+          </p:cNvSpPr>
+          <p:nvPr>
+            <p:ph idx="1"/>
+          </p:nvPr>
+        </p:nvSpPr>
+        <p:spPr/>
+        <p:txBody>
+          <a:bodyPr/>
+          <a:lstStyle/>
+          <a:p>
+            <a:r>
+              <a:rPr lang="en-IN" dirty="0"/>
+              <a:t>Can be used in AngularJS 1.2 and later</a:t>
+            </a:r>
+          </a:p>
+          <a:p>
+            <a:r>
+              <a:rPr lang="en-IN" dirty="0"/>
+              <a:t>Allows to define the variables on the controller instance using the </a:t>
+            </a:r>
+            <a:r>
+              <a:rPr lang="en-IN" b="1" dirty="0">
+                <a:effectLst>
+                  <a:outerShdw blurRad="38100" dist="38100" dir="2700000" algn="tl">
+                    <a:srgbClr val="000000">
+                      <a:alpha val="43137"/>
+                    </a:srgbClr>
+                  </a:outerShdw>
+                </a:effectLst>
+              </a:rPr>
+              <a:t>this</a:t>
+            </a:r>
+            <a:r>
+              <a:rPr lang="en-IN" dirty="0"/>
+              <a:t> keyword instead of </a:t>
+            </a:r>
+            <a:r>
+              <a:rPr lang="en-IN" b="1" dirty="0">
+                <a:effectLst>
+                  <a:outerShdw blurRad="38100" dist="38100" dir="2700000" algn="tl">
+                    <a:srgbClr val="000000">
+                      <a:alpha val="43137"/>
+                    </a:srgbClr>
+                  </a:outerShdw>
+                </a:effectLst>
+              </a:rPr>
+              <a:t>$scope</a:t>
+            </a:r>
+          </a:p>
+          <a:p>
+            <a:r>
+              <a:rPr lang="en-IN" dirty="0"/>
+              <a:t>Directly can be referred through the controller from the HTML</a:t>
+            </a:r>
+            <a:endParaRPr lang="en-IN" dirty="0"/>
+          </a:p>
+        </p:txBody>
+      </p:sp>
+    </p:spTree>
+    <p:extLst>
+      <p:ext uri="{BB962C8B-B14F-4D97-AF65-F5344CB8AC3E}">
+        <p14:creationId xmlns:p14="http://schemas.microsoft.com/office/powerpoint/2010/main" val="3927028282"/>
+      </p:ext>
+    </p:extLst>
+  </p:cSld>
+  <p:clrMapOvr>
+    <a:masterClrMapping/>
+  </p:clrMapOvr>
+</p:sld>
+</file>
+
+<file path=ppt/slides/slide15.xml><?xml version="1.0" encoding="utf-8"?>
+<p:sld xmlns:a="http://schemas.openxmlformats.org/drawingml/2006/main" xmlns:r="http://schemas.openxmlformats.org/officeDocument/2006/relationships" xmlns:p="http://schemas.openxmlformats.org/presentationml/2006/main">
+  <p:cSld>
+    <p:spTree>
+      <p:nvGrpSpPr>
+        <p:cNvPr id="1" name=""/>
+        <p:cNvGrpSpPr/>
+        <p:nvPr/>
+      </p:nvGrpSpPr>
+      <p:grpSpPr>
+        <a:xfrm>
+          <a:off x="0" y="0"/>
+          <a:ext cx="0" cy="0"/>
+          <a:chOff x="0" y="0"/>
+          <a:chExt cx="0" cy="0"/>
+        </a:xfrm>
+      </p:grpSpPr>
+      <p:sp>
+        <p:nvSpPr>
+          <p:cNvPr id="2" name="Title 1"/>
+          <p:cNvSpPr>
+            <a:spLocks noGrp="1"/>
+          </p:cNvSpPr>
+          <p:nvPr>
+            <p:ph type="title"/>
+          </p:nvPr>
+        </p:nvSpPr>
+        <p:spPr/>
+        <p:txBody>
+          <a:bodyPr/>
+          <a:lstStyle/>
+          <a:p>
+            <a:r>
+              <a:rPr lang="en-IN" b="1" dirty="0" err="1">
+                <a:effectLst>
+                  <a:outerShdw blurRad="38100" dist="38100" dir="2700000" algn="tl">
+                    <a:srgbClr val="000000">
+                      <a:alpha val="43137"/>
+                    </a:srgbClr>
+                  </a:outerShdw>
+                </a:effectLst>
+              </a:rPr>
+              <a:t>controllerAs</a:t>
+            </a:r>
+            <a:endParaRPr lang="en-IN" dirty="0"/>
+          </a:p>
+        </p:txBody>
+      </p:sp>
+      <p:sp>
+        <p:nvSpPr>
+          <p:cNvPr id="3" name="Content Placeholder 2"/>
+          <p:cNvSpPr>
+            <a:spLocks noGrp="1"/>
+          </p:cNvSpPr>
+          <p:nvPr>
+            <p:ph idx="1"/>
+          </p:nvPr>
+        </p:nvSpPr>
+        <p:spPr>
+          <a:xfrm>
+            <a:off x="838200" y="1614611"/>
+            <a:ext cx="10515600" cy="4351338"/>
+          </a:xfrm>
+        </p:spPr>
+        <p:txBody>
+          <a:bodyPr>
+            <a:normAutofit fontScale="92500" lnSpcReduction="20000"/>
+          </a:bodyPr>
+          <a:lstStyle/>
+          <a:p>
+            <a:pPr marL="0" indent="0">
+              <a:buNone/>
+            </a:pPr>
+            <a:r>
+              <a:rPr lang="en-IN" dirty="0">
+                <a:solidFill>
+                  <a:schemeClr val="accent6">
+                    <a:lumMod val="75000"/>
+                  </a:schemeClr>
+                </a:solidFill>
+              </a:rPr>
+              <a:t>$</a:t>
+            </a:r>
+            <a:r>
+              <a:rPr lang="en-IN" b="1" dirty="0">
+                <a:solidFill>
+                  <a:schemeClr val="accent6">
+                    <a:lumMod val="75000"/>
+                  </a:schemeClr>
+                </a:solidFill>
+                <a:effectLst>
+                  <a:outerShdw blurRad="38100" dist="38100" dir="2700000" algn="tl">
+                    <a:srgbClr val="000000">
+                      <a:alpha val="43137"/>
+                    </a:srgbClr>
+                  </a:outerShdw>
+                </a:effectLst>
+              </a:rPr>
+              <a:t>scope.</a:t>
+            </a:r>
+            <a:r>
+              <a:rPr lang="en-IN" dirty="0">
+                <a:solidFill>
+                  <a:schemeClr val="accent6">
+                    <a:lumMod val="75000"/>
+                  </a:schemeClr>
+                </a:solidFill>
+              </a:rPr>
+              <a:t>name = 'some value' </a:t>
+            </a:r>
+          </a:p>
+          <a:p>
+            <a:pPr marL="457200" lvl="1" indent="0">
+              <a:buNone/>
+            </a:pPr>
+            <a:r>
+              <a:rPr lang="en-IN" dirty="0"/>
+              <a:t>changed to</a:t>
+            </a:r>
+          </a:p>
+          <a:p>
+            <a:pPr marL="0" indent="0">
+              <a:buNone/>
+            </a:pPr>
+            <a:r>
+              <a:rPr lang="en-IN" b="1" dirty="0">
+                <a:solidFill>
+                  <a:schemeClr val="accent6">
+                    <a:lumMod val="75000"/>
+                  </a:schemeClr>
+                </a:solidFill>
+                <a:effectLst>
+                  <a:outerShdw blurRad="38100" dist="38100" dir="2700000" algn="tl">
+                    <a:srgbClr val="000000">
+                      <a:alpha val="43137"/>
+                    </a:srgbClr>
+                  </a:outerShdw>
+                </a:effectLst>
+              </a:rPr>
+              <a:t>this.</a:t>
+            </a:r>
+            <a:r>
+              <a:rPr lang="en-IN" dirty="0">
+                <a:solidFill>
+                  <a:schemeClr val="accent6">
+                    <a:lumMod val="75000"/>
+                  </a:schemeClr>
+                </a:solidFill>
+              </a:rPr>
+              <a:t>name = 'some value';</a:t>
+            </a:r>
+          </a:p>
+          <a:p>
+            <a:pPr marL="0" indent="0">
+              <a:buNone/>
+            </a:pPr>
+            <a:endParaRPr lang="en-IN" dirty="0">
+              <a:solidFill>
+                <a:schemeClr val="accent6">
+                  <a:lumMod val="75000"/>
+                </a:schemeClr>
+              </a:solidFill>
+            </a:endParaRPr>
+          </a:p>
+          <a:p>
+            <a:pPr marL="0" indent="0">
+              <a:buNone/>
+            </a:pPr>
+            <a:r>
+              <a:rPr lang="en-IN" dirty="0">
+                <a:solidFill>
+                  <a:schemeClr val="accent5">
+                    <a:lumMod val="75000"/>
+                  </a:schemeClr>
+                </a:solidFill>
+              </a:rPr>
+              <a:t>ng-controller="</a:t>
+            </a:r>
+            <a:r>
+              <a:rPr lang="en-IN" dirty="0" err="1">
+                <a:solidFill>
+                  <a:schemeClr val="accent5">
+                    <a:lumMod val="75000"/>
+                  </a:schemeClr>
+                </a:solidFill>
+              </a:rPr>
+              <a:t>EmpController</a:t>
+            </a:r>
+            <a:r>
+              <a:rPr lang="en-IN" dirty="0">
+                <a:solidFill>
+                  <a:schemeClr val="accent5">
+                    <a:lumMod val="75000"/>
+                  </a:schemeClr>
+                </a:solidFill>
+              </a:rPr>
+              <a:t>"</a:t>
+            </a:r>
+          </a:p>
+          <a:p>
+            <a:pPr marL="457200" lvl="1" indent="0">
+              <a:buNone/>
+            </a:pPr>
+            <a:r>
+              <a:rPr lang="en-IN" dirty="0"/>
+              <a:t>changed to</a:t>
+            </a:r>
+          </a:p>
+          <a:p>
+            <a:pPr marL="0" indent="0">
+              <a:buNone/>
+            </a:pPr>
+            <a:r>
+              <a:rPr lang="en-IN" dirty="0">
+                <a:solidFill>
+                  <a:schemeClr val="accent5">
+                    <a:lumMod val="75000"/>
+                  </a:schemeClr>
+                </a:solidFill>
+              </a:rPr>
+              <a:t>ng-controller="</a:t>
+            </a:r>
+            <a:r>
+              <a:rPr lang="en-IN" dirty="0" err="1">
+                <a:solidFill>
+                  <a:schemeClr val="accent5">
+                    <a:lumMod val="75000"/>
+                  </a:schemeClr>
+                </a:solidFill>
+              </a:rPr>
+              <a:t>EmpController</a:t>
+            </a:r>
+            <a:r>
+              <a:rPr lang="en-IN" dirty="0">
+                <a:solidFill>
+                  <a:schemeClr val="accent5">
+                    <a:lumMod val="75000"/>
+                  </a:schemeClr>
+                </a:solidFill>
+              </a:rPr>
+              <a:t> </a:t>
+            </a:r>
+            <a:r>
+              <a:rPr lang="en-IN" b="1" dirty="0">
+                <a:solidFill>
+                  <a:schemeClr val="accent5">
+                    <a:lumMod val="75000"/>
+                  </a:schemeClr>
+                </a:solidFill>
+                <a:effectLst>
+                  <a:outerShdw blurRad="38100" dist="38100" dir="2700000" algn="tl">
+                    <a:srgbClr val="000000">
+                      <a:alpha val="43137"/>
+                    </a:srgbClr>
+                  </a:outerShdw>
+                </a:effectLst>
+              </a:rPr>
+              <a:t>as </a:t>
+            </a:r>
+            <a:r>
+              <a:rPr lang="en-IN" b="1" dirty="0" err="1">
+                <a:solidFill>
+                  <a:schemeClr val="accent5">
+                    <a:lumMod val="75000"/>
+                  </a:schemeClr>
+                </a:solidFill>
+                <a:effectLst>
+                  <a:outerShdw blurRad="38100" dist="38100" dir="2700000" algn="tl">
+                    <a:srgbClr val="000000">
+                      <a:alpha val="43137"/>
+                    </a:srgbClr>
+                  </a:outerShdw>
+                </a:effectLst>
+              </a:rPr>
+              <a:t>emp</a:t>
+            </a:r>
+            <a:r>
+              <a:rPr lang="en-IN" dirty="0">
+                <a:solidFill>
+                  <a:schemeClr val="accent5">
+                    <a:lumMod val="75000"/>
+                  </a:schemeClr>
+                </a:solidFill>
+              </a:rPr>
+              <a:t>“</a:t>
+            </a:r>
+          </a:p>
+          <a:p>
+            <a:pPr marL="0" indent="0">
+              <a:buNone/>
+            </a:pPr>
+            <a:endParaRPr lang="en-IN" dirty="0">
+              <a:solidFill>
+                <a:schemeClr val="accent5">
+                  <a:lumMod val="75000"/>
+                </a:schemeClr>
+              </a:solidFill>
+            </a:endParaRPr>
+          </a:p>
+          <a:p>
+            <a:pPr marL="0" indent="0">
+              <a:buNone/>
+            </a:pPr>
+            <a:r>
+              <a:rPr lang="en-IN" dirty="0">
+                <a:solidFill>
+                  <a:srgbClr val="7030A0"/>
+                </a:solidFill>
+              </a:rPr>
+              <a:t>{{ name }}</a:t>
+            </a:r>
+          </a:p>
+          <a:p>
+            <a:pPr marL="457200" lvl="1" indent="0">
+              <a:buNone/>
+            </a:pPr>
+            <a:r>
+              <a:rPr lang="en-IN" dirty="0"/>
+              <a:t>changed to</a:t>
+            </a:r>
+          </a:p>
+          <a:p>
+            <a:pPr marL="0" indent="0">
+              <a:buNone/>
+            </a:pPr>
+            <a:r>
+              <a:rPr lang="en-IN" dirty="0">
+                <a:solidFill>
+                  <a:srgbClr val="7030A0"/>
+                </a:solidFill>
+              </a:rPr>
+              <a:t>{{ </a:t>
+            </a:r>
+            <a:r>
+              <a:rPr lang="en-IN" b="1" dirty="0">
+                <a:solidFill>
+                  <a:srgbClr val="7030A0"/>
+                </a:solidFill>
+                <a:effectLst>
+                  <a:outerShdw blurRad="38100" dist="38100" dir="2700000" algn="tl">
+                    <a:srgbClr val="000000">
+                      <a:alpha val="43137"/>
+                    </a:srgbClr>
+                  </a:outerShdw>
+                </a:effectLst>
+              </a:rPr>
+              <a:t>emp.</a:t>
+            </a:r>
+            <a:r>
+              <a:rPr lang="en-IN" dirty="0">
+                <a:solidFill>
+                  <a:srgbClr val="7030A0"/>
+                </a:solidFill>
+              </a:rPr>
+              <a:t>name }}</a:t>
+            </a:r>
+          </a:p>
+          <a:p>
+            <a:pPr marL="0" indent="0">
+              <a:buNone/>
+            </a:pPr>
+            <a:endParaRPr lang="en-IN" dirty="0">
+              <a:solidFill>
+                <a:schemeClr val="accent5">
+                  <a:lumMod val="75000"/>
+                </a:schemeClr>
+              </a:solidFill>
+            </a:endParaRPr>
+          </a:p>
+          <a:p>
+            <a:pPr marL="0" indent="0">
+              <a:buNone/>
+            </a:pPr>
+            <a:endParaRPr lang="en-IN" dirty="0">
+              <a:solidFill>
+                <a:schemeClr val="accent5">
+                  <a:lumMod val="75000"/>
+                </a:schemeClr>
+              </a:solidFill>
+            </a:endParaRPr>
+          </a:p>
+        </p:txBody>
+      </p:sp>
+      <p:sp>
+        <p:nvSpPr>
+          <p:cNvPr id="5" name="Arc 4"/>
+          <p:cNvSpPr/>
+          <p:nvPr/>
+        </p:nvSpPr>
+        <p:spPr>
+          <a:xfrm rot="20858546">
+            <a:off x="2486494" y="978239"/>
+            <a:ext cx="3207434" cy="3092035"/>
+          </a:xfrm>
+          <a:prstGeom prst="arc">
+            <a:avLst>
+              <a:gd name="adj1" fmla="val 16200000"/>
+              <a:gd name="adj2" fmla="val 3960238"/>
+            </a:avLst>
+          </a:prstGeom>
+          <a:ln>
+            <a:solidFill>
+              <a:srgbClr val="FF0000"/>
+            </a:solidFill>
+            <a:headEnd type="triangle" w="med" len="med"/>
+            <a:tailEnd type="triangle" w="med" len="med"/>
+          </a:ln>
+        </p:spPr>
+        <p:style>
+          <a:lnRef idx="1">
+            <a:schemeClr val="accent1"/>
+          </a:lnRef>
+          <a:fillRef idx="0">
+            <a:schemeClr val="accent1"/>
+          </a:fillRef>
+          <a:effectRef idx="0">
+            <a:schemeClr val="accent1"/>
+          </a:effectRef>
+          <a:fontRef idx="minor">
+            <a:schemeClr val="tx1"/>
+          </a:fontRef>
+        </p:style>
+        <p:txBody>
+          <a:bodyPr rtlCol="0" anchor="ctr"/>
+          <a:lstStyle/>
+          <a:p>
+            <a:pPr algn="ctr"/>
+            <a:endParaRPr lang="en-IN"/>
+          </a:p>
+        </p:txBody>
+      </p:sp>
+    </p:spTree>
+    <p:extLst>
+      <p:ext uri="{BB962C8B-B14F-4D97-AF65-F5344CB8AC3E}">
+        <p14:creationId xmlns:p14="http://schemas.microsoft.com/office/powerpoint/2010/main" val="931292065"/>
+      </p:ext>
+    </p:extLst>
+  </p:cSld>
+  <p:clrMapOvr>
+    <a:masterClrMapping/>
+  </p:clrMapOvr>
+</p:sld>
+</file>
+
+<file path=ppt/slides/slide16.xml><?xml version="1.0" encoding="utf-8"?>
+<p:sld xmlns:a="http://schemas.openxmlformats.org/drawingml/2006/main" xmlns:r="http://schemas.openxmlformats.org/officeDocument/2006/relationships" xmlns:p="http://schemas.openxmlformats.org/presentationml/2006/main">
+  <p:cSld>
+    <p:spTree>
+      <p:nvGrpSpPr>
+        <p:cNvPr id="1" name=""/>
+        <p:cNvGrpSpPr/>
+        <p:nvPr/>
+      </p:nvGrpSpPr>
+      <p:grpSpPr>
+        <a:xfrm>
+          <a:off x="0" y="0"/>
+          <a:ext cx="0" cy="0"/>
+          <a:chOff x="0" y="0"/>
+          <a:chExt cx="0" cy="0"/>
+        </a:xfrm>
+      </p:grpSpPr>
+      <p:pic>
+        <p:nvPicPr>
+          <p:cNvPr id="5" name="Picture 4"/>
+          <p:cNvPicPr>
+            <a:picLocks noChangeAspect="1"/>
+          </p:cNvPicPr>
+          <p:nvPr/>
+        </p:nvPicPr>
+        <p:blipFill>
+          <a:blip r:embed="rId2"/>
+          <a:stretch>
+            <a:fillRect/>
+          </a:stretch>
+        </p:blipFill>
+        <p:spPr>
+          <a:xfrm>
+            <a:off x="2031564" y="443131"/>
+            <a:ext cx="8128872" cy="5971738"/>
+          </a:xfrm>
+          <a:prstGeom prst="rect">
+            <a:avLst/>
+          </a:prstGeom>
+        </p:spPr>
+      </p:pic>
+    </p:spTree>
+    <p:extLst>
+      <p:ext uri="{BB962C8B-B14F-4D97-AF65-F5344CB8AC3E}">
+        <p14:creationId xmlns:p14="http://schemas.microsoft.com/office/powerpoint/2010/main" val="1469603211"/>
+      </p:ext>
+    </p:extLst>
+  </p:cSld>
+  <p:clrMapOvr>
+    <a:masterClrMapping/>
+  </p:clrMapOvr>
+</p:sld>
+</file>
+
+<file path=ppt/slides/slide17.xml><?xml version="1.0" encoding="utf-8"?>
+<p:sld xmlns:a="http://schemas.openxmlformats.org/drawingml/2006/main" xmlns:r="http://schemas.openxmlformats.org/officeDocument/2006/relationships" xmlns:p="http://schemas.openxmlformats.org/presentationml/2006/main">
+  <p:cSld>
+    <p:spTree>
+      <p:nvGrpSpPr>
+        <p:cNvPr id="1" name=""/>
+        <p:cNvGrpSpPr/>
+        <p:nvPr/>
+      </p:nvGrpSpPr>
+      <p:grpSpPr>
+        <a:xfrm>
+          <a:off x="0" y="0"/>
+          <a:ext cx="0" cy="0"/>
+          <a:chOff x="0" y="0"/>
+          <a:chExt cx="0" cy="0"/>
+        </a:xfrm>
+      </p:grpSpPr>
+      <p:sp>
+        <p:nvSpPr>
+          <p:cNvPr id="2" name="Title 1"/>
+          <p:cNvSpPr>
+            <a:spLocks noGrp="1"/>
+          </p:cNvSpPr>
+          <p:nvPr>
+            <p:ph type="title"/>
+          </p:nvPr>
+        </p:nvSpPr>
+        <p:spPr/>
+        <p:txBody>
+          <a:bodyPr/>
+          <a:lstStyle/>
+          <a:p>
+            <a:r>
+              <a:rPr lang="en-IN" sz="2000" b="1" dirty="0"/>
+              <a:t>directive</a:t>
+            </a:r>
+            <a:br>
+              <a:rPr lang="en-IN" b="1" dirty="0">
+                <a:effectLst>
+                  <a:outerShdw blurRad="38100" dist="38100" dir="2700000" algn="tl">
+                    <a:srgbClr val="000000">
+                      <a:alpha val="43137"/>
+                    </a:srgbClr>
+                  </a:outerShdw>
+                </a:effectLst>
+              </a:rPr>
+            </a:br>
+            <a:r>
+              <a:rPr lang="en-IN" b="1" dirty="0">
+                <a:effectLst>
+                  <a:outerShdw blurRad="38100" dist="38100" dir="2700000" algn="tl">
+                    <a:srgbClr val="000000">
+                      <a:alpha val="43137"/>
+                    </a:srgbClr>
+                  </a:outerShdw>
+                </a:effectLst>
+              </a:rPr>
+              <a:t>ng-repeat</a:t>
+            </a:r>
+            <a:endParaRPr lang="en-IN" b="1" dirty="0">
+              <a:effectLst>
+                <a:outerShdw blurRad="38100" dist="38100" dir="2700000" algn="tl">
+                  <a:srgbClr val="000000">
+                    <a:alpha val="43137"/>
+                  </a:srgbClr>
+                </a:outerShdw>
+              </a:effectLst>
+            </a:endParaRPr>
+          </a:p>
+        </p:txBody>
+      </p:sp>
+      <p:sp>
+        <p:nvSpPr>
+          <p:cNvPr id="3" name="Content Placeholder 2"/>
+          <p:cNvSpPr>
+            <a:spLocks noGrp="1"/>
+          </p:cNvSpPr>
+          <p:nvPr>
+            <p:ph idx="1"/>
+          </p:nvPr>
+        </p:nvSpPr>
+        <p:spPr/>
+        <p:txBody>
+          <a:bodyPr/>
+          <a:lstStyle/>
+          <a:p>
+            <a:r>
+              <a:rPr lang="en-IN" dirty="0"/>
+              <a:t>Similar to </a:t>
+            </a:r>
+            <a:r>
+              <a:rPr lang="en-IN" b="1" dirty="0"/>
+              <a:t>for each </a:t>
+            </a:r>
+            <a:r>
+              <a:rPr lang="en-IN" dirty="0"/>
+              <a:t>loop</a:t>
+            </a:r>
+          </a:p>
+          <a:p>
+            <a:r>
+              <a:rPr lang="en-IN" dirty="0"/>
+              <a:t>Allows to iterate over an array</a:t>
+            </a:r>
+          </a:p>
+          <a:p>
+            <a:r>
+              <a:rPr lang="en-IN" dirty="0"/>
+              <a:t>Allows to iterate over keys and values of an object</a:t>
+            </a:r>
+          </a:p>
+          <a:p>
+            <a:r>
+              <a:rPr lang="en-IN" dirty="0"/>
+              <a:t>Syntax: ng-repeat="</a:t>
+            </a:r>
+            <a:r>
+              <a:rPr lang="en-IN" dirty="0" err="1"/>
+              <a:t>eachVar</a:t>
+            </a:r>
+            <a:r>
+              <a:rPr lang="en-IN" dirty="0"/>
+              <a:t> in </a:t>
+            </a:r>
+            <a:r>
+              <a:rPr lang="en-IN" dirty="0" err="1"/>
+              <a:t>arrayVar</a:t>
+            </a:r>
+            <a:r>
+              <a:rPr lang="en-IN" dirty="0"/>
+              <a:t>"</a:t>
+            </a:r>
+          </a:p>
+          <a:p>
+            <a:endParaRPr lang="en-IN" dirty="0"/>
+          </a:p>
+        </p:txBody>
+      </p:sp>
+    </p:spTree>
+    <p:extLst>
+      <p:ext uri="{BB962C8B-B14F-4D97-AF65-F5344CB8AC3E}">
+        <p14:creationId xmlns:p14="http://schemas.microsoft.com/office/powerpoint/2010/main" val="2602896700"/>
+      </p:ext>
+    </p:extLst>
+  </p:cSld>
+  <p:clrMapOvr>
+    <a:masterClrMapping/>
+  </p:clrMapOvr>
+</p:sld>
+</file>
+
+<file path=ppt/slides/slide18.xml><?xml version="1.0" encoding="utf-8"?>
+<p:sld xmlns:a="http://schemas.openxmlformats.org/drawingml/2006/main" xmlns:r="http://schemas.openxmlformats.org/officeDocument/2006/relationships" xmlns:p="http://schemas.openxmlformats.org/presentationml/2006/main">
+  <p:cSld>
+    <p:spTree>
+      <p:nvGrpSpPr>
+        <p:cNvPr id="1" name=""/>
+        <p:cNvGrpSpPr/>
+        <p:nvPr/>
+      </p:nvGrpSpPr>
+      <p:grpSpPr>
+        <a:xfrm>
+          <a:off x="0" y="0"/>
+          <a:ext cx="0" cy="0"/>
+          <a:chOff x="0" y="0"/>
+          <a:chExt cx="0" cy="0"/>
+        </a:xfrm>
+      </p:grpSpPr>
+      <p:pic>
+        <p:nvPicPr>
+          <p:cNvPr id="4" name="Picture 3"/>
+          <p:cNvPicPr>
+            <a:picLocks noChangeAspect="1"/>
+          </p:cNvPicPr>
+          <p:nvPr/>
+        </p:nvPicPr>
+        <p:blipFill>
+          <a:blip r:embed="rId2"/>
+          <a:stretch>
+            <a:fillRect/>
+          </a:stretch>
+        </p:blipFill>
+        <p:spPr>
+          <a:xfrm>
+            <a:off x="502853" y="780757"/>
+            <a:ext cx="11186294" cy="5296486"/>
+          </a:xfrm>
+          <a:prstGeom prst="rect">
+            <a:avLst/>
+          </a:prstGeom>
+        </p:spPr>
+      </p:pic>
+    </p:spTree>
+    <p:extLst>
+      <p:ext uri="{BB962C8B-B14F-4D97-AF65-F5344CB8AC3E}">
+        <p14:creationId xmlns:p14="http://schemas.microsoft.com/office/powerpoint/2010/main" val="3082496924"/>
+      </p:ext>
+    </p:extLst>
+  </p:cSld>
+  <p:clrMapOvr>
+    <a:masterClrMapping/>
+  </p:clrMapOvr>
+</p:sld>
+</file>
+
+<file path=ppt/slides/slide19.xml><?xml version="1.0" encoding="utf-8"?>
+<p:sld xmlns:a="http://schemas.openxmlformats.org/drawingml/2006/main" xmlns:r="http://schemas.openxmlformats.org/officeDocument/2006/relationships" xmlns:p="http://schemas.openxmlformats.org/presentationml/2006/main">
+  <p:cSld>
+    <p:spTree>
+      <p:nvGrpSpPr>
+        <p:cNvPr id="1" name=""/>
+        <p:cNvGrpSpPr/>
+        <p:nvPr/>
+      </p:nvGrpSpPr>
+      <p:grpSpPr>
+        <a:xfrm>
+          <a:off x="0" y="0"/>
+          <a:ext cx="0" cy="0"/>
+          <a:chOff x="0" y="0"/>
+          <a:chExt cx="0" cy="0"/>
+        </a:xfrm>
+      </p:grpSpPr>
+      <p:sp>
+        <p:nvSpPr>
+          <p:cNvPr id="2" name="Title 1"/>
+          <p:cNvSpPr>
+            <a:spLocks noGrp="1"/>
+          </p:cNvSpPr>
+          <p:nvPr>
+            <p:ph type="title"/>
+          </p:nvPr>
+        </p:nvSpPr>
+        <p:spPr/>
+        <p:txBody>
+          <a:bodyPr/>
+          <a:lstStyle/>
+          <a:p>
+            <a:endParaRPr lang="en-IN"/>
+          </a:p>
+        </p:txBody>
+      </p:sp>
+      <p:sp>
+        <p:nvSpPr>
+          <p:cNvPr id="3" name="Content Placeholder 2"/>
+          <p:cNvSpPr>
+            <a:spLocks noGrp="1"/>
+          </p:cNvSpPr>
+          <p:nvPr>
+            <p:ph idx="1"/>
+          </p:nvPr>
+        </p:nvSpPr>
+        <p:spPr/>
+        <p:txBody>
+          <a:bodyPr/>
+          <a:lstStyle/>
+          <a:p>
+            <a:endParaRPr lang="en-IN"/>
+          </a:p>
+        </p:txBody>
+      </p:sp>
+    </p:spTree>
+    <p:extLst>
+      <p:ext uri="{BB962C8B-B14F-4D97-AF65-F5344CB8AC3E}">
+        <p14:creationId xmlns:p14="http://schemas.microsoft.com/office/powerpoint/2010/main" val="580882333"/>
       </p:ext>
     </p:extLst>
   </p:cSld>
@@ -4072,7 +5372,6 @@
               <a:rPr lang="en-IN" dirty="0"/>
               <a:t>...)</a:t>
             </a:r>
-            <a:endParaRPr lang="en-IN" dirty="0"/>
           </a:p>
         </p:txBody>
       </p:sp>
@@ -4122,6 +5421,21 @@
           <a:lstStyle/>
           <a:p>
             <a:r>
+              <a:rPr lang="en-IN" sz="2000" b="1" dirty="0"/>
+              <a:t>directive</a:t>
+            </a:r>
+            <a:br>
+              <a:rPr lang="en-IN" b="1" dirty="0">
+                <a:effectLst>
+                  <a:outerShdw blurRad="38100" dist="38100" dir="2700000" algn="tl">
+                    <a:srgbClr val="000000">
+                      <a:alpha val="43137"/>
+                    </a:srgbClr>
+                  </a:outerShdw>
+                </a:effectLst>
+              </a:rPr>
+            </a:br>
+            <a:r>
               <a:rPr lang="en-IN" b="1" dirty="0">
                 <a:effectLst>
                   <a:outerShdw blurRad="38100" dist="38100" dir="2700000" algn="tl">
@@ -4133,10 +5447,7 @@
               </a:rPr>
               <a:t>ng-app</a:t>
             </a:r>
-            <a:r>
-              <a:rPr lang="en-IN" dirty="0"/>
-              <a:t> directive</a:t>
-            </a:r>
+            <a:endParaRPr lang="en-IN" dirty="0"/>
           </a:p>
         </p:txBody>
       </p:sp>
@@ -4220,14 +5531,26 @@
             <p:ph type="title"/>
           </p:nvPr>
         </p:nvSpPr>
-        <p:spPr/>
-        <p:txBody>
-          <a:bodyPr/>
-          <a:lstStyle/>
-          <a:p>
-            <a:r>
-              <a:rPr lang="en-IN" dirty="0"/>
-              <a:t>Second Application </a:t>
+        <p:spPr>
+          <a:xfrm>
+            <a:off x="838200" y="308853"/>
+            <a:ext cx="10515600" cy="1325563"/>
+          </a:xfrm>
+        </p:spPr>
+        <p:txBody>
+          <a:bodyPr/>
+          <a:lstStyle/>
+          <a:p>
+            <a:r>
+              <a:rPr lang="en-IN" sz="2000" b="1" dirty="0"/>
+              <a:t>directive</a:t>
+            </a:r>
+            <a:br>
+              <a:rPr lang="en-IN" dirty="0"/>
+            </a:br>
+            <a:r>
+              <a:rPr lang="en-IN" dirty="0"/>
+              <a:t> </a:t>
             </a:r>
             <a:r>
               <a:rPr lang="en-IN" b="1" dirty="0">
@@ -4313,9 +5636,18 @@
         </p:nvSpPr>
         <p:spPr/>
         <p:txBody>
-          <a:bodyPr/>
-          <a:lstStyle/>
-          <a:p>
+          <a:bodyPr>
+            <a:normAutofit/>
+          </a:bodyPr>
+          <a:lstStyle/>
+          <a:p>
+            <a:r>
+              <a:rPr lang="en-IN" sz="2000" b="1" dirty="0"/>
+              <a:t>directive </a:t>
+            </a:r>
+            <a:br>
+              <a:rPr lang="en-IN" sz="1800" dirty="0"/>
+            </a:br>
             <a:r>
               <a:rPr lang="en-IN" b="1" dirty="0">
                 <a:effectLst>
@@ -4326,12 +5658,9 @@
                   </a:outerShdw>
                 </a:effectLst>
               </a:rPr>
-              <a:t>ng-model </a:t>
-            </a:r>
-            <a:r>
-              <a:rPr lang="en-IN" dirty="0"/>
-              <a:t>directive</a:t>
-            </a:r>
+              <a:t>ng-model</a:t>
+            </a:r>
+            <a:endParaRPr lang="en-IN" dirty="0"/>
           </a:p>
         </p:txBody>
       </p:sp>
@@ -4425,6 +5754,10 @@
           <a:lstStyle/>
           <a:p>
             <a:r>
+              <a:rPr lang="en-IN" sz="2000" b="1" dirty="0"/>
+              <a:t>directive</a:t>
+            </a:r>
+            <a:br>
               <a:rPr lang="en-IN" b="1" dirty="0">
                 <a:effectLst>
                   <a:outerShdw blurRad="38100" dist="38100" dir="2700000" algn="tl">
@@ -4434,12 +5767,20 @@
                   </a:outerShdw>
                 </a:effectLst>
               </a:rPr>
-              <a:t>ng-bind </a:t>
-            </a:r>
-            <a:r>
-              <a:rPr lang="en-IN" dirty="0"/>
-              <a:t>directive</a:t>
-            </a:r>
+            </a:br>
+            <a:r>
+              <a:rPr lang="en-IN" b="1" dirty="0">
+                <a:effectLst>
+                  <a:outerShdw blurRad="38100" dist="38100" dir="2700000" algn="tl">
+                    <a:srgbClr val="000000">
+                      <a:alpha val="43137"/>
+                    </a:srgbClr>
+                  </a:outerShdw>
+                </a:effectLst>
+              </a:rPr>
+              <a:t>ng-bind</a:t>
+            </a:r>
+            <a:endParaRPr lang="en-IN" dirty="0"/>
           </a:p>
         </p:txBody>
       </p:sp>

--- a/Angular JS draft.pptx
+++ b/Angular JS draft.pptx
@@ -24,6 +24,19 @@
     <p:sldId id="272" r:id="rId18"/>
     <p:sldId id="273" r:id="rId19"/>
     <p:sldId id="274" r:id="rId20"/>
+    <p:sldId id="275" r:id="rId21"/>
+    <p:sldId id="276" r:id="rId22"/>
+    <p:sldId id="277" r:id="rId23"/>
+    <p:sldId id="278" r:id="rId24"/>
+    <p:sldId id="279" r:id="rId25"/>
+    <p:sldId id="280" r:id="rId26"/>
+    <p:sldId id="283" r:id="rId27"/>
+    <p:sldId id="281" r:id="rId28"/>
+    <p:sldId id="285" r:id="rId29"/>
+    <p:sldId id="284" r:id="rId30"/>
+    <p:sldId id="286" r:id="rId31"/>
+    <p:sldId id="287" r:id="rId32"/>
+    <p:sldId id="282" r:id="rId33"/>
   </p:sldIdLst>
   <p:sldSz cx="12192000" cy="6858000"/>
   <p:notesSz cx="6858000" cy="9144000"/>
@@ -261,7 +274,7 @@
           <a:p>
             <a:fld id="{744C1FFF-588F-42A6-A7C4-71A6BD7C8199}" type="datetimeFigureOut">
               <a:rPr lang="en-IN" smtClean="0"/>
-              <a:t>03-05-2017</a:t>
+              <a:t>04-05-2017</a:t>
             </a:fld>
             <a:endParaRPr lang="en-IN"/>
           </a:p>
@@ -431,7 +444,7 @@
           <a:p>
             <a:fld id="{744C1FFF-588F-42A6-A7C4-71A6BD7C8199}" type="datetimeFigureOut">
               <a:rPr lang="en-IN" smtClean="0"/>
-              <a:t>03-05-2017</a:t>
+              <a:t>04-05-2017</a:t>
             </a:fld>
             <a:endParaRPr lang="en-IN"/>
           </a:p>
@@ -611,7 +624,7 @@
           <a:p>
             <a:fld id="{744C1FFF-588F-42A6-A7C4-71A6BD7C8199}" type="datetimeFigureOut">
               <a:rPr lang="en-IN" smtClean="0"/>
-              <a:t>03-05-2017</a:t>
+              <a:t>04-05-2017</a:t>
             </a:fld>
             <a:endParaRPr lang="en-IN"/>
           </a:p>
@@ -781,7 +794,7 @@
           <a:p>
             <a:fld id="{744C1FFF-588F-42A6-A7C4-71A6BD7C8199}" type="datetimeFigureOut">
               <a:rPr lang="en-IN" smtClean="0"/>
-              <a:t>03-05-2017</a:t>
+              <a:t>04-05-2017</a:t>
             </a:fld>
             <a:endParaRPr lang="en-IN"/>
           </a:p>
@@ -1027,7 +1040,7 @@
           <a:p>
             <a:fld id="{744C1FFF-588F-42A6-A7C4-71A6BD7C8199}" type="datetimeFigureOut">
               <a:rPr lang="en-IN" smtClean="0"/>
-              <a:t>03-05-2017</a:t>
+              <a:t>04-05-2017</a:t>
             </a:fld>
             <a:endParaRPr lang="en-IN"/>
           </a:p>
@@ -1259,7 +1272,7 @@
           <a:p>
             <a:fld id="{744C1FFF-588F-42A6-A7C4-71A6BD7C8199}" type="datetimeFigureOut">
               <a:rPr lang="en-IN" smtClean="0"/>
-              <a:t>03-05-2017</a:t>
+              <a:t>04-05-2017</a:t>
             </a:fld>
             <a:endParaRPr lang="en-IN"/>
           </a:p>
@@ -1626,7 +1639,7 @@
           <a:p>
             <a:fld id="{744C1FFF-588F-42A6-A7C4-71A6BD7C8199}" type="datetimeFigureOut">
               <a:rPr lang="en-IN" smtClean="0"/>
-              <a:t>03-05-2017</a:t>
+              <a:t>04-05-2017</a:t>
             </a:fld>
             <a:endParaRPr lang="en-IN"/>
           </a:p>
@@ -1744,7 +1757,7 @@
           <a:p>
             <a:fld id="{744C1FFF-588F-42A6-A7C4-71A6BD7C8199}" type="datetimeFigureOut">
               <a:rPr lang="en-IN" smtClean="0"/>
-              <a:t>03-05-2017</a:t>
+              <a:t>04-05-2017</a:t>
             </a:fld>
             <a:endParaRPr lang="en-IN"/>
           </a:p>
@@ -1839,7 +1852,7 @@
           <a:p>
             <a:fld id="{744C1FFF-588F-42A6-A7C4-71A6BD7C8199}" type="datetimeFigureOut">
               <a:rPr lang="en-IN" smtClean="0"/>
-              <a:t>03-05-2017</a:t>
+              <a:t>04-05-2017</a:t>
             </a:fld>
             <a:endParaRPr lang="en-IN"/>
           </a:p>
@@ -2116,7 +2129,7 @@
           <a:p>
             <a:fld id="{744C1FFF-588F-42A6-A7C4-71A6BD7C8199}" type="datetimeFigureOut">
               <a:rPr lang="en-IN" smtClean="0"/>
-              <a:t>03-05-2017</a:t>
+              <a:t>04-05-2017</a:t>
             </a:fld>
             <a:endParaRPr lang="en-IN"/>
           </a:p>
@@ -2369,7 +2382,7 @@
           <a:p>
             <a:fld id="{744C1FFF-588F-42A6-A7C4-71A6BD7C8199}" type="datetimeFigureOut">
               <a:rPr lang="en-IN" smtClean="0"/>
-              <a:t>03-05-2017</a:t>
+              <a:t>04-05-2017</a:t>
             </a:fld>
             <a:endParaRPr lang="en-IN"/>
           </a:p>
@@ -2582,7 +2595,7 @@
           <a:p>
             <a:fld id="{744C1FFF-588F-42A6-A7C4-71A6BD7C8199}" type="datetimeFigureOut">
               <a:rPr lang="en-IN" smtClean="0"/>
-              <a:t>03-05-2017</a:t>
+              <a:t>04-05-2017</a:t>
             </a:fld>
             <a:endParaRPr lang="en-IN"/>
           </a:p>
@@ -4143,7 +4156,6 @@
               <a:rPr lang="en-IN" dirty="0"/>
               <a:t>Directly can be referred through the controller from the HTML</a:t>
             </a:r>
-            <a:endParaRPr lang="en-IN" dirty="0"/>
           </a:p>
         </p:txBody>
       </p:sp>
@@ -4444,7 +4456,7 @@
                   </a:schemeClr>
                 </a:solidFill>
               </a:rPr>
-              <a:t>“</a:t>
+              <a:t>"</a:t>
             </a:r>
           </a:p>
           <a:p>
@@ -4717,15 +4729,6 @@
               </a:rPr>
               <a:t>ng-repeat</a:t>
             </a:r>
-            <a:endParaRPr lang="en-IN" b="1" dirty="0">
-              <a:effectLst>
-                <a:outerShdw blurRad="38100" dist="38100" dir="2700000" algn="tl">
-                  <a:srgbClr val="000000">
-                    <a:alpha val="43137"/>
-                  </a:srgbClr>
-                </a:outerShdw>
-              </a:effectLst>
-            </a:endParaRPr>
           </a:p>
         </p:txBody>
       </p:sp>
@@ -4895,29 +4898,39 @@
           <a:bodyPr/>
           <a:lstStyle/>
           <a:p>
-            <a:endParaRPr lang="en-IN"/>
-          </a:p>
-        </p:txBody>
-      </p:sp>
-      <p:sp>
-        <p:nvSpPr>
-          <p:cNvPr id="3" name="Content Placeholder 2"/>
-          <p:cNvSpPr>
-            <a:spLocks noGrp="1"/>
-          </p:cNvSpPr>
+            <a:r>
+              <a:rPr lang="en-IN" dirty="0"/>
+              <a:t>Calculator</a:t>
+            </a:r>
+          </a:p>
+        </p:txBody>
+      </p:sp>
+      <p:pic>
+        <p:nvPicPr>
+          <p:cNvPr id="4" name="Content Placeholder 3"/>
+          <p:cNvPicPr>
+            <a:picLocks noGrp="1" noChangeAspect="1"/>
+          </p:cNvPicPr>
           <p:nvPr>
             <p:ph idx="1"/>
           </p:nvPr>
-        </p:nvSpPr>
-        <p:spPr/>
-        <p:txBody>
-          <a:bodyPr/>
-          <a:lstStyle/>
-          <a:p>
-            <a:endParaRPr lang="en-IN"/>
-          </a:p>
-        </p:txBody>
-      </p:sp>
+        </p:nvPicPr>
+        <p:blipFill>
+          <a:blip r:embed="rId2"/>
+          <a:stretch>
+            <a:fillRect/>
+          </a:stretch>
+        </p:blipFill>
+        <p:spPr>
+          <a:xfrm>
+            <a:off x="945500" y="1364566"/>
+            <a:ext cx="6362046" cy="4935830"/>
+          </a:xfrm>
+          <a:prstGeom prst="rect">
+            <a:avLst/>
+          </a:prstGeom>
+        </p:spPr>
+      </p:pic>
     </p:spTree>
     <p:extLst>
       <p:ext uri="{BB962C8B-B14F-4D97-AF65-F5344CB8AC3E}">
@@ -5064,6 +5077,1243 @@
 </p:sld>
 </file>
 
+<file path=ppt/slides/slide20.xml><?xml version="1.0" encoding="utf-8"?>
+<p:sld xmlns:a="http://schemas.openxmlformats.org/drawingml/2006/main" xmlns:r="http://schemas.openxmlformats.org/officeDocument/2006/relationships" xmlns:p="http://schemas.openxmlformats.org/presentationml/2006/main">
+  <p:cSld>
+    <p:spTree>
+      <p:nvGrpSpPr>
+        <p:cNvPr id="1" name=""/>
+        <p:cNvGrpSpPr/>
+        <p:nvPr/>
+      </p:nvGrpSpPr>
+      <p:grpSpPr>
+        <a:xfrm>
+          <a:off x="0" y="0"/>
+          <a:ext cx="0" cy="0"/>
+          <a:chOff x="0" y="0"/>
+          <a:chExt cx="0" cy="0"/>
+        </a:xfrm>
+      </p:grpSpPr>
+      <p:sp>
+        <p:nvSpPr>
+          <p:cNvPr id="2" name="Title 1"/>
+          <p:cNvSpPr>
+            <a:spLocks noGrp="1"/>
+          </p:cNvSpPr>
+          <p:nvPr>
+            <p:ph type="title"/>
+          </p:nvPr>
+        </p:nvSpPr>
+        <p:spPr/>
+        <p:txBody>
+          <a:bodyPr/>
+          <a:lstStyle/>
+          <a:p>
+            <a:r>
+              <a:rPr lang="en-IN" dirty="0"/>
+              <a:t>Calculator</a:t>
+            </a:r>
+          </a:p>
+        </p:txBody>
+      </p:sp>
+      <p:pic>
+        <p:nvPicPr>
+          <p:cNvPr id="4" name="Content Placeholder 3"/>
+          <p:cNvPicPr>
+            <a:picLocks noGrp="1" noChangeAspect="1"/>
+          </p:cNvPicPr>
+          <p:nvPr>
+            <p:ph idx="1"/>
+          </p:nvPr>
+        </p:nvPicPr>
+        <p:blipFill>
+          <a:blip r:embed="rId2"/>
+          <a:stretch>
+            <a:fillRect/>
+          </a:stretch>
+        </p:blipFill>
+        <p:spPr>
+          <a:xfrm>
+            <a:off x="838200" y="1428623"/>
+            <a:ext cx="7448056" cy="4831500"/>
+          </a:xfrm>
+          <a:prstGeom prst="rect">
+            <a:avLst/>
+          </a:prstGeom>
+        </p:spPr>
+      </p:pic>
+    </p:spTree>
+    <p:extLst>
+      <p:ext uri="{BB962C8B-B14F-4D97-AF65-F5344CB8AC3E}">
+        <p14:creationId xmlns:p14="http://schemas.microsoft.com/office/powerpoint/2010/main" val="2303556341"/>
+      </p:ext>
+    </p:extLst>
+  </p:cSld>
+  <p:clrMapOvr>
+    <a:masterClrMapping/>
+  </p:clrMapOvr>
+</p:sld>
+</file>
+
+<file path=ppt/slides/slide21.xml><?xml version="1.0" encoding="utf-8"?>
+<p:sld xmlns:a="http://schemas.openxmlformats.org/drawingml/2006/main" xmlns:r="http://schemas.openxmlformats.org/officeDocument/2006/relationships" xmlns:p="http://schemas.openxmlformats.org/presentationml/2006/main">
+  <p:cSld>
+    <p:spTree>
+      <p:nvGrpSpPr>
+        <p:cNvPr id="1" name=""/>
+        <p:cNvGrpSpPr/>
+        <p:nvPr/>
+      </p:nvGrpSpPr>
+      <p:grpSpPr>
+        <a:xfrm>
+          <a:off x="0" y="0"/>
+          <a:ext cx="0" cy="0"/>
+          <a:chOff x="0" y="0"/>
+          <a:chExt cx="0" cy="0"/>
+        </a:xfrm>
+      </p:grpSpPr>
+      <p:sp>
+        <p:nvSpPr>
+          <p:cNvPr id="2" name="Title 1"/>
+          <p:cNvSpPr>
+            <a:spLocks noGrp="1"/>
+          </p:cNvSpPr>
+          <p:nvPr>
+            <p:ph type="title"/>
+          </p:nvPr>
+        </p:nvSpPr>
+        <p:spPr>
+          <a:xfrm>
+            <a:off x="838200" y="365125"/>
+            <a:ext cx="10515600" cy="1325563"/>
+          </a:xfrm>
+        </p:spPr>
+        <p:txBody>
+          <a:bodyPr/>
+          <a:lstStyle/>
+          <a:p>
+            <a:r>
+              <a:rPr lang="en-IN" dirty="0"/>
+              <a:t>Calculator</a:t>
+            </a:r>
+          </a:p>
+        </p:txBody>
+      </p:sp>
+      <p:pic>
+        <p:nvPicPr>
+          <p:cNvPr id="4" name="Content Placeholder 3"/>
+          <p:cNvPicPr>
+            <a:picLocks noGrp="1" noChangeAspect="1"/>
+          </p:cNvPicPr>
+          <p:nvPr>
+            <p:ph idx="1"/>
+          </p:nvPr>
+        </p:nvPicPr>
+        <p:blipFill>
+          <a:blip r:embed="rId2"/>
+          <a:stretch>
+            <a:fillRect/>
+          </a:stretch>
+        </p:blipFill>
+        <p:spPr>
+          <a:xfrm>
+            <a:off x="838200" y="1589650"/>
+            <a:ext cx="5316983" cy="2675982"/>
+          </a:xfrm>
+          <a:prstGeom prst="rect">
+            <a:avLst/>
+          </a:prstGeom>
+        </p:spPr>
+      </p:pic>
+    </p:spTree>
+    <p:extLst>
+      <p:ext uri="{BB962C8B-B14F-4D97-AF65-F5344CB8AC3E}">
+        <p14:creationId xmlns:p14="http://schemas.microsoft.com/office/powerpoint/2010/main" val="3119507632"/>
+      </p:ext>
+    </p:extLst>
+  </p:cSld>
+  <p:clrMapOvr>
+    <a:masterClrMapping/>
+  </p:clrMapOvr>
+</p:sld>
+</file>
+
+<file path=ppt/slides/slide22.xml><?xml version="1.0" encoding="utf-8"?>
+<p:sld xmlns:a="http://schemas.openxmlformats.org/drawingml/2006/main" xmlns:r="http://schemas.openxmlformats.org/officeDocument/2006/relationships" xmlns:p="http://schemas.openxmlformats.org/presentationml/2006/main">
+  <p:cSld>
+    <p:spTree>
+      <p:nvGrpSpPr>
+        <p:cNvPr id="1" name=""/>
+        <p:cNvGrpSpPr/>
+        <p:nvPr/>
+      </p:nvGrpSpPr>
+      <p:grpSpPr>
+        <a:xfrm>
+          <a:off x="0" y="0"/>
+          <a:ext cx="0" cy="0"/>
+          <a:chOff x="0" y="0"/>
+          <a:chExt cx="0" cy="0"/>
+        </a:xfrm>
+      </p:grpSpPr>
+      <p:sp>
+        <p:nvSpPr>
+          <p:cNvPr id="2" name="Title 1"/>
+          <p:cNvSpPr>
+            <a:spLocks noGrp="1"/>
+          </p:cNvSpPr>
+          <p:nvPr>
+            <p:ph type="title"/>
+          </p:nvPr>
+        </p:nvSpPr>
+        <p:spPr/>
+        <p:txBody>
+          <a:bodyPr/>
+          <a:lstStyle/>
+          <a:p>
+            <a:r>
+              <a:rPr lang="en-IN" b="1" dirty="0">
+                <a:effectLst>
+                  <a:outerShdw blurRad="38100" dist="38100" dir="2700000" algn="tl">
+                    <a:srgbClr val="000000">
+                      <a:alpha val="43137"/>
+                    </a:srgbClr>
+                  </a:outerShdw>
+                </a:effectLst>
+              </a:rPr>
+              <a:t>Forms</a:t>
+            </a:r>
+          </a:p>
+        </p:txBody>
+      </p:sp>
+      <p:sp>
+        <p:nvSpPr>
+          <p:cNvPr id="3" name="Content Placeholder 2"/>
+          <p:cNvSpPr>
+            <a:spLocks noGrp="1"/>
+          </p:cNvSpPr>
+          <p:nvPr>
+            <p:ph idx="1"/>
+          </p:nvPr>
+        </p:nvSpPr>
+        <p:spPr/>
+        <p:txBody>
+          <a:bodyPr>
+            <a:normAutofit/>
+          </a:bodyPr>
+          <a:lstStyle/>
+          <a:p>
+            <a:r>
+              <a:rPr lang="en-IN" dirty="0"/>
+              <a:t>ng-submit</a:t>
+            </a:r>
+          </a:p>
+          <a:p>
+            <a:r>
+              <a:rPr lang="en-IN" dirty="0"/>
+              <a:t>ng-disabled = "</a:t>
+            </a:r>
+            <a:r>
+              <a:rPr lang="en-IN" dirty="0" err="1"/>
+              <a:t>myForm</a:t>
+            </a:r>
+            <a:r>
+              <a:rPr lang="en-IN" dirty="0"/>
+              <a:t>.$invalid"</a:t>
+            </a:r>
+          </a:p>
+          <a:p>
+            <a:r>
+              <a:rPr lang="en-IN" dirty="0"/>
+              <a:t>required</a:t>
+            </a:r>
+          </a:p>
+        </p:txBody>
+      </p:sp>
+    </p:spTree>
+    <p:extLst>
+      <p:ext uri="{BB962C8B-B14F-4D97-AF65-F5344CB8AC3E}">
+        <p14:creationId xmlns:p14="http://schemas.microsoft.com/office/powerpoint/2010/main" val="2320993853"/>
+      </p:ext>
+    </p:extLst>
+  </p:cSld>
+  <p:clrMapOvr>
+    <a:masterClrMapping/>
+  </p:clrMapOvr>
+</p:sld>
+</file>
+
+<file path=ppt/slides/slide23.xml><?xml version="1.0" encoding="utf-8"?>
+<p:sld xmlns:a="http://schemas.openxmlformats.org/drawingml/2006/main" xmlns:r="http://schemas.openxmlformats.org/officeDocument/2006/relationships" xmlns:p="http://schemas.openxmlformats.org/presentationml/2006/main">
+  <p:cSld>
+    <p:spTree>
+      <p:nvGrpSpPr>
+        <p:cNvPr id="1" name=""/>
+        <p:cNvGrpSpPr/>
+        <p:nvPr/>
+      </p:nvGrpSpPr>
+      <p:grpSpPr>
+        <a:xfrm>
+          <a:off x="0" y="0"/>
+          <a:ext cx="0" cy="0"/>
+          <a:chOff x="0" y="0"/>
+          <a:chExt cx="0" cy="0"/>
+        </a:xfrm>
+      </p:grpSpPr>
+      <p:sp>
+        <p:nvSpPr>
+          <p:cNvPr id="2" name="Title 1"/>
+          <p:cNvSpPr>
+            <a:spLocks noGrp="1"/>
+          </p:cNvSpPr>
+          <p:nvPr>
+            <p:ph type="title"/>
+          </p:nvPr>
+        </p:nvSpPr>
+        <p:spPr/>
+        <p:txBody>
+          <a:bodyPr/>
+          <a:lstStyle/>
+          <a:p>
+            <a:r>
+              <a:rPr lang="en-IN" dirty="0"/>
+              <a:t>form</a:t>
+            </a:r>
+          </a:p>
+        </p:txBody>
+      </p:sp>
+      <p:pic>
+        <p:nvPicPr>
+          <p:cNvPr id="4" name="Content Placeholder 3"/>
+          <p:cNvPicPr>
+            <a:picLocks noGrp="1" noChangeAspect="1"/>
+          </p:cNvPicPr>
+          <p:nvPr>
+            <p:ph idx="1"/>
+          </p:nvPr>
+        </p:nvPicPr>
+        <p:blipFill>
+          <a:blip r:embed="rId2"/>
+          <a:stretch>
+            <a:fillRect/>
+          </a:stretch>
+        </p:blipFill>
+        <p:spPr>
+          <a:xfrm>
+            <a:off x="2208629" y="1606845"/>
+            <a:ext cx="7774742" cy="4788898"/>
+          </a:xfrm>
+          <a:prstGeom prst="rect">
+            <a:avLst/>
+          </a:prstGeom>
+        </p:spPr>
+      </p:pic>
+    </p:spTree>
+    <p:extLst>
+      <p:ext uri="{BB962C8B-B14F-4D97-AF65-F5344CB8AC3E}">
+        <p14:creationId xmlns:p14="http://schemas.microsoft.com/office/powerpoint/2010/main" val="511812449"/>
+      </p:ext>
+    </p:extLst>
+  </p:cSld>
+  <p:clrMapOvr>
+    <a:masterClrMapping/>
+  </p:clrMapOvr>
+</p:sld>
+</file>
+
+<file path=ppt/slides/slide24.xml><?xml version="1.0" encoding="utf-8"?>
+<p:sld xmlns:a="http://schemas.openxmlformats.org/drawingml/2006/main" xmlns:r="http://schemas.openxmlformats.org/officeDocument/2006/relationships" xmlns:p="http://schemas.openxmlformats.org/presentationml/2006/main">
+  <p:cSld>
+    <p:spTree>
+      <p:nvGrpSpPr>
+        <p:cNvPr id="1" name=""/>
+        <p:cNvGrpSpPr/>
+        <p:nvPr/>
+      </p:nvGrpSpPr>
+      <p:grpSpPr>
+        <a:xfrm>
+          <a:off x="0" y="0"/>
+          <a:ext cx="0" cy="0"/>
+          <a:chOff x="0" y="0"/>
+          <a:chExt cx="0" cy="0"/>
+        </a:xfrm>
+      </p:grpSpPr>
+      <p:sp>
+        <p:nvSpPr>
+          <p:cNvPr id="2" name="Title 1"/>
+          <p:cNvSpPr>
+            <a:spLocks noGrp="1"/>
+          </p:cNvSpPr>
+          <p:nvPr>
+            <p:ph type="title"/>
+          </p:nvPr>
+        </p:nvSpPr>
+        <p:spPr/>
+        <p:txBody>
+          <a:bodyPr/>
+          <a:lstStyle/>
+          <a:p>
+            <a:r>
+              <a:rPr lang="en-IN" dirty="0"/>
+              <a:t>JS</a:t>
+            </a:r>
+          </a:p>
+        </p:txBody>
+      </p:sp>
+      <p:pic>
+        <p:nvPicPr>
+          <p:cNvPr id="4" name="Content Placeholder 3"/>
+          <p:cNvPicPr>
+            <a:picLocks noGrp="1" noChangeAspect="1"/>
+          </p:cNvPicPr>
+          <p:nvPr>
+            <p:ph idx="1"/>
+          </p:nvPr>
+        </p:nvPicPr>
+        <p:blipFill>
+          <a:blip r:embed="rId2"/>
+          <a:stretch>
+            <a:fillRect/>
+          </a:stretch>
+        </p:blipFill>
+        <p:spPr>
+          <a:xfrm>
+            <a:off x="514743" y="1575582"/>
+            <a:ext cx="11162514" cy="2319238"/>
+          </a:xfrm>
+          <a:prstGeom prst="rect">
+            <a:avLst/>
+          </a:prstGeom>
+        </p:spPr>
+      </p:pic>
+    </p:spTree>
+    <p:extLst>
+      <p:ext uri="{BB962C8B-B14F-4D97-AF65-F5344CB8AC3E}">
+        <p14:creationId xmlns:p14="http://schemas.microsoft.com/office/powerpoint/2010/main" val="1392505401"/>
+      </p:ext>
+    </p:extLst>
+  </p:cSld>
+  <p:clrMapOvr>
+    <a:masterClrMapping/>
+  </p:clrMapOvr>
+</p:sld>
+</file>
+
+<file path=ppt/slides/slide25.xml><?xml version="1.0" encoding="utf-8"?>
+<p:sld xmlns:a="http://schemas.openxmlformats.org/drawingml/2006/main" xmlns:r="http://schemas.openxmlformats.org/officeDocument/2006/relationships" xmlns:p="http://schemas.openxmlformats.org/presentationml/2006/main">
+  <p:cSld>
+    <p:spTree>
+      <p:nvGrpSpPr>
+        <p:cNvPr id="1" name=""/>
+        <p:cNvGrpSpPr/>
+        <p:nvPr/>
+      </p:nvGrpSpPr>
+      <p:grpSpPr>
+        <a:xfrm>
+          <a:off x="0" y="0"/>
+          <a:ext cx="0" cy="0"/>
+          <a:chOff x="0" y="0"/>
+          <a:chExt cx="0" cy="0"/>
+        </a:xfrm>
+      </p:grpSpPr>
+      <p:sp>
+        <p:nvSpPr>
+          <p:cNvPr id="2" name="Title 1"/>
+          <p:cNvSpPr>
+            <a:spLocks noGrp="1"/>
+          </p:cNvSpPr>
+          <p:nvPr>
+            <p:ph type="title"/>
+          </p:nvPr>
+        </p:nvSpPr>
+        <p:spPr/>
+        <p:txBody>
+          <a:bodyPr/>
+          <a:lstStyle/>
+          <a:p>
+            <a:r>
+              <a:rPr lang="en-IN" dirty="0"/>
+              <a:t>Error Handling</a:t>
+            </a:r>
+          </a:p>
+        </p:txBody>
+      </p:sp>
+      <p:sp>
+        <p:nvSpPr>
+          <p:cNvPr id="3" name="Content Placeholder 2"/>
+          <p:cNvSpPr>
+            <a:spLocks noGrp="1"/>
+          </p:cNvSpPr>
+          <p:nvPr>
+            <p:ph idx="1"/>
+          </p:nvPr>
+        </p:nvSpPr>
+        <p:spPr/>
+        <p:txBody>
+          <a:bodyPr/>
+          <a:lstStyle/>
+          <a:p>
+            <a:r>
+              <a:rPr lang="en-IN" dirty="0"/>
+              <a:t>Form validation</a:t>
+            </a:r>
+          </a:p>
+          <a:p>
+            <a:pPr lvl="1"/>
+            <a:r>
+              <a:rPr lang="en-IN" dirty="0"/>
+              <a:t>required</a:t>
+            </a:r>
+          </a:p>
+          <a:p>
+            <a:pPr lvl="1"/>
+            <a:r>
+              <a:rPr lang="en-IN" dirty="0"/>
+              <a:t>ng-required</a:t>
+            </a:r>
+          </a:p>
+          <a:p>
+            <a:pPr lvl="1"/>
+            <a:r>
+              <a:rPr lang="en-IN" dirty="0"/>
+              <a:t>ng-</a:t>
+            </a:r>
+            <a:r>
+              <a:rPr lang="en-IN" dirty="0" err="1"/>
+              <a:t>minlength</a:t>
+            </a:r>
+            <a:endParaRPr lang="en-IN" dirty="0"/>
+          </a:p>
+          <a:p>
+            <a:pPr lvl="1"/>
+            <a:r>
+              <a:rPr lang="en-IN" dirty="0"/>
+              <a:t>ng-</a:t>
+            </a:r>
+            <a:r>
+              <a:rPr lang="en-IN" dirty="0" err="1"/>
+              <a:t>maxlength</a:t>
+            </a:r>
+            <a:endParaRPr lang="en-IN" dirty="0"/>
+          </a:p>
+          <a:p>
+            <a:pPr lvl="1"/>
+            <a:r>
+              <a:rPr lang="en-IN" dirty="0"/>
+              <a:t>ng-pattern</a:t>
+            </a:r>
+          </a:p>
+          <a:p>
+            <a:pPr lvl="1"/>
+            <a:r>
+              <a:rPr lang="en-IN" dirty="0"/>
+              <a:t>type="email"</a:t>
+            </a:r>
+          </a:p>
+          <a:p>
+            <a:pPr lvl="1"/>
+            <a:r>
+              <a:rPr lang="en-IN" dirty="0"/>
+              <a:t>type="number"</a:t>
+            </a:r>
+          </a:p>
+          <a:p>
+            <a:pPr lvl="1"/>
+            <a:r>
+              <a:rPr lang="en-IN" dirty="0"/>
+              <a:t>type="date"</a:t>
+            </a:r>
+          </a:p>
+          <a:p>
+            <a:pPr lvl="1"/>
+            <a:r>
+              <a:rPr lang="en-IN" dirty="0"/>
+              <a:t>type="</a:t>
+            </a:r>
+            <a:r>
+              <a:rPr lang="en-IN" dirty="0" err="1"/>
+              <a:t>url</a:t>
+            </a:r>
+            <a:r>
+              <a:rPr lang="en-IN" dirty="0"/>
+              <a:t>"</a:t>
+            </a:r>
+          </a:p>
+          <a:p>
+            <a:endParaRPr lang="en-IN" dirty="0"/>
+          </a:p>
+        </p:txBody>
+      </p:sp>
+    </p:spTree>
+    <p:extLst>
+      <p:ext uri="{BB962C8B-B14F-4D97-AF65-F5344CB8AC3E}">
+        <p14:creationId xmlns:p14="http://schemas.microsoft.com/office/powerpoint/2010/main" val="2157710164"/>
+      </p:ext>
+    </p:extLst>
+  </p:cSld>
+  <p:clrMapOvr>
+    <a:masterClrMapping/>
+  </p:clrMapOvr>
+</p:sld>
+</file>
+
+<file path=ppt/slides/slide26.xml><?xml version="1.0" encoding="utf-8"?>
+<p:sld xmlns:a="http://schemas.openxmlformats.org/drawingml/2006/main" xmlns:r="http://schemas.openxmlformats.org/officeDocument/2006/relationships" xmlns:p="http://schemas.openxmlformats.org/presentationml/2006/main">
+  <p:cSld>
+    <p:spTree>
+      <p:nvGrpSpPr>
+        <p:cNvPr id="1" name=""/>
+        <p:cNvGrpSpPr/>
+        <p:nvPr/>
+      </p:nvGrpSpPr>
+      <p:grpSpPr>
+        <a:xfrm>
+          <a:off x="0" y="0"/>
+          <a:ext cx="0" cy="0"/>
+          <a:chOff x="0" y="0"/>
+          <a:chExt cx="0" cy="0"/>
+        </a:xfrm>
+      </p:grpSpPr>
+      <p:sp>
+        <p:nvSpPr>
+          <p:cNvPr id="9" name="Rectangle 8"/>
+          <p:cNvSpPr>
+            <a:spLocks noGrp="1" noRot="1" noChangeAspect="1" noMove="1" noResize="1" noEditPoints="1" noAdjustHandles="1" noChangeArrowheads="1" noChangeShapeType="1" noTextEdit="1"/>
+          </p:cNvSpPr>
+          <p:nvPr>
+            <p:extLst>
+              <p:ext uri="{386F3935-93C4-4BCD-93E2-E3B085C9AB24}">
+                <p16:designElem xmlns:p16="http://schemas.microsoft.com/office/powerpoint/2015/main" val="1"/>
+              </p:ext>
+            </p:extLst>
+          </p:nvPr>
+        </p:nvSpPr>
+        <p:spPr>
+          <a:xfrm>
+            <a:off x="4639056" y="0"/>
+            <a:ext cx="7552944" cy="6858000"/>
+          </a:xfrm>
+          <a:prstGeom prst="rect">
+            <a:avLst/>
+          </a:prstGeom>
+          <a:solidFill>
+            <a:schemeClr val="bg2"/>
+          </a:solidFill>
+          <a:ln>
+            <a:noFill/>
+          </a:ln>
+        </p:spPr>
+        <p:style>
+          <a:lnRef idx="2">
+            <a:schemeClr val="accent1">
+              <a:shade val="50000"/>
+            </a:schemeClr>
+          </a:lnRef>
+          <a:fillRef idx="1">
+            <a:schemeClr val="accent1"/>
+          </a:fillRef>
+          <a:effectRef idx="0">
+            <a:schemeClr val="accent1"/>
+          </a:effectRef>
+          <a:fontRef idx="minor">
+            <a:schemeClr val="lt1"/>
+          </a:fontRef>
+        </p:style>
+        <p:txBody>
+          <a:bodyPr rtlCol="0" anchor="ctr"/>
+          <a:lstStyle/>
+          <a:p>
+            <a:pPr algn="ctr"/>
+            <a:endParaRPr lang="en-US"/>
+          </a:p>
+        </p:txBody>
+      </p:sp>
+      <p:sp>
+        <p:nvSpPr>
+          <p:cNvPr id="11" name="Rounded Rectangle 9"/>
+          <p:cNvSpPr>
+            <a:spLocks noGrp="1" noRot="1" noChangeAspect="1" noMove="1" noResize="1" noEditPoints="1" noAdjustHandles="1" noChangeArrowheads="1" noChangeShapeType="1" noTextEdit="1"/>
+          </p:cNvSpPr>
+          <p:nvPr>
+            <p:extLst>
+              <p:ext uri="{386F3935-93C4-4BCD-93E2-E3B085C9AB24}">
+                <p16:designElem xmlns:p16="http://schemas.microsoft.com/office/powerpoint/2015/main" val="1"/>
+              </p:ext>
+            </p:extLst>
+          </p:nvPr>
+        </p:nvSpPr>
+        <p:spPr>
+          <a:xfrm>
+            <a:off x="5123688" y="484632"/>
+            <a:ext cx="6584098" cy="5739187"/>
+          </a:xfrm>
+          <a:prstGeom prst="roundRect">
+            <a:avLst>
+              <a:gd name="adj" fmla="val 0"/>
+            </a:avLst>
+          </a:prstGeom>
+          <a:solidFill>
+            <a:schemeClr val="bg1"/>
+          </a:solidFill>
+          <a:ln w="9525">
+            <a:noFill/>
+          </a:ln>
+          <a:effectLst>
+            <a:outerShdw blurRad="57150" dist="19050" dir="5400000" algn="t" rotWithShape="0">
+              <a:prstClr val="black">
+                <a:alpha val="63000"/>
+              </a:prstClr>
+            </a:outerShdw>
+          </a:effectLst>
+        </p:spPr>
+        <p:style>
+          <a:lnRef idx="2">
+            <a:schemeClr val="accent1">
+              <a:shade val="50000"/>
+            </a:schemeClr>
+          </a:lnRef>
+          <a:fillRef idx="1">
+            <a:schemeClr val="accent1"/>
+          </a:fillRef>
+          <a:effectRef idx="0">
+            <a:schemeClr val="accent1"/>
+          </a:effectRef>
+          <a:fontRef idx="minor">
+            <a:schemeClr val="lt1"/>
+          </a:fontRef>
+        </p:style>
+        <p:txBody>
+          <a:bodyPr rtlCol="0" anchor="ctr"/>
+          <a:lstStyle/>
+          <a:p>
+            <a:pPr algn="ctr"/>
+            <a:endParaRPr lang="en-US"/>
+          </a:p>
+        </p:txBody>
+      </p:sp>
+      <p:pic>
+        <p:nvPicPr>
+          <p:cNvPr id="4" name="Picture 3"/>
+          <p:cNvPicPr>
+            <a:picLocks noChangeAspect="1"/>
+          </p:cNvPicPr>
+          <p:nvPr/>
+        </p:nvPicPr>
+        <p:blipFill rotWithShape="1">
+          <a:blip r:embed="rId2"/>
+          <a:srcRect/>
+          <a:stretch/>
+        </p:blipFill>
+        <p:spPr>
+          <a:xfrm>
+            <a:off x="5608319" y="1611407"/>
+            <a:ext cx="5999074" cy="3720248"/>
+          </a:xfrm>
+          <a:prstGeom prst="rect">
+            <a:avLst/>
+          </a:prstGeom>
+          <a:effectLst/>
+        </p:spPr>
+      </p:pic>
+      <p:sp>
+        <p:nvSpPr>
+          <p:cNvPr id="2" name="Title 1"/>
+          <p:cNvSpPr>
+            <a:spLocks noGrp="1"/>
+          </p:cNvSpPr>
+          <p:nvPr>
+            <p:ph type="title"/>
+          </p:nvPr>
+        </p:nvSpPr>
+        <p:spPr>
+          <a:xfrm>
+            <a:off x="648929" y="629266"/>
+            <a:ext cx="3505495" cy="1622321"/>
+          </a:xfrm>
+        </p:spPr>
+        <p:txBody>
+          <a:bodyPr>
+            <a:normAutofit/>
+          </a:bodyPr>
+          <a:lstStyle/>
+          <a:p>
+            <a:r>
+              <a:rPr lang="en-IN" b="1" dirty="0">
+                <a:effectLst>
+                  <a:outerShdw blurRad="38100" dist="38100" dir="2700000" algn="tl">
+                    <a:srgbClr val="000000">
+                      <a:alpha val="43137"/>
+                    </a:srgbClr>
+                  </a:outerShdw>
+                </a:effectLst>
+              </a:rPr>
+              <a:t>Dependency Injection</a:t>
+            </a:r>
+            <a:endParaRPr lang="en-IN" b="1" dirty="0">
+              <a:effectLst>
+                <a:outerShdw blurRad="38100" dist="38100" dir="2700000" algn="tl">
+                  <a:srgbClr val="000000">
+                    <a:alpha val="43137"/>
+                  </a:srgbClr>
+                </a:outerShdw>
+              </a:effectLst>
+            </a:endParaRPr>
+          </a:p>
+        </p:txBody>
+      </p:sp>
+      <p:sp>
+        <p:nvSpPr>
+          <p:cNvPr id="3" name="Content Placeholder 2"/>
+          <p:cNvSpPr>
+            <a:spLocks noGrp="1"/>
+          </p:cNvSpPr>
+          <p:nvPr>
+            <p:ph idx="1"/>
+          </p:nvPr>
+        </p:nvSpPr>
+        <p:spPr>
+          <a:xfrm>
+            <a:off x="648931" y="2438400"/>
+            <a:ext cx="3505494" cy="3785419"/>
+          </a:xfrm>
+        </p:spPr>
+        <p:txBody>
+          <a:bodyPr>
+            <a:normAutofit/>
+          </a:bodyPr>
+          <a:lstStyle/>
+          <a:p>
+            <a:r>
+              <a:rPr lang="en-IN" sz="2000"/>
+              <a:t>Any service known to AngularJS can be injected into any other service, directive, or controller by stating it as a dependency.</a:t>
+            </a:r>
+          </a:p>
+          <a:p>
+            <a:r>
+              <a:rPr lang="en-IN" sz="2000"/>
+              <a:t>AngularJS will automatically create the entire chain before injecting.</a:t>
+            </a:r>
+          </a:p>
+          <a:p>
+            <a:endParaRPr lang="en-IN" sz="2000"/>
+          </a:p>
+        </p:txBody>
+      </p:sp>
+    </p:spTree>
+    <p:extLst>
+      <p:ext uri="{BB962C8B-B14F-4D97-AF65-F5344CB8AC3E}">
+        <p14:creationId xmlns:p14="http://schemas.microsoft.com/office/powerpoint/2010/main" val="3285117801"/>
+      </p:ext>
+    </p:extLst>
+  </p:cSld>
+  <p:clrMapOvr>
+    <a:masterClrMapping/>
+  </p:clrMapOvr>
+</p:sld>
+</file>
+
+<file path=ppt/slides/slide27.xml><?xml version="1.0" encoding="utf-8"?>
+<p:sld xmlns:a="http://schemas.openxmlformats.org/drawingml/2006/main" xmlns:r="http://schemas.openxmlformats.org/officeDocument/2006/relationships" xmlns:p="http://schemas.openxmlformats.org/presentationml/2006/main">
+  <p:cSld>
+    <p:spTree>
+      <p:nvGrpSpPr>
+        <p:cNvPr id="1" name=""/>
+        <p:cNvGrpSpPr/>
+        <p:nvPr/>
+      </p:nvGrpSpPr>
+      <p:grpSpPr>
+        <a:xfrm>
+          <a:off x="0" y="0"/>
+          <a:ext cx="0" cy="0"/>
+          <a:chOff x="0" y="0"/>
+          <a:chExt cx="0" cy="0"/>
+        </a:xfrm>
+      </p:grpSpPr>
+      <p:sp>
+        <p:nvSpPr>
+          <p:cNvPr id="2" name="Title 1"/>
+          <p:cNvSpPr>
+            <a:spLocks noGrp="1"/>
+          </p:cNvSpPr>
+          <p:nvPr>
+            <p:ph type="title"/>
+          </p:nvPr>
+        </p:nvSpPr>
+        <p:spPr>
+          <a:xfrm>
+            <a:off x="838200" y="365125"/>
+            <a:ext cx="10515600" cy="1325563"/>
+          </a:xfrm>
+        </p:spPr>
+        <p:txBody>
+          <a:bodyPr/>
+          <a:lstStyle/>
+          <a:p>
+            <a:r>
+              <a:rPr lang="en-IN" b="1" dirty="0">
+                <a:effectLst>
+                  <a:outerShdw blurRad="38100" dist="38100" dir="2700000" algn="tl">
+                    <a:srgbClr val="000000">
+                      <a:alpha val="43137"/>
+                    </a:srgbClr>
+                  </a:outerShdw>
+                </a:effectLst>
+              </a:rPr>
+              <a:t>Controller vs Services</a:t>
+            </a:r>
+          </a:p>
+        </p:txBody>
+      </p:sp>
+      <p:pic>
+        <p:nvPicPr>
+          <p:cNvPr id="6" name="Content Placeholder 5"/>
+          <p:cNvPicPr>
+            <a:picLocks noGrp="1" noChangeAspect="1"/>
+          </p:cNvPicPr>
+          <p:nvPr>
+            <p:ph idx="1"/>
+          </p:nvPr>
+        </p:nvPicPr>
+        <p:blipFill>
+          <a:blip r:embed="rId2"/>
+          <a:stretch>
+            <a:fillRect/>
+          </a:stretch>
+        </p:blipFill>
+        <p:spPr>
+          <a:xfrm>
+            <a:off x="838200" y="1547446"/>
+            <a:ext cx="10470584" cy="3107032"/>
+          </a:xfrm>
+          <a:prstGeom prst="rect">
+            <a:avLst/>
+          </a:prstGeom>
+        </p:spPr>
+      </p:pic>
+    </p:spTree>
+    <p:extLst>
+      <p:ext uri="{BB962C8B-B14F-4D97-AF65-F5344CB8AC3E}">
+        <p14:creationId xmlns:p14="http://schemas.microsoft.com/office/powerpoint/2010/main" val="3591404566"/>
+      </p:ext>
+    </p:extLst>
+  </p:cSld>
+  <p:clrMapOvr>
+    <a:masterClrMapping/>
+  </p:clrMapOvr>
+</p:sld>
+</file>
+
+<file path=ppt/slides/slide28.xml><?xml version="1.0" encoding="utf-8"?>
+<p:sld xmlns:a="http://schemas.openxmlformats.org/drawingml/2006/main" xmlns:r="http://schemas.openxmlformats.org/officeDocument/2006/relationships" xmlns:p="http://schemas.openxmlformats.org/presentationml/2006/main">
+  <p:cSld>
+    <p:spTree>
+      <p:nvGrpSpPr>
+        <p:cNvPr id="1" name=""/>
+        <p:cNvGrpSpPr/>
+        <p:nvPr/>
+      </p:nvGrpSpPr>
+      <p:grpSpPr>
+        <a:xfrm>
+          <a:off x="0" y="0"/>
+          <a:ext cx="0" cy="0"/>
+          <a:chOff x="0" y="0"/>
+          <a:chExt cx="0" cy="0"/>
+        </a:xfrm>
+      </p:grpSpPr>
+      <p:sp>
+        <p:nvSpPr>
+          <p:cNvPr id="2" name="Title 1"/>
+          <p:cNvSpPr>
+            <a:spLocks noGrp="1"/>
+          </p:cNvSpPr>
+          <p:nvPr>
+            <p:ph type="title"/>
+          </p:nvPr>
+        </p:nvSpPr>
+        <p:spPr/>
+        <p:txBody>
+          <a:bodyPr/>
+          <a:lstStyle/>
+          <a:p>
+            <a:r>
+              <a:rPr lang="en-IN" dirty="0"/>
+              <a:t>Service types</a:t>
+            </a:r>
+          </a:p>
+        </p:txBody>
+      </p:sp>
+      <p:sp>
+        <p:nvSpPr>
+          <p:cNvPr id="3" name="Content Placeholder 2"/>
+          <p:cNvSpPr>
+            <a:spLocks noGrp="1"/>
+          </p:cNvSpPr>
+          <p:nvPr>
+            <p:ph idx="1"/>
+          </p:nvPr>
+        </p:nvSpPr>
+        <p:spPr/>
+        <p:txBody>
+          <a:bodyPr/>
+          <a:lstStyle/>
+          <a:p>
+            <a:r>
+              <a:rPr lang="en-IN" dirty="0"/>
+              <a:t>Build-in</a:t>
+            </a:r>
+          </a:p>
+          <a:p>
+            <a:r>
+              <a:rPr lang="en-IN" dirty="0"/>
+              <a:t>Custom</a:t>
+            </a:r>
+          </a:p>
+        </p:txBody>
+      </p:sp>
+    </p:spTree>
+    <p:extLst>
+      <p:ext uri="{BB962C8B-B14F-4D97-AF65-F5344CB8AC3E}">
+        <p14:creationId xmlns:p14="http://schemas.microsoft.com/office/powerpoint/2010/main" val="2840547004"/>
+      </p:ext>
+    </p:extLst>
+  </p:cSld>
+  <p:clrMapOvr>
+    <a:masterClrMapping/>
+  </p:clrMapOvr>
+</p:sld>
+</file>
+
+<file path=ppt/slides/slide29.xml><?xml version="1.0" encoding="utf-8"?>
+<p:sld xmlns:a="http://schemas.openxmlformats.org/drawingml/2006/main" xmlns:r="http://schemas.openxmlformats.org/officeDocument/2006/relationships" xmlns:p="http://schemas.openxmlformats.org/presentationml/2006/main">
+  <p:cSld>
+    <p:spTree>
+      <p:nvGrpSpPr>
+        <p:cNvPr id="1" name=""/>
+        <p:cNvGrpSpPr/>
+        <p:nvPr/>
+      </p:nvGrpSpPr>
+      <p:grpSpPr>
+        <a:xfrm>
+          <a:off x="0" y="0"/>
+          <a:ext cx="0" cy="0"/>
+          <a:chOff x="0" y="0"/>
+          <a:chExt cx="0" cy="0"/>
+        </a:xfrm>
+      </p:grpSpPr>
+      <p:sp>
+        <p:nvSpPr>
+          <p:cNvPr id="2" name="Title 1"/>
+          <p:cNvSpPr>
+            <a:spLocks noGrp="1"/>
+          </p:cNvSpPr>
+          <p:nvPr>
+            <p:ph type="title"/>
+          </p:nvPr>
+        </p:nvSpPr>
+        <p:spPr/>
+        <p:txBody>
+          <a:bodyPr/>
+          <a:lstStyle/>
+          <a:p>
+            <a:r>
+              <a:rPr lang="en-IN" b="1" dirty="0">
+                <a:effectLst>
+                  <a:outerShdw blurRad="38100" dist="38100" dir="2700000" algn="tl">
+                    <a:srgbClr val="000000">
+                      <a:alpha val="43137"/>
+                    </a:srgbClr>
+                  </a:outerShdw>
+                </a:effectLst>
+              </a:rPr>
+              <a:t>Common built-In Services</a:t>
+            </a:r>
+            <a:endParaRPr lang="en-IN" b="1" dirty="0">
+              <a:effectLst>
+                <a:outerShdw blurRad="38100" dist="38100" dir="2700000" algn="tl">
+                  <a:srgbClr val="000000">
+                    <a:alpha val="43137"/>
+                  </a:srgbClr>
+                </a:outerShdw>
+              </a:effectLst>
+            </a:endParaRPr>
+          </a:p>
+        </p:txBody>
+      </p:sp>
+      <p:sp>
+        <p:nvSpPr>
+          <p:cNvPr id="3" name="Content Placeholder 2"/>
+          <p:cNvSpPr>
+            <a:spLocks noGrp="1"/>
+          </p:cNvSpPr>
+          <p:nvPr>
+            <p:ph idx="1"/>
+          </p:nvPr>
+        </p:nvSpPr>
+        <p:spPr>
+          <a:xfrm>
+            <a:off x="838200" y="1825625"/>
+            <a:ext cx="10515600" cy="2633833"/>
+          </a:xfrm>
+        </p:spPr>
+        <p:txBody>
+          <a:bodyPr>
+            <a:normAutofit fontScale="92500" lnSpcReduction="10000"/>
+          </a:bodyPr>
+          <a:lstStyle/>
+          <a:p>
+            <a:r>
+              <a:rPr lang="en-IN" dirty="0"/>
+              <a:t>$window</a:t>
+            </a:r>
+          </a:p>
+          <a:p>
+            <a:r>
+              <a:rPr lang="en-IN" dirty="0"/>
+              <a:t>$log</a:t>
+            </a:r>
+          </a:p>
+          <a:p>
+            <a:r>
+              <a:rPr lang="en-IN" dirty="0"/>
+              <a:t>$http</a:t>
+            </a:r>
+          </a:p>
+          <a:p>
+            <a:r>
+              <a:rPr lang="en-IN" dirty="0"/>
+              <a:t>$location</a:t>
+            </a:r>
+          </a:p>
+          <a:p>
+            <a:r>
+              <a:rPr lang="en-IN" dirty="0"/>
+              <a:t>$timeout</a:t>
+            </a:r>
+          </a:p>
+          <a:p>
+            <a:r>
+              <a:rPr lang="en-IN" dirty="0"/>
+              <a:t>$interval</a:t>
+            </a:r>
+          </a:p>
+          <a:p>
+            <a:endParaRPr lang="en-IN" dirty="0"/>
+          </a:p>
+        </p:txBody>
+      </p:sp>
+      <p:sp>
+        <p:nvSpPr>
+          <p:cNvPr id="4" name="Rectangle 3"/>
+          <p:cNvSpPr/>
+          <p:nvPr/>
+        </p:nvSpPr>
+        <p:spPr>
+          <a:xfrm>
+            <a:off x="838200" y="4587297"/>
+            <a:ext cx="10515600" cy="1661993"/>
+          </a:xfrm>
+          <a:prstGeom prst="rect">
+            <a:avLst/>
+          </a:prstGeom>
+        </p:spPr>
+        <p:txBody>
+          <a:bodyPr wrap="square">
+            <a:spAutoFit/>
+          </a:bodyPr>
+          <a:lstStyle/>
+          <a:p>
+            <a:r>
+              <a:rPr lang="en-IN" b="1" u="sng" dirty="0">
+                <a:solidFill>
+                  <a:srgbClr val="FF0000"/>
+                </a:solidFill>
+                <a:effectLst>
+                  <a:outerShdw blurRad="38100" dist="38100" dir="2700000" algn="tl">
+                    <a:srgbClr val="000000">
+                      <a:alpha val="43137"/>
+                    </a:srgbClr>
+                  </a:outerShdw>
+                </a:effectLst>
+                <a:latin typeface="MinionPro-Regular"/>
+              </a:rPr>
+              <a:t>Points to remember: </a:t>
+            </a:r>
+          </a:p>
+          <a:p>
+            <a:endParaRPr lang="en-IN" b="1" dirty="0">
+              <a:solidFill>
+                <a:srgbClr val="FF0000"/>
+              </a:solidFill>
+              <a:effectLst>
+                <a:outerShdw blurRad="38100" dist="38100" dir="2700000" algn="tl">
+                  <a:srgbClr val="000000">
+                    <a:alpha val="43137"/>
+                  </a:srgbClr>
+                </a:outerShdw>
+              </a:effectLst>
+              <a:latin typeface="MinionPro-Regular"/>
+            </a:endParaRPr>
+          </a:p>
+          <a:p>
+            <a:pPr marL="285750" indent="-285750">
+              <a:buFont typeface="Arial" panose="020B0604020202020204" pitchFamily="34" charset="0"/>
+              <a:buChar char="•"/>
+            </a:pPr>
+            <a:r>
+              <a:rPr lang="en-IN" dirty="0">
+                <a:latin typeface="MinionPro-Regular"/>
+              </a:rPr>
+              <a:t>AngularJS prefixes all the services that are provided by the AngularJS library with the $ sign.</a:t>
+            </a:r>
+          </a:p>
+          <a:p>
+            <a:pPr marL="285750" indent="-285750">
+              <a:buFont typeface="Arial" panose="020B0604020202020204" pitchFamily="34" charset="0"/>
+              <a:buChar char="•"/>
+            </a:pPr>
+            <a:endParaRPr lang="en-IN" sz="1000" dirty="0">
+              <a:latin typeface="MinionPro-Regular"/>
+            </a:endParaRPr>
+          </a:p>
+          <a:p>
+            <a:pPr marL="285750" indent="-285750">
+              <a:buFont typeface="Arial" panose="020B0604020202020204" pitchFamily="34" charset="0"/>
+              <a:buChar char="•"/>
+            </a:pPr>
+            <a:r>
+              <a:rPr lang="en-IN" dirty="0">
+                <a:latin typeface="MinionPro-Regular"/>
+              </a:rPr>
+              <a:t>when you create your own services, do not prefix them with a </a:t>
+            </a:r>
+            <a:r>
+              <a:rPr lang="en-IN" dirty="0">
+                <a:latin typeface="UbuntuMono-Regular"/>
+              </a:rPr>
+              <a:t>$ </a:t>
+            </a:r>
+            <a:r>
+              <a:rPr lang="en-IN" dirty="0">
+                <a:latin typeface="MinionPro-Regular"/>
+              </a:rPr>
+              <a:t>sign. It will just end up confusing you and your team at some point in time</a:t>
+            </a:r>
+            <a:endParaRPr lang="en-IN" dirty="0"/>
+          </a:p>
+        </p:txBody>
+      </p:sp>
+    </p:spTree>
+    <p:extLst>
+      <p:ext uri="{BB962C8B-B14F-4D97-AF65-F5344CB8AC3E}">
+        <p14:creationId xmlns:p14="http://schemas.microsoft.com/office/powerpoint/2010/main" val="687781115"/>
+      </p:ext>
+    </p:extLst>
+  </p:cSld>
+  <p:clrMapOvr>
+    <a:masterClrMapping/>
+  </p:clrMapOvr>
+</p:sld>
+</file>
+
 <file path=ppt/slides/slide3.xml><?xml version="1.0" encoding="utf-8"?>
 <p:sld xmlns:a="http://schemas.openxmlformats.org/drawingml/2006/main" xmlns:r="http://schemas.openxmlformats.org/officeDocument/2006/relationships" xmlns:p="http://schemas.openxmlformats.org/presentationml/2006/main">
   <p:cSld>
@@ -5156,6 +6406,320 @@
     <p:extLst>
       <p:ext uri="{BB962C8B-B14F-4D97-AF65-F5344CB8AC3E}">
         <p14:creationId xmlns:p14="http://schemas.microsoft.com/office/powerpoint/2010/main" val="1836758027"/>
+      </p:ext>
+    </p:extLst>
+  </p:cSld>
+  <p:clrMapOvr>
+    <a:masterClrMapping/>
+  </p:clrMapOvr>
+</p:sld>
+</file>
+
+<file path=ppt/slides/slide30.xml><?xml version="1.0" encoding="utf-8"?>
+<p:sld xmlns:a="http://schemas.openxmlformats.org/drawingml/2006/main" xmlns:r="http://schemas.openxmlformats.org/officeDocument/2006/relationships" xmlns:p="http://schemas.openxmlformats.org/presentationml/2006/main">
+  <p:cSld>
+    <p:spTree>
+      <p:nvGrpSpPr>
+        <p:cNvPr id="1" name=""/>
+        <p:cNvGrpSpPr/>
+        <p:nvPr/>
+      </p:nvGrpSpPr>
+      <p:grpSpPr>
+        <a:xfrm>
+          <a:off x="0" y="0"/>
+          <a:ext cx="0" cy="0"/>
+          <a:chOff x="0" y="0"/>
+          <a:chExt cx="0" cy="0"/>
+        </a:xfrm>
+      </p:grpSpPr>
+      <p:sp>
+        <p:nvSpPr>
+          <p:cNvPr id="2" name="Title 1"/>
+          <p:cNvSpPr>
+            <a:spLocks noGrp="1"/>
+          </p:cNvSpPr>
+          <p:nvPr>
+            <p:ph type="title"/>
+          </p:nvPr>
+        </p:nvSpPr>
+        <p:spPr/>
+        <p:txBody>
+          <a:bodyPr/>
+          <a:lstStyle/>
+          <a:p>
+            <a:r>
+              <a:rPr lang="en-IN" b="1" dirty="0">
+                <a:effectLst>
+                  <a:outerShdw blurRad="38100" dist="38100" dir="2700000" algn="tl">
+                    <a:srgbClr val="000000">
+                      <a:alpha val="43137"/>
+                    </a:srgbClr>
+                  </a:outerShdw>
+                </a:effectLst>
+              </a:rPr>
+              <a:t>Injecting service</a:t>
+            </a:r>
+          </a:p>
+        </p:txBody>
+      </p:sp>
+      <p:pic>
+        <p:nvPicPr>
+          <p:cNvPr id="4" name="Content Placeholder 3"/>
+          <p:cNvPicPr>
+            <a:picLocks noGrp="1" noChangeAspect="1"/>
+          </p:cNvPicPr>
+          <p:nvPr>
+            <p:ph idx="1"/>
+          </p:nvPr>
+        </p:nvPicPr>
+        <p:blipFill>
+          <a:blip r:embed="rId2"/>
+          <a:stretch>
+            <a:fillRect/>
+          </a:stretch>
+        </p:blipFill>
+        <p:spPr>
+          <a:xfrm>
+            <a:off x="838200" y="1533640"/>
+            <a:ext cx="8545374" cy="1752897"/>
+          </a:xfrm>
+          <a:prstGeom prst="rect">
+            <a:avLst/>
+          </a:prstGeom>
+        </p:spPr>
+      </p:pic>
+      <p:sp>
+        <p:nvSpPr>
+          <p:cNvPr id="6" name="Rectangle 5"/>
+          <p:cNvSpPr/>
+          <p:nvPr/>
+        </p:nvSpPr>
+        <p:spPr>
+          <a:xfrm>
+            <a:off x="838200" y="3582597"/>
+            <a:ext cx="2108269" cy="369332"/>
+          </a:xfrm>
+          <a:prstGeom prst="rect">
+            <a:avLst/>
+          </a:prstGeom>
+        </p:spPr>
+        <p:txBody>
+          <a:bodyPr wrap="none">
+            <a:spAutoFit/>
+          </a:bodyPr>
+          <a:lstStyle/>
+          <a:p>
+            <a:r>
+              <a:rPr lang="en-IN" b="1" dirty="0">
+                <a:latin typeface="MyriadPro-SemiboldCond"/>
+              </a:rPr>
+              <a:t>Order of Injection</a:t>
+            </a:r>
+            <a:endParaRPr lang="en-IN" b="1" dirty="0"/>
+          </a:p>
+        </p:txBody>
+      </p:sp>
+      <p:pic>
+        <p:nvPicPr>
+          <p:cNvPr id="7" name="Picture 6"/>
+          <p:cNvPicPr>
+            <a:picLocks noChangeAspect="1"/>
+          </p:cNvPicPr>
+          <p:nvPr/>
+        </p:nvPicPr>
+        <p:blipFill>
+          <a:blip r:embed="rId3"/>
+          <a:stretch>
+            <a:fillRect/>
+          </a:stretch>
+        </p:blipFill>
+        <p:spPr>
+          <a:xfrm>
+            <a:off x="838200" y="4097908"/>
+            <a:ext cx="5795261" cy="853919"/>
+          </a:xfrm>
+          <a:prstGeom prst="rect">
+            <a:avLst/>
+          </a:prstGeom>
+        </p:spPr>
+      </p:pic>
+    </p:spTree>
+    <p:extLst>
+      <p:ext uri="{BB962C8B-B14F-4D97-AF65-F5344CB8AC3E}">
+        <p14:creationId xmlns:p14="http://schemas.microsoft.com/office/powerpoint/2010/main" val="1858662801"/>
+      </p:ext>
+    </p:extLst>
+  </p:cSld>
+  <p:clrMapOvr>
+    <a:masterClrMapping/>
+  </p:clrMapOvr>
+</p:sld>
+</file>
+
+<file path=ppt/slides/slide31.xml><?xml version="1.0" encoding="utf-8"?>
+<p:sld xmlns:a="http://schemas.openxmlformats.org/drawingml/2006/main" xmlns:r="http://schemas.openxmlformats.org/officeDocument/2006/relationships" xmlns:p="http://schemas.openxmlformats.org/presentationml/2006/main">
+  <p:cSld>
+    <p:spTree>
+      <p:nvGrpSpPr>
+        <p:cNvPr id="1" name=""/>
+        <p:cNvGrpSpPr/>
+        <p:nvPr/>
+      </p:nvGrpSpPr>
+      <p:grpSpPr>
+        <a:xfrm>
+          <a:off x="0" y="0"/>
+          <a:ext cx="0" cy="0"/>
+          <a:chOff x="0" y="0"/>
+          <a:chExt cx="0" cy="0"/>
+        </a:xfrm>
+      </p:grpSpPr>
+      <p:sp>
+        <p:nvSpPr>
+          <p:cNvPr id="2" name="Title 1"/>
+          <p:cNvSpPr>
+            <a:spLocks noGrp="1"/>
+          </p:cNvSpPr>
+          <p:nvPr>
+            <p:ph type="title"/>
+          </p:nvPr>
+        </p:nvSpPr>
+        <p:spPr/>
+        <p:txBody>
+          <a:bodyPr/>
+          <a:lstStyle/>
+          <a:p>
+            <a:r>
+              <a:rPr lang="en-IN" b="1" dirty="0">
+                <a:effectLst>
+                  <a:outerShdw blurRad="38100" dist="38100" dir="2700000" algn="tl">
+                    <a:srgbClr val="000000">
+                      <a:alpha val="43137"/>
+                    </a:srgbClr>
+                  </a:outerShdw>
+                </a:effectLst>
+              </a:rPr>
+              <a:t>Creating Our Own Service</a:t>
+            </a:r>
+            <a:endParaRPr lang="en-IN" b="1" dirty="0">
+              <a:effectLst>
+                <a:outerShdw blurRad="38100" dist="38100" dir="2700000" algn="tl">
+                  <a:srgbClr val="000000">
+                    <a:alpha val="43137"/>
+                  </a:srgbClr>
+                </a:outerShdw>
+              </a:effectLst>
+            </a:endParaRPr>
+          </a:p>
+        </p:txBody>
+      </p:sp>
+      <p:sp>
+        <p:nvSpPr>
+          <p:cNvPr id="3" name="Content Placeholder 2"/>
+          <p:cNvSpPr>
+            <a:spLocks noGrp="1"/>
+          </p:cNvSpPr>
+          <p:nvPr>
+            <p:ph idx="1"/>
+          </p:nvPr>
+        </p:nvSpPr>
+        <p:spPr/>
+        <p:txBody>
+          <a:bodyPr/>
+          <a:lstStyle/>
+          <a:p>
+            <a:endParaRPr lang="en-IN"/>
+          </a:p>
+        </p:txBody>
+      </p:sp>
+    </p:spTree>
+    <p:extLst>
+      <p:ext uri="{BB962C8B-B14F-4D97-AF65-F5344CB8AC3E}">
+        <p14:creationId xmlns:p14="http://schemas.microsoft.com/office/powerpoint/2010/main" val="1324548301"/>
+      </p:ext>
+    </p:extLst>
+  </p:cSld>
+  <p:clrMapOvr>
+    <a:masterClrMapping/>
+  </p:clrMapOvr>
+</p:sld>
+</file>
+
+<file path=ppt/slides/slide32.xml><?xml version="1.0" encoding="utf-8"?>
+<p:sld xmlns:a="http://schemas.openxmlformats.org/drawingml/2006/main" xmlns:r="http://schemas.openxmlformats.org/officeDocument/2006/relationships" xmlns:p="http://schemas.openxmlformats.org/presentationml/2006/main">
+  <p:cSld>
+    <p:spTree>
+      <p:nvGrpSpPr>
+        <p:cNvPr id="1" name=""/>
+        <p:cNvGrpSpPr/>
+        <p:nvPr/>
+      </p:nvGrpSpPr>
+      <p:grpSpPr>
+        <a:xfrm>
+          <a:off x="0" y="0"/>
+          <a:ext cx="0" cy="0"/>
+          <a:chOff x="0" y="0"/>
+          <a:chExt cx="0" cy="0"/>
+        </a:xfrm>
+      </p:grpSpPr>
+      <p:sp>
+        <p:nvSpPr>
+          <p:cNvPr id="2" name="Title 1"/>
+          <p:cNvSpPr>
+            <a:spLocks noGrp="1"/>
+          </p:cNvSpPr>
+          <p:nvPr>
+            <p:ph type="title"/>
+          </p:nvPr>
+        </p:nvSpPr>
+        <p:spPr/>
+        <p:txBody>
+          <a:bodyPr/>
+          <a:lstStyle/>
+          <a:p>
+            <a:r>
+              <a:rPr lang="en-IN" b="1" dirty="0">
+                <a:solidFill>
+                  <a:srgbClr val="FF0000"/>
+                </a:solidFill>
+              </a:rPr>
+              <a:t>What?</a:t>
+            </a:r>
+          </a:p>
+        </p:txBody>
+      </p:sp>
+      <p:sp>
+        <p:nvSpPr>
+          <p:cNvPr id="3" name="Content Placeholder 2"/>
+          <p:cNvSpPr>
+            <a:spLocks noGrp="1"/>
+          </p:cNvSpPr>
+          <p:nvPr>
+            <p:ph idx="1"/>
+          </p:nvPr>
+        </p:nvSpPr>
+        <p:spPr/>
+        <p:txBody>
+          <a:bodyPr/>
+          <a:lstStyle/>
+          <a:p>
+            <a:r>
+              <a:rPr lang="en-IN" dirty="0"/>
+              <a:t>In AngularJS, when we say service, we are actually referring to the conceptual service that is a reusable API or substitutable objects, which can be shared across our applications. A service in AngularJS can be implemented as a factory, service, or provider.</a:t>
+            </a:r>
+          </a:p>
+          <a:p>
+            <a:r>
+              <a:rPr lang="en-IN" dirty="0"/>
+              <a:t>This is one of the badly named concepts in AngularJS and thus can lead to confusion. We end up calling all of the above services. We will see the difference between them in a bit.</a:t>
+            </a:r>
+            <a:endParaRPr lang="en-IN" dirty="0"/>
+          </a:p>
+        </p:txBody>
+      </p:sp>
+    </p:spTree>
+    <p:extLst>
+      <p:ext uri="{BB962C8B-B14F-4D97-AF65-F5344CB8AC3E}">
+        <p14:creationId xmlns:p14="http://schemas.microsoft.com/office/powerpoint/2010/main" val="3747375247"/>
       </p:ext>
     </p:extLst>
   </p:cSld>
@@ -5697,7 +7261,7 @@
             </a:r>
             <a:r>
               <a:rPr lang="en-IN" dirty="0"/>
-              <a:t>, AngularJS stores the value that the user types into in a variable called "n1“</a:t>
+              <a:t>, AngularJS stores the value that the user types into in a variable called "n1"</a:t>
             </a:r>
           </a:p>
           <a:p>

--- a/Angular JS draft.pptx
+++ b/Angular JS draft.pptx
@@ -32,11 +32,13 @@
     <p:sldId id="280" r:id="rId26"/>
     <p:sldId id="283" r:id="rId27"/>
     <p:sldId id="281" r:id="rId28"/>
-    <p:sldId id="285" r:id="rId29"/>
-    <p:sldId id="284" r:id="rId30"/>
-    <p:sldId id="286" r:id="rId31"/>
-    <p:sldId id="287" r:id="rId32"/>
-    <p:sldId id="282" r:id="rId33"/>
+    <p:sldId id="282" r:id="rId29"/>
+    <p:sldId id="285" r:id="rId30"/>
+    <p:sldId id="284" r:id="rId31"/>
+    <p:sldId id="286" r:id="rId32"/>
+    <p:sldId id="287" r:id="rId33"/>
+    <p:sldId id="288" r:id="rId34"/>
+    <p:sldId id="289" r:id="rId35"/>
   </p:sldIdLst>
   <p:sldSz cx="12192000" cy="6858000"/>
   <p:notesSz cx="6858000" cy="9144000"/>
@@ -274,7 +276,7 @@
           <a:p>
             <a:fld id="{744C1FFF-588F-42A6-A7C4-71A6BD7C8199}" type="datetimeFigureOut">
               <a:rPr lang="en-IN" smtClean="0"/>
-              <a:t>04-05-2017</a:t>
+              <a:t>05-05-2017</a:t>
             </a:fld>
             <a:endParaRPr lang="en-IN"/>
           </a:p>
@@ -444,7 +446,7 @@
           <a:p>
             <a:fld id="{744C1FFF-588F-42A6-A7C4-71A6BD7C8199}" type="datetimeFigureOut">
               <a:rPr lang="en-IN" smtClean="0"/>
-              <a:t>04-05-2017</a:t>
+              <a:t>05-05-2017</a:t>
             </a:fld>
             <a:endParaRPr lang="en-IN"/>
           </a:p>
@@ -624,7 +626,7 @@
           <a:p>
             <a:fld id="{744C1FFF-588F-42A6-A7C4-71A6BD7C8199}" type="datetimeFigureOut">
               <a:rPr lang="en-IN" smtClean="0"/>
-              <a:t>04-05-2017</a:t>
+              <a:t>05-05-2017</a:t>
             </a:fld>
             <a:endParaRPr lang="en-IN"/>
           </a:p>
@@ -794,7 +796,7 @@
           <a:p>
             <a:fld id="{744C1FFF-588F-42A6-A7C4-71A6BD7C8199}" type="datetimeFigureOut">
               <a:rPr lang="en-IN" smtClean="0"/>
-              <a:t>04-05-2017</a:t>
+              <a:t>05-05-2017</a:t>
             </a:fld>
             <a:endParaRPr lang="en-IN"/>
           </a:p>
@@ -1040,7 +1042,7 @@
           <a:p>
             <a:fld id="{744C1FFF-588F-42A6-A7C4-71A6BD7C8199}" type="datetimeFigureOut">
               <a:rPr lang="en-IN" smtClean="0"/>
-              <a:t>04-05-2017</a:t>
+              <a:t>05-05-2017</a:t>
             </a:fld>
             <a:endParaRPr lang="en-IN"/>
           </a:p>
@@ -1272,7 +1274,7 @@
           <a:p>
             <a:fld id="{744C1FFF-588F-42A6-A7C4-71A6BD7C8199}" type="datetimeFigureOut">
               <a:rPr lang="en-IN" smtClean="0"/>
-              <a:t>04-05-2017</a:t>
+              <a:t>05-05-2017</a:t>
             </a:fld>
             <a:endParaRPr lang="en-IN"/>
           </a:p>
@@ -1639,7 +1641,7 @@
           <a:p>
             <a:fld id="{744C1FFF-588F-42A6-A7C4-71A6BD7C8199}" type="datetimeFigureOut">
               <a:rPr lang="en-IN" smtClean="0"/>
-              <a:t>04-05-2017</a:t>
+              <a:t>05-05-2017</a:t>
             </a:fld>
             <a:endParaRPr lang="en-IN"/>
           </a:p>
@@ -1757,7 +1759,7 @@
           <a:p>
             <a:fld id="{744C1FFF-588F-42A6-A7C4-71A6BD7C8199}" type="datetimeFigureOut">
               <a:rPr lang="en-IN" smtClean="0"/>
-              <a:t>04-05-2017</a:t>
+              <a:t>05-05-2017</a:t>
             </a:fld>
             <a:endParaRPr lang="en-IN"/>
           </a:p>
@@ -1852,7 +1854,7 @@
           <a:p>
             <a:fld id="{744C1FFF-588F-42A6-A7C4-71A6BD7C8199}" type="datetimeFigureOut">
               <a:rPr lang="en-IN" smtClean="0"/>
-              <a:t>04-05-2017</a:t>
+              <a:t>05-05-2017</a:t>
             </a:fld>
             <a:endParaRPr lang="en-IN"/>
           </a:p>
@@ -2129,7 +2131,7 @@
           <a:p>
             <a:fld id="{744C1FFF-588F-42A6-A7C4-71A6BD7C8199}" type="datetimeFigureOut">
               <a:rPr lang="en-IN" smtClean="0"/>
-              <a:t>04-05-2017</a:t>
+              <a:t>05-05-2017</a:t>
             </a:fld>
             <a:endParaRPr lang="en-IN"/>
           </a:p>
@@ -2382,7 +2384,7 @@
           <a:p>
             <a:fld id="{744C1FFF-588F-42A6-A7C4-71A6BD7C8199}" type="datetimeFigureOut">
               <a:rPr lang="en-IN" smtClean="0"/>
-              <a:t>04-05-2017</a:t>
+              <a:t>05-05-2017</a:t>
             </a:fld>
             <a:endParaRPr lang="en-IN"/>
           </a:p>
@@ -2595,7 +2597,7 @@
           <a:p>
             <a:fld id="{744C1FFF-588F-42A6-A7C4-71A6BD7C8199}" type="datetimeFigureOut">
               <a:rPr lang="en-IN" smtClean="0"/>
-              <a:t>04-05-2017</a:t>
+              <a:t>05-05-2017</a:t>
             </a:fld>
             <a:endParaRPr lang="en-IN"/>
           </a:p>
@@ -3020,9 +3022,8 @@
             <a:r>
               <a:rPr lang="en-IN" sz="11500" b="1" dirty="0">
                 <a:solidFill>
-                  <a:schemeClr val="accent6">
-                    <a:lumMod val="60000"/>
-                    <a:lumOff val="40000"/>
+                  <a:schemeClr val="tx2">
+                    <a:lumMod val="75000"/>
                   </a:schemeClr>
                 </a:solidFill>
                 <a:effectLst>
@@ -3089,23 +3090,6 @@
           <a:lstStyle/>
           <a:p>
             <a:pPr algn="r"/>
-            <a:r>
-              <a:rPr lang="en-IN" sz="2800" b="1">
-                <a:solidFill>
-                  <a:schemeClr val="accent2">
-                    <a:lumMod val="75000"/>
-                  </a:schemeClr>
-                </a:solidFill>
-                <a:effectLst>
-                  <a:outerShdw blurRad="38100" dist="38100" dir="2700000" algn="tl">
-                    <a:srgbClr val="000000">
-                      <a:alpha val="43137"/>
-                    </a:srgbClr>
-                  </a:outerShdw>
-                </a:effectLst>
-              </a:rPr>
-              <a:t>Santosh </a:t>
-            </a:r>
             <a:r>
               <a:rPr lang="en-IN" sz="2800" b="1" dirty="0">
                 <a:solidFill>
@@ -3121,7 +3105,7 @@
                   </a:outerShdw>
                 </a:effectLst>
               </a:rPr>
-              <a:t>Kumar Kar</a:t>
+              <a:t>Santosh Kumar Kar</a:t>
             </a:r>
           </a:p>
         </p:txBody>
@@ -5848,15 +5832,6 @@
               </a:rPr>
               <a:t>Dependency Injection</a:t>
             </a:r>
-            <a:endParaRPr lang="en-IN" b="1" dirty="0">
-              <a:effectLst>
-                <a:outerShdw blurRad="38100" dist="38100" dir="2700000" algn="tl">
-                  <a:srgbClr val="000000">
-                    <a:alpha val="43137"/>
-                  </a:srgbClr>
-                </a:outerShdw>
-              </a:effectLst>
-            </a:endParaRPr>
           </a:p>
         </p:txBody>
       </p:sp>
@@ -6035,9 +6010,22 @@
           <a:lstStyle/>
           <a:p>
             <a:r>
-              <a:rPr lang="en-IN" dirty="0"/>
-              <a:t>Service types</a:t>
-            </a:r>
+              <a:rPr lang="en-IN" b="1" dirty="0">
+                <a:effectLst>
+                  <a:outerShdw blurRad="38100" dist="38100" dir="2700000" algn="tl">
+                    <a:srgbClr val="000000">
+                      <a:alpha val="43137"/>
+                    </a:srgbClr>
+                  </a:outerShdw>
+                </a:effectLst>
+              </a:rPr>
+              <a:t>Services</a:t>
+            </a:r>
+            <a:endParaRPr lang="en-IN" b="1" dirty="0">
+              <a:solidFill>
+                <a:srgbClr val="FF0000"/>
+              </a:solidFill>
+            </a:endParaRPr>
           </a:p>
         </p:txBody>
       </p:sp>
@@ -6058,13 +6046,34 @@
           <a:p>
             <a:r>
               <a:rPr lang="en-IN" dirty="0"/>
-              <a:t>Build-in</a:t>
-            </a:r>
-          </a:p>
-          <a:p>
-            <a:r>
-              <a:rPr lang="en-IN" dirty="0"/>
-              <a:t>Custom</a:t>
+              <a:t>Service that is a reusable API or substitutable objects, which can be shared across our applications. </a:t>
+            </a:r>
+          </a:p>
+          <a:p>
+            <a:r>
+              <a:rPr lang="en-IN" dirty="0"/>
+              <a:t>A service in AngularJS can be implemented as a </a:t>
+            </a:r>
+          </a:p>
+          <a:p>
+            <a:pPr lvl="1"/>
+            <a:r>
+              <a:rPr lang="en-IN" dirty="0"/>
+              <a:t>factory</a:t>
+            </a:r>
+          </a:p>
+          <a:p>
+            <a:pPr lvl="1"/>
+            <a:r>
+              <a:rPr lang="en-IN" dirty="0"/>
+              <a:t>service </a:t>
+            </a:r>
+          </a:p>
+          <a:p>
+            <a:pPr lvl="1"/>
+            <a:r>
+              <a:rPr lang="en-IN" dirty="0"/>
+              <a:t>provider</a:t>
             </a:r>
           </a:p>
         </p:txBody>
@@ -6072,7 +6081,7 @@
     </p:spTree>
     <p:extLst>
       <p:ext uri="{BB962C8B-B14F-4D97-AF65-F5344CB8AC3E}">
-        <p14:creationId xmlns:p14="http://schemas.microsoft.com/office/powerpoint/2010/main" val="2840547004"/>
+        <p14:creationId xmlns:p14="http://schemas.microsoft.com/office/powerpoint/2010/main" val="3747375247"/>
       </p:ext>
     </p:extLst>
   </p:cSld>
@@ -6124,17 +6133,8 @@
                   </a:outerShdw>
                 </a:effectLst>
               </a:rPr>
-              <a:t>Common built-In Services</a:t>
-            </a:r>
-            <a:endParaRPr lang="en-IN" b="1" dirty="0">
-              <a:effectLst>
-                <a:outerShdw blurRad="38100" dist="38100" dir="2700000" algn="tl">
-                  <a:srgbClr val="000000">
-                    <a:alpha val="43137"/>
-                  </a:srgbClr>
-                </a:outerShdw>
-              </a:effectLst>
-            </a:endParaRPr>
+              <a:t>Service types</a:t>
+            </a:r>
           </a:p>
         </p:txBody>
       </p:sp>
@@ -6148,163 +6148,28 @@
             <p:ph idx="1"/>
           </p:nvPr>
         </p:nvSpPr>
-        <p:spPr>
-          <a:xfrm>
-            <a:off x="838200" y="1825625"/>
-            <a:ext cx="10515600" cy="2633833"/>
-          </a:xfrm>
-        </p:spPr>
-        <p:txBody>
-          <a:bodyPr>
-            <a:normAutofit fontScale="92500" lnSpcReduction="10000"/>
-          </a:bodyPr>
-          <a:lstStyle/>
-          <a:p>
-            <a:r>
-              <a:rPr lang="en-IN" dirty="0"/>
-              <a:t>$window</a:t>
-            </a:r>
-          </a:p>
-          <a:p>
-            <a:r>
-              <a:rPr lang="en-IN" dirty="0"/>
-              <a:t>$log</a:t>
-            </a:r>
-          </a:p>
-          <a:p>
-            <a:r>
-              <a:rPr lang="en-IN" dirty="0"/>
-              <a:t>$http</a:t>
-            </a:r>
-          </a:p>
-          <a:p>
-            <a:r>
-              <a:rPr lang="en-IN" dirty="0"/>
-              <a:t>$location</a:t>
-            </a:r>
-          </a:p>
-          <a:p>
-            <a:r>
-              <a:rPr lang="en-IN" dirty="0"/>
-              <a:t>$timeout</a:t>
-            </a:r>
-          </a:p>
-          <a:p>
-            <a:r>
-              <a:rPr lang="en-IN" dirty="0"/>
-              <a:t>$interval</a:t>
-            </a:r>
-          </a:p>
-          <a:p>
-            <a:endParaRPr lang="en-IN" dirty="0"/>
-          </a:p>
-        </p:txBody>
-      </p:sp>
-      <p:sp>
-        <p:nvSpPr>
-          <p:cNvPr id="4" name="Rectangle 3"/>
-          <p:cNvSpPr/>
-          <p:nvPr/>
-        </p:nvSpPr>
-        <p:spPr>
-          <a:xfrm>
-            <a:off x="838200" y="4587297"/>
-            <a:ext cx="10515600" cy="1661993"/>
-          </a:xfrm>
-          <a:prstGeom prst="rect">
-            <a:avLst/>
-          </a:prstGeom>
-        </p:spPr>
-        <p:txBody>
-          <a:bodyPr wrap="square">
-            <a:spAutoFit/>
-          </a:bodyPr>
-          <a:lstStyle/>
-          <a:p>
-            <a:r>
-              <a:rPr lang="en-IN" b="1" u="sng" dirty="0">
-                <a:solidFill>
-                  <a:srgbClr val="FF0000"/>
-                </a:solidFill>
-                <a:effectLst>
-                  <a:outerShdw blurRad="38100" dist="38100" dir="2700000" algn="tl">
-                    <a:srgbClr val="000000">
-                      <a:alpha val="43137"/>
-                    </a:srgbClr>
-                  </a:outerShdw>
-                </a:effectLst>
-                <a:latin typeface="MinionPro-Regular"/>
-              </a:rPr>
-              <a:t>Points to remember: </a:t>
-            </a:r>
-          </a:p>
-          <a:p>
-            <a:endParaRPr lang="en-IN" b="1" dirty="0">
-              <a:solidFill>
-                <a:srgbClr val="FF0000"/>
-              </a:solidFill>
-              <a:effectLst>
-                <a:outerShdw blurRad="38100" dist="38100" dir="2700000" algn="tl">
-                  <a:srgbClr val="000000">
-                    <a:alpha val="43137"/>
-                  </a:srgbClr>
-                </a:outerShdw>
-              </a:effectLst>
-              <a:latin typeface="MinionPro-Regular"/>
-            </a:endParaRPr>
-          </a:p>
-          <a:p>
-            <a:pPr marL="285750" indent="-285750">
-              <a:buFont typeface="Arial" panose="020B0604020202020204" pitchFamily="34" charset="0"/>
-              <a:buChar char="•"/>
-            </a:pPr>
-            <a:r>
-              <a:rPr lang="en-IN" dirty="0">
-                <a:latin typeface="MinionPro-Regular"/>
-              </a:rPr>
-              <a:t>AngularJS prefixes all the services that are provided by the AngularJS library with the $ sign.</a:t>
-            </a:r>
-          </a:p>
-          <a:p>
-            <a:pPr marL="285750" indent="-285750">
-              <a:buFont typeface="Arial" panose="020B0604020202020204" pitchFamily="34" charset="0"/>
-              <a:buChar char="•"/>
-            </a:pPr>
-            <a:endParaRPr lang="en-IN" sz="1000" dirty="0">
-              <a:latin typeface="MinionPro-Regular"/>
-            </a:endParaRPr>
-          </a:p>
-          <a:p>
-            <a:pPr marL="285750" indent="-285750">
-              <a:buFont typeface="Arial" panose="020B0604020202020204" pitchFamily="34" charset="0"/>
-              <a:buChar char="•"/>
-            </a:pPr>
-            <a:r>
-              <a:rPr lang="en-IN" dirty="0">
-                <a:latin typeface="MinionPro-Regular"/>
-              </a:rPr>
-              <a:t>when you create your own services, do not prefix them with a </a:t>
-            </a:r>
-            <a:r>
-              <a:rPr lang="en-IN" dirty="0">
-                <a:latin typeface="UbuntuMono-Regular"/>
-              </a:rPr>
-              <a:t>$ </a:t>
-            </a:r>
-            <a:r>
-              <a:rPr lang="en-IN" dirty="0">
-                <a:latin typeface="MinionPro-Regular"/>
-              </a:rPr>
-              <a:t>sign. It will just end up confusing you and your team at some point in time</a:t>
-            </a:r>
-            <a:endParaRPr lang="en-IN" dirty="0"/>
+        <p:spPr/>
+        <p:txBody>
+          <a:bodyPr/>
+          <a:lstStyle/>
+          <a:p>
+            <a:r>
+              <a:rPr lang="en-IN" dirty="0"/>
+              <a:t>Build-in</a:t>
+            </a:r>
+          </a:p>
+          <a:p>
+            <a:r>
+              <a:rPr lang="en-IN" dirty="0"/>
+              <a:t>Custom</a:t>
+            </a:r>
           </a:p>
         </p:txBody>
       </p:sp>
     </p:spTree>
     <p:extLst>
       <p:ext uri="{BB962C8B-B14F-4D97-AF65-F5344CB8AC3E}">
-        <p14:creationId xmlns:p14="http://schemas.microsoft.com/office/powerpoint/2010/main" val="687781115"/>
+        <p14:creationId xmlns:p14="http://schemas.microsoft.com/office/powerpoint/2010/main" val="2840547004"/>
       </p:ext>
     </p:extLst>
   </p:cSld>
@@ -6416,6 +6281,229 @@
 </file>
 
 <file path=ppt/slides/slide30.xml><?xml version="1.0" encoding="utf-8"?>
+<p:sld xmlns:a="http://schemas.openxmlformats.org/drawingml/2006/main" xmlns:r="http://schemas.openxmlformats.org/officeDocument/2006/relationships" xmlns:p="http://schemas.openxmlformats.org/presentationml/2006/main">
+  <p:cSld>
+    <p:spTree>
+      <p:nvGrpSpPr>
+        <p:cNvPr id="1" name=""/>
+        <p:cNvGrpSpPr/>
+        <p:nvPr/>
+      </p:nvGrpSpPr>
+      <p:grpSpPr>
+        <a:xfrm>
+          <a:off x="0" y="0"/>
+          <a:ext cx="0" cy="0"/>
+          <a:chOff x="0" y="0"/>
+          <a:chExt cx="0" cy="0"/>
+        </a:xfrm>
+      </p:grpSpPr>
+      <p:sp>
+        <p:nvSpPr>
+          <p:cNvPr id="2" name="Title 1"/>
+          <p:cNvSpPr>
+            <a:spLocks noGrp="1"/>
+          </p:cNvSpPr>
+          <p:nvPr>
+            <p:ph type="title"/>
+          </p:nvPr>
+        </p:nvSpPr>
+        <p:spPr/>
+        <p:txBody>
+          <a:bodyPr/>
+          <a:lstStyle/>
+          <a:p>
+            <a:r>
+              <a:rPr lang="en-IN" b="1" dirty="0">
+                <a:effectLst>
+                  <a:outerShdw blurRad="38100" dist="38100" dir="2700000" algn="tl">
+                    <a:srgbClr val="000000">
+                      <a:alpha val="43137"/>
+                    </a:srgbClr>
+                  </a:outerShdw>
+                </a:effectLst>
+              </a:rPr>
+              <a:t>Common built-In Services</a:t>
+            </a:r>
+          </a:p>
+        </p:txBody>
+      </p:sp>
+      <p:sp>
+        <p:nvSpPr>
+          <p:cNvPr id="3" name="Content Placeholder 2"/>
+          <p:cNvSpPr>
+            <a:spLocks noGrp="1"/>
+          </p:cNvSpPr>
+          <p:nvPr>
+            <p:ph idx="1"/>
+          </p:nvPr>
+        </p:nvSpPr>
+        <p:spPr>
+          <a:xfrm>
+            <a:off x="838200" y="1825625"/>
+            <a:ext cx="10515600" cy="2633833"/>
+          </a:xfrm>
+        </p:spPr>
+        <p:txBody>
+          <a:bodyPr>
+            <a:normAutofit fontScale="92500" lnSpcReduction="10000"/>
+          </a:bodyPr>
+          <a:lstStyle/>
+          <a:p>
+            <a:r>
+              <a:rPr lang="en-IN" dirty="0"/>
+              <a:t>$window</a:t>
+            </a:r>
+          </a:p>
+          <a:p>
+            <a:r>
+              <a:rPr lang="en-IN" dirty="0"/>
+              <a:t>$log</a:t>
+            </a:r>
+          </a:p>
+          <a:p>
+            <a:r>
+              <a:rPr lang="en-IN" dirty="0"/>
+              <a:t>$http</a:t>
+            </a:r>
+          </a:p>
+          <a:p>
+            <a:r>
+              <a:rPr lang="en-IN" dirty="0"/>
+              <a:t>$location</a:t>
+            </a:r>
+          </a:p>
+          <a:p>
+            <a:r>
+              <a:rPr lang="en-IN" dirty="0"/>
+              <a:t>$timeout</a:t>
+            </a:r>
+          </a:p>
+          <a:p>
+            <a:r>
+              <a:rPr lang="en-IN" dirty="0"/>
+              <a:t>$interval</a:t>
+            </a:r>
+          </a:p>
+          <a:p>
+            <a:endParaRPr lang="en-IN" dirty="0"/>
+          </a:p>
+        </p:txBody>
+      </p:sp>
+      <p:sp>
+        <p:nvSpPr>
+          <p:cNvPr id="4" name="Rectangle 3"/>
+          <p:cNvSpPr/>
+          <p:nvPr/>
+        </p:nvSpPr>
+        <p:spPr>
+          <a:xfrm>
+            <a:off x="838200" y="4587297"/>
+            <a:ext cx="10515600" cy="1661993"/>
+          </a:xfrm>
+          <a:prstGeom prst="rect">
+            <a:avLst/>
+          </a:prstGeom>
+        </p:spPr>
+        <p:txBody>
+          <a:bodyPr wrap="square">
+            <a:spAutoFit/>
+          </a:bodyPr>
+          <a:lstStyle/>
+          <a:p>
+            <a:r>
+              <a:rPr lang="en-IN" b="1" u="sng" dirty="0">
+                <a:solidFill>
+                  <a:srgbClr val="FF0000"/>
+                </a:solidFill>
+                <a:effectLst>
+                  <a:outerShdw blurRad="38100" dist="38100" dir="2700000" algn="tl">
+                    <a:srgbClr val="000000">
+                      <a:alpha val="43137"/>
+                    </a:srgbClr>
+                  </a:outerShdw>
+                </a:effectLst>
+                <a:latin typeface="MinionPro-Regular"/>
+              </a:rPr>
+              <a:t>Points to remember: </a:t>
+            </a:r>
+          </a:p>
+          <a:p>
+            <a:endParaRPr lang="en-IN" b="1" dirty="0">
+              <a:solidFill>
+                <a:srgbClr val="FF0000"/>
+              </a:solidFill>
+              <a:effectLst>
+                <a:outerShdw blurRad="38100" dist="38100" dir="2700000" algn="tl">
+                  <a:srgbClr val="000000">
+                    <a:alpha val="43137"/>
+                  </a:srgbClr>
+                </a:outerShdw>
+              </a:effectLst>
+              <a:latin typeface="MinionPro-Regular"/>
+            </a:endParaRPr>
+          </a:p>
+          <a:p>
+            <a:pPr marL="285750" indent="-285750">
+              <a:buFont typeface="Arial" panose="020B0604020202020204" pitchFamily="34" charset="0"/>
+              <a:buChar char="•"/>
+            </a:pPr>
+            <a:r>
+              <a:rPr lang="en-IN" dirty="0">
+                <a:latin typeface="MinionPro-Regular"/>
+              </a:rPr>
+              <a:t>AngularJS prefixes all the services that are provided by the AngularJS library with the $ sign.</a:t>
+            </a:r>
+          </a:p>
+          <a:p>
+            <a:pPr marL="285750" indent="-285750">
+              <a:buFont typeface="Arial" panose="020B0604020202020204" pitchFamily="34" charset="0"/>
+              <a:buChar char="•"/>
+            </a:pPr>
+            <a:endParaRPr lang="en-IN" sz="1000" dirty="0">
+              <a:latin typeface="MinionPro-Regular"/>
+            </a:endParaRPr>
+          </a:p>
+          <a:p>
+            <a:pPr marL="285750" indent="-285750">
+              <a:buFont typeface="Arial" panose="020B0604020202020204" pitchFamily="34" charset="0"/>
+              <a:buChar char="•"/>
+            </a:pPr>
+            <a:r>
+              <a:rPr lang="en-IN" dirty="0">
+                <a:latin typeface="MinionPro-Regular"/>
+              </a:rPr>
+              <a:t>when you create your own services, do not prefix them with a </a:t>
+            </a:r>
+            <a:r>
+              <a:rPr lang="en-IN" dirty="0">
+                <a:latin typeface="UbuntuMono-Regular"/>
+              </a:rPr>
+              <a:t>$ </a:t>
+            </a:r>
+            <a:r>
+              <a:rPr lang="en-IN" dirty="0">
+                <a:latin typeface="MinionPro-Regular"/>
+              </a:rPr>
+              <a:t>sign. It will just end up confusing you and your team at some point in time</a:t>
+            </a:r>
+            <a:endParaRPr lang="en-IN" dirty="0"/>
+          </a:p>
+        </p:txBody>
+      </p:sp>
+    </p:spTree>
+    <p:extLst>
+      <p:ext uri="{BB962C8B-B14F-4D97-AF65-F5344CB8AC3E}">
+        <p14:creationId xmlns:p14="http://schemas.microsoft.com/office/powerpoint/2010/main" val="687781115"/>
+      </p:ext>
+    </p:extLst>
+  </p:cSld>
+  <p:clrMapOvr>
+    <a:masterClrMapping/>
+  </p:clrMapOvr>
+</p:sld>
+</file>
+
+<file path=ppt/slides/slide31.xml><?xml version="1.0" encoding="utf-8"?>
 <p:sld xmlns:a="http://schemas.openxmlformats.org/drawingml/2006/main" xmlns:r="http://schemas.openxmlformats.org/officeDocument/2006/relationships" xmlns:p="http://schemas.openxmlformats.org/presentationml/2006/main">
   <p:cSld>
     <p:spTree>
@@ -6556,94 +6644,6 @@
 </p:sld>
 </file>
 
-<file path=ppt/slides/slide31.xml><?xml version="1.0" encoding="utf-8"?>
-<p:sld xmlns:a="http://schemas.openxmlformats.org/drawingml/2006/main" xmlns:r="http://schemas.openxmlformats.org/officeDocument/2006/relationships" xmlns:p="http://schemas.openxmlformats.org/presentationml/2006/main">
-  <p:cSld>
-    <p:spTree>
-      <p:nvGrpSpPr>
-        <p:cNvPr id="1" name=""/>
-        <p:cNvGrpSpPr/>
-        <p:nvPr/>
-      </p:nvGrpSpPr>
-      <p:grpSpPr>
-        <a:xfrm>
-          <a:off x="0" y="0"/>
-          <a:ext cx="0" cy="0"/>
-          <a:chOff x="0" y="0"/>
-          <a:chExt cx="0" cy="0"/>
-        </a:xfrm>
-      </p:grpSpPr>
-      <p:sp>
-        <p:nvSpPr>
-          <p:cNvPr id="2" name="Title 1"/>
-          <p:cNvSpPr>
-            <a:spLocks noGrp="1"/>
-          </p:cNvSpPr>
-          <p:nvPr>
-            <p:ph type="title"/>
-          </p:nvPr>
-        </p:nvSpPr>
-        <p:spPr/>
-        <p:txBody>
-          <a:bodyPr/>
-          <a:lstStyle/>
-          <a:p>
-            <a:r>
-              <a:rPr lang="en-IN" b="1" dirty="0">
-                <a:effectLst>
-                  <a:outerShdw blurRad="38100" dist="38100" dir="2700000" algn="tl">
-                    <a:srgbClr val="000000">
-                      <a:alpha val="43137"/>
-                    </a:srgbClr>
-                  </a:outerShdw>
-                </a:effectLst>
-              </a:rPr>
-              <a:t>Creating Our Own Service</a:t>
-            </a:r>
-            <a:endParaRPr lang="en-IN" b="1" dirty="0">
-              <a:effectLst>
-                <a:outerShdw blurRad="38100" dist="38100" dir="2700000" algn="tl">
-                  <a:srgbClr val="000000">
-                    <a:alpha val="43137"/>
-                  </a:srgbClr>
-                </a:outerShdw>
-              </a:effectLst>
-            </a:endParaRPr>
-          </a:p>
-        </p:txBody>
-      </p:sp>
-      <p:sp>
-        <p:nvSpPr>
-          <p:cNvPr id="3" name="Content Placeholder 2"/>
-          <p:cNvSpPr>
-            <a:spLocks noGrp="1"/>
-          </p:cNvSpPr>
-          <p:nvPr>
-            <p:ph idx="1"/>
-          </p:nvPr>
-        </p:nvSpPr>
-        <p:spPr/>
-        <p:txBody>
-          <a:bodyPr/>
-          <a:lstStyle/>
-          <a:p>
-            <a:endParaRPr lang="en-IN"/>
-          </a:p>
-        </p:txBody>
-      </p:sp>
-    </p:spTree>
-    <p:extLst>
-      <p:ext uri="{BB962C8B-B14F-4D97-AF65-F5344CB8AC3E}">
-        <p14:creationId xmlns:p14="http://schemas.microsoft.com/office/powerpoint/2010/main" val="1324548301"/>
-      </p:ext>
-    </p:extLst>
-  </p:cSld>
-  <p:clrMapOvr>
-    <a:masterClrMapping/>
-  </p:clrMapOvr>
-</p:sld>
-</file>
-
 <file path=ppt/slides/slide32.xml><?xml version="1.0" encoding="utf-8"?>
 <p:sld xmlns:a="http://schemas.openxmlformats.org/drawingml/2006/main" xmlns:r="http://schemas.openxmlformats.org/officeDocument/2006/relationships" xmlns:p="http://schemas.openxmlformats.org/presentationml/2006/main">
   <p:cSld>
@@ -6663,6 +6663,255 @@
       </p:grpSpPr>
       <p:sp>
         <p:nvSpPr>
+          <p:cNvPr id="1031" name="Rectangle 1030"/>
+          <p:cNvSpPr>
+            <a:spLocks noGrp="1" noRot="1" noChangeAspect="1" noMove="1" noResize="1" noEditPoints="1" noAdjustHandles="1" noChangeArrowheads="1" noChangeShapeType="1" noTextEdit="1"/>
+          </p:cNvSpPr>
+          <p:nvPr>
+            <p:extLst>
+              <p:ext uri="{386F3935-93C4-4BCD-93E2-E3B085C9AB24}">
+                <p16:designElem xmlns:p16="http://schemas.microsoft.com/office/powerpoint/2015/main" val="1"/>
+              </p:ext>
+            </p:extLst>
+          </p:nvPr>
+        </p:nvSpPr>
+        <p:spPr bwMode="white">
+          <a:xfrm>
+            <a:off x="0" y="0"/>
+            <a:ext cx="12192000" cy="6858000"/>
+          </a:xfrm>
+          <a:prstGeom prst="rect">
+            <a:avLst/>
+          </a:prstGeom>
+          <a:solidFill>
+            <a:schemeClr val="bg1"/>
+          </a:solidFill>
+          <a:ln>
+            <a:noFill/>
+          </a:ln>
+          <a:effectLst/>
+        </p:spPr>
+      </p:sp>
+      <p:sp>
+        <p:nvSpPr>
+          <p:cNvPr id="73" name="Rectangle 72"/>
+          <p:cNvSpPr>
+            <a:spLocks noGrp="1" noRot="1" noChangeAspect="1" noMove="1" noResize="1" noEditPoints="1" noAdjustHandles="1" noChangeArrowheads="1" noChangeShapeType="1" noTextEdit="1"/>
+          </p:cNvSpPr>
+          <p:nvPr>
+            <p:extLst>
+              <p:ext uri="{386F3935-93C4-4BCD-93E2-E3B085C9AB24}">
+                <p16:designElem xmlns:p16="http://schemas.microsoft.com/office/powerpoint/2015/main" val="1"/>
+              </p:ext>
+            </p:extLst>
+          </p:nvPr>
+        </p:nvSpPr>
+        <p:spPr bwMode="ltGray">
+          <a:xfrm>
+            <a:off x="378068" y="4633546"/>
+            <a:ext cx="11438793" cy="1844256"/>
+          </a:xfrm>
+          <a:prstGeom prst="rect">
+            <a:avLst/>
+          </a:prstGeom>
+          <a:solidFill>
+            <a:schemeClr val="tx1">
+              <a:lumMod val="75000"/>
+              <a:lumOff val="25000"/>
+            </a:schemeClr>
+          </a:solidFill>
+          <a:ln w="127000" cap="sq" cmpd="thinThick">
+            <a:solidFill>
+              <a:schemeClr val="tx1">
+                <a:lumMod val="75000"/>
+                <a:lumOff val="25000"/>
+              </a:schemeClr>
+            </a:solidFill>
+          </a:ln>
+        </p:spPr>
+        <p:style>
+          <a:lnRef idx="2">
+            <a:schemeClr val="accent1">
+              <a:shade val="50000"/>
+            </a:schemeClr>
+          </a:lnRef>
+          <a:fillRef idx="1">
+            <a:schemeClr val="accent1"/>
+          </a:fillRef>
+          <a:effectRef idx="0">
+            <a:schemeClr val="accent1"/>
+          </a:effectRef>
+          <a:fontRef idx="minor">
+            <a:schemeClr val="lt1"/>
+          </a:fontRef>
+        </p:style>
+        <p:txBody>
+          <a:bodyPr rtlCol="0" anchor="ctr"/>
+          <a:lstStyle/>
+          <a:p>
+            <a:pPr algn="ctr"/>
+            <a:endParaRPr lang="en-US"/>
+          </a:p>
+        </p:txBody>
+      </p:sp>
+      <p:cxnSp>
+        <p:nvCxnSpPr>
+          <p:cNvPr id="75" name="Straight Connector 74"/>
+          <p:cNvCxnSpPr>
+            <a:cxnSpLocks noGrp="1" noRot="1" noChangeAspect="1" noMove="1" noResize="1" noEditPoints="1" noAdjustHandles="1" noChangeArrowheads="1" noChangeShapeType="1"/>
+          </p:cNvCxnSpPr>
+          <p:nvPr>
+            <p:extLst>
+              <p:ext uri="{386F3935-93C4-4BCD-93E2-E3B085C9AB24}">
+                <p16:designElem xmlns:p16="http://schemas.microsoft.com/office/powerpoint/2015/main" val="1"/>
+              </p:ext>
+            </p:extLst>
+          </p:nvPr>
+        </p:nvCxnSpPr>
+        <p:spPr>
+          <a:xfrm>
+            <a:off x="2209800" y="5738691"/>
+            <a:ext cx="7772400" cy="0"/>
+          </a:xfrm>
+          <a:prstGeom prst="line">
+            <a:avLst/>
+          </a:prstGeom>
+          <a:ln w="22225">
+            <a:solidFill>
+              <a:schemeClr val="bg1">
+                <a:lumMod val="85000"/>
+              </a:schemeClr>
+            </a:solidFill>
+          </a:ln>
+        </p:spPr>
+        <p:style>
+          <a:lnRef idx="1">
+            <a:schemeClr val="accent1"/>
+          </a:lnRef>
+          <a:fillRef idx="0">
+            <a:schemeClr val="accent1"/>
+          </a:fillRef>
+          <a:effectRef idx="0">
+            <a:schemeClr val="accent1"/>
+          </a:effectRef>
+          <a:fontRef idx="minor">
+            <a:schemeClr val="tx1"/>
+          </a:fontRef>
+        </p:style>
+      </p:cxnSp>
+      <p:cxnSp>
+        <p:nvCxnSpPr>
+          <p:cNvPr id="77" name="Straight Connector 76"/>
+          <p:cNvCxnSpPr>
+            <a:cxnSpLocks noGrp="1" noRot="1" noChangeAspect="1" noMove="1" noResize="1" noEditPoints="1" noAdjustHandles="1" noChangeArrowheads="1" noChangeShapeType="1"/>
+          </p:cNvCxnSpPr>
+          <p:nvPr>
+            <p:extLst>
+              <p:ext uri="{386F3935-93C4-4BCD-93E2-E3B085C9AB24}">
+                <p16:designElem xmlns:p16="http://schemas.microsoft.com/office/powerpoint/2015/main" val="1"/>
+              </p:ext>
+            </p:extLst>
+          </p:nvPr>
+        </p:nvCxnSpPr>
+        <p:spPr>
+          <a:xfrm>
+            <a:off x="6096000" y="477749"/>
+            <a:ext cx="0" cy="3657600"/>
+          </a:xfrm>
+          <a:prstGeom prst="line">
+            <a:avLst/>
+          </a:prstGeom>
+          <a:ln w="101600" cmpd="dbl">
+            <a:solidFill>
+              <a:schemeClr val="tx1">
+                <a:lumMod val="65000"/>
+                <a:lumOff val="35000"/>
+              </a:schemeClr>
+            </a:solidFill>
+          </a:ln>
+        </p:spPr>
+        <p:style>
+          <a:lnRef idx="1">
+            <a:schemeClr val="accent1"/>
+          </a:lnRef>
+          <a:fillRef idx="0">
+            <a:schemeClr val="accent1"/>
+          </a:fillRef>
+          <a:effectRef idx="0">
+            <a:schemeClr val="accent1"/>
+          </a:effectRef>
+          <a:fontRef idx="minor">
+            <a:schemeClr val="tx1"/>
+          </a:fontRef>
+        </p:style>
+      </p:cxnSp>
+      <p:pic>
+        <p:nvPicPr>
+          <p:cNvPr id="5" name="Content Placeholder 4"/>
+          <p:cNvPicPr>
+            <a:picLocks noGrp="1" noChangeAspect="1"/>
+          </p:cNvPicPr>
+          <p:nvPr>
+            <p:ph idx="1"/>
+          </p:nvPr>
+        </p:nvPicPr>
+        <p:blipFill>
+          <a:blip r:embed="rId2"/>
+          <a:stretch>
+            <a:fillRect/>
+          </a:stretch>
+        </p:blipFill>
+        <p:spPr>
+          <a:xfrm>
+            <a:off x="442872" y="307731"/>
+            <a:ext cx="5210252" cy="3997637"/>
+          </a:xfrm>
+          <a:prstGeom prst="rect">
+            <a:avLst/>
+          </a:prstGeom>
+        </p:spPr>
+      </p:pic>
+      <p:pic>
+        <p:nvPicPr>
+          <p:cNvPr id="1026" name="Picture 2" descr="C:\Users\SANOSH~1\AppData\Local\Temp\SNAGHTML569f6e76.PNG"/>
+          <p:cNvPicPr>
+            <a:picLocks noChangeAspect="1" noChangeArrowheads="1"/>
+          </p:cNvPicPr>
+          <p:nvPr/>
+        </p:nvPicPr>
+        <p:blipFill rotWithShape="1">
+          <a:blip r:embed="rId3">
+            <a:extLst>
+              <a:ext uri="{28A0092B-C50C-407E-A947-70E740481C1C}">
+                <a14:useLocalDpi xmlns:a14="http://schemas.microsoft.com/office/drawing/2010/main" val="0"/>
+              </a:ext>
+            </a:extLst>
+          </a:blip>
+          <a:srcRect/>
+          <a:stretch/>
+        </p:blipFill>
+        <p:spPr bwMode="auto">
+          <a:xfrm>
+            <a:off x="6416043" y="956928"/>
+            <a:ext cx="5455917" cy="2699242"/>
+          </a:xfrm>
+          <a:prstGeom prst="rect">
+            <a:avLst/>
+          </a:prstGeom>
+          <a:noFill/>
+          <a:extLst>
+            <a:ext uri="{909E8E84-426E-40DD-AFC4-6F175D3DCCD1}">
+              <a14:hiddenFill xmlns:a14="http://schemas.microsoft.com/office/drawing/2010/main">
+                <a:solidFill>
+                  <a:srgbClr val="FFFFFF"/>
+                </a:solidFill>
+              </a14:hiddenFill>
+            </a:ext>
+          </a:extLst>
+        </p:spPr>
+      </p:pic>
+      <p:sp>
+        <p:nvSpPr>
           <p:cNvPr id="2" name="Title 1"/>
           <p:cNvSpPr>
             <a:spLocks noGrp="1"/>
@@ -6671,55 +6920,195 @@
             <p:ph type="title"/>
           </p:nvPr>
         </p:nvSpPr>
-        <p:spPr/>
-        <p:txBody>
-          <a:bodyPr/>
-          <a:lstStyle/>
-          <a:p>
-            <a:r>
-              <a:rPr lang="en-IN" b="1" dirty="0">
+        <p:spPr>
+          <a:xfrm>
+            <a:off x="527538" y="4756638"/>
+            <a:ext cx="11139854" cy="930447"/>
+          </a:xfrm>
+        </p:spPr>
+        <p:txBody>
+          <a:bodyPr vert="horz" lIns="91440" tIns="45720" rIns="91440" bIns="45720" rtlCol="0" anchor="b">
+            <a:normAutofit/>
+          </a:bodyPr>
+          <a:lstStyle/>
+          <a:p>
+            <a:pPr algn="ctr"/>
+            <a:r>
+              <a:rPr lang="en-US" sz="5400" b="1" dirty="0">
                 <a:solidFill>
-                  <a:srgbClr val="FF0000"/>
+                  <a:schemeClr val="bg1"/>
                 </a:solidFill>
+                <a:effectLst>
+                  <a:outerShdw blurRad="38100" dist="38100" dir="2700000" algn="tl">
+                    <a:srgbClr val="000000">
+                      <a:alpha val="43137"/>
+                    </a:srgbClr>
+                  </a:outerShdw>
+                </a:effectLst>
               </a:rPr>
-              <a:t>What?</a:t>
-            </a:r>
-          </a:p>
-        </p:txBody>
-      </p:sp>
-      <p:sp>
-        <p:nvSpPr>
-          <p:cNvPr id="3" name="Content Placeholder 2"/>
-          <p:cNvSpPr>
-            <a:spLocks noGrp="1"/>
-          </p:cNvSpPr>
-          <p:nvPr>
-            <p:ph idx="1"/>
-          </p:nvPr>
-        </p:nvSpPr>
-        <p:spPr/>
-        <p:txBody>
-          <a:bodyPr/>
-          <a:lstStyle/>
-          <a:p>
-            <a:r>
-              <a:rPr lang="en-IN" dirty="0"/>
-              <a:t>In AngularJS, when we say service, we are actually referring to the conceptual service that is a reusable API or substitutable objects, which can be shared across our applications. A service in AngularJS can be implemented as a factory, service, or provider.</a:t>
-            </a:r>
-          </a:p>
-          <a:p>
-            <a:r>
-              <a:rPr lang="en-IN" dirty="0"/>
-              <a:t>This is one of the badly named concepts in AngularJS and thus can lead to confusion. We end up calling all of the above services. We will see the difference between them in a bit.</a:t>
-            </a:r>
-            <a:endParaRPr lang="en-IN" dirty="0"/>
+              <a:t>Creating Our Own Service</a:t>
+            </a:r>
           </a:p>
         </p:txBody>
       </p:sp>
     </p:spTree>
     <p:extLst>
       <p:ext uri="{BB962C8B-B14F-4D97-AF65-F5344CB8AC3E}">
-        <p14:creationId xmlns:p14="http://schemas.microsoft.com/office/powerpoint/2010/main" val="3747375247"/>
+        <p14:creationId xmlns:p14="http://schemas.microsoft.com/office/powerpoint/2010/main" val="1324548301"/>
+      </p:ext>
+    </p:extLst>
+  </p:cSld>
+  <p:clrMapOvr>
+    <a:masterClrMapping/>
+  </p:clrMapOvr>
+</p:sld>
+</file>
+
+<file path=ppt/slides/slide33.xml><?xml version="1.0" encoding="utf-8"?>
+<p:sld xmlns:a="http://schemas.openxmlformats.org/drawingml/2006/main" xmlns:r="http://schemas.openxmlformats.org/officeDocument/2006/relationships" xmlns:p="http://schemas.openxmlformats.org/presentationml/2006/main">
+  <p:cSld>
+    <p:spTree>
+      <p:nvGrpSpPr>
+        <p:cNvPr id="1" name=""/>
+        <p:cNvGrpSpPr/>
+        <p:nvPr/>
+      </p:nvGrpSpPr>
+      <p:grpSpPr>
+        <a:xfrm>
+          <a:off x="0" y="0"/>
+          <a:ext cx="0" cy="0"/>
+          <a:chOff x="0" y="0"/>
+          <a:chExt cx="0" cy="0"/>
+        </a:xfrm>
+      </p:grpSpPr>
+      <p:sp>
+        <p:nvSpPr>
+          <p:cNvPr id="2" name="Title 1"/>
+          <p:cNvSpPr>
+            <a:spLocks noGrp="1"/>
+          </p:cNvSpPr>
+          <p:nvPr>
+            <p:ph type="title"/>
+          </p:nvPr>
+        </p:nvSpPr>
+        <p:spPr/>
+        <p:txBody>
+          <a:bodyPr/>
+          <a:lstStyle/>
+          <a:p>
+            <a:r>
+              <a:rPr lang="en-IN" b="1" dirty="0">
+                <a:effectLst>
+                  <a:outerShdw blurRad="38100" dist="38100" dir="2700000" algn="tl">
+                    <a:srgbClr val="000000">
+                      <a:alpha val="43137"/>
+                    </a:srgbClr>
+                  </a:outerShdw>
+                </a:effectLst>
+              </a:rPr>
+              <a:t>Creating your own service</a:t>
+            </a:r>
+          </a:p>
+        </p:txBody>
+      </p:sp>
+      <p:pic>
+        <p:nvPicPr>
+          <p:cNvPr id="4" name="Content Placeholder 3"/>
+          <p:cNvPicPr>
+            <a:picLocks noGrp="1" noChangeAspect="1"/>
+          </p:cNvPicPr>
+          <p:nvPr>
+            <p:ph idx="1"/>
+          </p:nvPr>
+        </p:nvPicPr>
+        <p:blipFill>
+          <a:blip r:embed="rId2"/>
+          <a:stretch>
+            <a:fillRect/>
+          </a:stretch>
+        </p:blipFill>
+        <p:spPr>
+          <a:xfrm>
+            <a:off x="1003756" y="1690689"/>
+            <a:ext cx="10184488" cy="4621210"/>
+          </a:xfrm>
+          <a:prstGeom prst="rect">
+            <a:avLst/>
+          </a:prstGeom>
+        </p:spPr>
+      </p:pic>
+    </p:spTree>
+    <p:extLst>
+      <p:ext uri="{BB962C8B-B14F-4D97-AF65-F5344CB8AC3E}">
+        <p14:creationId xmlns:p14="http://schemas.microsoft.com/office/powerpoint/2010/main" val="1373966233"/>
+      </p:ext>
+    </p:extLst>
+  </p:cSld>
+  <p:clrMapOvr>
+    <a:masterClrMapping/>
+  </p:clrMapOvr>
+</p:sld>
+</file>
+
+<file path=ppt/slides/slide34.xml><?xml version="1.0" encoding="utf-8"?>
+<p:sld xmlns:a="http://schemas.openxmlformats.org/drawingml/2006/main" xmlns:r="http://schemas.openxmlformats.org/officeDocument/2006/relationships" xmlns:p="http://schemas.openxmlformats.org/presentationml/2006/main">
+  <p:cSld>
+    <p:spTree>
+      <p:nvGrpSpPr>
+        <p:cNvPr id="1" name=""/>
+        <p:cNvGrpSpPr/>
+        <p:nvPr/>
+      </p:nvGrpSpPr>
+      <p:grpSpPr>
+        <a:xfrm>
+          <a:off x="0" y="0"/>
+          <a:ext cx="0" cy="0"/>
+          <a:chOff x="0" y="0"/>
+          <a:chExt cx="0" cy="0"/>
+        </a:xfrm>
+      </p:grpSpPr>
+      <p:sp>
+        <p:nvSpPr>
+          <p:cNvPr id="2" name="Title 1"/>
+          <p:cNvSpPr>
+            <a:spLocks noGrp="1"/>
+          </p:cNvSpPr>
+          <p:nvPr>
+            <p:ph type="title"/>
+          </p:nvPr>
+        </p:nvSpPr>
+        <p:spPr/>
+        <p:txBody>
+          <a:bodyPr/>
+          <a:lstStyle/>
+          <a:p>
+            <a:endParaRPr lang="en-IN"/>
+          </a:p>
+        </p:txBody>
+      </p:sp>
+      <p:sp>
+        <p:nvSpPr>
+          <p:cNvPr id="3" name="Content Placeholder 2"/>
+          <p:cNvSpPr>
+            <a:spLocks noGrp="1"/>
+          </p:cNvSpPr>
+          <p:nvPr>
+            <p:ph idx="1"/>
+          </p:nvPr>
+        </p:nvSpPr>
+        <p:spPr/>
+        <p:txBody>
+          <a:bodyPr/>
+          <a:lstStyle/>
+          <a:p>
+            <a:endParaRPr lang="en-IN"/>
+          </a:p>
+        </p:txBody>
+      </p:sp>
+    </p:spTree>
+    <p:extLst>
+      <p:ext uri="{BB962C8B-B14F-4D97-AF65-F5344CB8AC3E}">
+        <p14:creationId xmlns:p14="http://schemas.microsoft.com/office/powerpoint/2010/main" val="1823914121"/>
       </p:ext>
     </p:extLst>
   </p:cSld>

--- a/Angular JS draft.pptx
+++ b/Angular JS draft.pptx
@@ -9,36 +9,53 @@
     <p:sldId id="257" r:id="rId3"/>
     <p:sldId id="258" r:id="rId4"/>
     <p:sldId id="259" r:id="rId5"/>
-    <p:sldId id="265" r:id="rId6"/>
-    <p:sldId id="260" r:id="rId7"/>
-    <p:sldId id="261" r:id="rId8"/>
-    <p:sldId id="262" r:id="rId9"/>
-    <p:sldId id="263" r:id="rId10"/>
-    <p:sldId id="264" r:id="rId11"/>
-    <p:sldId id="266" r:id="rId12"/>
-    <p:sldId id="267" r:id="rId13"/>
-    <p:sldId id="269" r:id="rId14"/>
-    <p:sldId id="268" r:id="rId15"/>
-    <p:sldId id="270" r:id="rId16"/>
-    <p:sldId id="271" r:id="rId17"/>
-    <p:sldId id="272" r:id="rId18"/>
-    <p:sldId id="273" r:id="rId19"/>
-    <p:sldId id="274" r:id="rId20"/>
-    <p:sldId id="275" r:id="rId21"/>
-    <p:sldId id="276" r:id="rId22"/>
-    <p:sldId id="277" r:id="rId23"/>
-    <p:sldId id="278" r:id="rId24"/>
-    <p:sldId id="279" r:id="rId25"/>
-    <p:sldId id="280" r:id="rId26"/>
-    <p:sldId id="283" r:id="rId27"/>
-    <p:sldId id="281" r:id="rId28"/>
-    <p:sldId id="282" r:id="rId29"/>
-    <p:sldId id="285" r:id="rId30"/>
-    <p:sldId id="284" r:id="rId31"/>
-    <p:sldId id="286" r:id="rId32"/>
-    <p:sldId id="287" r:id="rId33"/>
-    <p:sldId id="288" r:id="rId34"/>
-    <p:sldId id="289" r:id="rId35"/>
+    <p:sldId id="294" r:id="rId6"/>
+    <p:sldId id="265" r:id="rId7"/>
+    <p:sldId id="260" r:id="rId8"/>
+    <p:sldId id="261" r:id="rId9"/>
+    <p:sldId id="262" r:id="rId10"/>
+    <p:sldId id="263" r:id="rId11"/>
+    <p:sldId id="264" r:id="rId12"/>
+    <p:sldId id="266" r:id="rId13"/>
+    <p:sldId id="267" r:id="rId14"/>
+    <p:sldId id="269" r:id="rId15"/>
+    <p:sldId id="295" r:id="rId16"/>
+    <p:sldId id="268" r:id="rId17"/>
+    <p:sldId id="270" r:id="rId18"/>
+    <p:sldId id="271" r:id="rId19"/>
+    <p:sldId id="272" r:id="rId20"/>
+    <p:sldId id="273" r:id="rId21"/>
+    <p:sldId id="274" r:id="rId22"/>
+    <p:sldId id="296" r:id="rId23"/>
+    <p:sldId id="275" r:id="rId24"/>
+    <p:sldId id="276" r:id="rId25"/>
+    <p:sldId id="277" r:id="rId26"/>
+    <p:sldId id="278" r:id="rId27"/>
+    <p:sldId id="279" r:id="rId28"/>
+    <p:sldId id="297" r:id="rId29"/>
+    <p:sldId id="280" r:id="rId30"/>
+    <p:sldId id="283" r:id="rId31"/>
+    <p:sldId id="281" r:id="rId32"/>
+    <p:sldId id="282" r:id="rId33"/>
+    <p:sldId id="285" r:id="rId34"/>
+    <p:sldId id="284" r:id="rId35"/>
+    <p:sldId id="286" r:id="rId36"/>
+    <p:sldId id="287" r:id="rId37"/>
+    <p:sldId id="288" r:id="rId38"/>
+    <p:sldId id="290" r:id="rId39"/>
+    <p:sldId id="299" r:id="rId40"/>
+    <p:sldId id="289" r:id="rId41"/>
+    <p:sldId id="291" r:id="rId42"/>
+    <p:sldId id="300" r:id="rId43"/>
+    <p:sldId id="292" r:id="rId44"/>
+    <p:sldId id="301" r:id="rId45"/>
+    <p:sldId id="302" r:id="rId46"/>
+    <p:sldId id="304" r:id="rId47"/>
+    <p:sldId id="305" r:id="rId48"/>
+    <p:sldId id="306" r:id="rId49"/>
+    <p:sldId id="308" r:id="rId50"/>
+    <p:sldId id="309" r:id="rId51"/>
+    <p:sldId id="310" r:id="rId52"/>
   </p:sldIdLst>
   <p:sldSz cx="12192000" cy="6858000"/>
   <p:notesSz cx="6858000" cy="9144000"/>
@@ -3021,8 +3038,154 @@
           <a:p>
             <a:r>
               <a:rPr lang="en-IN" sz="11500" b="1" dirty="0">
+                <a:ln w="12700">
+                  <a:solidFill>
+                    <a:schemeClr val="tx2">
+                      <a:lumMod val="75000"/>
+                    </a:schemeClr>
+                  </a:solidFill>
+                  <a:prstDash val="solid"/>
+                </a:ln>
+                <a:pattFill prst="dkUpDiag">
+                  <a:fgClr>
+                    <a:schemeClr val="tx2"/>
+                  </a:fgClr>
+                  <a:bgClr>
+                    <a:schemeClr val="tx2">
+                      <a:lumMod val="20000"/>
+                      <a:lumOff val="80000"/>
+                    </a:schemeClr>
+                  </a:bgClr>
+                </a:pattFill>
+                <a:effectLst>
+                  <a:outerShdw dist="38100" dir="2640000" algn="bl" rotWithShape="0">
+                    <a:schemeClr val="tx2">
+                      <a:lumMod val="75000"/>
+                    </a:schemeClr>
+                  </a:outerShdw>
+                </a:effectLst>
+              </a:rPr>
+              <a:t>AngularJS</a:t>
+            </a:r>
+            <a:br>
+              <a:rPr lang="en-IN" sz="11500" b="1" dirty="0">
+                <a:ln w="12700">
+                  <a:solidFill>
+                    <a:schemeClr val="tx2">
+                      <a:lumMod val="75000"/>
+                    </a:schemeClr>
+                  </a:solidFill>
+                  <a:prstDash val="solid"/>
+                </a:ln>
+                <a:pattFill prst="dkUpDiag">
+                  <a:fgClr>
+                    <a:schemeClr val="tx2"/>
+                  </a:fgClr>
+                  <a:bgClr>
+                    <a:schemeClr val="tx2">
+                      <a:lumMod val="20000"/>
+                      <a:lumOff val="80000"/>
+                    </a:schemeClr>
+                  </a:bgClr>
+                </a:pattFill>
+                <a:effectLst>
+                  <a:outerShdw dist="38100" dir="2640000" algn="bl" rotWithShape="0">
+                    <a:schemeClr val="tx2">
+                      <a:lumMod val="75000"/>
+                    </a:schemeClr>
+                  </a:outerShdw>
+                </a:effectLst>
+              </a:rPr>
+            </a:br>
+            <a:r>
+              <a:rPr lang="en-IN" sz="4000" b="1" dirty="0">
+                <a:ln w="12700">
+                  <a:solidFill>
+                    <a:schemeClr val="tx2">
+                      <a:lumMod val="75000"/>
+                    </a:schemeClr>
+                  </a:solidFill>
+                  <a:prstDash val="solid"/>
+                </a:ln>
+                <a:pattFill prst="dkUpDiag">
+                  <a:fgClr>
+                    <a:schemeClr val="tx2"/>
+                  </a:fgClr>
+                  <a:bgClr>
+                    <a:schemeClr val="tx2">
+                      <a:lumMod val="20000"/>
+                      <a:lumOff val="80000"/>
+                    </a:schemeClr>
+                  </a:bgClr>
+                </a:pattFill>
+                <a:effectLst>
+                  <a:outerShdw dist="38100" dir="2640000" algn="bl" rotWithShape="0">
+                    <a:schemeClr val="tx2">
+                      <a:lumMod val="75000"/>
+                    </a:schemeClr>
+                  </a:outerShdw>
+                </a:effectLst>
+              </a:rPr>
+              <a:t>For beginners</a:t>
+            </a:r>
+            <a:endParaRPr lang="en-IN" b="1" dirty="0">
+              <a:ln w="12700">
                 <a:solidFill>
                   <a:schemeClr val="tx2">
+                    <a:lumMod val="75000"/>
+                  </a:schemeClr>
+                </a:solidFill>
+                <a:prstDash val="solid"/>
+              </a:ln>
+              <a:pattFill prst="dkUpDiag">
+                <a:fgClr>
+                  <a:schemeClr val="tx2"/>
+                </a:fgClr>
+                <a:bgClr>
+                  <a:schemeClr val="tx2">
+                    <a:lumMod val="20000"/>
+                    <a:lumOff val="80000"/>
+                  </a:schemeClr>
+                </a:bgClr>
+              </a:pattFill>
+              <a:effectLst>
+                <a:outerShdw dist="38100" dir="2640000" algn="bl" rotWithShape="0">
+                  <a:schemeClr val="tx2">
+                    <a:lumMod val="75000"/>
+                  </a:schemeClr>
+                </a:outerShdw>
+              </a:effectLst>
+            </a:endParaRPr>
+          </a:p>
+        </p:txBody>
+      </p:sp>
+      <p:sp>
+        <p:nvSpPr>
+          <p:cNvPr id="3" name="Subtitle 2"/>
+          <p:cNvSpPr>
+            <a:spLocks noGrp="1"/>
+          </p:cNvSpPr>
+          <p:nvPr>
+            <p:ph type="subTitle" idx="1"/>
+          </p:nvPr>
+        </p:nvSpPr>
+        <p:spPr>
+          <a:xfrm>
+            <a:off x="7512148" y="4460166"/>
+            <a:ext cx="3155851" cy="463526"/>
+          </a:xfrm>
+        </p:spPr>
+        <p:txBody>
+          <a:bodyPr>
+            <a:normAutofit lnSpcReduction="10000"/>
+          </a:bodyPr>
+          <a:lstStyle/>
+          <a:p>
+            <a:pPr algn="r"/>
+            <a:r>
+              <a:rPr lang="en-IN" sz="2800" b="1" dirty="0">
+                <a:solidFill>
+                  <a:schemeClr val="accent4">
                     <a:lumMod val="75000"/>
                   </a:schemeClr>
                 </a:solidFill>
@@ -3034,78 +3197,7 @@
                   </a:outerShdw>
                 </a:effectLst>
               </a:rPr>
-              <a:t>AngularJS</a:t>
-            </a:r>
-            <a:br>
-              <a:rPr lang="en-IN" sz="11500" b="1" dirty="0">
-                <a:effectLst>
-                  <a:outerShdw blurRad="38100" dist="38100" dir="2700000" algn="tl">
-                    <a:srgbClr val="000000">
-                      <a:alpha val="43137"/>
-                    </a:srgbClr>
-                  </a:outerShdw>
-                </a:effectLst>
-              </a:rPr>
-            </a:br>
-            <a:r>
-              <a:rPr lang="en-IN" sz="4000" b="1" dirty="0">
-                <a:solidFill>
-                  <a:schemeClr val="accent5">
-                    <a:lumMod val="75000"/>
-                  </a:schemeClr>
-                </a:solidFill>
-              </a:rPr>
-              <a:t>For beginners</a:t>
-            </a:r>
-            <a:endParaRPr lang="en-IN" b="1" dirty="0">
-              <a:solidFill>
-                <a:schemeClr val="accent5">
-                  <a:lumMod val="75000"/>
-                </a:schemeClr>
-              </a:solidFill>
-            </a:endParaRPr>
-          </a:p>
-        </p:txBody>
-      </p:sp>
-      <p:sp>
-        <p:nvSpPr>
-          <p:cNvPr id="3" name="Subtitle 2"/>
-          <p:cNvSpPr>
-            <a:spLocks noGrp="1"/>
-          </p:cNvSpPr>
-          <p:nvPr>
-            <p:ph type="subTitle" idx="1"/>
-          </p:nvPr>
-        </p:nvSpPr>
-        <p:spPr>
-          <a:xfrm>
-            <a:off x="1524000" y="4460166"/>
-            <a:ext cx="9144000" cy="1655762"/>
-          </a:xfrm>
-        </p:spPr>
-        <p:txBody>
-          <a:bodyPr>
-            <a:normAutofit/>
-          </a:bodyPr>
-          <a:lstStyle/>
-          <a:p>
-            <a:pPr algn="r"/>
-            <a:r>
-              <a:rPr lang="en-IN" sz="2800" b="1" dirty="0">
-                <a:solidFill>
-                  <a:schemeClr val="accent2">
-                    <a:lumMod val="75000"/>
-                  </a:schemeClr>
-                </a:solidFill>
-                <a:effectLst>
-                  <a:outerShdw blurRad="38100" dist="38100" dir="2700000" algn="tl">
-                    <a:srgbClr val="000000">
-                      <a:alpha val="43137"/>
-                    </a:srgbClr>
-                  </a:outerShdw>
-                </a:effectLst>
-              </a:rPr>
-              <a:t>Santosh Kumar Kar</a:t>
+              <a:t>-Santosh Kumar Kar</a:t>
             </a:r>
           </a:p>
         </p:txBody>
@@ -3156,6 +3248,137 @@
           <a:lstStyle/>
           <a:p>
             <a:r>
+              <a:rPr lang="en-IN" sz="2000" b="1" dirty="0"/>
+              <a:t>directive</a:t>
+            </a:r>
+            <a:br>
+              <a:rPr lang="en-IN" b="1" dirty="0">
+                <a:effectLst>
+                  <a:outerShdw blurRad="38100" dist="38100" dir="2700000" algn="tl">
+                    <a:srgbClr val="000000">
+                      <a:alpha val="43137"/>
+                    </a:srgbClr>
+                  </a:outerShdw>
+                </a:effectLst>
+              </a:rPr>
+            </a:br>
+            <a:r>
+              <a:rPr lang="en-IN" b="1" dirty="0">
+                <a:effectLst>
+                  <a:outerShdw blurRad="38100" dist="38100" dir="2700000" algn="tl">
+                    <a:srgbClr val="000000">
+                      <a:alpha val="43137"/>
+                    </a:srgbClr>
+                  </a:outerShdw>
+                </a:effectLst>
+              </a:rPr>
+              <a:t>ng-bind</a:t>
+            </a:r>
+            <a:endParaRPr lang="en-IN" dirty="0"/>
+          </a:p>
+        </p:txBody>
+      </p:sp>
+      <p:sp>
+        <p:nvSpPr>
+          <p:cNvPr id="3" name="Content Placeholder 2"/>
+          <p:cNvSpPr>
+            <a:spLocks noGrp="1"/>
+          </p:cNvSpPr>
+          <p:nvPr>
+            <p:ph idx="1"/>
+          </p:nvPr>
+        </p:nvSpPr>
+        <p:spPr/>
+        <p:txBody>
+          <a:bodyPr/>
+          <a:lstStyle/>
+          <a:p>
+            <a:r>
+              <a:rPr lang="en-IN" dirty="0"/>
+              <a:t>Binds with the Angular JS variable</a:t>
+            </a:r>
+          </a:p>
+          <a:p>
+            <a:r>
+              <a:rPr lang="en-IN" dirty="0"/>
+              <a:t>ng-bind in &lt;span&gt;</a:t>
+            </a:r>
+          </a:p>
+          <a:p>
+            <a:pPr marL="457200" lvl="1" indent="0">
+              <a:buNone/>
+            </a:pPr>
+            <a:r>
+              <a:rPr lang="en-IN" dirty="0"/>
+              <a:t>&lt;span ng-bind="n1" </a:t>
+            </a:r>
+          </a:p>
+          <a:p>
+            <a:pPr marL="914400" lvl="2" indent="0">
+              <a:buNone/>
+            </a:pPr>
+            <a:r>
+              <a:rPr lang="en-IN" dirty="0"/>
+              <a:t>is similar to </a:t>
+            </a:r>
+          </a:p>
+          <a:p>
+            <a:pPr marL="457200" lvl="1" indent="0">
+              <a:buNone/>
+            </a:pPr>
+            <a:r>
+              <a:rPr lang="en-IN" sz="2800" dirty="0"/>
+              <a:t>{{n1}}</a:t>
+            </a:r>
+          </a:p>
+        </p:txBody>
+      </p:sp>
+    </p:spTree>
+    <p:extLst>
+      <p:ext uri="{BB962C8B-B14F-4D97-AF65-F5344CB8AC3E}">
+        <p14:creationId xmlns:p14="http://schemas.microsoft.com/office/powerpoint/2010/main" val="387137490"/>
+      </p:ext>
+    </p:extLst>
+  </p:cSld>
+  <p:clrMapOvr>
+    <a:masterClrMapping/>
+  </p:clrMapOvr>
+</p:sld>
+</file>
+
+<file path=ppt/slides/slide11.xml><?xml version="1.0" encoding="utf-8"?>
+<p:sld xmlns:a="http://schemas.openxmlformats.org/drawingml/2006/main" xmlns:r="http://schemas.openxmlformats.org/officeDocument/2006/relationships" xmlns:p="http://schemas.openxmlformats.org/presentationml/2006/main">
+  <p:cSld>
+    <p:spTree>
+      <p:nvGrpSpPr>
+        <p:cNvPr id="1" name=""/>
+        <p:cNvGrpSpPr/>
+        <p:nvPr/>
+      </p:nvGrpSpPr>
+      <p:grpSpPr>
+        <a:xfrm>
+          <a:off x="0" y="0"/>
+          <a:ext cx="0" cy="0"/>
+          <a:chOff x="0" y="0"/>
+          <a:chExt cx="0" cy="0"/>
+        </a:xfrm>
+      </p:grpSpPr>
+      <p:sp>
+        <p:nvSpPr>
+          <p:cNvPr id="2" name="Title 1"/>
+          <p:cNvSpPr>
+            <a:spLocks noGrp="1"/>
+          </p:cNvSpPr>
+          <p:nvPr>
+            <p:ph type="title"/>
+          </p:nvPr>
+        </p:nvSpPr>
+        <p:spPr/>
+        <p:txBody>
+          <a:bodyPr/>
+          <a:lstStyle/>
+          <a:p>
+            <a:r>
               <a:rPr lang="en-IN" b="1" dirty="0">
                 <a:effectLst>
                   <a:outerShdw blurRad="38100" dist="38100" dir="2700000" algn="tl">
@@ -3269,7 +3492,7 @@
 </p:sld>
 </file>
 
-<file path=ppt/slides/slide11.xml><?xml version="1.0" encoding="utf-8"?>
+<file path=ppt/slides/slide12.xml><?xml version="1.0" encoding="utf-8"?>
 <p:sld xmlns:a="http://schemas.openxmlformats.org/drawingml/2006/main" xmlns:r="http://schemas.openxmlformats.org/officeDocument/2006/relationships" xmlns:p="http://schemas.openxmlformats.org/presentationml/2006/main">
   <p:cSld>
     <p:spTree>
@@ -3591,7 +3814,7 @@
 </p:sld>
 </file>
 
-<file path=ppt/slides/slide12.xml><?xml version="1.0" encoding="utf-8"?>
+<file path=ppt/slides/slide13.xml><?xml version="1.0" encoding="utf-8"?>
 <p:sld xmlns:a="http://schemas.openxmlformats.org/drawingml/2006/main" xmlns:r="http://schemas.openxmlformats.org/officeDocument/2006/relationships" xmlns:p="http://schemas.openxmlformats.org/presentationml/2006/main">
   <p:cSld>
     <p:spTree>
@@ -3701,7 +3924,7 @@
 </p:sld>
 </file>
 
-<file path=ppt/slides/slide13.xml><?xml version="1.0" encoding="utf-8"?>
+<file path=ppt/slides/slide14.xml><?xml version="1.0" encoding="utf-8"?>
 <p:sld xmlns:a="http://schemas.openxmlformats.org/drawingml/2006/main" xmlns:r="http://schemas.openxmlformats.org/officeDocument/2006/relationships" xmlns:p="http://schemas.openxmlformats.org/presentationml/2006/main">
   <p:cSld>
     <p:spTree>
@@ -4025,7 +4248,7 @@
 </p:sld>
 </file>
 
-<file path=ppt/slides/slide14.xml><?xml version="1.0" encoding="utf-8"?>
+<file path=ppt/slides/slide15.xml><?xml version="1.0" encoding="utf-8"?>
 <p:sld xmlns:a="http://schemas.openxmlformats.org/drawingml/2006/main" xmlns:r="http://schemas.openxmlformats.org/officeDocument/2006/relationships" xmlns:p="http://schemas.openxmlformats.org/presentationml/2006/main">
   <p:cSld>
     <p:spTree>
@@ -4058,6 +4281,130 @@
           <a:lstStyle/>
           <a:p>
             <a:r>
+              <a:rPr lang="en-IN" sz="6600" b="1" dirty="0">
+                <a:effectLst>
+                  <a:outerShdw blurRad="38100" dist="38100" dir="2700000" algn="tl">
+                    <a:srgbClr val="000000">
+                      <a:alpha val="43137"/>
+                    </a:srgbClr>
+                  </a:outerShdw>
+                </a:effectLst>
+              </a:rPr>
+              <a:t>T</a:t>
+            </a:r>
+            <a:r>
+              <a:rPr lang="en-IN" b="1" dirty="0">
+                <a:effectLst>
+                  <a:outerShdw blurRad="38100" dist="38100" dir="2700000" algn="tl">
+                    <a:srgbClr val="000000">
+                      <a:alpha val="43137"/>
+                    </a:srgbClr>
+                  </a:outerShdw>
+                </a:effectLst>
+              </a:rPr>
+              <a:t>ask – 2 </a:t>
+            </a:r>
+          </a:p>
+        </p:txBody>
+      </p:sp>
+      <p:pic>
+        <p:nvPicPr>
+          <p:cNvPr id="6" name="Picture 5"/>
+          <p:cNvPicPr>
+            <a:picLocks noChangeAspect="1"/>
+          </p:cNvPicPr>
+          <p:nvPr/>
+        </p:nvPicPr>
+        <p:blipFill>
+          <a:blip r:embed="rId2">
+            <a:extLst>
+              <a:ext uri="{28A0092B-C50C-407E-A947-70E740481C1C}">
+                <a14:useLocalDpi xmlns:a14="http://schemas.microsoft.com/office/drawing/2010/main" val="0"/>
+              </a:ext>
+            </a:extLst>
+          </a:blip>
+          <a:stretch>
+            <a:fillRect/>
+          </a:stretch>
+        </p:blipFill>
+        <p:spPr>
+          <a:xfrm>
+            <a:off x="3002203" y="189181"/>
+            <a:ext cx="1274373" cy="1501507"/>
+          </a:xfrm>
+          <a:prstGeom prst="rect">
+            <a:avLst/>
+          </a:prstGeom>
+        </p:spPr>
+      </p:pic>
+      <p:sp>
+        <p:nvSpPr>
+          <p:cNvPr id="7" name="Content Placeholder 6"/>
+          <p:cNvSpPr>
+            <a:spLocks noGrp="1"/>
+          </p:cNvSpPr>
+          <p:nvPr>
+            <p:ph idx="1"/>
+          </p:nvPr>
+        </p:nvSpPr>
+        <p:spPr/>
+        <p:txBody>
+          <a:bodyPr/>
+          <a:lstStyle/>
+          <a:p>
+            <a:r>
+              <a:rPr lang="en-IN" dirty="0"/>
+              <a:t>Write an Angular Application which prints current date and time on the screen</a:t>
+            </a:r>
+          </a:p>
+        </p:txBody>
+      </p:sp>
+    </p:spTree>
+    <p:extLst>
+      <p:ext uri="{BB962C8B-B14F-4D97-AF65-F5344CB8AC3E}">
+        <p14:creationId xmlns:p14="http://schemas.microsoft.com/office/powerpoint/2010/main" val="1835351616"/>
+      </p:ext>
+    </p:extLst>
+  </p:cSld>
+  <p:clrMapOvr>
+    <a:masterClrMapping/>
+  </p:clrMapOvr>
+</p:sld>
+</file>
+
+<file path=ppt/slides/slide16.xml><?xml version="1.0" encoding="utf-8"?>
+<p:sld xmlns:a="http://schemas.openxmlformats.org/drawingml/2006/main" xmlns:r="http://schemas.openxmlformats.org/officeDocument/2006/relationships" xmlns:p="http://schemas.openxmlformats.org/presentationml/2006/main">
+  <p:cSld>
+    <p:spTree>
+      <p:nvGrpSpPr>
+        <p:cNvPr id="1" name=""/>
+        <p:cNvGrpSpPr/>
+        <p:nvPr/>
+      </p:nvGrpSpPr>
+      <p:grpSpPr>
+        <a:xfrm>
+          <a:off x="0" y="0"/>
+          <a:ext cx="0" cy="0"/>
+          <a:chOff x="0" y="0"/>
+          <a:chExt cx="0" cy="0"/>
+        </a:xfrm>
+      </p:grpSpPr>
+      <p:sp>
+        <p:nvSpPr>
+          <p:cNvPr id="2" name="Title 1"/>
+          <p:cNvSpPr>
+            <a:spLocks noGrp="1"/>
+          </p:cNvSpPr>
+          <p:nvPr>
+            <p:ph type="title"/>
+          </p:nvPr>
+        </p:nvSpPr>
+        <p:spPr/>
+        <p:txBody>
+          <a:bodyPr/>
+          <a:lstStyle/>
+          <a:p>
+            <a:r>
               <a:rPr lang="en-IN" b="1" dirty="0" err="1">
                 <a:effectLst>
                   <a:outerShdw blurRad="38100" dist="38100" dir="2700000" algn="tl">
@@ -4156,7 +4503,7 @@
 </p:sld>
 </file>
 
-<file path=ppt/slides/slide15.xml><?xml version="1.0" encoding="utf-8"?>
+<file path=ppt/slides/slide17.xml><?xml version="1.0" encoding="utf-8"?>
 <p:sld xmlns:a="http://schemas.openxmlformats.org/drawingml/2006/main" xmlns:r="http://schemas.openxmlformats.org/officeDocument/2006/relationships" xmlns:p="http://schemas.openxmlformats.org/presentationml/2006/main">
   <p:cSld>
     <p:spTree>
@@ -4600,7 +4947,7 @@
 </p:sld>
 </file>
 
-<file path=ppt/slides/slide16.xml><?xml version="1.0" encoding="utf-8"?>
+<file path=ppt/slides/slide18.xml><?xml version="1.0" encoding="utf-8"?>
 <p:sld xmlns:a="http://schemas.openxmlformats.org/drawingml/2006/main" xmlns:r="http://schemas.openxmlformats.org/officeDocument/2006/relationships" xmlns:p="http://schemas.openxmlformats.org/presentationml/2006/main">
   <p:cSld>
     <p:spTree>
@@ -4654,7 +5001,7 @@
 </p:sld>
 </file>
 
-<file path=ppt/slides/slide17.xml><?xml version="1.0" encoding="utf-8"?>
+<file path=ppt/slides/slide19.xml><?xml version="1.0" encoding="utf-8"?>
 <p:sld xmlns:a="http://schemas.openxmlformats.org/drawingml/2006/main" xmlns:r="http://schemas.openxmlformats.org/officeDocument/2006/relationships" xmlns:p="http://schemas.openxmlformats.org/presentationml/2006/main">
   <p:cSld>
     <p:spTree>
@@ -4796,7 +5143,140 @@
 </p:sld>
 </file>
 
-<file path=ppt/slides/slide18.xml><?xml version="1.0" encoding="utf-8"?>
+<file path=ppt/slides/slide2.xml><?xml version="1.0" encoding="utf-8"?>
+<p:sld xmlns:a="http://schemas.openxmlformats.org/drawingml/2006/main" xmlns:r="http://schemas.openxmlformats.org/officeDocument/2006/relationships" xmlns:p="http://schemas.openxmlformats.org/presentationml/2006/main">
+  <p:cSld>
+    <p:spTree>
+      <p:nvGrpSpPr>
+        <p:cNvPr id="1" name=""/>
+        <p:cNvGrpSpPr/>
+        <p:nvPr/>
+      </p:nvGrpSpPr>
+      <p:grpSpPr>
+        <a:xfrm>
+          <a:off x="0" y="0"/>
+          <a:ext cx="0" cy="0"/>
+          <a:chOff x="0" y="0"/>
+          <a:chExt cx="0" cy="0"/>
+        </a:xfrm>
+      </p:grpSpPr>
+      <p:sp>
+        <p:nvSpPr>
+          <p:cNvPr id="2" name="Title 1"/>
+          <p:cNvSpPr>
+            <a:spLocks noGrp="1"/>
+          </p:cNvSpPr>
+          <p:nvPr>
+            <p:ph type="title"/>
+          </p:nvPr>
+        </p:nvSpPr>
+        <p:spPr/>
+        <p:txBody>
+          <a:bodyPr/>
+          <a:lstStyle/>
+          <a:p>
+            <a:r>
+              <a:rPr lang="en-IN" b="1" dirty="0">
+                <a:effectLst>
+                  <a:outerShdw blurRad="38100" dist="38100" dir="2700000" algn="tl">
+                    <a:srgbClr val="000000">
+                      <a:alpha val="43137"/>
+                    </a:srgbClr>
+                  </a:outerShdw>
+                </a:effectLst>
+              </a:rPr>
+              <a:t>What is AngularJS</a:t>
+            </a:r>
+          </a:p>
+        </p:txBody>
+      </p:sp>
+      <p:sp>
+        <p:nvSpPr>
+          <p:cNvPr id="3" name="Content Placeholder 2"/>
+          <p:cNvSpPr>
+            <a:spLocks noGrp="1"/>
+          </p:cNvSpPr>
+          <p:nvPr>
+            <p:ph idx="1"/>
+          </p:nvPr>
+        </p:nvSpPr>
+        <p:spPr/>
+        <p:txBody>
+          <a:bodyPr/>
+          <a:lstStyle/>
+          <a:p>
+            <a:r>
+              <a:rPr lang="en-IN" dirty="0"/>
+              <a:t>JavaScript MVC framework for the Web</a:t>
+            </a:r>
+          </a:p>
+          <a:p>
+            <a:r>
+              <a:rPr lang="en-IN" dirty="0"/>
+              <a:t>pure JavaScript and HTML</a:t>
+            </a:r>
+          </a:p>
+          <a:p>
+            <a:r>
+              <a:rPr lang="en-IN" dirty="0"/>
+              <a:t>Unit Testable</a:t>
+            </a:r>
+          </a:p>
+          <a:p>
+            <a:r>
+              <a:rPr lang="en-IN" dirty="0"/>
+              <a:t>For Web and Mobile</a:t>
+            </a:r>
+          </a:p>
+          <a:p>
+            <a:r>
+              <a:rPr lang="en-IN" dirty="0"/>
+              <a:t>Less code</a:t>
+            </a:r>
+          </a:p>
+          <a:p>
+            <a:r>
+              <a:rPr lang="en-IN" dirty="0"/>
+              <a:t>Can integrate 3</a:t>
+            </a:r>
+            <a:r>
+              <a:rPr lang="en-IN" baseline="30000" dirty="0"/>
+              <a:t>rd</a:t>
+            </a:r>
+            <a:r>
+              <a:rPr lang="en-IN" dirty="0"/>
+              <a:t> party libraries such as </a:t>
+            </a:r>
+            <a:r>
+              <a:rPr lang="en-IN" dirty="0" err="1"/>
+              <a:t>jQueryUI</a:t>
+            </a:r>
+            <a:r>
+              <a:rPr lang="en-IN" dirty="0"/>
+              <a:t>/</a:t>
+            </a:r>
+            <a:r>
+              <a:rPr lang="en-IN" dirty="0" err="1"/>
+              <a:t>BootStrap</a:t>
+            </a:r>
+            <a:endParaRPr lang="en-IN" dirty="0"/>
+          </a:p>
+        </p:txBody>
+      </p:sp>
+    </p:spTree>
+    <p:extLst>
+      <p:ext uri="{BB962C8B-B14F-4D97-AF65-F5344CB8AC3E}">
+        <p14:creationId xmlns:p14="http://schemas.microsoft.com/office/powerpoint/2010/main" val="2498318894"/>
+      </p:ext>
+    </p:extLst>
+  </p:cSld>
+  <p:clrMapOvr>
+    <a:masterClrMapping/>
+  </p:clrMapOvr>
+</p:sld>
+</file>
+
+<file path=ppt/slides/slide20.xml><?xml version="1.0" encoding="utf-8"?>
 <p:sld xmlns:a="http://schemas.openxmlformats.org/drawingml/2006/main" xmlns:r="http://schemas.openxmlformats.org/officeDocument/2006/relationships" xmlns:p="http://schemas.openxmlformats.org/presentationml/2006/main">
   <p:cSld>
     <p:spTree>
@@ -4850,7 +5330,7 @@
 </p:sld>
 </file>
 
-<file path=ppt/slides/slide19.xml><?xml version="1.0" encoding="utf-8"?>
+<file path=ppt/slides/slide21.xml><?xml version="1.0" encoding="utf-8"?>
 <p:sld xmlns:a="http://schemas.openxmlformats.org/drawingml/2006/main" xmlns:r="http://schemas.openxmlformats.org/officeDocument/2006/relationships" xmlns:p="http://schemas.openxmlformats.org/presentationml/2006/main">
   <p:cSld>
     <p:spTree>
@@ -4928,7 +5408,7 @@
 </p:sld>
 </file>
 
-<file path=ppt/slides/slide2.xml><?xml version="1.0" encoding="utf-8"?>
+<file path=ppt/slides/slide22.xml><?xml version="1.0" encoding="utf-8"?>
 <p:sld xmlns:a="http://schemas.openxmlformats.org/drawingml/2006/main" xmlns:r="http://schemas.openxmlformats.org/officeDocument/2006/relationships" xmlns:p="http://schemas.openxmlformats.org/presentationml/2006/main">
   <p:cSld>
     <p:spTree>
@@ -4961,6 +5441,18 @@
           <a:lstStyle/>
           <a:p>
             <a:r>
+              <a:rPr lang="en-IN" sz="6600" b="1" dirty="0">
+                <a:effectLst>
+                  <a:outerShdw blurRad="38100" dist="38100" dir="2700000" algn="tl">
+                    <a:srgbClr val="000000">
+                      <a:alpha val="43137"/>
+                    </a:srgbClr>
+                  </a:outerShdw>
+                </a:effectLst>
+              </a:rPr>
+              <a:t>T</a:t>
+            </a:r>
+            <a:r>
               <a:rPr lang="en-IN" b="1" dirty="0">
                 <a:effectLst>
                   <a:outerShdw blurRad="38100" dist="38100" dir="2700000" algn="tl">
@@ -4970,14 +5462,44 @@
                   </a:outerShdw>
                 </a:effectLst>
               </a:rPr>
-              <a:t>What is AngularJS</a:t>
-            </a:r>
-          </a:p>
-        </p:txBody>
-      </p:sp>
-      <p:sp>
-        <p:nvSpPr>
-          <p:cNvPr id="3" name="Content Placeholder 2"/>
+              <a:t>ask – 3	</a:t>
+            </a:r>
+          </a:p>
+        </p:txBody>
+      </p:sp>
+      <p:pic>
+        <p:nvPicPr>
+          <p:cNvPr id="6" name="Picture 5"/>
+          <p:cNvPicPr>
+            <a:picLocks noChangeAspect="1"/>
+          </p:cNvPicPr>
+          <p:nvPr/>
+        </p:nvPicPr>
+        <p:blipFill>
+          <a:blip r:embed="rId2">
+            <a:extLst>
+              <a:ext uri="{28A0092B-C50C-407E-A947-70E740481C1C}">
+                <a14:useLocalDpi xmlns:a14="http://schemas.microsoft.com/office/drawing/2010/main" val="0"/>
+              </a:ext>
+            </a:extLst>
+          </a:blip>
+          <a:stretch>
+            <a:fillRect/>
+          </a:stretch>
+        </p:blipFill>
+        <p:spPr>
+          <a:xfrm>
+            <a:off x="2974069" y="277152"/>
+            <a:ext cx="1274373" cy="1501507"/>
+          </a:xfrm>
+          <a:prstGeom prst="rect">
+            <a:avLst/>
+          </a:prstGeom>
+        </p:spPr>
+      </p:pic>
+      <p:sp>
+        <p:nvSpPr>
+          <p:cNvPr id="7" name="Content Placeholder 6"/>
           <p:cNvSpPr>
             <a:spLocks noGrp="1"/>
           </p:cNvSpPr>
@@ -4992,58 +5514,25 @@
           <a:p>
             <a:r>
               <a:rPr lang="en-IN" dirty="0"/>
-              <a:t>JavaScript MVC framework for the Web</a:t>
-            </a:r>
-          </a:p>
-          <a:p>
-            <a:r>
-              <a:rPr lang="en-IN" dirty="0"/>
-              <a:t>pure JavaScript and HTML</a:t>
-            </a:r>
-          </a:p>
-          <a:p>
-            <a:r>
-              <a:rPr lang="en-IN" dirty="0"/>
-              <a:t>Unit Testable</a:t>
-            </a:r>
-          </a:p>
-          <a:p>
-            <a:r>
-              <a:rPr lang="en-IN" dirty="0"/>
-              <a:t>For Web and Mobile</a:t>
-            </a:r>
-          </a:p>
-          <a:p>
-            <a:r>
-              <a:rPr lang="en-IN" dirty="0"/>
-              <a:t>Less code</a:t>
-            </a:r>
-          </a:p>
-          <a:p>
-            <a:r>
-              <a:rPr lang="en-IN" dirty="0"/>
-              <a:t>Can integrate 3</a:t>
-            </a:r>
-            <a:r>
-              <a:rPr lang="en-IN" baseline="30000" dirty="0"/>
-              <a:t>rd</a:t>
-            </a:r>
-            <a:r>
-              <a:rPr lang="en-IN" dirty="0"/>
-              <a:t> party libraries such as </a:t>
-            </a:r>
-            <a:r>
-              <a:rPr lang="en-IN" dirty="0" err="1"/>
-              <a:t>jQueryUI</a:t>
-            </a:r>
-            <a:r>
-              <a:rPr lang="en-IN" dirty="0"/>
-              <a:t>/</a:t>
-            </a:r>
-            <a:r>
-              <a:rPr lang="en-IN" dirty="0" err="1"/>
-              <a:t>BootStrap</a:t>
-            </a:r>
+              <a:t>Write an Angular Application as</a:t>
+            </a:r>
+          </a:p>
+          <a:p>
+            <a:pPr lvl="1"/>
+            <a:r>
+              <a:rPr lang="en-IN" dirty="0"/>
+              <a:t>Create a list which stores value of 5 students (id, name, marks) in a school</a:t>
+            </a:r>
+          </a:p>
+          <a:p>
+            <a:pPr lvl="1"/>
+            <a:r>
+              <a:rPr lang="en-IN" dirty="0"/>
+              <a:t>In HTML, print the name and marks of all the students.</a:t>
+            </a:r>
+          </a:p>
+          <a:p>
+            <a:pPr lvl="1"/>
             <a:endParaRPr lang="en-IN" dirty="0"/>
           </a:p>
         </p:txBody>
@@ -5051,7 +5540,7 @@
     </p:spTree>
     <p:extLst>
       <p:ext uri="{BB962C8B-B14F-4D97-AF65-F5344CB8AC3E}">
-        <p14:creationId xmlns:p14="http://schemas.microsoft.com/office/powerpoint/2010/main" val="2498318894"/>
+        <p14:creationId xmlns:p14="http://schemas.microsoft.com/office/powerpoint/2010/main" val="845893227"/>
       </p:ext>
     </p:extLst>
   </p:cSld>
@@ -5061,7 +5550,7 @@
 </p:sld>
 </file>
 
-<file path=ppt/slides/slide20.xml><?xml version="1.0" encoding="utf-8"?>
+<file path=ppt/slides/slide23.xml><?xml version="1.0" encoding="utf-8"?>
 <p:sld xmlns:a="http://schemas.openxmlformats.org/drawingml/2006/main" xmlns:r="http://schemas.openxmlformats.org/officeDocument/2006/relationships" xmlns:p="http://schemas.openxmlformats.org/presentationml/2006/main">
   <p:cSld>
     <p:spTree>
@@ -5139,7 +5628,7 @@
 </p:sld>
 </file>
 
-<file path=ppt/slides/slide21.xml><?xml version="1.0" encoding="utf-8"?>
+<file path=ppt/slides/slide24.xml><?xml version="1.0" encoding="utf-8"?>
 <p:sld xmlns:a="http://schemas.openxmlformats.org/drawingml/2006/main" xmlns:r="http://schemas.openxmlformats.org/officeDocument/2006/relationships" xmlns:p="http://schemas.openxmlformats.org/presentationml/2006/main">
   <p:cSld>
     <p:spTree>
@@ -5222,7 +5711,7 @@
 </p:sld>
 </file>
 
-<file path=ppt/slides/slide22.xml><?xml version="1.0" encoding="utf-8"?>
+<file path=ppt/slides/slide25.xml><?xml version="1.0" encoding="utf-8"?>
 <p:sld xmlns:a="http://schemas.openxmlformats.org/drawingml/2006/main" xmlns:r="http://schemas.openxmlformats.org/officeDocument/2006/relationships" xmlns:p="http://schemas.openxmlformats.org/presentationml/2006/main">
   <p:cSld>
     <p:spTree>
@@ -5326,7 +5815,7 @@
 </p:sld>
 </file>
 
-<file path=ppt/slides/slide23.xml><?xml version="1.0" encoding="utf-8"?>
+<file path=ppt/slides/slide26.xml><?xml version="1.0" encoding="utf-8"?>
 <p:sld xmlns:a="http://schemas.openxmlformats.org/drawingml/2006/main" xmlns:r="http://schemas.openxmlformats.org/officeDocument/2006/relationships" xmlns:p="http://schemas.openxmlformats.org/presentationml/2006/main">
   <p:cSld>
     <p:spTree>
@@ -5383,7 +5872,7 @@
         </p:blipFill>
         <p:spPr>
           <a:xfrm>
-            <a:off x="2208629" y="1606845"/>
+            <a:off x="1012878" y="1606845"/>
             <a:ext cx="7774742" cy="4788898"/>
           </a:xfrm>
           <a:prstGeom prst="rect">
@@ -5404,7 +5893,7 @@
 </p:sld>
 </file>
 
-<file path=ppt/slides/slide24.xml><?xml version="1.0" encoding="utf-8"?>
+<file path=ppt/slides/slide27.xml><?xml version="1.0" encoding="utf-8"?>
 <p:sld xmlns:a="http://schemas.openxmlformats.org/drawingml/2006/main" xmlns:r="http://schemas.openxmlformats.org/officeDocument/2006/relationships" xmlns:p="http://schemas.openxmlformats.org/presentationml/2006/main">
   <p:cSld>
     <p:spTree>
@@ -5482,7 +5971,7 @@
 </p:sld>
 </file>
 
-<file path=ppt/slides/slide25.xml><?xml version="1.0" encoding="utf-8"?>
+<file path=ppt/slides/slide28.xml><?xml version="1.0" encoding="utf-8"?>
 <p:sld xmlns:a="http://schemas.openxmlformats.org/drawingml/2006/main" xmlns:r="http://schemas.openxmlformats.org/officeDocument/2006/relationships" xmlns:p="http://schemas.openxmlformats.org/presentationml/2006/main">
   <p:cSld>
     <p:spTree>
@@ -5515,6 +6004,151 @@
           <a:lstStyle/>
           <a:p>
             <a:r>
+              <a:rPr lang="en-IN" sz="6600" b="1" dirty="0">
+                <a:effectLst>
+                  <a:outerShdw blurRad="38100" dist="38100" dir="2700000" algn="tl">
+                    <a:srgbClr val="000000">
+                      <a:alpha val="43137"/>
+                    </a:srgbClr>
+                  </a:outerShdw>
+                </a:effectLst>
+              </a:rPr>
+              <a:t>T</a:t>
+            </a:r>
+            <a:r>
+              <a:rPr lang="en-IN" b="1" dirty="0">
+                <a:effectLst>
+                  <a:outerShdw blurRad="38100" dist="38100" dir="2700000" algn="tl">
+                    <a:srgbClr val="000000">
+                      <a:alpha val="43137"/>
+                    </a:srgbClr>
+                  </a:outerShdw>
+                </a:effectLst>
+              </a:rPr>
+              <a:t>ask – 4 </a:t>
+            </a:r>
+          </a:p>
+        </p:txBody>
+      </p:sp>
+      <p:pic>
+        <p:nvPicPr>
+          <p:cNvPr id="6" name="Picture 5"/>
+          <p:cNvPicPr>
+            <a:picLocks noChangeAspect="1"/>
+          </p:cNvPicPr>
+          <p:nvPr/>
+        </p:nvPicPr>
+        <p:blipFill>
+          <a:blip r:embed="rId2">
+            <a:extLst>
+              <a:ext uri="{28A0092B-C50C-407E-A947-70E740481C1C}">
+                <a14:useLocalDpi xmlns:a14="http://schemas.microsoft.com/office/drawing/2010/main" val="0"/>
+              </a:ext>
+            </a:extLst>
+          </a:blip>
+          <a:stretch>
+            <a:fillRect/>
+          </a:stretch>
+        </p:blipFill>
+        <p:spPr>
+          <a:xfrm>
+            <a:off x="3016273" y="189181"/>
+            <a:ext cx="1274373" cy="1501507"/>
+          </a:xfrm>
+          <a:prstGeom prst="rect">
+            <a:avLst/>
+          </a:prstGeom>
+        </p:spPr>
+      </p:pic>
+      <p:sp>
+        <p:nvSpPr>
+          <p:cNvPr id="7" name="Content Placeholder 6"/>
+          <p:cNvSpPr>
+            <a:spLocks noGrp="1"/>
+          </p:cNvSpPr>
+          <p:nvPr>
+            <p:ph idx="1"/>
+          </p:nvPr>
+        </p:nvSpPr>
+        <p:spPr/>
+        <p:txBody>
+          <a:bodyPr/>
+          <a:lstStyle/>
+          <a:p>
+            <a:r>
+              <a:rPr lang="en-IN" dirty="0"/>
+              <a:t>Write an Angular Application</a:t>
+            </a:r>
+          </a:p>
+          <a:p>
+            <a:pPr lvl="1"/>
+            <a:r>
+              <a:rPr lang="en-IN" dirty="0"/>
+              <a:t>Add few controls with different validation</a:t>
+            </a:r>
+          </a:p>
+          <a:p>
+            <a:pPr lvl="1"/>
+            <a:r>
+              <a:rPr lang="en-IN" dirty="0"/>
+              <a:t>Add a submit button in the form.</a:t>
+            </a:r>
+          </a:p>
+          <a:p>
+            <a:pPr lvl="1"/>
+            <a:r>
+              <a:rPr lang="en-IN" dirty="0"/>
+              <a:t>Submit button should be enabled only when all the validations are passed.</a:t>
+            </a:r>
+          </a:p>
+        </p:txBody>
+      </p:sp>
+    </p:spTree>
+    <p:extLst>
+      <p:ext uri="{BB962C8B-B14F-4D97-AF65-F5344CB8AC3E}">
+        <p14:creationId xmlns:p14="http://schemas.microsoft.com/office/powerpoint/2010/main" val="2841413017"/>
+      </p:ext>
+    </p:extLst>
+  </p:cSld>
+  <p:clrMapOvr>
+    <a:masterClrMapping/>
+  </p:clrMapOvr>
+</p:sld>
+</file>
+
+<file path=ppt/slides/slide29.xml><?xml version="1.0" encoding="utf-8"?>
+<p:sld xmlns:a="http://schemas.openxmlformats.org/drawingml/2006/main" xmlns:r="http://schemas.openxmlformats.org/officeDocument/2006/relationships" xmlns:p="http://schemas.openxmlformats.org/presentationml/2006/main">
+  <p:cSld>
+    <p:spTree>
+      <p:nvGrpSpPr>
+        <p:cNvPr id="1" name=""/>
+        <p:cNvGrpSpPr/>
+        <p:nvPr/>
+      </p:nvGrpSpPr>
+      <p:grpSpPr>
+        <a:xfrm>
+          <a:off x="0" y="0"/>
+          <a:ext cx="0" cy="0"/>
+          <a:chOff x="0" y="0"/>
+          <a:chExt cx="0" cy="0"/>
+        </a:xfrm>
+      </p:grpSpPr>
+      <p:sp>
+        <p:nvSpPr>
+          <p:cNvPr id="2" name="Title 1"/>
+          <p:cNvSpPr>
+            <a:spLocks noGrp="1"/>
+          </p:cNvSpPr>
+          <p:nvPr>
+            <p:ph type="title"/>
+          </p:nvPr>
+        </p:nvSpPr>
+        <p:spPr/>
+        <p:txBody>
+          <a:bodyPr/>
+          <a:lstStyle/>
+          <a:p>
+            <a:r>
               <a:rPr lang="en-IN" dirty="0"/>
               <a:t>Error Handling</a:t>
             </a:r>
@@ -5640,7 +6274,108 @@
 </p:sld>
 </file>
 
-<file path=ppt/slides/slide26.xml><?xml version="1.0" encoding="utf-8"?>
+<file path=ppt/slides/slide3.xml><?xml version="1.0" encoding="utf-8"?>
+<p:sld xmlns:a="http://schemas.openxmlformats.org/drawingml/2006/main" xmlns:r="http://schemas.openxmlformats.org/officeDocument/2006/relationships" xmlns:p="http://schemas.openxmlformats.org/presentationml/2006/main">
+  <p:cSld>
+    <p:spTree>
+      <p:nvGrpSpPr>
+        <p:cNvPr id="1" name=""/>
+        <p:cNvGrpSpPr/>
+        <p:nvPr/>
+      </p:nvGrpSpPr>
+      <p:grpSpPr>
+        <a:xfrm>
+          <a:off x="0" y="0"/>
+          <a:ext cx="0" cy="0"/>
+          <a:chOff x="0" y="0"/>
+          <a:chExt cx="0" cy="0"/>
+        </a:xfrm>
+      </p:grpSpPr>
+      <p:sp>
+        <p:nvSpPr>
+          <p:cNvPr id="2" name="Title 1"/>
+          <p:cNvSpPr>
+            <a:spLocks noGrp="1"/>
+          </p:cNvSpPr>
+          <p:nvPr>
+            <p:ph type="title"/>
+          </p:nvPr>
+        </p:nvSpPr>
+        <p:spPr/>
+        <p:txBody>
+          <a:bodyPr/>
+          <a:lstStyle/>
+          <a:p>
+            <a:r>
+              <a:rPr lang="en-IN" b="1" dirty="0">
+                <a:effectLst>
+                  <a:outerShdw blurRad="38100" dist="38100" dir="2700000" algn="tl">
+                    <a:srgbClr val="000000">
+                      <a:alpha val="43137"/>
+                    </a:srgbClr>
+                  </a:outerShdw>
+                </a:effectLst>
+              </a:rPr>
+              <a:t>MVC</a:t>
+            </a:r>
+          </a:p>
+        </p:txBody>
+      </p:sp>
+      <p:sp>
+        <p:nvSpPr>
+          <p:cNvPr id="3" name="Content Placeholder 2"/>
+          <p:cNvSpPr>
+            <a:spLocks noGrp="1"/>
+          </p:cNvSpPr>
+          <p:nvPr>
+            <p:ph idx="1"/>
+          </p:nvPr>
+        </p:nvSpPr>
+        <p:spPr/>
+        <p:txBody>
+          <a:bodyPr/>
+          <a:lstStyle/>
+          <a:p>
+            <a:pPr algn="just"/>
+            <a:r>
+              <a:rPr lang="en-IN" dirty="0"/>
+              <a:t>The model is the driving force of the application. This is generally the data behind the application, usually fetched from the server. Any UI with data that the user sees is derived from the model, or a subset of the model.</a:t>
+            </a:r>
+          </a:p>
+          <a:p>
+            <a:pPr algn="just"/>
+            <a:r>
+              <a:rPr lang="en-IN" dirty="0"/>
+              <a:t>The view is the UI that the user sees and interacts with. It is dynamic, and generated based on the current model of the application</a:t>
+            </a:r>
+          </a:p>
+          <a:p>
+            <a:pPr algn="just"/>
+            <a:r>
+              <a:rPr lang="en-IN" dirty="0"/>
+              <a:t>The controller is the business logic and presentation layer, which performs actions such as fetching data, and makes decisions such as how to present the model, which parts of it to display, etc.</a:t>
+            </a:r>
+          </a:p>
+          <a:p>
+            <a:pPr algn="just"/>
+            <a:endParaRPr lang="en-IN" dirty="0"/>
+          </a:p>
+        </p:txBody>
+      </p:sp>
+    </p:spTree>
+    <p:extLst>
+      <p:ext uri="{BB962C8B-B14F-4D97-AF65-F5344CB8AC3E}">
+        <p14:creationId xmlns:p14="http://schemas.microsoft.com/office/powerpoint/2010/main" val="1836758027"/>
+      </p:ext>
+    </p:extLst>
+  </p:cSld>
+  <p:clrMapOvr>
+    <a:masterClrMapping/>
+  </p:clrMapOvr>
+</p:sld>
+</file>
+
+<file path=ppt/slides/slide30.xml><?xml version="1.0" encoding="utf-8"?>
 <p:sld xmlns:a="http://schemas.openxmlformats.org/drawingml/2006/main" xmlns:r="http://schemas.openxmlformats.org/officeDocument/2006/relationships" xmlns:p="http://schemas.openxmlformats.org/presentationml/2006/main">
   <p:cSld>
     <p:spTree>
@@ -5886,7 +6621,7 @@
 </p:sld>
 </file>
 
-<file path=ppt/slides/slide27.xml><?xml version="1.0" encoding="utf-8"?>
+<file path=ppt/slides/slide31.xml><?xml version="1.0" encoding="utf-8"?>
 <p:sld xmlns:a="http://schemas.openxmlformats.org/drawingml/2006/main" xmlns:r="http://schemas.openxmlformats.org/officeDocument/2006/relationships" xmlns:p="http://schemas.openxmlformats.org/presentationml/2006/main">
   <p:cSld>
     <p:spTree>
@@ -5977,7 +6712,7 @@
 </p:sld>
 </file>
 
-<file path=ppt/slides/slide28.xml><?xml version="1.0" encoding="utf-8"?>
+<file path=ppt/slides/slide32.xml><?xml version="1.0" encoding="utf-8"?>
 <p:sld xmlns:a="http://schemas.openxmlformats.org/drawingml/2006/main" xmlns:r="http://schemas.openxmlformats.org/officeDocument/2006/relationships" xmlns:p="http://schemas.openxmlformats.org/presentationml/2006/main">
   <p:cSld>
     <p:spTree>
@@ -6091,7 +6826,7 @@
 </p:sld>
 </file>
 
-<file path=ppt/slides/slide29.xml><?xml version="1.0" encoding="utf-8"?>
+<file path=ppt/slides/slide33.xml><?xml version="1.0" encoding="utf-8"?>
 <p:sld xmlns:a="http://schemas.openxmlformats.org/drawingml/2006/main" xmlns:r="http://schemas.openxmlformats.org/officeDocument/2006/relationships" xmlns:p="http://schemas.openxmlformats.org/presentationml/2006/main">
   <p:cSld>
     <p:spTree>
@@ -6179,7 +6914,7 @@
 </p:sld>
 </file>
 
-<file path=ppt/slides/slide3.xml><?xml version="1.0" encoding="utf-8"?>
+<file path=ppt/slides/slide34.xml><?xml version="1.0" encoding="utf-8"?>
 <p:sld xmlns:a="http://schemas.openxmlformats.org/drawingml/2006/main" xmlns:r="http://schemas.openxmlformats.org/officeDocument/2006/relationships" xmlns:p="http://schemas.openxmlformats.org/presentationml/2006/main">
   <p:cSld>
     <p:spTree>
@@ -6221,107 +6956,6 @@
                   </a:outerShdw>
                 </a:effectLst>
               </a:rPr>
-              <a:t>MVC</a:t>
-            </a:r>
-          </a:p>
-        </p:txBody>
-      </p:sp>
-      <p:sp>
-        <p:nvSpPr>
-          <p:cNvPr id="3" name="Content Placeholder 2"/>
-          <p:cNvSpPr>
-            <a:spLocks noGrp="1"/>
-          </p:cNvSpPr>
-          <p:nvPr>
-            <p:ph idx="1"/>
-          </p:nvPr>
-        </p:nvSpPr>
-        <p:spPr/>
-        <p:txBody>
-          <a:bodyPr/>
-          <a:lstStyle/>
-          <a:p>
-            <a:pPr algn="just"/>
-            <a:r>
-              <a:rPr lang="en-IN" dirty="0"/>
-              <a:t>The model is the driving force of the application. This is generally the data behind the application, usually fetched from the server. Any UI with data that the user sees is derived from the model, or a subset of the model.</a:t>
-            </a:r>
-          </a:p>
-          <a:p>
-            <a:pPr algn="just"/>
-            <a:r>
-              <a:rPr lang="en-IN" dirty="0"/>
-              <a:t>The view is the UI that the user sees and interacts with. It is dynamic, and generated based on the current model of the application</a:t>
-            </a:r>
-          </a:p>
-          <a:p>
-            <a:pPr algn="just"/>
-            <a:r>
-              <a:rPr lang="en-IN" dirty="0"/>
-              <a:t>The controller is the business logic and presentation layer, which performs actions such as fetching data, and makes decisions such as how to present the model, which parts of it to display, etc.</a:t>
-            </a:r>
-          </a:p>
-          <a:p>
-            <a:pPr algn="just"/>
-            <a:endParaRPr lang="en-IN" dirty="0"/>
-          </a:p>
-        </p:txBody>
-      </p:sp>
-    </p:spTree>
-    <p:extLst>
-      <p:ext uri="{BB962C8B-B14F-4D97-AF65-F5344CB8AC3E}">
-        <p14:creationId xmlns:p14="http://schemas.microsoft.com/office/powerpoint/2010/main" val="1836758027"/>
-      </p:ext>
-    </p:extLst>
-  </p:cSld>
-  <p:clrMapOvr>
-    <a:masterClrMapping/>
-  </p:clrMapOvr>
-</p:sld>
-</file>
-
-<file path=ppt/slides/slide30.xml><?xml version="1.0" encoding="utf-8"?>
-<p:sld xmlns:a="http://schemas.openxmlformats.org/drawingml/2006/main" xmlns:r="http://schemas.openxmlformats.org/officeDocument/2006/relationships" xmlns:p="http://schemas.openxmlformats.org/presentationml/2006/main">
-  <p:cSld>
-    <p:spTree>
-      <p:nvGrpSpPr>
-        <p:cNvPr id="1" name=""/>
-        <p:cNvGrpSpPr/>
-        <p:nvPr/>
-      </p:nvGrpSpPr>
-      <p:grpSpPr>
-        <a:xfrm>
-          <a:off x="0" y="0"/>
-          <a:ext cx="0" cy="0"/>
-          <a:chOff x="0" y="0"/>
-          <a:chExt cx="0" cy="0"/>
-        </a:xfrm>
-      </p:grpSpPr>
-      <p:sp>
-        <p:nvSpPr>
-          <p:cNvPr id="2" name="Title 1"/>
-          <p:cNvSpPr>
-            <a:spLocks noGrp="1"/>
-          </p:cNvSpPr>
-          <p:nvPr>
-            <p:ph type="title"/>
-          </p:nvPr>
-        </p:nvSpPr>
-        <p:spPr/>
-        <p:txBody>
-          <a:bodyPr/>
-          <a:lstStyle/>
-          <a:p>
-            <a:r>
-              <a:rPr lang="en-IN" b="1" dirty="0">
-                <a:effectLst>
-                  <a:outerShdw blurRad="38100" dist="38100" dir="2700000" algn="tl">
-                    <a:srgbClr val="000000">
-                      <a:alpha val="43137"/>
-                    </a:srgbClr>
-                  </a:outerShdw>
-                </a:effectLst>
-              </a:rPr>
               <a:t>Common built-In Services</a:t>
             </a:r>
           </a:p>
@@ -6503,7 +7137,7 @@
 </p:sld>
 </file>
 
-<file path=ppt/slides/slide31.xml><?xml version="1.0" encoding="utf-8"?>
+<file path=ppt/slides/slide35.xml><?xml version="1.0" encoding="utf-8"?>
 <p:sld xmlns:a="http://schemas.openxmlformats.org/drawingml/2006/main" xmlns:r="http://schemas.openxmlformats.org/officeDocument/2006/relationships" xmlns:p="http://schemas.openxmlformats.org/presentationml/2006/main">
   <p:cSld>
     <p:spTree>
@@ -6644,7 +7278,7 @@
 </p:sld>
 </file>
 
-<file path=ppt/slides/slide32.xml><?xml version="1.0" encoding="utf-8"?>
+<file path=ppt/slides/slide36.xml><?xml version="1.0" encoding="utf-8"?>
 <p:sld xmlns:a="http://schemas.openxmlformats.org/drawingml/2006/main" xmlns:r="http://schemas.openxmlformats.org/officeDocument/2006/relationships" xmlns:p="http://schemas.openxmlformats.org/presentationml/2006/main">
   <p:cSld>
     <p:spTree>
@@ -6964,7 +7598,7 @@
 </p:sld>
 </file>
 
-<file path=ppt/slides/slide33.xml><?xml version="1.0" encoding="utf-8"?>
+<file path=ppt/slides/slide37.xml><?xml version="1.0" encoding="utf-8"?>
 <p:sld xmlns:a="http://schemas.openxmlformats.org/drawingml/2006/main" xmlns:r="http://schemas.openxmlformats.org/officeDocument/2006/relationships" xmlns:p="http://schemas.openxmlformats.org/presentationml/2006/main">
   <p:cSld>
     <p:spTree>
@@ -7050,7 +7684,7 @@
 </p:sld>
 </file>
 
-<file path=ppt/slides/slide34.xml><?xml version="1.0" encoding="utf-8"?>
+<file path=ppt/slides/slide38.xml><?xml version="1.0" encoding="utf-8"?>
 <p:sld xmlns:a="http://schemas.openxmlformats.org/drawingml/2006/main" xmlns:r="http://schemas.openxmlformats.org/officeDocument/2006/relationships" xmlns:p="http://schemas.openxmlformats.org/presentationml/2006/main">
   <p:cSld>
     <p:spTree>
@@ -7082,7 +7716,27 @@
           <a:bodyPr/>
           <a:lstStyle/>
           <a:p>
-            <a:endParaRPr lang="en-IN"/>
+            <a:r>
+              <a:rPr lang="en-IN" b="1" dirty="0">
+                <a:effectLst>
+                  <a:outerShdw blurRad="38100" dist="38100" dir="2700000" algn="tl">
+                    <a:srgbClr val="000000">
+                      <a:alpha val="43137"/>
+                    </a:srgbClr>
+                  </a:outerShdw>
+                </a:effectLst>
+              </a:rPr>
+              <a:t>Data with $http</a:t>
+            </a:r>
+            <a:endParaRPr lang="en-IN" b="1" dirty="0">
+              <a:effectLst>
+                <a:outerShdw blurRad="38100" dist="38100" dir="2700000" algn="tl">
+                  <a:srgbClr val="000000">
+                    <a:alpha val="43137"/>
+                  </a:srgbClr>
+                </a:outerShdw>
+              </a:effectLst>
+            </a:endParaRPr>
           </a:p>
         </p:txBody>
       </p:sp>
@@ -7101,14 +7755,351 @@
           <a:bodyPr/>
           <a:lstStyle/>
           <a:p>
-            <a:endParaRPr lang="en-IN"/>
+            <a:r>
+              <a:rPr lang="en-IN" dirty="0"/>
+              <a:t>Similar to request to the server from AJAX applications (using </a:t>
+            </a:r>
+            <a:r>
+              <a:rPr lang="en-IN" dirty="0" err="1"/>
+              <a:t>XMLHttpRequests</a:t>
+            </a:r>
+            <a:r>
+              <a:rPr lang="en-IN" dirty="0"/>
+              <a:t>)</a:t>
+            </a:r>
+          </a:p>
+          <a:p>
+            <a:pPr lvl="1"/>
+            <a:r>
+              <a:rPr lang="en-IN" dirty="0"/>
+              <a:t>Makes request</a:t>
+            </a:r>
+          </a:p>
+          <a:p>
+            <a:pPr lvl="1"/>
+            <a:r>
+              <a:rPr lang="en-IN" dirty="0"/>
+              <a:t>reads response</a:t>
+            </a:r>
+          </a:p>
+          <a:p>
+            <a:pPr lvl="1"/>
+            <a:r>
+              <a:rPr lang="en-IN" dirty="0"/>
+              <a:t>checks the error codes</a:t>
+            </a:r>
+          </a:p>
+          <a:p>
+            <a:pPr lvl="1"/>
+            <a:r>
+              <a:rPr lang="en-IN" dirty="0"/>
+              <a:t>processes the server response</a:t>
+            </a:r>
+          </a:p>
+          <a:p>
+            <a:r>
+              <a:rPr lang="en-IN" dirty="0"/>
+              <a:t>Traditional </a:t>
+            </a:r>
+          </a:p>
+          <a:p>
+            <a:pPr lvl="1"/>
+            <a:r>
+              <a:rPr lang="en-IN" b="1" dirty="0" err="1"/>
+              <a:t>var</a:t>
+            </a:r>
+            <a:r>
+              <a:rPr lang="en-IN" b="1" dirty="0"/>
+              <a:t> </a:t>
+            </a:r>
+            <a:r>
+              <a:rPr lang="en-IN" dirty="0" err="1"/>
+              <a:t>xmlhttp</a:t>
+            </a:r>
+            <a:r>
+              <a:rPr lang="en-IN" dirty="0"/>
+              <a:t> = </a:t>
+            </a:r>
+            <a:r>
+              <a:rPr lang="en-IN" b="1" dirty="0"/>
+              <a:t>new </a:t>
+            </a:r>
+            <a:r>
+              <a:rPr lang="en-IN" dirty="0" err="1"/>
+              <a:t>XMLHttpRequest</a:t>
+            </a:r>
+            <a:r>
+              <a:rPr lang="en-IN" dirty="0"/>
+              <a:t>();</a:t>
+            </a:r>
+          </a:p>
+          <a:p>
+            <a:pPr lvl="1"/>
+            <a:r>
+              <a:rPr lang="en-IN" dirty="0" err="1"/>
+              <a:t>xmlhttp.open</a:t>
+            </a:r>
+            <a:r>
+              <a:rPr lang="en-IN" dirty="0"/>
+              <a:t>("GET", "http://myserver/api", </a:t>
+            </a:r>
+            <a:r>
+              <a:rPr lang="en-IN" b="1" dirty="0"/>
+              <a:t>true</a:t>
+            </a:r>
+            <a:r>
+              <a:rPr lang="en-IN" dirty="0"/>
+              <a:t>);</a:t>
+            </a:r>
+            <a:endParaRPr lang="en-IN" dirty="0"/>
           </a:p>
         </p:txBody>
       </p:sp>
     </p:spTree>
     <p:extLst>
       <p:ext uri="{BB962C8B-B14F-4D97-AF65-F5344CB8AC3E}">
-        <p14:creationId xmlns:p14="http://schemas.microsoft.com/office/powerpoint/2010/main" val="1823914121"/>
+        <p14:creationId xmlns:p14="http://schemas.microsoft.com/office/powerpoint/2010/main" val="2261322921"/>
+      </p:ext>
+    </p:extLst>
+  </p:cSld>
+  <p:clrMapOvr>
+    <a:masterClrMapping/>
+  </p:clrMapOvr>
+</p:sld>
+</file>
+
+<file path=ppt/slides/slide39.xml><?xml version="1.0" encoding="utf-8"?>
+<p:sld xmlns:a="http://schemas.openxmlformats.org/drawingml/2006/main" xmlns:r="http://schemas.openxmlformats.org/officeDocument/2006/relationships" xmlns:p="http://schemas.openxmlformats.org/presentationml/2006/main">
+  <p:cSld>
+    <p:spTree>
+      <p:nvGrpSpPr>
+        <p:cNvPr id="1" name=""/>
+        <p:cNvGrpSpPr/>
+        <p:nvPr/>
+      </p:nvGrpSpPr>
+      <p:grpSpPr>
+        <a:xfrm>
+          <a:off x="0" y="0"/>
+          <a:ext cx="0" cy="0"/>
+          <a:chOff x="0" y="0"/>
+          <a:chExt cx="0" cy="0"/>
+        </a:xfrm>
+      </p:grpSpPr>
+      <p:sp>
+        <p:nvSpPr>
+          <p:cNvPr id="3" name="Rectangle: Rounded Corners 2"/>
+          <p:cNvSpPr/>
+          <p:nvPr/>
+        </p:nvSpPr>
+        <p:spPr>
+          <a:xfrm>
+            <a:off x="1561513" y="3713871"/>
+            <a:ext cx="3213295" cy="1547446"/>
+          </a:xfrm>
+          <a:prstGeom prst="roundRect">
+            <a:avLst/>
+          </a:prstGeom>
+          <a:solidFill>
+            <a:schemeClr val="accent4">
+              <a:lumMod val="20000"/>
+              <a:lumOff val="80000"/>
+            </a:schemeClr>
+          </a:solidFill>
+        </p:spPr>
+        <p:style>
+          <a:lnRef idx="2">
+            <a:schemeClr val="accent1">
+              <a:shade val="50000"/>
+            </a:schemeClr>
+          </a:lnRef>
+          <a:fillRef idx="1">
+            <a:schemeClr val="accent1"/>
+          </a:fillRef>
+          <a:effectRef idx="0">
+            <a:schemeClr val="accent1"/>
+          </a:effectRef>
+          <a:fontRef idx="minor">
+            <a:schemeClr val="lt1"/>
+          </a:fontRef>
+        </p:style>
+        <p:txBody>
+          <a:bodyPr rtlCol="0" anchor="ctr"/>
+          <a:lstStyle/>
+          <a:p>
+            <a:r>
+              <a:rPr lang="en-IN" sz="2400" dirty="0">
+                <a:solidFill>
+                  <a:schemeClr val="tx1">
+                    <a:lumMod val="65000"/>
+                    <a:lumOff val="35000"/>
+                  </a:schemeClr>
+                </a:solidFill>
+              </a:rPr>
+              <a:t>Few test cases:</a:t>
+            </a:r>
+          </a:p>
+          <a:p>
+            <a:pPr lvl="1"/>
+            <a:r>
+              <a:rPr lang="en-IN" sz="2000" dirty="0">
+                <a:solidFill>
+                  <a:schemeClr val="tx1">
+                    <a:lumMod val="65000"/>
+                    <a:lumOff val="35000"/>
+                  </a:schemeClr>
+                </a:solidFill>
+              </a:rPr>
+              <a:t>Input: 1, 	output: 1</a:t>
+            </a:r>
+          </a:p>
+          <a:p>
+            <a:pPr lvl="1"/>
+            <a:r>
+              <a:rPr lang="en-IN" sz="2000" dirty="0">
+                <a:solidFill>
+                  <a:schemeClr val="tx1">
+                    <a:lumMod val="65000"/>
+                    <a:lumOff val="35000"/>
+                  </a:schemeClr>
+                </a:solidFill>
+              </a:rPr>
+              <a:t>Input:10,  	output: A</a:t>
+            </a:r>
+          </a:p>
+          <a:p>
+            <a:pPr lvl="1"/>
+            <a:r>
+              <a:rPr lang="en-IN" sz="2000" dirty="0">
+                <a:solidFill>
+                  <a:schemeClr val="tx1">
+                    <a:lumMod val="65000"/>
+                    <a:lumOff val="35000"/>
+                  </a:schemeClr>
+                </a:solidFill>
+              </a:rPr>
+              <a:t>Input:15, 	output: F</a:t>
+            </a:r>
+          </a:p>
+          <a:p>
+            <a:pPr algn="ctr"/>
+            <a:endParaRPr lang="en-IN" dirty="0"/>
+          </a:p>
+        </p:txBody>
+      </p:sp>
+      <p:sp>
+        <p:nvSpPr>
+          <p:cNvPr id="2" name="Title 1"/>
+          <p:cNvSpPr>
+            <a:spLocks noGrp="1"/>
+          </p:cNvSpPr>
+          <p:nvPr>
+            <p:ph type="title"/>
+          </p:nvPr>
+        </p:nvSpPr>
+        <p:spPr/>
+        <p:txBody>
+          <a:bodyPr/>
+          <a:lstStyle/>
+          <a:p>
+            <a:r>
+              <a:rPr lang="en-IN" sz="6600" b="1" dirty="0">
+                <a:effectLst>
+                  <a:outerShdw blurRad="38100" dist="38100" dir="2700000" algn="tl">
+                    <a:srgbClr val="000000">
+                      <a:alpha val="43137"/>
+                    </a:srgbClr>
+                  </a:outerShdw>
+                </a:effectLst>
+              </a:rPr>
+              <a:t>T</a:t>
+            </a:r>
+            <a:r>
+              <a:rPr lang="en-IN" b="1" dirty="0">
+                <a:effectLst>
+                  <a:outerShdw blurRad="38100" dist="38100" dir="2700000" algn="tl">
+                    <a:srgbClr val="000000">
+                      <a:alpha val="43137"/>
+                    </a:srgbClr>
+                  </a:outerShdw>
+                </a:effectLst>
+              </a:rPr>
+              <a:t>ask – 5	</a:t>
+            </a:r>
+          </a:p>
+        </p:txBody>
+      </p:sp>
+      <p:pic>
+        <p:nvPicPr>
+          <p:cNvPr id="6" name="Picture 5"/>
+          <p:cNvPicPr>
+            <a:picLocks noChangeAspect="1"/>
+          </p:cNvPicPr>
+          <p:nvPr/>
+        </p:nvPicPr>
+        <p:blipFill>
+          <a:blip r:embed="rId2">
+            <a:extLst>
+              <a:ext uri="{28A0092B-C50C-407E-A947-70E740481C1C}">
+                <a14:useLocalDpi xmlns:a14="http://schemas.microsoft.com/office/drawing/2010/main" val="0"/>
+              </a:ext>
+            </a:extLst>
+          </a:blip>
+          <a:stretch>
+            <a:fillRect/>
+          </a:stretch>
+        </p:blipFill>
+        <p:spPr>
+          <a:xfrm>
+            <a:off x="3002205" y="189181"/>
+            <a:ext cx="1274373" cy="1501507"/>
+          </a:xfrm>
+          <a:prstGeom prst="rect">
+            <a:avLst/>
+          </a:prstGeom>
+        </p:spPr>
+      </p:pic>
+      <p:sp>
+        <p:nvSpPr>
+          <p:cNvPr id="7" name="Content Placeholder 6"/>
+          <p:cNvSpPr>
+            <a:spLocks noGrp="1"/>
+          </p:cNvSpPr>
+          <p:nvPr>
+            <p:ph idx="1"/>
+          </p:nvPr>
+        </p:nvSpPr>
+        <p:spPr>
+          <a:xfrm>
+            <a:off x="838200" y="1825625"/>
+            <a:ext cx="10515600" cy="1424012"/>
+          </a:xfrm>
+        </p:spPr>
+        <p:txBody>
+          <a:bodyPr/>
+          <a:lstStyle/>
+          <a:p>
+            <a:r>
+              <a:rPr lang="en-IN" dirty="0"/>
+              <a:t>Write a Angular Application </a:t>
+            </a:r>
+          </a:p>
+          <a:p>
+            <a:pPr lvl="1"/>
+            <a:r>
+              <a:rPr lang="en-IN" dirty="0"/>
+              <a:t>Add a service, this will take a decimal number as input and print the hexadecimal value of that number.</a:t>
+            </a:r>
+          </a:p>
+          <a:p>
+            <a:pPr lvl="1"/>
+            <a:endParaRPr lang="en-IN" dirty="0"/>
+          </a:p>
+        </p:txBody>
+      </p:sp>
+    </p:spTree>
+    <p:extLst>
+      <p:ext uri="{BB962C8B-B14F-4D97-AF65-F5344CB8AC3E}">
+        <p14:creationId xmlns:p14="http://schemas.microsoft.com/office/powerpoint/2010/main" val="2505902429"/>
       </p:ext>
     </p:extLst>
   </p:cSld>
@@ -7207,6 +8198,1312 @@
 </p:sld>
 </file>
 
+<file path=ppt/slides/slide40.xml><?xml version="1.0" encoding="utf-8"?>
+<p:sld xmlns:a="http://schemas.openxmlformats.org/drawingml/2006/main" xmlns:r="http://schemas.openxmlformats.org/officeDocument/2006/relationships" xmlns:p="http://schemas.openxmlformats.org/presentationml/2006/main">
+  <p:cSld>
+    <p:spTree>
+      <p:nvGrpSpPr>
+        <p:cNvPr id="1" name=""/>
+        <p:cNvGrpSpPr/>
+        <p:nvPr/>
+      </p:nvGrpSpPr>
+      <p:grpSpPr>
+        <a:xfrm>
+          <a:off x="0" y="0"/>
+          <a:ext cx="0" cy="0"/>
+          <a:chOff x="0" y="0"/>
+          <a:chExt cx="0" cy="0"/>
+        </a:xfrm>
+      </p:grpSpPr>
+      <p:sp>
+        <p:nvSpPr>
+          <p:cNvPr id="2" name="Title 1"/>
+          <p:cNvSpPr>
+            <a:spLocks noGrp="1"/>
+          </p:cNvSpPr>
+          <p:nvPr>
+            <p:ph type="title"/>
+          </p:nvPr>
+        </p:nvSpPr>
+        <p:spPr/>
+        <p:txBody>
+          <a:bodyPr/>
+          <a:lstStyle/>
+          <a:p>
+            <a:r>
+              <a:rPr lang="en-IN" b="1" dirty="0">
+                <a:effectLst>
+                  <a:outerShdw blurRad="38100" dist="38100" dir="2700000" algn="tl">
+                    <a:srgbClr val="000000">
+                      <a:alpha val="43137"/>
+                    </a:srgbClr>
+                  </a:outerShdw>
+                </a:effectLst>
+              </a:rPr>
+              <a:t>$http with REST APIs</a:t>
+            </a:r>
+            <a:endParaRPr lang="en-IN" dirty="0"/>
+          </a:p>
+        </p:txBody>
+      </p:sp>
+      <p:sp>
+        <p:nvSpPr>
+          <p:cNvPr id="3" name="Content Placeholder 2"/>
+          <p:cNvSpPr>
+            <a:spLocks noGrp="1"/>
+          </p:cNvSpPr>
+          <p:nvPr>
+            <p:ph idx="1"/>
+          </p:nvPr>
+        </p:nvSpPr>
+        <p:spPr/>
+        <p:txBody>
+          <a:bodyPr/>
+          <a:lstStyle/>
+          <a:p>
+            <a:r>
+              <a:rPr lang="en-IN" dirty="0"/>
+              <a:t>GET</a:t>
+            </a:r>
+          </a:p>
+          <a:p>
+            <a:r>
+              <a:rPr lang="en-IN" dirty="0"/>
+              <a:t>HEAD</a:t>
+            </a:r>
+          </a:p>
+          <a:p>
+            <a:r>
+              <a:rPr lang="en-IN" dirty="0"/>
+              <a:t>POST</a:t>
+            </a:r>
+          </a:p>
+          <a:p>
+            <a:r>
+              <a:rPr lang="en-IN" dirty="0"/>
+              <a:t>DELETE</a:t>
+            </a:r>
+          </a:p>
+          <a:p>
+            <a:r>
+              <a:rPr lang="en-IN" dirty="0"/>
+              <a:t>PUT</a:t>
+            </a:r>
+          </a:p>
+          <a:p>
+            <a:r>
+              <a:rPr lang="en-IN" dirty="0"/>
+              <a:t>JSONP</a:t>
+            </a:r>
+            <a:endParaRPr lang="en-IN" dirty="0"/>
+          </a:p>
+        </p:txBody>
+      </p:sp>
+    </p:spTree>
+    <p:extLst>
+      <p:ext uri="{BB962C8B-B14F-4D97-AF65-F5344CB8AC3E}">
+        <p14:creationId xmlns:p14="http://schemas.microsoft.com/office/powerpoint/2010/main" val="1823914121"/>
+      </p:ext>
+    </p:extLst>
+  </p:cSld>
+  <p:clrMapOvr>
+    <a:masterClrMapping/>
+  </p:clrMapOvr>
+</p:sld>
+</file>
+
+<file path=ppt/slides/slide41.xml><?xml version="1.0" encoding="utf-8"?>
+<p:sld xmlns:a="http://schemas.openxmlformats.org/drawingml/2006/main" xmlns:r="http://schemas.openxmlformats.org/officeDocument/2006/relationships" xmlns:p="http://schemas.openxmlformats.org/presentationml/2006/main">
+  <p:cSld>
+    <p:spTree>
+      <p:nvGrpSpPr>
+        <p:cNvPr id="1" name=""/>
+        <p:cNvGrpSpPr/>
+        <p:nvPr/>
+      </p:nvGrpSpPr>
+      <p:grpSpPr>
+        <a:xfrm>
+          <a:off x="0" y="0"/>
+          <a:ext cx="0" cy="0"/>
+          <a:chOff x="0" y="0"/>
+          <a:chExt cx="0" cy="0"/>
+        </a:xfrm>
+      </p:grpSpPr>
+      <p:sp>
+        <p:nvSpPr>
+          <p:cNvPr id="2" name="Title 1"/>
+          <p:cNvSpPr>
+            <a:spLocks noGrp="1"/>
+          </p:cNvSpPr>
+          <p:nvPr>
+            <p:ph type="title"/>
+          </p:nvPr>
+        </p:nvSpPr>
+        <p:spPr/>
+        <p:txBody>
+          <a:bodyPr/>
+          <a:lstStyle/>
+          <a:p>
+            <a:r>
+              <a:rPr lang="en-IN" b="1" dirty="0">
+                <a:effectLst>
+                  <a:outerShdw blurRad="38100" dist="38100" dir="2700000" algn="tl">
+                    <a:srgbClr val="000000">
+                      <a:alpha val="43137"/>
+                    </a:srgbClr>
+                  </a:outerShdw>
+                </a:effectLst>
+              </a:rPr>
+              <a:t>GET request</a:t>
+            </a:r>
+          </a:p>
+        </p:txBody>
+      </p:sp>
+      <p:pic>
+        <p:nvPicPr>
+          <p:cNvPr id="4" name="Content Placeholder 3"/>
+          <p:cNvPicPr>
+            <a:picLocks noGrp="1" noChangeAspect="1"/>
+          </p:cNvPicPr>
+          <p:nvPr>
+            <p:ph idx="1"/>
+          </p:nvPr>
+        </p:nvPicPr>
+        <p:blipFill>
+          <a:blip r:embed="rId2"/>
+          <a:stretch>
+            <a:fillRect/>
+          </a:stretch>
+        </p:blipFill>
+        <p:spPr>
+          <a:xfrm>
+            <a:off x="838199" y="1505242"/>
+            <a:ext cx="10999229" cy="4276579"/>
+          </a:xfrm>
+          <a:prstGeom prst="rect">
+            <a:avLst/>
+          </a:prstGeom>
+        </p:spPr>
+      </p:pic>
+    </p:spTree>
+    <p:extLst>
+      <p:ext uri="{BB962C8B-B14F-4D97-AF65-F5344CB8AC3E}">
+        <p14:creationId xmlns:p14="http://schemas.microsoft.com/office/powerpoint/2010/main" val="4130124120"/>
+      </p:ext>
+    </p:extLst>
+  </p:cSld>
+  <p:clrMapOvr>
+    <a:masterClrMapping/>
+  </p:clrMapOvr>
+</p:sld>
+</file>
+
+<file path=ppt/slides/slide42.xml><?xml version="1.0" encoding="utf-8"?>
+<p:sld xmlns:a="http://schemas.openxmlformats.org/drawingml/2006/main" xmlns:r="http://schemas.openxmlformats.org/officeDocument/2006/relationships" xmlns:p="http://schemas.openxmlformats.org/presentationml/2006/main">
+  <p:cSld>
+    <p:spTree>
+      <p:nvGrpSpPr>
+        <p:cNvPr id="1" name=""/>
+        <p:cNvGrpSpPr/>
+        <p:nvPr/>
+      </p:nvGrpSpPr>
+      <p:grpSpPr>
+        <a:xfrm>
+          <a:off x="0" y="0"/>
+          <a:ext cx="0" cy="0"/>
+          <a:chOff x="0" y="0"/>
+          <a:chExt cx="0" cy="0"/>
+        </a:xfrm>
+      </p:grpSpPr>
+      <p:sp>
+        <p:nvSpPr>
+          <p:cNvPr id="2" name="Title 1"/>
+          <p:cNvSpPr>
+            <a:spLocks noGrp="1"/>
+          </p:cNvSpPr>
+          <p:nvPr>
+            <p:ph type="title"/>
+          </p:nvPr>
+        </p:nvSpPr>
+        <p:spPr/>
+        <p:txBody>
+          <a:bodyPr/>
+          <a:lstStyle/>
+          <a:p>
+            <a:r>
+              <a:rPr lang="en-IN" sz="6600" b="1" dirty="0">
+                <a:effectLst>
+                  <a:outerShdw blurRad="38100" dist="38100" dir="2700000" algn="tl">
+                    <a:srgbClr val="000000">
+                      <a:alpha val="43137"/>
+                    </a:srgbClr>
+                  </a:outerShdw>
+                </a:effectLst>
+              </a:rPr>
+              <a:t>T</a:t>
+            </a:r>
+            <a:r>
+              <a:rPr lang="en-IN" b="1" dirty="0">
+                <a:effectLst>
+                  <a:outerShdw blurRad="38100" dist="38100" dir="2700000" algn="tl">
+                    <a:srgbClr val="000000">
+                      <a:alpha val="43137"/>
+                    </a:srgbClr>
+                  </a:outerShdw>
+                </a:effectLst>
+              </a:rPr>
+              <a:t>ask – 6	</a:t>
+            </a:r>
+          </a:p>
+        </p:txBody>
+      </p:sp>
+      <p:pic>
+        <p:nvPicPr>
+          <p:cNvPr id="6" name="Picture 5"/>
+          <p:cNvPicPr>
+            <a:picLocks noChangeAspect="1"/>
+          </p:cNvPicPr>
+          <p:nvPr/>
+        </p:nvPicPr>
+        <p:blipFill>
+          <a:blip r:embed="rId2">
+            <a:extLst>
+              <a:ext uri="{28A0092B-C50C-407E-A947-70E740481C1C}">
+                <a14:useLocalDpi xmlns:a14="http://schemas.microsoft.com/office/drawing/2010/main" val="0"/>
+              </a:ext>
+            </a:extLst>
+          </a:blip>
+          <a:stretch>
+            <a:fillRect/>
+          </a:stretch>
+        </p:blipFill>
+        <p:spPr>
+          <a:xfrm>
+            <a:off x="3002205" y="189181"/>
+            <a:ext cx="1274373" cy="1501507"/>
+          </a:xfrm>
+          <a:prstGeom prst="rect">
+            <a:avLst/>
+          </a:prstGeom>
+        </p:spPr>
+      </p:pic>
+      <p:sp>
+        <p:nvSpPr>
+          <p:cNvPr id="7" name="Content Placeholder 6"/>
+          <p:cNvSpPr>
+            <a:spLocks noGrp="1"/>
+          </p:cNvSpPr>
+          <p:nvPr>
+            <p:ph idx="1"/>
+          </p:nvPr>
+        </p:nvSpPr>
+        <p:spPr/>
+        <p:txBody>
+          <a:bodyPr/>
+          <a:lstStyle/>
+          <a:p>
+            <a:r>
+              <a:rPr lang="en-IN" dirty="0"/>
+              <a:t>Write a Angular Application </a:t>
+            </a:r>
+          </a:p>
+          <a:p>
+            <a:pPr lvl="1"/>
+            <a:r>
+              <a:rPr lang="en-IN" dirty="0"/>
+              <a:t>Which consumes restful web-service with GET, POST, DELETE</a:t>
+            </a:r>
+          </a:p>
+          <a:p>
+            <a:pPr marL="457200" lvl="1" indent="0">
+              <a:buNone/>
+            </a:pPr>
+            <a:r>
+              <a:rPr lang="en-IN" sz="2000" dirty="0"/>
+              <a:t>(you can write a web-service or see some examples with node.js to create demo restful web-service)</a:t>
+            </a:r>
+            <a:endParaRPr lang="en-IN" dirty="0"/>
+          </a:p>
+          <a:p>
+            <a:pPr lvl="1"/>
+            <a:endParaRPr lang="en-IN" dirty="0"/>
+          </a:p>
+        </p:txBody>
+      </p:sp>
+    </p:spTree>
+    <p:extLst>
+      <p:ext uri="{BB962C8B-B14F-4D97-AF65-F5344CB8AC3E}">
+        <p14:creationId xmlns:p14="http://schemas.microsoft.com/office/powerpoint/2010/main" val="3349796549"/>
+      </p:ext>
+    </p:extLst>
+  </p:cSld>
+  <p:clrMapOvr>
+    <a:masterClrMapping/>
+  </p:clrMapOvr>
+</p:sld>
+</file>
+
+<file path=ppt/slides/slide43.xml><?xml version="1.0" encoding="utf-8"?>
+<p:sld xmlns:a="http://schemas.openxmlformats.org/drawingml/2006/main" xmlns:r="http://schemas.openxmlformats.org/officeDocument/2006/relationships" xmlns:p="http://schemas.openxmlformats.org/presentationml/2006/main">
+  <p:cSld>
+    <p:spTree>
+      <p:nvGrpSpPr>
+        <p:cNvPr id="1" name=""/>
+        <p:cNvGrpSpPr/>
+        <p:nvPr/>
+      </p:nvGrpSpPr>
+      <p:grpSpPr>
+        <a:xfrm>
+          <a:off x="0" y="0"/>
+          <a:ext cx="0" cy="0"/>
+          <a:chOff x="0" y="0"/>
+          <a:chExt cx="0" cy="0"/>
+        </a:xfrm>
+      </p:grpSpPr>
+      <p:sp>
+        <p:nvSpPr>
+          <p:cNvPr id="2" name="Title 1"/>
+          <p:cNvSpPr>
+            <a:spLocks noGrp="1"/>
+          </p:cNvSpPr>
+          <p:nvPr>
+            <p:ph type="title"/>
+          </p:nvPr>
+        </p:nvSpPr>
+        <p:spPr/>
+        <p:txBody>
+          <a:bodyPr/>
+          <a:lstStyle/>
+          <a:p>
+            <a:r>
+              <a:rPr lang="en-IN" b="1" dirty="0">
+                <a:effectLst>
+                  <a:outerShdw blurRad="38100" dist="38100" dir="2700000" algn="tl">
+                    <a:srgbClr val="000000">
+                      <a:alpha val="43137"/>
+                    </a:srgbClr>
+                  </a:outerShdw>
+                </a:effectLst>
+              </a:rPr>
+              <a:t>Unit Testing</a:t>
+            </a:r>
+            <a:endParaRPr lang="en-IN" b="1" dirty="0">
+              <a:effectLst>
+                <a:outerShdw blurRad="38100" dist="38100" dir="2700000" algn="tl">
+                  <a:srgbClr val="000000">
+                    <a:alpha val="43137"/>
+                  </a:srgbClr>
+                </a:outerShdw>
+              </a:effectLst>
+            </a:endParaRPr>
+          </a:p>
+        </p:txBody>
+      </p:sp>
+      <p:pic>
+        <p:nvPicPr>
+          <p:cNvPr id="5" name="Picture 4"/>
+          <p:cNvPicPr>
+            <a:picLocks noChangeAspect="1"/>
+          </p:cNvPicPr>
+          <p:nvPr/>
+        </p:nvPicPr>
+        <p:blipFill rotWithShape="1">
+          <a:blip r:embed="rId2">
+            <a:extLst>
+              <a:ext uri="{28A0092B-C50C-407E-A947-70E740481C1C}">
+                <a14:useLocalDpi xmlns:a14="http://schemas.microsoft.com/office/drawing/2010/main" val="0"/>
+              </a:ext>
+            </a:extLst>
+          </a:blip>
+          <a:srcRect b="22396"/>
+          <a:stretch/>
+        </p:blipFill>
+        <p:spPr>
+          <a:xfrm rot="353096">
+            <a:off x="584981" y="2408140"/>
+            <a:ext cx="10375834" cy="1910641"/>
+          </a:xfrm>
+          <a:prstGeom prst="roundRect">
+            <a:avLst>
+              <a:gd name="adj" fmla="val 20348"/>
+            </a:avLst>
+          </a:prstGeom>
+          <a:ln>
+            <a:noFill/>
+          </a:ln>
+          <a:effectLst>
+            <a:outerShdw blurRad="152400" dist="12000" dir="900000" sy="98000" kx="110000" ky="200000" algn="tl" rotWithShape="0">
+              <a:srgbClr val="000000">
+                <a:alpha val="30000"/>
+              </a:srgbClr>
+            </a:outerShdw>
+          </a:effectLst>
+          <a:scene3d>
+            <a:camera prst="perspectiveRelaxed">
+              <a:rot lat="19800000" lon="1200000" rev="20820000"/>
+            </a:camera>
+            <a:lightRig rig="threePt" dir="t"/>
+          </a:scene3d>
+          <a:sp3d contourW="6350" prstMaterial="matte">
+            <a:bevelT w="101600" h="101600"/>
+            <a:contourClr>
+              <a:srgbClr val="969696"/>
+            </a:contourClr>
+          </a:sp3d>
+        </p:spPr>
+      </p:pic>
+    </p:spTree>
+    <p:extLst>
+      <p:ext uri="{BB962C8B-B14F-4D97-AF65-F5344CB8AC3E}">
+        <p14:creationId xmlns:p14="http://schemas.microsoft.com/office/powerpoint/2010/main" val="3800193589"/>
+      </p:ext>
+    </p:extLst>
+  </p:cSld>
+  <p:clrMapOvr>
+    <a:masterClrMapping/>
+  </p:clrMapOvr>
+</p:sld>
+</file>
+
+<file path=ppt/slides/slide44.xml><?xml version="1.0" encoding="utf-8"?>
+<p:sld xmlns:a="http://schemas.openxmlformats.org/drawingml/2006/main" xmlns:r="http://schemas.openxmlformats.org/officeDocument/2006/relationships" xmlns:p="http://schemas.openxmlformats.org/presentationml/2006/main">
+  <p:cSld>
+    <p:spTree>
+      <p:nvGrpSpPr>
+        <p:cNvPr id="1" name=""/>
+        <p:cNvGrpSpPr/>
+        <p:nvPr/>
+      </p:nvGrpSpPr>
+      <p:grpSpPr>
+        <a:xfrm>
+          <a:off x="0" y="0"/>
+          <a:ext cx="0" cy="0"/>
+          <a:chOff x="0" y="0"/>
+          <a:chExt cx="0" cy="0"/>
+        </a:xfrm>
+      </p:grpSpPr>
+      <p:sp>
+        <p:nvSpPr>
+          <p:cNvPr id="2" name="Title 1"/>
+          <p:cNvSpPr>
+            <a:spLocks noGrp="1"/>
+          </p:cNvSpPr>
+          <p:nvPr>
+            <p:ph type="title"/>
+          </p:nvPr>
+        </p:nvSpPr>
+        <p:spPr/>
+        <p:txBody>
+          <a:bodyPr/>
+          <a:lstStyle/>
+          <a:p>
+            <a:r>
+              <a:rPr lang="en-IN" b="1" dirty="0">
+                <a:effectLst>
+                  <a:outerShdw blurRad="38100" dist="38100" dir="2700000" algn="tl">
+                    <a:srgbClr val="000000">
+                      <a:alpha val="43137"/>
+                    </a:srgbClr>
+                  </a:outerShdw>
+                </a:effectLst>
+              </a:rPr>
+              <a:t>Filters</a:t>
+            </a:r>
+          </a:p>
+        </p:txBody>
+      </p:sp>
+      <p:sp>
+        <p:nvSpPr>
+          <p:cNvPr id="3" name="Content Placeholder 2"/>
+          <p:cNvSpPr>
+            <a:spLocks noGrp="1"/>
+          </p:cNvSpPr>
+          <p:nvPr>
+            <p:ph idx="1"/>
+          </p:nvPr>
+        </p:nvSpPr>
+        <p:spPr/>
+        <p:txBody>
+          <a:bodyPr/>
+          <a:lstStyle/>
+          <a:p>
+            <a:r>
+              <a:rPr lang="en-IN" dirty="0"/>
+              <a:t>Process data and format values to present</a:t>
+            </a:r>
+          </a:p>
+          <a:p>
+            <a:r>
+              <a:rPr lang="en-IN" dirty="0"/>
+              <a:t>Applied on expressions in HTML</a:t>
+            </a:r>
+          </a:p>
+          <a:p>
+            <a:r>
+              <a:rPr lang="en-IN" dirty="0"/>
+              <a:t>Applied directly on data in our controllers and services</a:t>
+            </a:r>
+          </a:p>
+          <a:p>
+            <a:r>
+              <a:rPr lang="en-IN" dirty="0"/>
+              <a:t>Examples:</a:t>
+            </a:r>
+          </a:p>
+          <a:p>
+            <a:pPr lvl="1"/>
+            <a:r>
+              <a:rPr lang="en-IN" dirty="0"/>
+              <a:t>Format timestamp to readable date string</a:t>
+            </a:r>
+          </a:p>
+          <a:p>
+            <a:pPr lvl="1"/>
+            <a:r>
+              <a:rPr lang="en-IN" dirty="0"/>
+              <a:t>Add currency symbol on a number</a:t>
+            </a:r>
+            <a:endParaRPr lang="en-IN" dirty="0"/>
+          </a:p>
+        </p:txBody>
+      </p:sp>
+    </p:spTree>
+    <p:extLst>
+      <p:ext uri="{BB962C8B-B14F-4D97-AF65-F5344CB8AC3E}">
+        <p14:creationId xmlns:p14="http://schemas.microsoft.com/office/powerpoint/2010/main" val="760608519"/>
+      </p:ext>
+    </p:extLst>
+  </p:cSld>
+  <p:clrMapOvr>
+    <a:masterClrMapping/>
+  </p:clrMapOvr>
+</p:sld>
+</file>
+
+<file path=ppt/slides/slide45.xml><?xml version="1.0" encoding="utf-8"?>
+<p:sld xmlns:a="http://schemas.openxmlformats.org/drawingml/2006/main" xmlns:r="http://schemas.openxmlformats.org/officeDocument/2006/relationships" xmlns:p="http://schemas.openxmlformats.org/presentationml/2006/main">
+  <p:cSld>
+    <p:spTree>
+      <p:nvGrpSpPr>
+        <p:cNvPr id="1" name=""/>
+        <p:cNvGrpSpPr/>
+        <p:nvPr/>
+      </p:nvGrpSpPr>
+      <p:grpSpPr>
+        <a:xfrm>
+          <a:off x="0" y="0"/>
+          <a:ext cx="0" cy="0"/>
+          <a:chOff x="0" y="0"/>
+          <a:chExt cx="0" cy="0"/>
+        </a:xfrm>
+      </p:grpSpPr>
+      <p:pic>
+        <p:nvPicPr>
+          <p:cNvPr id="4" name="Content Placeholder 3"/>
+          <p:cNvPicPr>
+            <a:picLocks noGrp="1" noChangeAspect="1"/>
+          </p:cNvPicPr>
+          <p:nvPr>
+            <p:ph idx="1"/>
+          </p:nvPr>
+        </p:nvPicPr>
+        <p:blipFill>
+          <a:blip r:embed="rId2"/>
+          <a:stretch>
+            <a:fillRect/>
+          </a:stretch>
+        </p:blipFill>
+        <p:spPr>
+          <a:xfrm>
+            <a:off x="1442411" y="686140"/>
+            <a:ext cx="7940740" cy="5512089"/>
+          </a:xfrm>
+          <a:prstGeom prst="rect">
+            <a:avLst/>
+          </a:prstGeom>
+        </p:spPr>
+      </p:pic>
+    </p:spTree>
+    <p:extLst>
+      <p:ext uri="{BB962C8B-B14F-4D97-AF65-F5344CB8AC3E}">
+        <p14:creationId xmlns:p14="http://schemas.microsoft.com/office/powerpoint/2010/main" val="2220462194"/>
+      </p:ext>
+    </p:extLst>
+  </p:cSld>
+  <p:clrMapOvr>
+    <a:masterClrMapping/>
+  </p:clrMapOvr>
+</p:sld>
+</file>
+
+<file path=ppt/slides/slide46.xml><?xml version="1.0" encoding="utf-8"?>
+<p:sld xmlns:a="http://schemas.openxmlformats.org/drawingml/2006/main" xmlns:r="http://schemas.openxmlformats.org/officeDocument/2006/relationships" xmlns:p="http://schemas.openxmlformats.org/presentationml/2006/main">
+  <p:cSld>
+    <p:spTree>
+      <p:nvGrpSpPr>
+        <p:cNvPr id="1" name=""/>
+        <p:cNvGrpSpPr/>
+        <p:nvPr/>
+      </p:nvGrpSpPr>
+      <p:grpSpPr>
+        <a:xfrm>
+          <a:off x="0" y="0"/>
+          <a:ext cx="0" cy="0"/>
+          <a:chOff x="0" y="0"/>
+          <a:chExt cx="0" cy="0"/>
+        </a:xfrm>
+      </p:grpSpPr>
+      <p:sp>
+        <p:nvSpPr>
+          <p:cNvPr id="2" name="Title 1"/>
+          <p:cNvSpPr>
+            <a:spLocks noGrp="1"/>
+          </p:cNvSpPr>
+          <p:nvPr>
+            <p:ph type="title"/>
+          </p:nvPr>
+        </p:nvSpPr>
+        <p:spPr/>
+        <p:txBody>
+          <a:bodyPr/>
+          <a:lstStyle/>
+          <a:p>
+            <a:r>
+              <a:rPr lang="en-IN" sz="6600" b="1" dirty="0">
+                <a:effectLst>
+                  <a:outerShdw blurRad="38100" dist="38100" dir="2700000" algn="tl">
+                    <a:srgbClr val="000000">
+                      <a:alpha val="43137"/>
+                    </a:srgbClr>
+                  </a:outerShdw>
+                </a:effectLst>
+              </a:rPr>
+              <a:t>T</a:t>
+            </a:r>
+            <a:r>
+              <a:rPr lang="en-IN" b="1" dirty="0">
+                <a:effectLst>
+                  <a:outerShdw blurRad="38100" dist="38100" dir="2700000" algn="tl">
+                    <a:srgbClr val="000000">
+                      <a:alpha val="43137"/>
+                    </a:srgbClr>
+                  </a:outerShdw>
+                </a:effectLst>
+              </a:rPr>
+              <a:t>ask – 7	</a:t>
+            </a:r>
+          </a:p>
+        </p:txBody>
+      </p:sp>
+      <p:pic>
+        <p:nvPicPr>
+          <p:cNvPr id="6" name="Picture 5"/>
+          <p:cNvPicPr>
+            <a:picLocks noChangeAspect="1"/>
+          </p:cNvPicPr>
+          <p:nvPr/>
+        </p:nvPicPr>
+        <p:blipFill>
+          <a:blip r:embed="rId2">
+            <a:extLst>
+              <a:ext uri="{28A0092B-C50C-407E-A947-70E740481C1C}">
+                <a14:useLocalDpi xmlns:a14="http://schemas.microsoft.com/office/drawing/2010/main" val="0"/>
+              </a:ext>
+            </a:extLst>
+          </a:blip>
+          <a:stretch>
+            <a:fillRect/>
+          </a:stretch>
+        </p:blipFill>
+        <p:spPr>
+          <a:xfrm>
+            <a:off x="3002205" y="189181"/>
+            <a:ext cx="1274373" cy="1501507"/>
+          </a:xfrm>
+          <a:prstGeom prst="rect">
+            <a:avLst/>
+          </a:prstGeom>
+        </p:spPr>
+      </p:pic>
+      <p:sp>
+        <p:nvSpPr>
+          <p:cNvPr id="7" name="Content Placeholder 6"/>
+          <p:cNvSpPr>
+            <a:spLocks noGrp="1"/>
+          </p:cNvSpPr>
+          <p:nvPr>
+            <p:ph idx="1"/>
+          </p:nvPr>
+        </p:nvSpPr>
+        <p:spPr/>
+        <p:txBody>
+          <a:bodyPr/>
+          <a:lstStyle/>
+          <a:p>
+            <a:r>
+              <a:rPr lang="en-IN" dirty="0"/>
+              <a:t>Write a Angular Application </a:t>
+            </a:r>
+          </a:p>
+          <a:p>
+            <a:pPr lvl="1"/>
+            <a:r>
+              <a:rPr lang="en-IN" dirty="0"/>
+              <a:t>Use in-built filters and produce the below output</a:t>
+            </a:r>
+          </a:p>
+          <a:p>
+            <a:pPr marL="457200" lvl="1" indent="0">
+              <a:buNone/>
+            </a:pPr>
+            <a:r>
+              <a:rPr lang="en-IN" sz="2000" dirty="0"/>
+              <a:t>(you can write a web-service or see some examples with node.js to create demo restful web-service)</a:t>
+            </a:r>
+            <a:endParaRPr lang="en-IN" dirty="0"/>
+          </a:p>
+          <a:p>
+            <a:pPr lvl="1"/>
+            <a:endParaRPr lang="en-IN" dirty="0"/>
+          </a:p>
+        </p:txBody>
+      </p:sp>
+      <p:pic>
+        <p:nvPicPr>
+          <p:cNvPr id="3" name="Picture 2"/>
+          <p:cNvPicPr>
+            <a:picLocks noChangeAspect="1"/>
+          </p:cNvPicPr>
+          <p:nvPr/>
+        </p:nvPicPr>
+        <p:blipFill>
+          <a:blip r:embed="rId3"/>
+          <a:stretch>
+            <a:fillRect/>
+          </a:stretch>
+        </p:blipFill>
+        <p:spPr>
+          <a:xfrm>
+            <a:off x="1284756" y="3374333"/>
+            <a:ext cx="6911568" cy="2802629"/>
+          </a:xfrm>
+          <a:prstGeom prst="rect">
+            <a:avLst/>
+          </a:prstGeom>
+        </p:spPr>
+      </p:pic>
+    </p:spTree>
+    <p:extLst>
+      <p:ext uri="{BB962C8B-B14F-4D97-AF65-F5344CB8AC3E}">
+        <p14:creationId xmlns:p14="http://schemas.microsoft.com/office/powerpoint/2010/main" val="1527120731"/>
+      </p:ext>
+    </p:extLst>
+  </p:cSld>
+  <p:clrMapOvr>
+    <a:masterClrMapping/>
+  </p:clrMapOvr>
+</p:sld>
+</file>
+
+<file path=ppt/slides/slide47.xml><?xml version="1.0" encoding="utf-8"?>
+<p:sld xmlns:a="http://schemas.openxmlformats.org/drawingml/2006/main" xmlns:r="http://schemas.openxmlformats.org/officeDocument/2006/relationships" xmlns:p="http://schemas.openxmlformats.org/presentationml/2006/main">
+  <p:cSld>
+    <p:spTree>
+      <p:nvGrpSpPr>
+        <p:cNvPr id="1" name=""/>
+        <p:cNvGrpSpPr/>
+        <p:nvPr/>
+      </p:nvGrpSpPr>
+      <p:grpSpPr>
+        <a:xfrm>
+          <a:off x="0" y="0"/>
+          <a:ext cx="0" cy="0"/>
+          <a:chOff x="0" y="0"/>
+          <a:chExt cx="0" cy="0"/>
+        </a:xfrm>
+      </p:grpSpPr>
+      <p:sp>
+        <p:nvSpPr>
+          <p:cNvPr id="2" name="Title 1"/>
+          <p:cNvSpPr>
+            <a:spLocks noGrp="1"/>
+          </p:cNvSpPr>
+          <p:nvPr>
+            <p:ph type="title"/>
+          </p:nvPr>
+        </p:nvSpPr>
+        <p:spPr/>
+        <p:txBody>
+          <a:bodyPr/>
+          <a:lstStyle/>
+          <a:p>
+            <a:r>
+              <a:rPr lang="en-IN" sz="6600" b="1" dirty="0">
+                <a:effectLst>
+                  <a:outerShdw blurRad="38100" dist="38100" dir="2700000" algn="tl">
+                    <a:srgbClr val="000000">
+                      <a:alpha val="43137"/>
+                    </a:srgbClr>
+                  </a:outerShdw>
+                </a:effectLst>
+              </a:rPr>
+              <a:t>T</a:t>
+            </a:r>
+            <a:r>
+              <a:rPr lang="en-IN" b="1" dirty="0">
+                <a:effectLst>
+                  <a:outerShdw blurRad="38100" dist="38100" dir="2700000" algn="tl">
+                    <a:srgbClr val="000000">
+                      <a:alpha val="43137"/>
+                    </a:srgbClr>
+                  </a:outerShdw>
+                </a:effectLst>
+              </a:rPr>
+              <a:t>ask – 8	</a:t>
+            </a:r>
+          </a:p>
+        </p:txBody>
+      </p:sp>
+      <p:pic>
+        <p:nvPicPr>
+          <p:cNvPr id="6" name="Picture 5"/>
+          <p:cNvPicPr>
+            <a:picLocks noChangeAspect="1"/>
+          </p:cNvPicPr>
+          <p:nvPr/>
+        </p:nvPicPr>
+        <p:blipFill>
+          <a:blip r:embed="rId2">
+            <a:extLst>
+              <a:ext uri="{28A0092B-C50C-407E-A947-70E740481C1C}">
+                <a14:useLocalDpi xmlns:a14="http://schemas.microsoft.com/office/drawing/2010/main" val="0"/>
+              </a:ext>
+            </a:extLst>
+          </a:blip>
+          <a:stretch>
+            <a:fillRect/>
+          </a:stretch>
+        </p:blipFill>
+        <p:spPr>
+          <a:xfrm>
+            <a:off x="3002205" y="189181"/>
+            <a:ext cx="1274373" cy="1501507"/>
+          </a:xfrm>
+          <a:prstGeom prst="rect">
+            <a:avLst/>
+          </a:prstGeom>
+        </p:spPr>
+      </p:pic>
+      <p:sp>
+        <p:nvSpPr>
+          <p:cNvPr id="7" name="Content Placeholder 6"/>
+          <p:cNvSpPr>
+            <a:spLocks noGrp="1"/>
+          </p:cNvSpPr>
+          <p:nvPr>
+            <p:ph idx="1"/>
+          </p:nvPr>
+        </p:nvSpPr>
+        <p:spPr/>
+        <p:txBody>
+          <a:bodyPr/>
+          <a:lstStyle/>
+          <a:p>
+            <a:r>
+              <a:rPr lang="en-IN" dirty="0"/>
+              <a:t>Write a Angular Application and use below built-in filters</a:t>
+            </a:r>
+          </a:p>
+          <a:p>
+            <a:pPr lvl="1"/>
+            <a:r>
+              <a:rPr lang="en-IN" dirty="0" err="1"/>
+              <a:t>orderBy</a:t>
+            </a:r>
+            <a:endParaRPr lang="en-IN" dirty="0"/>
+          </a:p>
+          <a:p>
+            <a:pPr lvl="1"/>
+            <a:r>
+              <a:rPr lang="en-IN" dirty="0"/>
+              <a:t>filter </a:t>
+            </a:r>
+          </a:p>
+          <a:p>
+            <a:pPr lvl="1"/>
+            <a:r>
+              <a:rPr lang="en-IN" dirty="0" err="1"/>
+              <a:t>json</a:t>
+            </a:r>
+            <a:endParaRPr lang="en-IN" dirty="0"/>
+          </a:p>
+          <a:p>
+            <a:pPr lvl="1"/>
+            <a:r>
+              <a:rPr lang="en-IN" dirty="0" err="1"/>
+              <a:t>limitTo</a:t>
+            </a:r>
+            <a:endParaRPr lang="en-IN" dirty="0"/>
+          </a:p>
+          <a:p>
+            <a:pPr lvl="1"/>
+            <a:endParaRPr lang="en-IN" dirty="0"/>
+          </a:p>
+        </p:txBody>
+      </p:sp>
+    </p:spTree>
+    <p:extLst>
+      <p:ext uri="{BB962C8B-B14F-4D97-AF65-F5344CB8AC3E}">
+        <p14:creationId xmlns:p14="http://schemas.microsoft.com/office/powerpoint/2010/main" val="3168992442"/>
+      </p:ext>
+    </p:extLst>
+  </p:cSld>
+  <p:clrMapOvr>
+    <a:masterClrMapping/>
+  </p:clrMapOvr>
+</p:sld>
+</file>
+
+<file path=ppt/slides/slide48.xml><?xml version="1.0" encoding="utf-8"?>
+<p:sld xmlns:a="http://schemas.openxmlformats.org/drawingml/2006/main" xmlns:r="http://schemas.openxmlformats.org/officeDocument/2006/relationships" xmlns:p="http://schemas.openxmlformats.org/presentationml/2006/main">
+  <p:cSld>
+    <p:spTree>
+      <p:nvGrpSpPr>
+        <p:cNvPr id="1" name=""/>
+        <p:cNvGrpSpPr/>
+        <p:nvPr/>
+      </p:nvGrpSpPr>
+      <p:grpSpPr>
+        <a:xfrm>
+          <a:off x="0" y="0"/>
+          <a:ext cx="0" cy="0"/>
+          <a:chOff x="0" y="0"/>
+          <a:chExt cx="0" cy="0"/>
+        </a:xfrm>
+      </p:grpSpPr>
+      <p:sp>
+        <p:nvSpPr>
+          <p:cNvPr id="2" name="Title 1"/>
+          <p:cNvSpPr>
+            <a:spLocks noGrp="1"/>
+          </p:cNvSpPr>
+          <p:nvPr>
+            <p:ph type="title"/>
+          </p:nvPr>
+        </p:nvSpPr>
+        <p:spPr/>
+        <p:txBody>
+          <a:bodyPr/>
+          <a:lstStyle/>
+          <a:p>
+            <a:r>
+              <a:rPr lang="en-IN" b="1" dirty="0">
+                <a:effectLst>
+                  <a:outerShdw blurRad="38100" dist="38100" dir="2700000" algn="tl">
+                    <a:srgbClr val="000000">
+                      <a:alpha val="43137"/>
+                    </a:srgbClr>
+                  </a:outerShdw>
+                </a:effectLst>
+              </a:rPr>
+              <a:t>Custom Filters</a:t>
+            </a:r>
+            <a:endParaRPr lang="en-IN" b="1" dirty="0">
+              <a:effectLst>
+                <a:outerShdw blurRad="38100" dist="38100" dir="2700000" algn="tl">
+                  <a:srgbClr val="000000">
+                    <a:alpha val="43137"/>
+                  </a:srgbClr>
+                </a:outerShdw>
+              </a:effectLst>
+            </a:endParaRPr>
+          </a:p>
+        </p:txBody>
+      </p:sp>
+      <p:pic>
+        <p:nvPicPr>
+          <p:cNvPr id="4" name="Content Placeholder 3"/>
+          <p:cNvPicPr>
+            <a:picLocks noGrp="1" noChangeAspect="1"/>
+          </p:cNvPicPr>
+          <p:nvPr>
+            <p:ph idx="1"/>
+          </p:nvPr>
+        </p:nvPicPr>
+        <p:blipFill rotWithShape="1">
+          <a:blip r:embed="rId2">
+            <a:extLst>
+              <a:ext uri="{28A0092B-C50C-407E-A947-70E740481C1C}">
+                <a14:useLocalDpi xmlns:a14="http://schemas.microsoft.com/office/drawing/2010/main" val="0"/>
+              </a:ext>
+            </a:extLst>
+          </a:blip>
+          <a:srcRect b="22396"/>
+          <a:stretch/>
+        </p:blipFill>
+        <p:spPr>
+          <a:xfrm rot="353096">
+            <a:off x="631137" y="2454026"/>
+            <a:ext cx="10161498" cy="1871188"/>
+          </a:xfrm>
+          <a:prstGeom prst="roundRect">
+            <a:avLst>
+              <a:gd name="adj" fmla="val 20348"/>
+            </a:avLst>
+          </a:prstGeom>
+          <a:ln>
+            <a:noFill/>
+          </a:ln>
+          <a:effectLst>
+            <a:outerShdw blurRad="152400" dist="12000" dir="900000" sy="98000" kx="110000" ky="200000" algn="tl" rotWithShape="0">
+              <a:srgbClr val="000000">
+                <a:alpha val="30000"/>
+              </a:srgbClr>
+            </a:outerShdw>
+          </a:effectLst>
+          <a:scene3d>
+            <a:camera prst="perspectiveRelaxed">
+              <a:rot lat="19800000" lon="1200000" rev="20820000"/>
+            </a:camera>
+            <a:lightRig rig="threePt" dir="t"/>
+          </a:scene3d>
+          <a:sp3d contourW="6350" prstMaterial="matte">
+            <a:bevelT w="101600" h="101600"/>
+            <a:contourClr>
+              <a:srgbClr val="969696"/>
+            </a:contourClr>
+          </a:sp3d>
+        </p:spPr>
+      </p:pic>
+    </p:spTree>
+    <p:extLst>
+      <p:ext uri="{BB962C8B-B14F-4D97-AF65-F5344CB8AC3E}">
+        <p14:creationId xmlns:p14="http://schemas.microsoft.com/office/powerpoint/2010/main" val="3623447914"/>
+      </p:ext>
+    </p:extLst>
+  </p:cSld>
+  <p:clrMapOvr>
+    <a:masterClrMapping/>
+  </p:clrMapOvr>
+</p:sld>
+</file>
+
+<file path=ppt/slides/slide49.xml><?xml version="1.0" encoding="utf-8"?>
+<p:sld xmlns:a="http://schemas.openxmlformats.org/drawingml/2006/main" xmlns:r="http://schemas.openxmlformats.org/officeDocument/2006/relationships" xmlns:p="http://schemas.openxmlformats.org/presentationml/2006/main">
+  <p:cSld>
+    <p:spTree>
+      <p:nvGrpSpPr>
+        <p:cNvPr id="1" name=""/>
+        <p:cNvGrpSpPr/>
+        <p:nvPr/>
+      </p:nvGrpSpPr>
+      <p:grpSpPr>
+        <a:xfrm>
+          <a:off x="0" y="0"/>
+          <a:ext cx="0" cy="0"/>
+          <a:chOff x="0" y="0"/>
+          <a:chExt cx="0" cy="0"/>
+        </a:xfrm>
+      </p:grpSpPr>
+      <p:sp>
+        <p:nvSpPr>
+          <p:cNvPr id="2" name="Title 1"/>
+          <p:cNvSpPr>
+            <a:spLocks noGrp="1"/>
+          </p:cNvSpPr>
+          <p:nvPr>
+            <p:ph type="title"/>
+          </p:nvPr>
+        </p:nvSpPr>
+        <p:spPr/>
+        <p:txBody>
+          <a:bodyPr/>
+          <a:lstStyle/>
+          <a:p>
+            <a:r>
+              <a:rPr lang="en-IN" sz="6600" b="1" dirty="0">
+                <a:effectLst>
+                  <a:outerShdw blurRad="38100" dist="38100" dir="2700000" algn="tl">
+                    <a:srgbClr val="000000">
+                      <a:alpha val="43137"/>
+                    </a:srgbClr>
+                  </a:outerShdw>
+                </a:effectLst>
+              </a:rPr>
+              <a:t>T</a:t>
+            </a:r>
+            <a:r>
+              <a:rPr lang="en-IN" b="1" dirty="0">
+                <a:effectLst>
+                  <a:outerShdw blurRad="38100" dist="38100" dir="2700000" algn="tl">
+                    <a:srgbClr val="000000">
+                      <a:alpha val="43137"/>
+                    </a:srgbClr>
+                  </a:outerShdw>
+                </a:effectLst>
+              </a:rPr>
+              <a:t>ask – 8	</a:t>
+            </a:r>
+          </a:p>
+        </p:txBody>
+      </p:sp>
+      <p:pic>
+        <p:nvPicPr>
+          <p:cNvPr id="6" name="Picture 5"/>
+          <p:cNvPicPr>
+            <a:picLocks noChangeAspect="1"/>
+          </p:cNvPicPr>
+          <p:nvPr/>
+        </p:nvPicPr>
+        <p:blipFill>
+          <a:blip r:embed="rId2">
+            <a:extLst>
+              <a:ext uri="{28A0092B-C50C-407E-A947-70E740481C1C}">
+                <a14:useLocalDpi xmlns:a14="http://schemas.microsoft.com/office/drawing/2010/main" val="0"/>
+              </a:ext>
+            </a:extLst>
+          </a:blip>
+          <a:stretch>
+            <a:fillRect/>
+          </a:stretch>
+        </p:blipFill>
+        <p:spPr>
+          <a:xfrm>
+            <a:off x="3002205" y="189181"/>
+            <a:ext cx="1274373" cy="1501507"/>
+          </a:xfrm>
+          <a:prstGeom prst="rect">
+            <a:avLst/>
+          </a:prstGeom>
+        </p:spPr>
+      </p:pic>
+      <p:sp>
+        <p:nvSpPr>
+          <p:cNvPr id="7" name="Content Placeholder 6"/>
+          <p:cNvSpPr>
+            <a:spLocks noGrp="1"/>
+          </p:cNvSpPr>
+          <p:nvPr>
+            <p:ph idx="1"/>
+          </p:nvPr>
+        </p:nvSpPr>
+        <p:spPr/>
+        <p:txBody>
+          <a:bodyPr/>
+          <a:lstStyle/>
+          <a:p>
+            <a:r>
+              <a:rPr lang="en-IN" dirty="0"/>
+              <a:t>Write a custom filter which accepts a string value and prints every alternate character in lower case preceding to a upper case character.</a:t>
+            </a:r>
+          </a:p>
+          <a:p>
+            <a:pPr lvl="1"/>
+            <a:endParaRPr lang="en-IN" dirty="0"/>
+          </a:p>
+        </p:txBody>
+      </p:sp>
+      <p:sp>
+        <p:nvSpPr>
+          <p:cNvPr id="3" name="Rectangle: Rounded Corners 2"/>
+          <p:cNvSpPr/>
+          <p:nvPr/>
+        </p:nvSpPr>
+        <p:spPr>
+          <a:xfrm>
+            <a:off x="1125416" y="3691805"/>
+            <a:ext cx="5655212" cy="1105278"/>
+          </a:xfrm>
+          <a:prstGeom prst="roundRect">
+            <a:avLst/>
+          </a:prstGeom>
+          <a:solidFill>
+            <a:schemeClr val="accent4">
+              <a:lumMod val="20000"/>
+              <a:lumOff val="80000"/>
+            </a:schemeClr>
+          </a:solidFill>
+        </p:spPr>
+        <p:style>
+          <a:lnRef idx="2">
+            <a:schemeClr val="accent1">
+              <a:shade val="50000"/>
+            </a:schemeClr>
+          </a:lnRef>
+          <a:fillRef idx="1">
+            <a:schemeClr val="accent1"/>
+          </a:fillRef>
+          <a:effectRef idx="0">
+            <a:schemeClr val="accent1"/>
+          </a:effectRef>
+          <a:fontRef idx="minor">
+            <a:schemeClr val="lt1"/>
+          </a:fontRef>
+        </p:style>
+        <p:txBody>
+          <a:bodyPr rtlCol="0" anchor="ctr"/>
+          <a:lstStyle/>
+          <a:p>
+            <a:r>
+              <a:rPr lang="en-IN" sz="2000" b="1" dirty="0">
+                <a:solidFill>
+                  <a:schemeClr val="tx1">
+                    <a:lumMod val="65000"/>
+                    <a:lumOff val="35000"/>
+                  </a:schemeClr>
+                </a:solidFill>
+              </a:rPr>
+              <a:t>Test cases:</a:t>
+            </a:r>
+          </a:p>
+          <a:p>
+            <a:pPr algn="ctr"/>
+            <a:r>
+              <a:rPr lang="en-IN" sz="2000" dirty="0">
+                <a:solidFill>
+                  <a:schemeClr val="tx1">
+                    <a:lumMod val="65000"/>
+                    <a:lumOff val="35000"/>
+                  </a:schemeClr>
+                </a:solidFill>
+              </a:rPr>
+              <a:t>Input: AngularJS		</a:t>
+            </a:r>
+            <a:r>
+              <a:rPr lang="en-IN" sz="2000" dirty="0" err="1">
+                <a:solidFill>
+                  <a:schemeClr val="tx1">
+                    <a:lumMod val="65000"/>
+                    <a:lumOff val="35000"/>
+                  </a:schemeClr>
+                </a:solidFill>
+              </a:rPr>
+              <a:t>output:AnGuLaRjS</a:t>
+            </a:r>
+            <a:endParaRPr lang="en-IN" sz="2000" dirty="0">
+              <a:solidFill>
+                <a:schemeClr val="tx1">
+                  <a:lumMod val="65000"/>
+                  <a:lumOff val="35000"/>
+                </a:schemeClr>
+              </a:solidFill>
+            </a:endParaRPr>
+          </a:p>
+        </p:txBody>
+      </p:sp>
+    </p:spTree>
+    <p:extLst>
+      <p:ext uri="{BB962C8B-B14F-4D97-AF65-F5344CB8AC3E}">
+        <p14:creationId xmlns:p14="http://schemas.microsoft.com/office/powerpoint/2010/main" val="2852344285"/>
+      </p:ext>
+    </p:extLst>
+  </p:cSld>
+  <p:clrMapOvr>
+    <a:masterClrMapping/>
+  </p:clrMapOvr>
+</p:sld>
+</file>
+
 <file path=ppt/slides/slide5.xml><?xml version="1.0" encoding="utf-8"?>
 <p:sld xmlns:a="http://schemas.openxmlformats.org/drawingml/2006/main" xmlns:r="http://schemas.openxmlformats.org/officeDocument/2006/relationships" xmlns:p="http://schemas.openxmlformats.org/presentationml/2006/main">
   <p:cSld>
@@ -7240,6 +9537,18 @@
           <a:lstStyle/>
           <a:p>
             <a:r>
+              <a:rPr lang="en-IN" sz="6600" b="1" dirty="0">
+                <a:effectLst>
+                  <a:outerShdw blurRad="38100" dist="38100" dir="2700000" algn="tl">
+                    <a:srgbClr val="000000">
+                      <a:alpha val="43137"/>
+                    </a:srgbClr>
+                  </a:outerShdw>
+                </a:effectLst>
+              </a:rPr>
+              <a:t>T</a:t>
+            </a:r>
+            <a:r>
               <a:rPr lang="en-IN" b="1" dirty="0">
                 <a:effectLst>
                   <a:outerShdw blurRad="38100" dist="38100" dir="2700000" algn="tl">
@@ -7249,12 +9558,122 @@
                   </a:outerShdw>
                 </a:effectLst>
               </a:rPr>
-              <a:t>AngularJS</a:t>
-            </a:r>
-            <a:r>
-              <a:rPr lang="en-IN" dirty="0"/>
-              <a:t> </a:t>
-            </a:r>
+              <a:t>ask – 1	</a:t>
+            </a:r>
+          </a:p>
+        </p:txBody>
+      </p:sp>
+      <p:pic>
+        <p:nvPicPr>
+          <p:cNvPr id="6" name="Picture 5"/>
+          <p:cNvPicPr>
+            <a:picLocks noChangeAspect="1"/>
+          </p:cNvPicPr>
+          <p:nvPr/>
+        </p:nvPicPr>
+        <p:blipFill>
+          <a:blip r:embed="rId2">
+            <a:extLst>
+              <a:ext uri="{28A0092B-C50C-407E-A947-70E740481C1C}">
+                <a14:useLocalDpi xmlns:a14="http://schemas.microsoft.com/office/drawing/2010/main" val="0"/>
+              </a:ext>
+            </a:extLst>
+          </a:blip>
+          <a:stretch>
+            <a:fillRect/>
+          </a:stretch>
+        </p:blipFill>
+        <p:spPr>
+          <a:xfrm>
+            <a:off x="2988138" y="189181"/>
+            <a:ext cx="1274373" cy="1501507"/>
+          </a:xfrm>
+          <a:prstGeom prst="rect">
+            <a:avLst/>
+          </a:prstGeom>
+        </p:spPr>
+      </p:pic>
+      <p:sp>
+        <p:nvSpPr>
+          <p:cNvPr id="7" name="Content Placeholder 6"/>
+          <p:cNvSpPr>
+            <a:spLocks noGrp="1"/>
+          </p:cNvSpPr>
+          <p:nvPr>
+            <p:ph idx="1"/>
+          </p:nvPr>
+        </p:nvSpPr>
+        <p:spPr/>
+        <p:txBody>
+          <a:bodyPr/>
+          <a:lstStyle/>
+          <a:p>
+            <a:r>
+              <a:rPr lang="en-IN" dirty="0"/>
+              <a:t>Write a Angular Application which prints the value of below expressions:</a:t>
+            </a:r>
+          </a:p>
+          <a:p>
+            <a:pPr lvl="1"/>
+            <a:r>
+              <a:rPr lang="en-IN" dirty="0"/>
+              <a:t>5 *5 + 2*2</a:t>
+            </a:r>
+          </a:p>
+          <a:p>
+            <a:pPr lvl="1"/>
+            <a:r>
+              <a:rPr lang="en-IN" dirty="0"/>
+              <a:t>10/5*2-100</a:t>
+            </a:r>
+          </a:p>
+        </p:txBody>
+      </p:sp>
+    </p:spTree>
+    <p:extLst>
+      <p:ext uri="{BB962C8B-B14F-4D97-AF65-F5344CB8AC3E}">
+        <p14:creationId xmlns:p14="http://schemas.microsoft.com/office/powerpoint/2010/main" val="2061621211"/>
+      </p:ext>
+    </p:extLst>
+  </p:cSld>
+  <p:clrMapOvr>
+    <a:masterClrMapping/>
+  </p:clrMapOvr>
+</p:sld>
+</file>
+
+<file path=ppt/slides/slide50.xml><?xml version="1.0" encoding="utf-8"?>
+<p:sld xmlns:a="http://schemas.openxmlformats.org/drawingml/2006/main" xmlns:r="http://schemas.openxmlformats.org/officeDocument/2006/relationships" xmlns:p="http://schemas.openxmlformats.org/presentationml/2006/main">
+  <p:cSld>
+    <p:spTree>
+      <p:nvGrpSpPr>
+        <p:cNvPr id="1" name=""/>
+        <p:cNvGrpSpPr/>
+        <p:nvPr/>
+      </p:nvGrpSpPr>
+      <p:grpSpPr>
+        <a:xfrm>
+          <a:off x="0" y="0"/>
+          <a:ext cx="0" cy="0"/>
+          <a:chOff x="0" y="0"/>
+          <a:chExt cx="0" cy="0"/>
+        </a:xfrm>
+      </p:grpSpPr>
+      <p:sp>
+        <p:nvSpPr>
+          <p:cNvPr id="2" name="Title 1"/>
+          <p:cNvSpPr>
+            <a:spLocks noGrp="1"/>
+          </p:cNvSpPr>
+          <p:nvPr>
+            <p:ph type="title"/>
+          </p:nvPr>
+        </p:nvSpPr>
+        <p:spPr/>
+        <p:txBody>
+          <a:bodyPr/>
+          <a:lstStyle/>
+          <a:p>
             <a:r>
               <a:rPr lang="en-IN" b="1" dirty="0">
                 <a:effectLst>
@@ -7265,73 +9684,167 @@
                   </a:outerShdw>
                 </a:effectLst>
               </a:rPr>
-              <a:t>Directives</a:t>
-            </a:r>
-          </a:p>
-        </p:txBody>
-      </p:sp>
-      <p:sp>
-        <p:nvSpPr>
-          <p:cNvPr id="3" name="Content Placeholder 2"/>
-          <p:cNvSpPr>
-            <a:spLocks noGrp="1"/>
-          </p:cNvSpPr>
+              <a:t>Filters in controllers</a:t>
+            </a:r>
+            <a:endParaRPr lang="en-IN" b="1" dirty="0">
+              <a:effectLst>
+                <a:outerShdw blurRad="38100" dist="38100" dir="2700000" algn="tl">
+                  <a:srgbClr val="000000">
+                    <a:alpha val="43137"/>
+                  </a:srgbClr>
+                </a:outerShdw>
+              </a:effectLst>
+            </a:endParaRPr>
+          </a:p>
+        </p:txBody>
+      </p:sp>
+      <p:pic>
+        <p:nvPicPr>
+          <p:cNvPr id="4" name="Content Placeholder 3"/>
+          <p:cNvPicPr>
+            <a:picLocks noGrp="1" noChangeAspect="1"/>
+          </p:cNvPicPr>
           <p:nvPr>
             <p:ph idx="1"/>
           </p:nvPr>
-        </p:nvSpPr>
-        <p:spPr/>
-        <p:txBody>
-          <a:bodyPr/>
-          <a:lstStyle/>
-          <a:p>
-            <a:r>
-              <a:rPr lang="en-IN" dirty="0"/>
-              <a:t>Markers on DOM elements (such as elements, attributes, </a:t>
-            </a:r>
-            <a:r>
-              <a:rPr lang="en-IN" dirty="0" err="1"/>
-              <a:t>css</a:t>
-            </a:r>
-            <a:r>
-              <a:rPr lang="en-IN" dirty="0"/>
-              <a:t>, and more). </a:t>
-            </a:r>
-          </a:p>
-          <a:p>
-            <a:r>
-              <a:rPr lang="en-IN" dirty="0"/>
-              <a:t>Used to create custom HTML tags that serve as new, custom widgets.</a:t>
-            </a:r>
-          </a:p>
-          <a:p>
-            <a:r>
-              <a:rPr lang="en-IN" dirty="0"/>
-              <a:t>AngularJS has built-in directives (</a:t>
-            </a:r>
-            <a:r>
-              <a:rPr lang="en-IN" dirty="0" err="1"/>
-              <a:t>ngBind</a:t>
-            </a:r>
-            <a:r>
-              <a:rPr lang="en-IN" dirty="0"/>
-              <a:t>, </a:t>
-            </a:r>
-            <a:r>
-              <a:rPr lang="en-IN" dirty="0" err="1"/>
-              <a:t>ngModel</a:t>
-            </a:r>
-            <a:r>
-              <a:rPr lang="en-IN" dirty="0"/>
-              <a:t>...)</a:t>
-            </a:r>
-          </a:p>
-        </p:txBody>
-      </p:sp>
+        </p:nvPicPr>
+        <p:blipFill rotWithShape="1">
+          <a:blip r:embed="rId2">
+            <a:extLst>
+              <a:ext uri="{28A0092B-C50C-407E-A947-70E740481C1C}">
+                <a14:useLocalDpi xmlns:a14="http://schemas.microsoft.com/office/drawing/2010/main" val="0"/>
+              </a:ext>
+            </a:extLst>
+          </a:blip>
+          <a:srcRect b="22396"/>
+          <a:stretch/>
+        </p:blipFill>
+        <p:spPr>
+          <a:xfrm rot="353096">
+            <a:off x="631137" y="2454026"/>
+            <a:ext cx="10161498" cy="1871188"/>
+          </a:xfrm>
+          <a:prstGeom prst="roundRect">
+            <a:avLst>
+              <a:gd name="adj" fmla="val 20348"/>
+            </a:avLst>
+          </a:prstGeom>
+          <a:ln>
+            <a:noFill/>
+          </a:ln>
+          <a:effectLst>
+            <a:outerShdw blurRad="152400" dist="12000" dir="900000" sy="98000" kx="110000" ky="200000" algn="tl" rotWithShape="0">
+              <a:srgbClr val="000000">
+                <a:alpha val="30000"/>
+              </a:srgbClr>
+            </a:outerShdw>
+          </a:effectLst>
+          <a:scene3d>
+            <a:camera prst="perspectiveRelaxed">
+              <a:rot lat="19800000" lon="1200000" rev="20820000"/>
+            </a:camera>
+            <a:lightRig rig="threePt" dir="t"/>
+          </a:scene3d>
+          <a:sp3d contourW="6350" prstMaterial="matte">
+            <a:bevelT w="101600" h="101600"/>
+            <a:contourClr>
+              <a:srgbClr val="969696"/>
+            </a:contourClr>
+          </a:sp3d>
+        </p:spPr>
+      </p:pic>
     </p:spTree>
     <p:extLst>
       <p:ext uri="{BB962C8B-B14F-4D97-AF65-F5344CB8AC3E}">
-        <p14:creationId xmlns:p14="http://schemas.microsoft.com/office/powerpoint/2010/main" val="2429148548"/>
+        <p14:creationId xmlns:p14="http://schemas.microsoft.com/office/powerpoint/2010/main" val="1312236756"/>
+      </p:ext>
+    </p:extLst>
+  </p:cSld>
+  <p:clrMapOvr>
+    <a:masterClrMapping/>
+  </p:clrMapOvr>
+</p:sld>
+</file>
+
+<file path=ppt/slides/slide51.xml><?xml version="1.0" encoding="utf-8"?>
+<p:sld xmlns:a="http://schemas.openxmlformats.org/drawingml/2006/main" xmlns:r="http://schemas.openxmlformats.org/officeDocument/2006/relationships" xmlns:p="http://schemas.openxmlformats.org/presentationml/2006/main">
+  <p:cSld>
+    <p:spTree>
+      <p:nvGrpSpPr>
+        <p:cNvPr id="1" name=""/>
+        <p:cNvGrpSpPr/>
+        <p:nvPr/>
+      </p:nvGrpSpPr>
+      <p:grpSpPr>
+        <a:xfrm>
+          <a:off x="0" y="0"/>
+          <a:ext cx="0" cy="0"/>
+          <a:chOff x="0" y="0"/>
+          <a:chExt cx="0" cy="0"/>
+        </a:xfrm>
+      </p:grpSpPr>
+      <p:sp>
+        <p:nvSpPr>
+          <p:cNvPr id="2" name="Title 1"/>
+          <p:cNvSpPr>
+            <a:spLocks noGrp="1"/>
+          </p:cNvSpPr>
+          <p:nvPr>
+            <p:ph type="title"/>
+          </p:nvPr>
+        </p:nvSpPr>
+        <p:spPr/>
+        <p:txBody>
+          <a:bodyPr/>
+          <a:lstStyle/>
+          <a:p>
+            <a:r>
+              <a:rPr lang="en-IN" b="1" dirty="0">
+                <a:effectLst>
+                  <a:outerShdw blurRad="38100" dist="38100" dir="2700000" algn="tl">
+                    <a:srgbClr val="000000">
+                      <a:alpha val="43137"/>
+                    </a:srgbClr>
+                  </a:outerShdw>
+                </a:effectLst>
+              </a:rPr>
+              <a:t>Routing</a:t>
+            </a:r>
+            <a:endParaRPr lang="en-IN" b="1" dirty="0">
+              <a:effectLst>
+                <a:outerShdw blurRad="38100" dist="38100" dir="2700000" algn="tl">
+                  <a:srgbClr val="000000">
+                    <a:alpha val="43137"/>
+                  </a:srgbClr>
+                </a:outerShdw>
+              </a:effectLst>
+            </a:endParaRPr>
+          </a:p>
+        </p:txBody>
+      </p:sp>
+      <p:sp>
+        <p:nvSpPr>
+          <p:cNvPr id="3" name="Content Placeholder 2"/>
+          <p:cNvSpPr>
+            <a:spLocks noGrp="1"/>
+          </p:cNvSpPr>
+          <p:nvPr>
+            <p:ph idx="1"/>
+          </p:nvPr>
+        </p:nvSpPr>
+        <p:spPr/>
+        <p:txBody>
+          <a:bodyPr/>
+          <a:lstStyle/>
+          <a:p>
+            <a:endParaRPr lang="en-IN" dirty="0"/>
+          </a:p>
+        </p:txBody>
+      </p:sp>
+    </p:spTree>
+    <p:extLst>
+      <p:ext uri="{BB962C8B-B14F-4D97-AF65-F5344CB8AC3E}">
+        <p14:creationId xmlns:p14="http://schemas.microsoft.com/office/powerpoint/2010/main" val="3938228662"/>
       </p:ext>
     </p:extLst>
   </p:cSld>
@@ -7374,6 +9887,140 @@
           <a:lstStyle/>
           <a:p>
             <a:r>
+              <a:rPr lang="en-IN" b="1" dirty="0">
+                <a:effectLst>
+                  <a:outerShdw blurRad="38100" dist="38100" dir="2700000" algn="tl">
+                    <a:srgbClr val="000000">
+                      <a:alpha val="43137"/>
+                    </a:srgbClr>
+                  </a:outerShdw>
+                </a:effectLst>
+              </a:rPr>
+              <a:t>AngularJS</a:t>
+            </a:r>
+            <a:r>
+              <a:rPr lang="en-IN" dirty="0"/>
+              <a:t> </a:t>
+            </a:r>
+            <a:r>
+              <a:rPr lang="en-IN" b="1" dirty="0">
+                <a:effectLst>
+                  <a:outerShdw blurRad="38100" dist="38100" dir="2700000" algn="tl">
+                    <a:srgbClr val="000000">
+                      <a:alpha val="43137"/>
+                    </a:srgbClr>
+                  </a:outerShdw>
+                </a:effectLst>
+              </a:rPr>
+              <a:t>Directives</a:t>
+            </a:r>
+          </a:p>
+        </p:txBody>
+      </p:sp>
+      <p:sp>
+        <p:nvSpPr>
+          <p:cNvPr id="3" name="Content Placeholder 2"/>
+          <p:cNvSpPr>
+            <a:spLocks noGrp="1"/>
+          </p:cNvSpPr>
+          <p:nvPr>
+            <p:ph idx="1"/>
+          </p:nvPr>
+        </p:nvSpPr>
+        <p:spPr/>
+        <p:txBody>
+          <a:bodyPr/>
+          <a:lstStyle/>
+          <a:p>
+            <a:r>
+              <a:rPr lang="en-IN" dirty="0"/>
+              <a:t>Markers on DOM elements (such as elements, attributes, </a:t>
+            </a:r>
+            <a:r>
+              <a:rPr lang="en-IN" dirty="0" err="1"/>
+              <a:t>css</a:t>
+            </a:r>
+            <a:r>
+              <a:rPr lang="en-IN" dirty="0"/>
+              <a:t>, and more). </a:t>
+            </a:r>
+          </a:p>
+          <a:p>
+            <a:r>
+              <a:rPr lang="en-IN" dirty="0"/>
+              <a:t>Used to create custom HTML tags that serve as new, custom widgets.</a:t>
+            </a:r>
+          </a:p>
+          <a:p>
+            <a:r>
+              <a:rPr lang="en-IN" dirty="0"/>
+              <a:t>AngularJS has built-in directives (</a:t>
+            </a:r>
+            <a:r>
+              <a:rPr lang="en-IN" dirty="0" err="1"/>
+              <a:t>ngBind</a:t>
+            </a:r>
+            <a:r>
+              <a:rPr lang="en-IN" dirty="0"/>
+              <a:t>, </a:t>
+            </a:r>
+            <a:r>
+              <a:rPr lang="en-IN" dirty="0" err="1"/>
+              <a:t>ngModel</a:t>
+            </a:r>
+            <a:r>
+              <a:rPr lang="en-IN" dirty="0"/>
+              <a:t>...)</a:t>
+            </a:r>
+          </a:p>
+        </p:txBody>
+      </p:sp>
+    </p:spTree>
+    <p:extLst>
+      <p:ext uri="{BB962C8B-B14F-4D97-AF65-F5344CB8AC3E}">
+        <p14:creationId xmlns:p14="http://schemas.microsoft.com/office/powerpoint/2010/main" val="2429148548"/>
+      </p:ext>
+    </p:extLst>
+  </p:cSld>
+  <p:clrMapOvr>
+    <a:masterClrMapping/>
+  </p:clrMapOvr>
+</p:sld>
+</file>
+
+<file path=ppt/slides/slide7.xml><?xml version="1.0" encoding="utf-8"?>
+<p:sld xmlns:a="http://schemas.openxmlformats.org/drawingml/2006/main" xmlns:r="http://schemas.openxmlformats.org/officeDocument/2006/relationships" xmlns:p="http://schemas.openxmlformats.org/presentationml/2006/main">
+  <p:cSld>
+    <p:spTree>
+      <p:nvGrpSpPr>
+        <p:cNvPr id="1" name=""/>
+        <p:cNvGrpSpPr/>
+        <p:nvPr/>
+      </p:nvGrpSpPr>
+      <p:grpSpPr>
+        <a:xfrm>
+          <a:off x="0" y="0"/>
+          <a:ext cx="0" cy="0"/>
+          <a:chOff x="0" y="0"/>
+          <a:chExt cx="0" cy="0"/>
+        </a:xfrm>
+      </p:grpSpPr>
+      <p:sp>
+        <p:nvSpPr>
+          <p:cNvPr id="2" name="Title 1"/>
+          <p:cNvSpPr>
+            <a:spLocks noGrp="1"/>
+          </p:cNvSpPr>
+          <p:nvPr>
+            <p:ph type="title"/>
+          </p:nvPr>
+        </p:nvSpPr>
+        <p:spPr/>
+        <p:txBody>
+          <a:bodyPr/>
+          <a:lstStyle/>
+          <a:p>
+            <a:r>
               <a:rPr lang="en-IN" sz="2000" b="1" dirty="0"/>
               <a:t>directive</a:t>
             </a:r>
@@ -7457,7 +10104,7 @@
 </p:sld>
 </file>
 
-<file path=ppt/slides/slide7.xml><?xml version="1.0" encoding="utf-8"?>
+<file path=ppt/slides/slide8.xml><?xml version="1.0" encoding="utf-8"?>
 <p:sld xmlns:a="http://schemas.openxmlformats.org/drawingml/2006/main" xmlns:r="http://schemas.openxmlformats.org/officeDocument/2006/relationships" xmlns:p="http://schemas.openxmlformats.org/presentationml/2006/main">
   <p:cSld>
     <p:spTree>
@@ -7560,120 +10207,6 @@
 </p:sld>
 </file>
 
-<file path=ppt/slides/slide8.xml><?xml version="1.0" encoding="utf-8"?>
-<p:sld xmlns:a="http://schemas.openxmlformats.org/drawingml/2006/main" xmlns:r="http://schemas.openxmlformats.org/officeDocument/2006/relationships" xmlns:p="http://schemas.openxmlformats.org/presentationml/2006/main">
-  <p:cSld>
-    <p:spTree>
-      <p:nvGrpSpPr>
-        <p:cNvPr id="1" name=""/>
-        <p:cNvGrpSpPr/>
-        <p:nvPr/>
-      </p:nvGrpSpPr>
-      <p:grpSpPr>
-        <a:xfrm>
-          <a:off x="0" y="0"/>
-          <a:ext cx="0" cy="0"/>
-          <a:chOff x="0" y="0"/>
-          <a:chExt cx="0" cy="0"/>
-        </a:xfrm>
-      </p:grpSpPr>
-      <p:sp>
-        <p:nvSpPr>
-          <p:cNvPr id="2" name="Title 1"/>
-          <p:cNvSpPr>
-            <a:spLocks noGrp="1"/>
-          </p:cNvSpPr>
-          <p:nvPr>
-            <p:ph type="title"/>
-          </p:nvPr>
-        </p:nvSpPr>
-        <p:spPr/>
-        <p:txBody>
-          <a:bodyPr>
-            <a:normAutofit/>
-          </a:bodyPr>
-          <a:lstStyle/>
-          <a:p>
-            <a:r>
-              <a:rPr lang="en-IN" sz="2000" b="1" dirty="0"/>
-              <a:t>directive </a:t>
-            </a:r>
-            <a:br>
-              <a:rPr lang="en-IN" sz="1800" dirty="0"/>
-            </a:br>
-            <a:r>
-              <a:rPr lang="en-IN" b="1" dirty="0">
-                <a:effectLst>
-                  <a:outerShdw blurRad="38100" dist="38100" dir="2700000" algn="tl">
-                    <a:srgbClr val="000000">
-                      <a:alpha val="43137"/>
-                    </a:srgbClr>
-                  </a:outerShdw>
-                </a:effectLst>
-              </a:rPr>
-              <a:t>ng-model</a:t>
-            </a:r>
-            <a:endParaRPr lang="en-IN" dirty="0"/>
-          </a:p>
-        </p:txBody>
-      </p:sp>
-      <p:sp>
-        <p:nvSpPr>
-          <p:cNvPr id="3" name="Content Placeholder 2"/>
-          <p:cNvSpPr>
-            <a:spLocks noGrp="1"/>
-          </p:cNvSpPr>
-          <p:nvPr>
-            <p:ph idx="1"/>
-          </p:nvPr>
-        </p:nvSpPr>
-        <p:spPr/>
-        <p:txBody>
-          <a:bodyPr/>
-          <a:lstStyle/>
-          <a:p>
-            <a:r>
-              <a:rPr lang="en-IN" dirty="0"/>
-              <a:t>used with input fields, user to enter any data and get access to the value in JavaScript.</a:t>
-            </a:r>
-          </a:p>
-          <a:p>
-            <a:r>
-              <a:rPr lang="en-IN" dirty="0"/>
-              <a:t>In </a:t>
-            </a:r>
-            <a:r>
-              <a:rPr lang="en-IN" dirty="0">
-                <a:latin typeface="Arial Rounded MT Bold" panose="020F0704030504030204" pitchFamily="34" charset="0"/>
-              </a:rPr>
-              <a:t>ng-model="n1"</a:t>
-            </a:r>
-            <a:r>
-              <a:rPr lang="en-IN" dirty="0"/>
-              <a:t>, AngularJS stores the value that the user types into in a variable called "n1"</a:t>
-            </a:r>
-          </a:p>
-          <a:p>
-            <a:endParaRPr lang="en-IN" dirty="0"/>
-          </a:p>
-          <a:p>
-            <a:endParaRPr lang="en-IN" dirty="0"/>
-          </a:p>
-        </p:txBody>
-      </p:sp>
-    </p:spTree>
-    <p:extLst>
-      <p:ext uri="{BB962C8B-B14F-4D97-AF65-F5344CB8AC3E}">
-        <p14:creationId xmlns:p14="http://schemas.microsoft.com/office/powerpoint/2010/main" val="3079931994"/>
-      </p:ext>
-    </p:extLst>
-  </p:cSld>
-  <p:clrMapOvr>
-    <a:masterClrMapping/>
-  </p:clrMapOvr>
-</p:sld>
-</file>
-
 <file path=ppt/slides/slide9.xml><?xml version="1.0" encoding="utf-8"?>
 <p:sld xmlns:a="http://schemas.openxmlformats.org/drawingml/2006/main" xmlns:r="http://schemas.openxmlformats.org/officeDocument/2006/relationships" xmlns:p="http://schemas.openxmlformats.org/presentationml/2006/main">
   <p:cSld>
@@ -7703,14 +10236,19 @@
         </p:nvSpPr>
         <p:spPr/>
         <p:txBody>
-          <a:bodyPr/>
+          <a:bodyPr>
+            <a:normAutofit/>
+          </a:bodyPr>
           <a:lstStyle/>
           <a:p>
             <a:r>
               <a:rPr lang="en-IN" sz="2000" b="1" dirty="0"/>
-              <a:t>directive</a:t>
+              <a:t>directive </a:t>
             </a:r>
             <a:br>
+              <a:rPr lang="en-IN" sz="1800" dirty="0"/>
+            </a:br>
+            <a:r>
               <a:rPr lang="en-IN" b="1" dirty="0">
                 <a:effectLst>
                   <a:outerShdw blurRad="38100" dist="38100" dir="2700000" algn="tl">
@@ -7720,82 +10258,60 @@
                   </a:outerShdw>
                 </a:effectLst>
               </a:rPr>
-            </a:br>
-            <a:r>
-              <a:rPr lang="en-IN" b="1" dirty="0">
-                <a:effectLst>
-                  <a:outerShdw blurRad="38100" dist="38100" dir="2700000" algn="tl">
-                    <a:srgbClr val="000000">
-                      <a:alpha val="43137"/>
-                    </a:srgbClr>
-                  </a:outerShdw>
-                </a:effectLst>
+              <a:t>ng-model</a:t>
+            </a:r>
+            <a:endParaRPr lang="en-IN" dirty="0"/>
+          </a:p>
+        </p:txBody>
+      </p:sp>
+      <p:sp>
+        <p:nvSpPr>
+          <p:cNvPr id="3" name="Content Placeholder 2"/>
+          <p:cNvSpPr>
+            <a:spLocks noGrp="1"/>
+          </p:cNvSpPr>
+          <p:nvPr>
+            <p:ph idx="1"/>
+          </p:nvPr>
+        </p:nvSpPr>
+        <p:spPr/>
+        <p:txBody>
+          <a:bodyPr/>
+          <a:lstStyle/>
+          <a:p>
+            <a:r>
+              <a:rPr lang="en-IN" dirty="0"/>
+              <a:t>used with input fields, user to enter any data and get access to the value in JavaScript.</a:t>
+            </a:r>
+          </a:p>
+          <a:p>
+            <a:r>
+              <a:rPr lang="en-IN" dirty="0"/>
+              <a:t>In </a:t>
+            </a:r>
+            <a:r>
+              <a:rPr lang="en-IN" dirty="0">
+                <a:latin typeface="Arial Rounded MT Bold" panose="020F0704030504030204" pitchFamily="34" charset="0"/>
               </a:rPr>
-              <a:t>ng-bind</a:t>
-            </a:r>
+              <a:t>ng-model="n1"</a:t>
+            </a:r>
+            <a:r>
+              <a:rPr lang="en-IN" dirty="0"/>
+              <a:t>, AngularJS stores the value that the user types into in a variable called "n1"</a:t>
+            </a:r>
+          </a:p>
+          <a:p>
             <a:endParaRPr lang="en-IN" dirty="0"/>
           </a:p>
-        </p:txBody>
-      </p:sp>
-      <p:sp>
-        <p:nvSpPr>
-          <p:cNvPr id="3" name="Content Placeholder 2"/>
-          <p:cNvSpPr>
-            <a:spLocks noGrp="1"/>
-          </p:cNvSpPr>
-          <p:nvPr>
-            <p:ph idx="1"/>
-          </p:nvPr>
-        </p:nvSpPr>
-        <p:spPr/>
-        <p:txBody>
-          <a:bodyPr/>
-          <a:lstStyle/>
-          <a:p>
-            <a:r>
-              <a:rPr lang="en-IN" dirty="0"/>
-              <a:t>Binds with the Angular JS variable</a:t>
-            </a:r>
-          </a:p>
-          <a:p>
-            <a:r>
-              <a:rPr lang="en-IN" dirty="0"/>
-              <a:t>ng-bind in &lt;span&gt;</a:t>
-            </a:r>
-          </a:p>
-          <a:p>
-            <a:pPr marL="457200" lvl="1" indent="0">
-              <a:buNone/>
-            </a:pPr>
-            <a:r>
-              <a:rPr lang="en-IN" dirty="0"/>
-              <a:t>&lt;span ng-bind="n1" </a:t>
-            </a:r>
-          </a:p>
-          <a:p>
-            <a:pPr marL="914400" lvl="2" indent="0">
-              <a:buNone/>
-            </a:pPr>
-            <a:r>
-              <a:rPr lang="en-IN" dirty="0"/>
-              <a:t>is similar to </a:t>
-            </a:r>
-          </a:p>
-          <a:p>
-            <a:pPr marL="457200" lvl="1" indent="0">
-              <a:buNone/>
-            </a:pPr>
-            <a:r>
-              <a:rPr lang="en-IN" sz="2800" dirty="0"/>
-              <a:t>{{n1}}</a:t>
-            </a:r>
+          <a:p>
+            <a:endParaRPr lang="en-IN" dirty="0"/>
           </a:p>
         </p:txBody>
       </p:sp>
     </p:spTree>
     <p:extLst>
       <p:ext uri="{BB962C8B-B14F-4D97-AF65-F5344CB8AC3E}">
-        <p14:creationId xmlns:p14="http://schemas.microsoft.com/office/powerpoint/2010/main" val="387137490"/>
+        <p14:creationId xmlns:p14="http://schemas.microsoft.com/office/powerpoint/2010/main" val="3079931994"/>
       </p:ext>
     </p:extLst>
   </p:cSld>

--- a/Angular JS draft.pptx
+++ b/Angular JS draft.pptx
@@ -56,6 +56,13 @@
     <p:sldId id="308" r:id="rId50"/>
     <p:sldId id="309" r:id="rId51"/>
     <p:sldId id="310" r:id="rId52"/>
+    <p:sldId id="311" r:id="rId53"/>
+    <p:sldId id="312" r:id="rId54"/>
+    <p:sldId id="313" r:id="rId55"/>
+    <p:sldId id="315" r:id="rId56"/>
+    <p:sldId id="314" r:id="rId57"/>
+    <p:sldId id="316" r:id="rId58"/>
+    <p:sldId id="317" r:id="rId59"/>
   </p:sldIdLst>
   <p:sldSz cx="12192000" cy="6858000"/>
   <p:notesSz cx="6858000" cy="9144000"/>
@@ -293,7 +300,7 @@
           <a:p>
             <a:fld id="{744C1FFF-588F-42A6-A7C4-71A6BD7C8199}" type="datetimeFigureOut">
               <a:rPr lang="en-IN" smtClean="0"/>
-              <a:t>05-05-2017</a:t>
+              <a:t>08-05-2017</a:t>
             </a:fld>
             <a:endParaRPr lang="en-IN"/>
           </a:p>
@@ -463,7 +470,7 @@
           <a:p>
             <a:fld id="{744C1FFF-588F-42A6-A7C4-71A6BD7C8199}" type="datetimeFigureOut">
               <a:rPr lang="en-IN" smtClean="0"/>
-              <a:t>05-05-2017</a:t>
+              <a:t>08-05-2017</a:t>
             </a:fld>
             <a:endParaRPr lang="en-IN"/>
           </a:p>
@@ -643,7 +650,7 @@
           <a:p>
             <a:fld id="{744C1FFF-588F-42A6-A7C4-71A6BD7C8199}" type="datetimeFigureOut">
               <a:rPr lang="en-IN" smtClean="0"/>
-              <a:t>05-05-2017</a:t>
+              <a:t>08-05-2017</a:t>
             </a:fld>
             <a:endParaRPr lang="en-IN"/>
           </a:p>
@@ -813,7 +820,7 @@
           <a:p>
             <a:fld id="{744C1FFF-588F-42A6-A7C4-71A6BD7C8199}" type="datetimeFigureOut">
               <a:rPr lang="en-IN" smtClean="0"/>
-              <a:t>05-05-2017</a:t>
+              <a:t>08-05-2017</a:t>
             </a:fld>
             <a:endParaRPr lang="en-IN"/>
           </a:p>
@@ -1059,7 +1066,7 @@
           <a:p>
             <a:fld id="{744C1FFF-588F-42A6-A7C4-71A6BD7C8199}" type="datetimeFigureOut">
               <a:rPr lang="en-IN" smtClean="0"/>
-              <a:t>05-05-2017</a:t>
+              <a:t>08-05-2017</a:t>
             </a:fld>
             <a:endParaRPr lang="en-IN"/>
           </a:p>
@@ -1291,7 +1298,7 @@
           <a:p>
             <a:fld id="{744C1FFF-588F-42A6-A7C4-71A6BD7C8199}" type="datetimeFigureOut">
               <a:rPr lang="en-IN" smtClean="0"/>
-              <a:t>05-05-2017</a:t>
+              <a:t>08-05-2017</a:t>
             </a:fld>
             <a:endParaRPr lang="en-IN"/>
           </a:p>
@@ -1658,7 +1665,7 @@
           <a:p>
             <a:fld id="{744C1FFF-588F-42A6-A7C4-71A6BD7C8199}" type="datetimeFigureOut">
               <a:rPr lang="en-IN" smtClean="0"/>
-              <a:t>05-05-2017</a:t>
+              <a:t>08-05-2017</a:t>
             </a:fld>
             <a:endParaRPr lang="en-IN"/>
           </a:p>
@@ -1776,7 +1783,7 @@
           <a:p>
             <a:fld id="{744C1FFF-588F-42A6-A7C4-71A6BD7C8199}" type="datetimeFigureOut">
               <a:rPr lang="en-IN" smtClean="0"/>
-              <a:t>05-05-2017</a:t>
+              <a:t>08-05-2017</a:t>
             </a:fld>
             <a:endParaRPr lang="en-IN"/>
           </a:p>
@@ -1871,7 +1878,7 @@
           <a:p>
             <a:fld id="{744C1FFF-588F-42A6-A7C4-71A6BD7C8199}" type="datetimeFigureOut">
               <a:rPr lang="en-IN" smtClean="0"/>
-              <a:t>05-05-2017</a:t>
+              <a:t>08-05-2017</a:t>
             </a:fld>
             <a:endParaRPr lang="en-IN"/>
           </a:p>
@@ -2148,7 +2155,7 @@
           <a:p>
             <a:fld id="{744C1FFF-588F-42A6-A7C4-71A6BD7C8199}" type="datetimeFigureOut">
               <a:rPr lang="en-IN" smtClean="0"/>
-              <a:t>05-05-2017</a:t>
+              <a:t>08-05-2017</a:t>
             </a:fld>
             <a:endParaRPr lang="en-IN"/>
           </a:p>
@@ -2401,7 +2408,7 @@
           <a:p>
             <a:fld id="{744C1FFF-588F-42A6-A7C4-71A6BD7C8199}" type="datetimeFigureOut">
               <a:rPr lang="en-IN" smtClean="0"/>
-              <a:t>05-05-2017</a:t>
+              <a:t>08-05-2017</a:t>
             </a:fld>
             <a:endParaRPr lang="en-IN"/>
           </a:p>
@@ -2614,7 +2621,7 @@
           <a:p>
             <a:fld id="{744C1FFF-588F-42A6-A7C4-71A6BD7C8199}" type="datetimeFigureOut">
               <a:rPr lang="en-IN" smtClean="0"/>
-              <a:t>05-05-2017</a:t>
+              <a:t>08-05-2017</a:t>
             </a:fld>
             <a:endParaRPr lang="en-IN"/>
           </a:p>
@@ -3375,11 +3382,18 @@
         </p:nvSpPr>
         <p:spPr/>
         <p:txBody>
-          <a:bodyPr/>
+          <a:bodyPr vert="horz" lIns="91440" tIns="45720" rIns="91440" bIns="45720" rtlCol="0" anchor="ctr">
+            <a:normAutofit/>
+          </a:bodyPr>
           <a:lstStyle/>
           <a:p>
             <a:r>
               <a:rPr lang="en-IN" b="1" dirty="0">
+                <a:solidFill>
+                  <a:schemeClr val="accent1">
+                    <a:lumMod val="50000"/>
+                  </a:schemeClr>
+                </a:solidFill>
                 <a:effectLst>
                   <a:outerShdw blurRad="38100" dist="38100" dir="2700000" algn="tl">
                     <a:srgbClr val="000000">
@@ -3390,7 +3404,6 @@
               </a:rPr>
               <a:t>Modules</a:t>
             </a:r>
-            <a:endParaRPr lang="en-IN" dirty="0"/>
           </a:p>
         </p:txBody>
       </p:sp>
@@ -3843,11 +3856,18 @@
         </p:nvSpPr>
         <p:spPr/>
         <p:txBody>
-          <a:bodyPr/>
+          <a:bodyPr vert="horz" lIns="91440" tIns="45720" rIns="91440" bIns="45720" rtlCol="0" anchor="ctr">
+            <a:normAutofit/>
+          </a:bodyPr>
           <a:lstStyle/>
           <a:p>
             <a:r>
               <a:rPr lang="en-IN" b="1" dirty="0">
+                <a:solidFill>
+                  <a:schemeClr val="accent1">
+                    <a:lumMod val="50000"/>
+                  </a:schemeClr>
+                </a:solidFill>
                 <a:effectLst>
                   <a:outerShdw blurRad="38100" dist="38100" dir="2700000" algn="tl">
                     <a:srgbClr val="000000">
@@ -3858,7 +3878,6 @@
               </a:rPr>
               <a:t>Controller</a:t>
             </a:r>
-            <a:endParaRPr lang="en-IN" dirty="0"/>
           </a:p>
         </p:txBody>
       </p:sp>
@@ -5177,6 +5196,11 @@
           <a:p>
             <a:r>
               <a:rPr lang="en-IN" b="1" dirty="0">
+                <a:solidFill>
+                  <a:schemeClr val="accent1">
+                    <a:lumMod val="50000"/>
+                  </a:schemeClr>
+                </a:solidFill>
                 <a:effectLst>
                   <a:outerShdw blurRad="38100" dist="38100" dir="2700000" algn="tl">
                     <a:srgbClr val="000000">
@@ -5740,11 +5764,18 @@
         </p:nvSpPr>
         <p:spPr/>
         <p:txBody>
-          <a:bodyPr/>
+          <a:bodyPr vert="horz" lIns="91440" tIns="45720" rIns="91440" bIns="45720" rtlCol="0" anchor="ctr">
+            <a:normAutofit/>
+          </a:bodyPr>
           <a:lstStyle/>
           <a:p>
             <a:r>
               <a:rPr lang="en-IN" b="1" dirty="0">
+                <a:solidFill>
+                  <a:schemeClr val="accent1">
+                    <a:lumMod val="50000"/>
+                  </a:schemeClr>
+                </a:solidFill>
                 <a:effectLst>
                   <a:outerShdw blurRad="38100" dist="38100" dir="2700000" algn="tl">
                     <a:srgbClr val="000000">
@@ -6145,11 +6176,26 @@
         </p:nvSpPr>
         <p:spPr/>
         <p:txBody>
-          <a:bodyPr/>
-          <a:lstStyle/>
-          <a:p>
-            <a:r>
-              <a:rPr lang="en-IN" dirty="0"/>
+          <a:bodyPr vert="horz" lIns="91440" tIns="45720" rIns="91440" bIns="45720" rtlCol="0" anchor="ctr">
+            <a:normAutofit/>
+          </a:bodyPr>
+          <a:lstStyle/>
+          <a:p>
+            <a:r>
+              <a:rPr lang="en-IN" b="1" dirty="0">
+                <a:solidFill>
+                  <a:schemeClr val="accent1">
+                    <a:lumMod val="50000"/>
+                  </a:schemeClr>
+                </a:solidFill>
+                <a:effectLst>
+                  <a:outerShdw blurRad="38100" dist="38100" dir="2700000" algn="tl">
+                    <a:srgbClr val="000000">
+                      <a:alpha val="43137"/>
+                    </a:srgbClr>
+                  </a:outerShdw>
+                </a:effectLst>
+              </a:rPr>
               <a:t>Error Handling</a:t>
             </a:r>
           </a:p>
@@ -6303,11 +6349,18 @@
         </p:nvSpPr>
         <p:spPr/>
         <p:txBody>
-          <a:bodyPr/>
+          <a:bodyPr vert="horz" lIns="91440" tIns="45720" rIns="91440" bIns="45720" rtlCol="0" anchor="ctr">
+            <a:normAutofit/>
+          </a:bodyPr>
           <a:lstStyle/>
           <a:p>
             <a:r>
               <a:rPr lang="en-IN" b="1" dirty="0">
+                <a:solidFill>
+                  <a:schemeClr val="accent1">
+                    <a:lumMod val="50000"/>
+                  </a:schemeClr>
+                </a:solidFill>
                 <a:effectLst>
                   <a:outerShdw blurRad="38100" dist="38100" dir="2700000" algn="tl">
                     <a:srgbClr val="000000">
@@ -6550,13 +6603,18 @@
           </a:xfrm>
         </p:spPr>
         <p:txBody>
-          <a:bodyPr>
+          <a:bodyPr vert="horz" lIns="91440" tIns="45720" rIns="91440" bIns="45720" rtlCol="0" anchor="ctr">
             <a:normAutofit/>
           </a:bodyPr>
           <a:lstStyle/>
           <a:p>
             <a:r>
               <a:rPr lang="en-IN" b="1" dirty="0">
+                <a:solidFill>
+                  <a:schemeClr val="accent1">
+                    <a:lumMod val="50000"/>
+                  </a:schemeClr>
+                </a:solidFill>
                 <a:effectLst>
                   <a:outerShdw blurRad="38100" dist="38100" dir="2700000" algn="tl">
                     <a:srgbClr val="000000">
@@ -6741,11 +6799,18 @@
         </p:nvSpPr>
         <p:spPr/>
         <p:txBody>
-          <a:bodyPr/>
+          <a:bodyPr vert="horz" lIns="91440" tIns="45720" rIns="91440" bIns="45720" rtlCol="0" anchor="ctr">
+            <a:normAutofit/>
+          </a:bodyPr>
           <a:lstStyle/>
           <a:p>
             <a:r>
               <a:rPr lang="en-IN" b="1" dirty="0">
+                <a:solidFill>
+                  <a:schemeClr val="accent1">
+                    <a:lumMod val="50000"/>
+                  </a:schemeClr>
+                </a:solidFill>
                 <a:effectLst>
                   <a:outerShdw blurRad="38100" dist="38100" dir="2700000" algn="tl">
                     <a:srgbClr val="000000">
@@ -6756,11 +6821,6 @@
               </a:rPr>
               <a:t>Services</a:t>
             </a:r>
-            <a:endParaRPr lang="en-IN" b="1" dirty="0">
-              <a:solidFill>
-                <a:srgbClr val="FF0000"/>
-              </a:solidFill>
-            </a:endParaRPr>
           </a:p>
         </p:txBody>
       </p:sp>
@@ -6855,11 +6915,18 @@
         </p:nvSpPr>
         <p:spPr/>
         <p:txBody>
-          <a:bodyPr/>
+          <a:bodyPr vert="horz" lIns="91440" tIns="45720" rIns="91440" bIns="45720" rtlCol="0" anchor="ctr">
+            <a:normAutofit/>
+          </a:bodyPr>
           <a:lstStyle/>
           <a:p>
             <a:r>
               <a:rPr lang="en-IN" b="1" dirty="0">
+                <a:solidFill>
+                  <a:schemeClr val="accent1">
+                    <a:lumMod val="50000"/>
+                  </a:schemeClr>
+                </a:solidFill>
                 <a:effectLst>
                   <a:outerShdw blurRad="38100" dist="38100" dir="2700000" algn="tl">
                     <a:srgbClr val="000000">
@@ -6943,11 +7010,18 @@
         </p:nvSpPr>
         <p:spPr/>
         <p:txBody>
-          <a:bodyPr/>
+          <a:bodyPr vert="horz" lIns="91440" tIns="45720" rIns="91440" bIns="45720" rtlCol="0" anchor="ctr">
+            <a:normAutofit/>
+          </a:bodyPr>
           <a:lstStyle/>
           <a:p>
             <a:r>
               <a:rPr lang="en-IN" b="1" dirty="0">
+                <a:solidFill>
+                  <a:schemeClr val="accent1">
+                    <a:lumMod val="50000"/>
+                  </a:schemeClr>
+                </a:solidFill>
                 <a:effectLst>
                   <a:outerShdw blurRad="38100" dist="38100" dir="2700000" algn="tl">
                     <a:srgbClr val="000000">
@@ -7627,11 +7701,18 @@
         </p:nvSpPr>
         <p:spPr/>
         <p:txBody>
-          <a:bodyPr/>
+          <a:bodyPr vert="horz" lIns="91440" tIns="45720" rIns="91440" bIns="45720" rtlCol="0" anchor="ctr">
+            <a:normAutofit/>
+          </a:bodyPr>
           <a:lstStyle/>
           <a:p>
             <a:r>
               <a:rPr lang="en-IN" b="1" dirty="0">
+                <a:solidFill>
+                  <a:schemeClr val="accent1">
+                    <a:lumMod val="50000"/>
+                  </a:schemeClr>
+                </a:solidFill>
                 <a:effectLst>
                   <a:outerShdw blurRad="38100" dist="38100" dir="2700000" algn="tl">
                     <a:srgbClr val="000000">
@@ -7713,11 +7794,18 @@
         </p:nvSpPr>
         <p:spPr/>
         <p:txBody>
-          <a:bodyPr/>
+          <a:bodyPr vert="horz" lIns="91440" tIns="45720" rIns="91440" bIns="45720" rtlCol="0" anchor="ctr">
+            <a:normAutofit/>
+          </a:bodyPr>
           <a:lstStyle/>
           <a:p>
             <a:r>
               <a:rPr lang="en-IN" b="1" dirty="0">
+                <a:solidFill>
+                  <a:schemeClr val="accent1">
+                    <a:lumMod val="50000"/>
+                  </a:schemeClr>
+                </a:solidFill>
                 <a:effectLst>
                   <a:outerShdw blurRad="38100" dist="38100" dir="2700000" algn="tl">
                     <a:srgbClr val="000000">
@@ -7728,15 +7816,6 @@
               </a:rPr>
               <a:t>Data with $http</a:t>
             </a:r>
-            <a:endParaRPr lang="en-IN" b="1" dirty="0">
-              <a:effectLst>
-                <a:outerShdw blurRad="38100" dist="38100" dir="2700000" algn="tl">
-                  <a:srgbClr val="000000">
-                    <a:alpha val="43137"/>
-                  </a:srgbClr>
-                </a:outerShdw>
-              </a:effectLst>
-            </a:endParaRPr>
           </a:p>
         </p:txBody>
       </p:sp>
@@ -7851,7 +7930,6 @@
               <a:rPr lang="en-IN" dirty="0"/>
               <a:t>);</a:t>
             </a:r>
-            <a:endParaRPr lang="en-IN" dirty="0"/>
           </a:p>
         </p:txBody>
       </p:sp>
@@ -8227,11 +8305,18 @@
         </p:nvSpPr>
         <p:spPr/>
         <p:txBody>
-          <a:bodyPr/>
+          <a:bodyPr vert="horz" lIns="91440" tIns="45720" rIns="91440" bIns="45720" rtlCol="0" anchor="ctr">
+            <a:normAutofit/>
+          </a:bodyPr>
           <a:lstStyle/>
           <a:p>
             <a:r>
               <a:rPr lang="en-IN" b="1" dirty="0">
+                <a:solidFill>
+                  <a:schemeClr val="accent1">
+                    <a:lumMod val="50000"/>
+                  </a:schemeClr>
+                </a:solidFill>
                 <a:effectLst>
                   <a:outerShdw blurRad="38100" dist="38100" dir="2700000" algn="tl">
                     <a:srgbClr val="000000">
@@ -8242,7 +8327,6 @@
               </a:rPr>
               <a:t>$http with REST APIs</a:t>
             </a:r>
-            <a:endParaRPr lang="en-IN" dirty="0"/>
           </a:p>
         </p:txBody>
       </p:sp>
@@ -8295,7 +8379,6 @@
               <a:rPr lang="en-IN" dirty="0"/>
               <a:t>JSONP</a:t>
             </a:r>
-            <a:endParaRPr lang="en-IN" dirty="0"/>
           </a:p>
         </p:txBody>
       </p:sp>
@@ -8587,15 +8670,6 @@
               </a:rPr>
               <a:t>Unit Testing</a:t>
             </a:r>
-            <a:endParaRPr lang="en-IN" b="1" dirty="0">
-              <a:effectLst>
-                <a:outerShdw blurRad="38100" dist="38100" dir="2700000" algn="tl">
-                  <a:srgbClr val="000000">
-                    <a:alpha val="43137"/>
-                  </a:srgbClr>
-                </a:outerShdw>
-              </a:effectLst>
-            </a:endParaRPr>
           </a:p>
         </p:txBody>
       </p:sp>
@@ -8694,11 +8768,18 @@
         </p:nvSpPr>
         <p:spPr/>
         <p:txBody>
-          <a:bodyPr/>
+          <a:bodyPr vert="horz" lIns="91440" tIns="45720" rIns="91440" bIns="45720" rtlCol="0" anchor="ctr">
+            <a:normAutofit/>
+          </a:bodyPr>
           <a:lstStyle/>
           <a:p>
             <a:r>
               <a:rPr lang="en-IN" b="1" dirty="0">
+                <a:solidFill>
+                  <a:schemeClr val="accent1">
+                    <a:lumMod val="50000"/>
+                  </a:schemeClr>
+                </a:solidFill>
                 <a:effectLst>
                   <a:outerShdw blurRad="38100" dist="38100" dir="2700000" algn="tl">
                     <a:srgbClr val="000000">
@@ -8763,7 +8844,6 @@
               <a:rPr lang="en-IN" dirty="0"/>
               <a:t>Add currency symbol on a number</a:t>
             </a:r>
-            <a:endParaRPr lang="en-IN" dirty="0"/>
           </a:p>
         </p:txBody>
       </p:sp>
@@ -9208,15 +9288,6 @@
               </a:rPr>
               <a:t>Custom Filters</a:t>
             </a:r>
-            <a:endParaRPr lang="en-IN" b="1" dirty="0">
-              <a:effectLst>
-                <a:outerShdw blurRad="38100" dist="38100" dir="2700000" algn="tl">
-                  <a:srgbClr val="000000">
-                    <a:alpha val="43137"/>
-                  </a:srgbClr>
-                </a:outerShdw>
-              </a:effectLst>
-            </a:endParaRPr>
           </a:p>
         </p:txBody>
       </p:sp>
@@ -9671,11 +9742,18 @@
         </p:nvSpPr>
         <p:spPr/>
         <p:txBody>
-          <a:bodyPr/>
+          <a:bodyPr vert="horz" lIns="91440" tIns="45720" rIns="91440" bIns="45720" rtlCol="0" anchor="ctr">
+            <a:normAutofit/>
+          </a:bodyPr>
           <a:lstStyle/>
           <a:p>
             <a:r>
               <a:rPr lang="en-IN" b="1" dirty="0">
+                <a:solidFill>
+                  <a:schemeClr val="accent1">
+                    <a:lumMod val="50000"/>
+                  </a:schemeClr>
+                </a:solidFill>
                 <a:effectLst>
                   <a:outerShdw blurRad="38100" dist="38100" dir="2700000" algn="tl">
                     <a:srgbClr val="000000">
@@ -9686,15 +9764,6 @@
               </a:rPr>
               <a:t>Filters in controllers</a:t>
             </a:r>
-            <a:endParaRPr lang="en-IN" b="1" dirty="0">
-              <a:effectLst>
-                <a:outerShdw blurRad="38100" dist="38100" dir="2700000" algn="tl">
-                  <a:srgbClr val="000000">
-                    <a:alpha val="43137"/>
-                  </a:srgbClr>
-                </a:outerShdw>
-              </a:effectLst>
-            </a:endParaRPr>
           </a:p>
         </p:txBody>
       </p:sp>
@@ -9795,9 +9864,113 @@
         </p:nvSpPr>
         <p:spPr/>
         <p:txBody>
+          <a:bodyPr vert="horz" lIns="91440" tIns="45720" rIns="91440" bIns="45720" rtlCol="0" anchor="ctr">
+            <a:normAutofit/>
+          </a:bodyPr>
+          <a:lstStyle/>
+          <a:p>
+            <a:r>
+              <a:rPr lang="en-IN" b="1" dirty="0">
+                <a:solidFill>
+                  <a:schemeClr val="accent1">
+                    <a:lumMod val="50000"/>
+                  </a:schemeClr>
+                </a:solidFill>
+                <a:effectLst>
+                  <a:outerShdw blurRad="38100" dist="38100" dir="2700000" algn="tl">
+                    <a:srgbClr val="000000">
+                      <a:alpha val="43137"/>
+                    </a:srgbClr>
+                  </a:outerShdw>
+                </a:effectLst>
+              </a:rPr>
+              <a:t>Routing with URL - </a:t>
+            </a:r>
+            <a:r>
+              <a:rPr lang="en-IN" dirty="0">
+                <a:solidFill>
+                  <a:schemeClr val="accent1">
+                    <a:lumMod val="50000"/>
+                  </a:schemeClr>
+                </a:solidFill>
+              </a:rPr>
+              <a:t>myurl.html</a:t>
+            </a:r>
+            <a:r>
+              <a:rPr lang="en-IN" b="1" dirty="0">
+                <a:solidFill>
+                  <a:schemeClr val="accent1">
+                    <a:lumMod val="50000"/>
+                  </a:schemeClr>
+                </a:solidFill>
+                <a:effectLst>
+                  <a:outerShdw blurRad="38100" dist="38100" dir="2700000" algn="tl">
+                    <a:srgbClr val="000000">
+                      <a:alpha val="43137"/>
+                    </a:srgbClr>
+                  </a:outerShdw>
+                </a:effectLst>
+              </a:rPr>
+              <a:t>#/home</a:t>
+            </a:r>
+            <a:endParaRPr lang="en-IN" b="1" dirty="0">
+              <a:solidFill>
+                <a:schemeClr val="accent1">
+                  <a:lumMod val="50000"/>
+                </a:schemeClr>
+              </a:solidFill>
+              <a:effectLst>
+                <a:outerShdw blurRad="38100" dist="38100" dir="2700000" algn="tl">
+                  <a:srgbClr val="000000">
+                    <a:alpha val="43137"/>
+                  </a:srgbClr>
+                </a:outerShdw>
+              </a:effectLst>
+            </a:endParaRPr>
+          </a:p>
+        </p:txBody>
+      </p:sp>
+      <p:sp>
+        <p:nvSpPr>
+          <p:cNvPr id="3" name="Content Placeholder 2"/>
+          <p:cNvSpPr>
+            <a:spLocks noGrp="1"/>
+          </p:cNvSpPr>
+          <p:nvPr>
+            <p:ph idx="1"/>
+          </p:nvPr>
+        </p:nvSpPr>
+        <p:spPr/>
+        <p:txBody>
           <a:bodyPr/>
           <a:lstStyle/>
           <a:p>
+            <a:r>
+              <a:rPr lang="en-IN" dirty="0"/>
+              <a:t>You need Routing if</a:t>
+            </a:r>
+          </a:p>
+          <a:p>
+            <a:pPr lvl="1"/>
+            <a:r>
+              <a:rPr lang="en-IN" dirty="0"/>
+              <a:t>we call </a:t>
+            </a:r>
+            <a:r>
+              <a:rPr lang="en-IN" dirty="0" err="1"/>
+              <a:t>hashbang</a:t>
+            </a:r>
+            <a:r>
+              <a:rPr lang="en-IN" dirty="0"/>
+              <a:t> URLs, not the standard URL</a:t>
+            </a:r>
+          </a:p>
+          <a:p>
+            <a:pPr lvl="1"/>
+            <a:r>
+              <a:rPr lang="en-IN" dirty="0"/>
+              <a:t>You are developing a </a:t>
+            </a:r>
             <a:r>
               <a:rPr lang="en-IN" b="1" dirty="0">
                 <a:effectLst>
@@ -9808,34 +9981,37 @@
                   </a:outerShdw>
                 </a:effectLst>
               </a:rPr>
-              <a:t>Routing</a:t>
-            </a:r>
-            <a:endParaRPr lang="en-IN" b="1" dirty="0">
-              <a:effectLst>
-                <a:outerShdw blurRad="38100" dist="38100" dir="2700000" algn="tl">
-                  <a:srgbClr val="000000">
-                    <a:alpha val="43137"/>
-                  </a:srgbClr>
-                </a:outerShdw>
-              </a:effectLst>
-            </a:endParaRPr>
-          </a:p>
-        </p:txBody>
-      </p:sp>
-      <p:sp>
-        <p:nvSpPr>
-          <p:cNvPr id="3" name="Content Placeholder 2"/>
-          <p:cNvSpPr>
-            <a:spLocks noGrp="1"/>
-          </p:cNvSpPr>
-          <p:nvPr>
-            <p:ph idx="1"/>
-          </p:nvPr>
-        </p:nvSpPr>
-        <p:spPr/>
-        <p:txBody>
-          <a:bodyPr/>
-          <a:lstStyle/>
+              <a:t>single page application</a:t>
+            </a:r>
+          </a:p>
+          <a:p>
+            <a:pPr lvl="1"/>
+            <a:r>
+              <a:rPr lang="en-IN" dirty="0"/>
+              <a:t>You have multiple views for a single page (e.g. Home Page, About Us, Contact Us etc.)</a:t>
+            </a:r>
+          </a:p>
+          <a:p>
+            <a:pPr lvl="1"/>
+            <a:r>
+              <a:rPr lang="en-IN" dirty="0"/>
+              <a:t>For each request in a single page, you need to load one of the view as presentation logic but you don’t want to refresh the page.</a:t>
+            </a:r>
+          </a:p>
+          <a:p>
+            <a:pPr lvl="1"/>
+            <a:r>
+              <a:rPr lang="en-IN" dirty="0"/>
+              <a:t>You don’t need to load the whole page but only the contents of the view</a:t>
+            </a:r>
+          </a:p>
+          <a:p>
+            <a:pPr lvl="1"/>
+            <a:r>
+              <a:rPr lang="en-IN" dirty="0"/>
+              <a:t>You need speed response by loading contents faster</a:t>
+            </a:r>
+          </a:p>
           <a:p>
             <a:endParaRPr lang="en-IN" dirty="0"/>
           </a:p>
@@ -9845,6 +10021,1089 @@
     <p:extLst>
       <p:ext uri="{BB962C8B-B14F-4D97-AF65-F5344CB8AC3E}">
         <p14:creationId xmlns:p14="http://schemas.microsoft.com/office/powerpoint/2010/main" val="3938228662"/>
+      </p:ext>
+    </p:extLst>
+  </p:cSld>
+  <p:clrMapOvr>
+    <a:masterClrMapping/>
+  </p:clrMapOvr>
+</p:sld>
+</file>
+
+<file path=ppt/slides/slide52.xml><?xml version="1.0" encoding="utf-8"?>
+<p:sld xmlns:a="http://schemas.openxmlformats.org/drawingml/2006/main" xmlns:r="http://schemas.openxmlformats.org/officeDocument/2006/relationships" xmlns:p="http://schemas.openxmlformats.org/presentationml/2006/main">
+  <p:cSld>
+    <p:spTree>
+      <p:nvGrpSpPr>
+        <p:cNvPr id="1" name=""/>
+        <p:cNvGrpSpPr/>
+        <p:nvPr/>
+      </p:nvGrpSpPr>
+      <p:grpSpPr>
+        <a:xfrm>
+          <a:off x="0" y="0"/>
+          <a:ext cx="0" cy="0"/>
+          <a:chOff x="0" y="0"/>
+          <a:chExt cx="0" cy="0"/>
+        </a:xfrm>
+      </p:grpSpPr>
+      <p:sp>
+        <p:nvSpPr>
+          <p:cNvPr id="2" name="Title 1"/>
+          <p:cNvSpPr>
+            <a:spLocks noGrp="1"/>
+          </p:cNvSpPr>
+          <p:nvPr>
+            <p:ph type="title"/>
+          </p:nvPr>
+        </p:nvSpPr>
+        <p:spPr/>
+        <p:txBody>
+          <a:bodyPr/>
+          <a:lstStyle/>
+          <a:p>
+            <a:r>
+              <a:rPr lang="en-IN" dirty="0">
+                <a:solidFill>
+                  <a:schemeClr val="accent1">
+                    <a:lumMod val="50000"/>
+                  </a:schemeClr>
+                </a:solidFill>
+              </a:rPr>
+              <a:t>Routing: how to code</a:t>
+            </a:r>
+            <a:endParaRPr lang="en-IN" dirty="0"/>
+          </a:p>
+        </p:txBody>
+      </p:sp>
+      <p:sp>
+        <p:nvSpPr>
+          <p:cNvPr id="3" name="Content Placeholder 2"/>
+          <p:cNvSpPr>
+            <a:spLocks noGrp="1"/>
+          </p:cNvSpPr>
+          <p:nvPr>
+            <p:ph idx="1"/>
+          </p:nvPr>
+        </p:nvSpPr>
+        <p:spPr/>
+        <p:txBody>
+          <a:bodyPr>
+            <a:normAutofit lnSpcReduction="10000"/>
+          </a:bodyPr>
+          <a:lstStyle/>
+          <a:p>
+            <a:r>
+              <a:rPr lang="en-IN" dirty="0"/>
+              <a:t>Import </a:t>
+            </a:r>
+            <a:r>
+              <a:rPr lang="en-IN" dirty="0"/>
+              <a:t>angular.js and angular-route.js</a:t>
+            </a:r>
+          </a:p>
+          <a:p>
+            <a:r>
+              <a:rPr lang="en-IN" dirty="0"/>
+              <a:t>Use </a:t>
+            </a:r>
+            <a:r>
+              <a:rPr lang="en-IN" dirty="0" err="1"/>
+              <a:t>dependancy</a:t>
+            </a:r>
+            <a:r>
+              <a:rPr lang="en-IN" dirty="0"/>
+              <a:t> model to </a:t>
+            </a:r>
+            <a:r>
+              <a:rPr lang="en-IN" dirty="0" err="1"/>
+              <a:t>ngRoute</a:t>
+            </a:r>
+            <a:endParaRPr lang="en-IN" dirty="0"/>
+          </a:p>
+          <a:p>
+            <a:pPr marL="457200" lvl="1" indent="0">
+              <a:buNone/>
+            </a:pPr>
+            <a:r>
+              <a:rPr lang="en-IN" dirty="0" err="1">
+                <a:solidFill>
+                  <a:schemeClr val="accent1">
+                    <a:lumMod val="75000"/>
+                  </a:schemeClr>
+                </a:solidFill>
+              </a:rPr>
+              <a:t>var</a:t>
+            </a:r>
+            <a:r>
+              <a:rPr lang="en-IN" dirty="0">
+                <a:solidFill>
+                  <a:schemeClr val="accent1">
+                    <a:lumMod val="75000"/>
+                  </a:schemeClr>
+                </a:solidFill>
+              </a:rPr>
+              <a:t> </a:t>
+            </a:r>
+            <a:r>
+              <a:rPr lang="en-IN" dirty="0" err="1">
+                <a:solidFill>
+                  <a:schemeClr val="accent1">
+                    <a:lumMod val="75000"/>
+                  </a:schemeClr>
+                </a:solidFill>
+              </a:rPr>
+              <a:t>myvar</a:t>
+            </a:r>
+            <a:r>
+              <a:rPr lang="en-IN" dirty="0">
+                <a:solidFill>
+                  <a:schemeClr val="accent1">
+                    <a:lumMod val="75000"/>
+                  </a:schemeClr>
+                </a:solidFill>
+              </a:rPr>
+              <a:t> = </a:t>
+            </a:r>
+            <a:r>
+              <a:rPr lang="en-IN" dirty="0" err="1">
+                <a:solidFill>
+                  <a:schemeClr val="accent1">
+                    <a:lumMod val="75000"/>
+                  </a:schemeClr>
+                </a:solidFill>
+              </a:rPr>
+              <a:t>angular.module</a:t>
+            </a:r>
+            <a:r>
+              <a:rPr lang="en-IN" dirty="0">
+                <a:solidFill>
+                  <a:schemeClr val="accent1">
+                    <a:lumMod val="75000"/>
+                  </a:schemeClr>
+                </a:solidFill>
+              </a:rPr>
+              <a:t>('org',['</a:t>
+            </a:r>
+            <a:r>
+              <a:rPr lang="en-IN" dirty="0" err="1">
+                <a:solidFill>
+                  <a:schemeClr val="accent1">
+                    <a:lumMod val="75000"/>
+                  </a:schemeClr>
+                </a:solidFill>
+              </a:rPr>
+              <a:t>ngRoute</a:t>
+            </a:r>
+            <a:r>
+              <a:rPr lang="en-IN" dirty="0">
+                <a:solidFill>
+                  <a:schemeClr val="accent1">
+                    <a:lumMod val="75000"/>
+                  </a:schemeClr>
+                </a:solidFill>
+              </a:rPr>
+              <a:t>']);</a:t>
+            </a:r>
+          </a:p>
+          <a:p>
+            <a:r>
+              <a:rPr lang="en-IN" dirty="0"/>
+              <a:t>Config the route provider</a:t>
+            </a:r>
+          </a:p>
+          <a:p>
+            <a:pPr marL="457200" lvl="1" indent="0">
+              <a:buNone/>
+            </a:pPr>
+            <a:r>
+              <a:rPr lang="en-IN" dirty="0">
+                <a:solidFill>
+                  <a:schemeClr val="accent1">
+                    <a:lumMod val="75000"/>
+                  </a:schemeClr>
+                </a:solidFill>
+              </a:rPr>
+              <a:t>$</a:t>
+            </a:r>
+            <a:r>
+              <a:rPr lang="en-IN" dirty="0" err="1">
+                <a:solidFill>
+                  <a:schemeClr val="accent1">
+                    <a:lumMod val="75000"/>
+                  </a:schemeClr>
+                </a:solidFill>
+              </a:rPr>
+              <a:t>routeProvider.when</a:t>
+            </a:r>
+            <a:r>
+              <a:rPr lang="en-IN" dirty="0">
+                <a:solidFill>
+                  <a:schemeClr val="accent1">
+                    <a:lumMod val="75000"/>
+                  </a:schemeClr>
+                </a:solidFill>
+              </a:rPr>
+              <a:t>(</a:t>
+            </a:r>
+            <a:r>
+              <a:rPr lang="en-IN" dirty="0" err="1">
+                <a:solidFill>
+                  <a:schemeClr val="accent1">
+                    <a:lumMod val="75000"/>
+                  </a:schemeClr>
+                </a:solidFill>
+              </a:rPr>
+              <a:t>url</a:t>
+            </a:r>
+            <a:r>
+              <a:rPr lang="en-IN" dirty="0">
+                <a:solidFill>
+                  <a:schemeClr val="accent1">
+                    <a:lumMod val="75000"/>
+                  </a:schemeClr>
+                </a:solidFill>
+              </a:rPr>
+              <a:t>, {</a:t>
+            </a:r>
+          </a:p>
+          <a:p>
+            <a:pPr marL="914400" lvl="2" indent="0">
+              <a:buNone/>
+            </a:pPr>
+            <a:r>
+              <a:rPr lang="en-IN" dirty="0">
+                <a:solidFill>
+                  <a:schemeClr val="accent1">
+                    <a:lumMod val="75000"/>
+                  </a:schemeClr>
+                </a:solidFill>
+              </a:rPr>
+              <a:t>template: string,</a:t>
+            </a:r>
+          </a:p>
+          <a:p>
+            <a:pPr marL="914400" lvl="2" indent="0">
+              <a:buNone/>
+            </a:pPr>
+            <a:r>
+              <a:rPr lang="en-IN" dirty="0" err="1">
+                <a:solidFill>
+                  <a:schemeClr val="accent1">
+                    <a:lumMod val="75000"/>
+                  </a:schemeClr>
+                </a:solidFill>
+              </a:rPr>
+              <a:t>templateUrl</a:t>
+            </a:r>
+            <a:r>
+              <a:rPr lang="en-IN" dirty="0">
+                <a:solidFill>
+                  <a:schemeClr val="accent1">
+                    <a:lumMod val="75000"/>
+                  </a:schemeClr>
+                </a:solidFill>
+              </a:rPr>
+              <a:t>: string,</a:t>
+            </a:r>
+          </a:p>
+          <a:p>
+            <a:pPr marL="914400" lvl="2" indent="0">
+              <a:buNone/>
+            </a:pPr>
+            <a:r>
+              <a:rPr lang="en-IN" dirty="0">
+                <a:solidFill>
+                  <a:schemeClr val="accent1">
+                    <a:lumMod val="75000"/>
+                  </a:schemeClr>
+                </a:solidFill>
+              </a:rPr>
+              <a:t>controller: string, </a:t>
+            </a:r>
+            <a:r>
+              <a:rPr lang="en-IN" b="1" dirty="0">
+                <a:solidFill>
+                  <a:schemeClr val="accent1">
+                    <a:lumMod val="75000"/>
+                  </a:schemeClr>
+                </a:solidFill>
+              </a:rPr>
+              <a:t>function </a:t>
+            </a:r>
+            <a:r>
+              <a:rPr lang="en-IN" dirty="0">
+                <a:solidFill>
+                  <a:schemeClr val="accent1">
+                    <a:lumMod val="75000"/>
+                  </a:schemeClr>
+                </a:solidFill>
+              </a:rPr>
+              <a:t>or array,</a:t>
+            </a:r>
+          </a:p>
+          <a:p>
+            <a:pPr marL="914400" lvl="2" indent="0">
+              <a:buNone/>
+            </a:pPr>
+            <a:r>
+              <a:rPr lang="en-IN" dirty="0" err="1">
+                <a:solidFill>
+                  <a:schemeClr val="accent1">
+                    <a:lumMod val="75000"/>
+                  </a:schemeClr>
+                </a:solidFill>
+              </a:rPr>
+              <a:t>controllerAs</a:t>
+            </a:r>
+            <a:r>
+              <a:rPr lang="en-IN" dirty="0">
+                <a:solidFill>
+                  <a:schemeClr val="accent1">
+                    <a:lumMod val="75000"/>
+                  </a:schemeClr>
+                </a:solidFill>
+              </a:rPr>
+              <a:t>: string,</a:t>
+            </a:r>
+          </a:p>
+          <a:p>
+            <a:pPr marL="914400" lvl="2" indent="0">
+              <a:buNone/>
+            </a:pPr>
+            <a:r>
+              <a:rPr lang="en-IN" dirty="0">
+                <a:solidFill>
+                  <a:schemeClr val="accent1">
+                    <a:lumMod val="75000"/>
+                  </a:schemeClr>
+                </a:solidFill>
+              </a:rPr>
+              <a:t>resolve: object&lt;key, </a:t>
+            </a:r>
+            <a:r>
+              <a:rPr lang="en-IN" b="1" dirty="0">
+                <a:solidFill>
+                  <a:schemeClr val="accent1">
+                    <a:lumMod val="75000"/>
+                  </a:schemeClr>
+                </a:solidFill>
+              </a:rPr>
+              <a:t>function</a:t>
+            </a:r>
+            <a:r>
+              <a:rPr lang="en-IN" dirty="0">
+                <a:solidFill>
+                  <a:schemeClr val="accent1">
+                    <a:lumMod val="75000"/>
+                  </a:schemeClr>
+                </a:solidFill>
+              </a:rPr>
+              <a:t>&gt;</a:t>
+            </a:r>
+          </a:p>
+          <a:p>
+            <a:pPr marL="457200" lvl="1" indent="0">
+              <a:buNone/>
+            </a:pPr>
+            <a:r>
+              <a:rPr lang="en-IN" dirty="0">
+                <a:solidFill>
+                  <a:schemeClr val="accent1">
+                    <a:lumMod val="75000"/>
+                  </a:schemeClr>
+                </a:solidFill>
+              </a:rPr>
+              <a:t>});</a:t>
+            </a:r>
+            <a:endParaRPr lang="en-IN" dirty="0">
+              <a:solidFill>
+                <a:schemeClr val="accent1">
+                  <a:lumMod val="75000"/>
+                </a:schemeClr>
+              </a:solidFill>
+            </a:endParaRPr>
+          </a:p>
+        </p:txBody>
+      </p:sp>
+    </p:spTree>
+    <p:extLst>
+      <p:ext uri="{BB962C8B-B14F-4D97-AF65-F5344CB8AC3E}">
+        <p14:creationId xmlns:p14="http://schemas.microsoft.com/office/powerpoint/2010/main" val="3750713391"/>
+      </p:ext>
+    </p:extLst>
+  </p:cSld>
+  <p:clrMapOvr>
+    <a:masterClrMapping/>
+  </p:clrMapOvr>
+</p:sld>
+</file>
+
+<file path=ppt/slides/slide53.xml><?xml version="1.0" encoding="utf-8"?>
+<p:sld xmlns:a="http://schemas.openxmlformats.org/drawingml/2006/main" xmlns:r="http://schemas.openxmlformats.org/officeDocument/2006/relationships" xmlns:p="http://schemas.openxmlformats.org/presentationml/2006/main">
+  <p:cSld>
+    <p:spTree>
+      <p:nvGrpSpPr>
+        <p:cNvPr id="1" name=""/>
+        <p:cNvGrpSpPr/>
+        <p:nvPr/>
+      </p:nvGrpSpPr>
+      <p:grpSpPr>
+        <a:xfrm>
+          <a:off x="0" y="0"/>
+          <a:ext cx="0" cy="0"/>
+          <a:chOff x="0" y="0"/>
+          <a:chExt cx="0" cy="0"/>
+        </a:xfrm>
+      </p:grpSpPr>
+      <p:pic>
+        <p:nvPicPr>
+          <p:cNvPr id="7" name="Picture 6"/>
+          <p:cNvPicPr>
+            <a:picLocks noChangeAspect="1"/>
+          </p:cNvPicPr>
+          <p:nvPr/>
+        </p:nvPicPr>
+        <p:blipFill>
+          <a:blip r:embed="rId2"/>
+          <a:stretch>
+            <a:fillRect/>
+          </a:stretch>
+        </p:blipFill>
+        <p:spPr>
+          <a:xfrm>
+            <a:off x="1005524" y="809952"/>
+            <a:ext cx="10180952" cy="5238095"/>
+          </a:xfrm>
+          <a:prstGeom prst="rect">
+            <a:avLst/>
+          </a:prstGeom>
+        </p:spPr>
+      </p:pic>
+    </p:spTree>
+    <p:extLst>
+      <p:ext uri="{BB962C8B-B14F-4D97-AF65-F5344CB8AC3E}">
+        <p14:creationId xmlns:p14="http://schemas.microsoft.com/office/powerpoint/2010/main" val="1434643753"/>
+      </p:ext>
+    </p:extLst>
+  </p:cSld>
+  <p:clrMapOvr>
+    <a:masterClrMapping/>
+  </p:clrMapOvr>
+</p:sld>
+</file>
+
+<file path=ppt/slides/slide54.xml><?xml version="1.0" encoding="utf-8"?>
+<p:sld xmlns:a="http://schemas.openxmlformats.org/drawingml/2006/main" xmlns:r="http://schemas.openxmlformats.org/officeDocument/2006/relationships" xmlns:p="http://schemas.openxmlformats.org/presentationml/2006/main">
+  <p:cSld>
+    <p:spTree>
+      <p:nvGrpSpPr>
+        <p:cNvPr id="1" name=""/>
+        <p:cNvGrpSpPr/>
+        <p:nvPr/>
+      </p:nvGrpSpPr>
+      <p:grpSpPr>
+        <a:xfrm>
+          <a:off x="0" y="0"/>
+          <a:ext cx="0" cy="0"/>
+          <a:chOff x="0" y="0"/>
+          <a:chExt cx="0" cy="0"/>
+        </a:xfrm>
+      </p:grpSpPr>
+      <p:sp>
+        <p:nvSpPr>
+          <p:cNvPr id="2" name="Title 1"/>
+          <p:cNvSpPr>
+            <a:spLocks noGrp="1"/>
+          </p:cNvSpPr>
+          <p:nvPr>
+            <p:ph type="title"/>
+          </p:nvPr>
+        </p:nvSpPr>
+        <p:spPr/>
+        <p:txBody>
+          <a:bodyPr/>
+          <a:lstStyle/>
+          <a:p>
+            <a:r>
+              <a:rPr lang="en-IN" dirty="0"/>
+              <a:t>Request in routing : ‘#’ factor</a:t>
+            </a:r>
+          </a:p>
+        </p:txBody>
+      </p:sp>
+      <p:sp>
+        <p:nvSpPr>
+          <p:cNvPr id="3" name="Content Placeholder 2"/>
+          <p:cNvSpPr>
+            <a:spLocks noGrp="1"/>
+          </p:cNvSpPr>
+          <p:nvPr>
+            <p:ph idx="1"/>
+          </p:nvPr>
+        </p:nvSpPr>
+        <p:spPr/>
+        <p:txBody>
+          <a:bodyPr>
+            <a:normAutofit/>
+          </a:bodyPr>
+          <a:lstStyle/>
+          <a:p>
+            <a:r>
+              <a:rPr lang="it-IT" sz="2000" dirty="0"/>
+              <a:t>Request in a common URLs: </a:t>
+            </a:r>
+            <a:endParaRPr lang="en-IN" sz="2000" dirty="0"/>
+          </a:p>
+        </p:txBody>
+      </p:sp>
+      <p:pic>
+        <p:nvPicPr>
+          <p:cNvPr id="4" name="Picture 3"/>
+          <p:cNvPicPr>
+            <a:picLocks noChangeAspect="1"/>
+          </p:cNvPicPr>
+          <p:nvPr/>
+        </p:nvPicPr>
+        <p:blipFill>
+          <a:blip r:embed="rId2"/>
+          <a:stretch>
+            <a:fillRect/>
+          </a:stretch>
+        </p:blipFill>
+        <p:spPr>
+          <a:xfrm>
+            <a:off x="1229931" y="2354623"/>
+            <a:ext cx="4194729" cy="993488"/>
+          </a:xfrm>
+          <a:prstGeom prst="rect">
+            <a:avLst/>
+          </a:prstGeom>
+        </p:spPr>
+      </p:pic>
+      <p:cxnSp>
+        <p:nvCxnSpPr>
+          <p:cNvPr id="6" name="Straight Arrow Connector 5"/>
+          <p:cNvCxnSpPr/>
+          <p:nvPr/>
+        </p:nvCxnSpPr>
+        <p:spPr>
+          <a:xfrm flipH="1">
+            <a:off x="2827607" y="2219686"/>
+            <a:ext cx="3685735" cy="565717"/>
+          </a:xfrm>
+          <a:prstGeom prst="straightConnector1">
+            <a:avLst/>
+          </a:prstGeom>
+          <a:ln w="28575">
+            <a:solidFill>
+              <a:srgbClr val="FF0000"/>
+            </a:solidFill>
+            <a:tailEnd type="triangle"/>
+          </a:ln>
+        </p:spPr>
+        <p:style>
+          <a:lnRef idx="1">
+            <a:schemeClr val="accent1"/>
+          </a:lnRef>
+          <a:fillRef idx="0">
+            <a:schemeClr val="accent1"/>
+          </a:fillRef>
+          <a:effectRef idx="0">
+            <a:schemeClr val="accent1"/>
+          </a:effectRef>
+          <a:fontRef idx="minor">
+            <a:schemeClr val="tx1"/>
+          </a:fontRef>
+        </p:style>
+      </p:cxnSp>
+      <p:pic>
+        <p:nvPicPr>
+          <p:cNvPr id="9" name="Picture 8"/>
+          <p:cNvPicPr>
+            <a:picLocks noChangeAspect="1"/>
+          </p:cNvPicPr>
+          <p:nvPr/>
+        </p:nvPicPr>
+        <p:blipFill>
+          <a:blip r:embed="rId3"/>
+          <a:stretch>
+            <a:fillRect/>
+          </a:stretch>
+        </p:blipFill>
+        <p:spPr>
+          <a:xfrm>
+            <a:off x="1041007" y="3637181"/>
+            <a:ext cx="8299941" cy="2947642"/>
+          </a:xfrm>
+          <a:prstGeom prst="rect">
+            <a:avLst/>
+          </a:prstGeom>
+        </p:spPr>
+      </p:pic>
+      <p:cxnSp>
+        <p:nvCxnSpPr>
+          <p:cNvPr id="10" name="Straight Arrow Connector 9"/>
+          <p:cNvCxnSpPr/>
+          <p:nvPr/>
+        </p:nvCxnSpPr>
+        <p:spPr>
+          <a:xfrm flipH="1">
+            <a:off x="5036236" y="2219686"/>
+            <a:ext cx="1510126" cy="1525495"/>
+          </a:xfrm>
+          <a:prstGeom prst="straightConnector1">
+            <a:avLst/>
+          </a:prstGeom>
+          <a:ln w="28575">
+            <a:solidFill>
+              <a:srgbClr val="FF0000"/>
+            </a:solidFill>
+            <a:tailEnd type="triangle"/>
+          </a:ln>
+        </p:spPr>
+        <p:style>
+          <a:lnRef idx="1">
+            <a:schemeClr val="accent1"/>
+          </a:lnRef>
+          <a:fillRef idx="0">
+            <a:schemeClr val="accent1"/>
+          </a:fillRef>
+          <a:effectRef idx="0">
+            <a:schemeClr val="accent1"/>
+          </a:effectRef>
+          <a:fontRef idx="minor">
+            <a:schemeClr val="tx1"/>
+          </a:fontRef>
+        </p:style>
+      </p:cxnSp>
+      <p:sp>
+        <p:nvSpPr>
+          <p:cNvPr id="12" name="TextBox 11"/>
+          <p:cNvSpPr txBox="1"/>
+          <p:nvPr/>
+        </p:nvSpPr>
+        <p:spPr>
+          <a:xfrm>
+            <a:off x="6546362" y="2035020"/>
+            <a:ext cx="1786600" cy="369332"/>
+          </a:xfrm>
+          <a:prstGeom prst="rect">
+            <a:avLst/>
+          </a:prstGeom>
+          <a:noFill/>
+        </p:spPr>
+        <p:txBody>
+          <a:bodyPr wrap="square" rtlCol="0">
+            <a:spAutoFit/>
+          </a:bodyPr>
+          <a:lstStyle/>
+          <a:p>
+            <a:r>
+              <a:rPr lang="en-IN" dirty="0"/>
+              <a:t># in URLs </a:t>
+            </a:r>
+          </a:p>
+        </p:txBody>
+      </p:sp>
+    </p:spTree>
+    <p:extLst>
+      <p:ext uri="{BB962C8B-B14F-4D97-AF65-F5344CB8AC3E}">
+        <p14:creationId xmlns:p14="http://schemas.microsoft.com/office/powerpoint/2010/main" val="50018984"/>
+      </p:ext>
+    </p:extLst>
+  </p:cSld>
+  <p:clrMapOvr>
+    <a:masterClrMapping/>
+  </p:clrMapOvr>
+</p:sld>
+</file>
+
+<file path=ppt/slides/slide55.xml><?xml version="1.0" encoding="utf-8"?>
+<p:sld xmlns:a="http://schemas.openxmlformats.org/drawingml/2006/main" xmlns:r="http://schemas.openxmlformats.org/officeDocument/2006/relationships" xmlns:p="http://schemas.openxmlformats.org/presentationml/2006/main">
+  <p:cSld>
+    <p:spTree>
+      <p:nvGrpSpPr>
+        <p:cNvPr id="1" name=""/>
+        <p:cNvGrpSpPr/>
+        <p:nvPr/>
+      </p:nvGrpSpPr>
+      <p:grpSpPr>
+        <a:xfrm>
+          <a:off x="0" y="0"/>
+          <a:ext cx="0" cy="0"/>
+          <a:chOff x="0" y="0"/>
+          <a:chExt cx="0" cy="0"/>
+        </a:xfrm>
+      </p:grpSpPr>
+      <p:sp>
+        <p:nvSpPr>
+          <p:cNvPr id="2" name="Title 1"/>
+          <p:cNvSpPr>
+            <a:spLocks noGrp="1"/>
+          </p:cNvSpPr>
+          <p:nvPr>
+            <p:ph type="title"/>
+          </p:nvPr>
+        </p:nvSpPr>
+        <p:spPr/>
+        <p:txBody>
+          <a:bodyPr/>
+          <a:lstStyle/>
+          <a:p>
+            <a:r>
+              <a:rPr lang="en-IN" sz="6600" b="1" dirty="0">
+                <a:effectLst>
+                  <a:outerShdw blurRad="38100" dist="38100" dir="2700000" algn="tl">
+                    <a:srgbClr val="000000">
+                      <a:alpha val="43137"/>
+                    </a:srgbClr>
+                  </a:outerShdw>
+                </a:effectLst>
+              </a:rPr>
+              <a:t>T</a:t>
+            </a:r>
+            <a:r>
+              <a:rPr lang="en-IN" b="1" dirty="0">
+                <a:effectLst>
+                  <a:outerShdw blurRad="38100" dist="38100" dir="2700000" algn="tl">
+                    <a:srgbClr val="000000">
+                      <a:alpha val="43137"/>
+                    </a:srgbClr>
+                  </a:outerShdw>
+                </a:effectLst>
+              </a:rPr>
+              <a:t>ask – 9	</a:t>
+            </a:r>
+          </a:p>
+        </p:txBody>
+      </p:sp>
+      <p:pic>
+        <p:nvPicPr>
+          <p:cNvPr id="6" name="Picture 5"/>
+          <p:cNvPicPr>
+            <a:picLocks noChangeAspect="1"/>
+          </p:cNvPicPr>
+          <p:nvPr/>
+        </p:nvPicPr>
+        <p:blipFill>
+          <a:blip r:embed="rId2">
+            <a:extLst>
+              <a:ext uri="{28A0092B-C50C-407E-A947-70E740481C1C}">
+                <a14:useLocalDpi xmlns:a14="http://schemas.microsoft.com/office/drawing/2010/main" val="0"/>
+              </a:ext>
+            </a:extLst>
+          </a:blip>
+          <a:stretch>
+            <a:fillRect/>
+          </a:stretch>
+        </p:blipFill>
+        <p:spPr>
+          <a:xfrm>
+            <a:off x="3002205" y="189181"/>
+            <a:ext cx="1274373" cy="1501507"/>
+          </a:xfrm>
+          <a:prstGeom prst="rect">
+            <a:avLst/>
+          </a:prstGeom>
+        </p:spPr>
+      </p:pic>
+      <p:sp>
+        <p:nvSpPr>
+          <p:cNvPr id="7" name="Content Placeholder 6"/>
+          <p:cNvSpPr>
+            <a:spLocks noGrp="1"/>
+          </p:cNvSpPr>
+          <p:nvPr>
+            <p:ph idx="1"/>
+          </p:nvPr>
+        </p:nvSpPr>
+        <p:spPr/>
+        <p:txBody>
+          <a:bodyPr/>
+          <a:lstStyle/>
+          <a:p>
+            <a:pPr marL="0" indent="0">
+              <a:buNone/>
+            </a:pPr>
+            <a:r>
+              <a:rPr lang="en-IN" dirty="0"/>
+              <a:t>Make 3 Angular applications (3 views)</a:t>
+            </a:r>
+          </a:p>
+          <a:p>
+            <a:pPr lvl="1"/>
+            <a:r>
+              <a:rPr lang="en-IN" dirty="0"/>
+              <a:t>Home.html</a:t>
+            </a:r>
+          </a:p>
+          <a:p>
+            <a:pPr lvl="1"/>
+            <a:r>
+              <a:rPr lang="en-IN" dirty="0"/>
+              <a:t>About.html</a:t>
+            </a:r>
+          </a:p>
+          <a:p>
+            <a:pPr lvl="1"/>
+            <a:r>
+              <a:rPr lang="en-IN" dirty="0"/>
+              <a:t>Contact.html</a:t>
+            </a:r>
+          </a:p>
+          <a:p>
+            <a:pPr lvl="1"/>
+            <a:endParaRPr lang="en-IN" dirty="0"/>
+          </a:p>
+          <a:p>
+            <a:pPr marL="0" indent="0">
+              <a:buNone/>
+            </a:pPr>
+            <a:r>
+              <a:rPr lang="en-IN" dirty="0"/>
+              <a:t>In index.html, you need to define 3 links for home, about and contact.  On clicking the links it needs to route to respective views without reloading the page.</a:t>
+            </a:r>
+          </a:p>
+          <a:p>
+            <a:pPr marL="0" indent="0">
+              <a:buNone/>
+            </a:pPr>
+            <a:r>
+              <a:rPr lang="en-IN" sz="1800" dirty="0"/>
+              <a:t>(Note: You may need to deploy as an application in a server to make it work.)</a:t>
+            </a:r>
+          </a:p>
+          <a:p>
+            <a:pPr lvl="1"/>
+            <a:endParaRPr lang="en-IN" dirty="0"/>
+          </a:p>
+          <a:p>
+            <a:pPr lvl="1"/>
+            <a:endParaRPr lang="en-IN" dirty="0"/>
+          </a:p>
+        </p:txBody>
+      </p:sp>
+    </p:spTree>
+    <p:extLst>
+      <p:ext uri="{BB962C8B-B14F-4D97-AF65-F5344CB8AC3E}">
+        <p14:creationId xmlns:p14="http://schemas.microsoft.com/office/powerpoint/2010/main" val="2111097715"/>
+      </p:ext>
+    </p:extLst>
+  </p:cSld>
+  <p:clrMapOvr>
+    <a:masterClrMapping/>
+  </p:clrMapOvr>
+</p:sld>
+</file>
+
+<file path=ppt/slides/slide56.xml><?xml version="1.0" encoding="utf-8"?>
+<p:sld xmlns:a="http://schemas.openxmlformats.org/drawingml/2006/main" xmlns:r="http://schemas.openxmlformats.org/officeDocument/2006/relationships" xmlns:p="http://schemas.openxmlformats.org/presentationml/2006/main">
+  <p:cSld>
+    <p:spTree>
+      <p:nvGrpSpPr>
+        <p:cNvPr id="1" name=""/>
+        <p:cNvGrpSpPr/>
+        <p:nvPr/>
+      </p:nvGrpSpPr>
+      <p:grpSpPr>
+        <a:xfrm>
+          <a:off x="0" y="0"/>
+          <a:ext cx="0" cy="0"/>
+          <a:chOff x="0" y="0"/>
+          <a:chExt cx="0" cy="0"/>
+        </a:xfrm>
+      </p:grpSpPr>
+      <p:sp>
+        <p:nvSpPr>
+          <p:cNvPr id="2" name="Title 1"/>
+          <p:cNvSpPr>
+            <a:spLocks noGrp="1"/>
+          </p:cNvSpPr>
+          <p:nvPr>
+            <p:ph type="title"/>
+          </p:nvPr>
+        </p:nvSpPr>
+        <p:spPr/>
+        <p:txBody>
+          <a:bodyPr/>
+          <a:lstStyle/>
+          <a:p>
+            <a:r>
+              <a:rPr lang="en-IN" dirty="0"/>
+              <a:t>Things to do:</a:t>
+            </a:r>
+          </a:p>
+        </p:txBody>
+      </p:sp>
+      <p:sp>
+        <p:nvSpPr>
+          <p:cNvPr id="3" name="Content Placeholder 2"/>
+          <p:cNvSpPr>
+            <a:spLocks noGrp="1"/>
+          </p:cNvSpPr>
+          <p:nvPr>
+            <p:ph idx="1"/>
+          </p:nvPr>
+        </p:nvSpPr>
+        <p:spPr/>
+        <p:txBody>
+          <a:bodyPr/>
+          <a:lstStyle/>
+          <a:p>
+            <a:r>
+              <a:rPr lang="en-IN" dirty="0"/>
+              <a:t>I didn’t cover the unit testing, mocking up in AngularJS in this presentation for each of the components. I request you to go through the steps for unit testing in internet. If I get time I would add unit testing in a separate presentation.  Thank you.</a:t>
+            </a:r>
+          </a:p>
+        </p:txBody>
+      </p:sp>
+    </p:spTree>
+    <p:extLst>
+      <p:ext uri="{BB962C8B-B14F-4D97-AF65-F5344CB8AC3E}">
+        <p14:creationId xmlns:p14="http://schemas.microsoft.com/office/powerpoint/2010/main" val="709665942"/>
+      </p:ext>
+    </p:extLst>
+  </p:cSld>
+  <p:clrMapOvr>
+    <a:masterClrMapping/>
+  </p:clrMapOvr>
+</p:sld>
+</file>
+
+<file path=ppt/slides/slide57.xml><?xml version="1.0" encoding="utf-8"?>
+<p:sld xmlns:a="http://schemas.openxmlformats.org/drawingml/2006/main" xmlns:r="http://schemas.openxmlformats.org/officeDocument/2006/relationships" xmlns:p="http://schemas.openxmlformats.org/presentationml/2006/main">
+  <p:cSld>
+    <p:spTree>
+      <p:nvGrpSpPr>
+        <p:cNvPr id="1" name=""/>
+        <p:cNvGrpSpPr/>
+        <p:nvPr/>
+      </p:nvGrpSpPr>
+      <p:grpSpPr>
+        <a:xfrm>
+          <a:off x="0" y="0"/>
+          <a:ext cx="0" cy="0"/>
+          <a:chOff x="0" y="0"/>
+          <a:chExt cx="0" cy="0"/>
+        </a:xfrm>
+      </p:grpSpPr>
+      <p:pic>
+        <p:nvPicPr>
+          <p:cNvPr id="2050" name="Picture 2" descr="https://gothinkbig.co.uk/wp-content/uploads/2013/03/anyquestions.png"/>
+          <p:cNvPicPr>
+            <a:picLocks noChangeAspect="1" noChangeArrowheads="1"/>
+          </p:cNvPicPr>
+          <p:nvPr/>
+        </p:nvPicPr>
+        <p:blipFill>
+          <a:blip r:embed="rId2">
+            <a:extLst>
+              <a:ext uri="{28A0092B-C50C-407E-A947-70E740481C1C}">
+                <a14:useLocalDpi xmlns:a14="http://schemas.microsoft.com/office/drawing/2010/main" val="0"/>
+              </a:ext>
+            </a:extLst>
+          </a:blip>
+          <a:srcRect/>
+          <a:stretch>
+            <a:fillRect/>
+          </a:stretch>
+        </p:blipFill>
+        <p:spPr bwMode="auto">
+          <a:xfrm>
+            <a:off x="-16412" y="0"/>
+            <a:ext cx="12208412" cy="6858000"/>
+          </a:xfrm>
+          <a:prstGeom prst="rect">
+            <a:avLst/>
+          </a:prstGeom>
+          <a:noFill/>
+          <a:extLst>
+            <a:ext uri="{909E8E84-426E-40DD-AFC4-6F175D3DCCD1}">
+              <a14:hiddenFill xmlns:a14="http://schemas.microsoft.com/office/drawing/2010/main">
+                <a:solidFill>
+                  <a:srgbClr val="FFFFFF"/>
+                </a:solidFill>
+              </a14:hiddenFill>
+            </a:ext>
+          </a:extLst>
+        </p:spPr>
+      </p:pic>
+    </p:spTree>
+    <p:extLst>
+      <p:ext uri="{BB962C8B-B14F-4D97-AF65-F5344CB8AC3E}">
+        <p14:creationId xmlns:p14="http://schemas.microsoft.com/office/powerpoint/2010/main" val="1529130070"/>
+      </p:ext>
+    </p:extLst>
+  </p:cSld>
+  <p:clrMapOvr>
+    <a:masterClrMapping/>
+  </p:clrMapOvr>
+</p:sld>
+</file>
+
+<file path=ppt/slides/slide58.xml><?xml version="1.0" encoding="utf-8"?>
+<p:sld xmlns:a="http://schemas.openxmlformats.org/drawingml/2006/main" xmlns:r="http://schemas.openxmlformats.org/officeDocument/2006/relationships" xmlns:p="http://schemas.openxmlformats.org/presentationml/2006/main">
+  <p:cSld>
+    <p:spTree>
+      <p:nvGrpSpPr>
+        <p:cNvPr id="1" name=""/>
+        <p:cNvGrpSpPr/>
+        <p:nvPr/>
+      </p:nvGrpSpPr>
+      <p:grpSpPr>
+        <a:xfrm>
+          <a:off x="0" y="0"/>
+          <a:ext cx="0" cy="0"/>
+          <a:chOff x="0" y="0"/>
+          <a:chExt cx="0" cy="0"/>
+        </a:xfrm>
+      </p:grpSpPr>
+      <p:pic>
+        <p:nvPicPr>
+          <p:cNvPr id="3074" name="Picture 2" descr="http://az616578.vo.msecnd.net/files/2016/08/19/636072212661198938-231321585_3D-Thank-You-HD-Wallpapers.jpg"/>
+          <p:cNvPicPr>
+            <a:picLocks noChangeAspect="1" noChangeArrowheads="1"/>
+          </p:cNvPicPr>
+          <p:nvPr/>
+        </p:nvPicPr>
+        <p:blipFill>
+          <a:blip r:embed="rId2">
+            <a:extLst>
+              <a:ext uri="{28A0092B-C50C-407E-A947-70E740481C1C}">
+                <a14:useLocalDpi xmlns:a14="http://schemas.microsoft.com/office/drawing/2010/main" val="0"/>
+              </a:ext>
+            </a:extLst>
+          </a:blip>
+          <a:srcRect/>
+          <a:stretch>
+            <a:fillRect/>
+          </a:stretch>
+        </p:blipFill>
+        <p:spPr bwMode="auto">
+          <a:xfrm>
+            <a:off x="0" y="0"/>
+            <a:ext cx="12192000" cy="6858000"/>
+          </a:xfrm>
+          <a:prstGeom prst="rect">
+            <a:avLst/>
+          </a:prstGeom>
+          <a:noFill/>
+          <a:extLst>
+            <a:ext uri="{909E8E84-426E-40DD-AFC4-6F175D3DCCD1}">
+              <a14:hiddenFill xmlns:a14="http://schemas.microsoft.com/office/drawing/2010/main">
+                <a:solidFill>
+                  <a:srgbClr val="FFFFFF"/>
+                </a:solidFill>
+              </a14:hiddenFill>
+            </a:ext>
+          </a:extLst>
+        </p:spPr>
+      </p:pic>
+    </p:spTree>
+    <p:extLst>
+      <p:ext uri="{BB962C8B-B14F-4D97-AF65-F5344CB8AC3E}">
+        <p14:creationId xmlns:p14="http://schemas.microsoft.com/office/powerpoint/2010/main" val="32657691"/>
       </p:ext>
     </p:extLst>
   </p:cSld>
@@ -9883,11 +11142,18 @@
         </p:nvSpPr>
         <p:spPr/>
         <p:txBody>
-          <a:bodyPr/>
+          <a:bodyPr vert="horz" lIns="91440" tIns="45720" rIns="91440" bIns="45720" rtlCol="0" anchor="ctr">
+            <a:normAutofit/>
+          </a:bodyPr>
           <a:lstStyle/>
           <a:p>
             <a:r>
               <a:rPr lang="en-IN" b="1" dirty="0">
+                <a:solidFill>
+                  <a:schemeClr val="accent1">
+                    <a:lumMod val="50000"/>
+                  </a:schemeClr>
+                </a:solidFill>
                 <a:effectLst>
                   <a:outerShdw blurRad="38100" dist="38100" dir="2700000" algn="tl">
                     <a:srgbClr val="000000">
@@ -9896,23 +11162,7 @@
                   </a:outerShdw>
                 </a:effectLst>
               </a:rPr>
-              <a:t>AngularJS</a:t>
-            </a:r>
-            <a:r>
-              <a:rPr lang="en-IN" dirty="0"/>
-              <a:t> </a:t>
-            </a:r>
-            <a:r>
-              <a:rPr lang="en-IN" b="1" dirty="0">
-                <a:effectLst>
-                  <a:outerShdw blurRad="38100" dist="38100" dir="2700000" algn="tl">
-                    <a:srgbClr val="000000">
-                      <a:alpha val="43137"/>
-                    </a:srgbClr>
-                  </a:outerShdw>
-                </a:effectLst>
-              </a:rPr>
-              <a:t>Directives</a:t>
+              <a:t>AngularJS Directives</a:t>
             </a:r>
           </a:p>
         </p:txBody>
